--- a/presentation/DutileOtentiPhangSweeney.pptx
+++ b/presentation/DutileOtentiPhangSweeney.pptx
@@ -5,23 +5,25 @@
     <p:sldMasterId id="2147483648" r:id="rId1"/>
   </p:sldMasterIdLst>
   <p:notesMasterIdLst>
-    <p:notesMasterId r:id="rId13"/>
+    <p:notesMasterId r:id="rId15"/>
   </p:notesMasterIdLst>
   <p:handoutMasterIdLst>
-    <p:handoutMasterId r:id="rId14"/>
+    <p:handoutMasterId r:id="rId16"/>
   </p:handoutMasterIdLst>
   <p:sldIdLst>
     <p:sldId id="256" r:id="rId2"/>
     <p:sldId id="273" r:id="rId3"/>
     <p:sldId id="274" r:id="rId4"/>
-    <p:sldId id="265" r:id="rId5"/>
-    <p:sldId id="275" r:id="rId6"/>
-    <p:sldId id="271" r:id="rId7"/>
-    <p:sldId id="276" r:id="rId8"/>
-    <p:sldId id="269" r:id="rId9"/>
-    <p:sldId id="262" r:id="rId10"/>
-    <p:sldId id="277" r:id="rId11"/>
-    <p:sldId id="261" r:id="rId12"/>
+    <p:sldId id="278" r:id="rId5"/>
+    <p:sldId id="279" r:id="rId6"/>
+    <p:sldId id="275" r:id="rId7"/>
+    <p:sldId id="271" r:id="rId8"/>
+    <p:sldId id="276" r:id="rId9"/>
+    <p:sldId id="280" r:id="rId10"/>
+    <p:sldId id="281" r:id="rId11"/>
+    <p:sldId id="262" r:id="rId12"/>
+    <p:sldId id="277" r:id="rId13"/>
+    <p:sldId id="261" r:id="rId14"/>
   </p:sldIdLst>
   <p:sldSz cx="9144000" cy="6858000" type="screen4x3"/>
   <p:notesSz cx="6858000" cy="9144000"/>
@@ -135,6 +137,9 @@
         </p15:guide>
       </p15:sldGuideLst>
     </p:ext>
+    <p:ext uri="{2D200454-40CA-4A62-9FC3-DE9A4176ACB9}">
+      <p15:notesGuideLst xmlns:p15="http://schemas.microsoft.com/office/powerpoint/2012/main"/>
+    </p:ext>
   </p:extLst>
 </p:presentation>
 </file>
@@ -221,7 +226,7 @@
           <a:p>
             <a:fld id="{69F838D6-D208-E54F-80E5-7DC509039C32}" type="datetimeFigureOut">
               <a:rPr lang="en-US" smtClean="0"/>
-              <a:t>4/22/18</a:t>
+              <a:t>4/23/18</a:t>
             </a:fld>
             <a:endParaRPr lang="en-US"/>
           </a:p>
@@ -387,7 +392,7 @@
           <a:p>
             <a:fld id="{C4DE9AAC-E34A-E34F-8216-9BD67DCDB2D8}" type="datetimeFigureOut">
               <a:rPr lang="en-US" smtClean="0"/>
-              <a:t>4/22/18</a:t>
+              <a:t>4/23/18</a:t>
             </a:fld>
             <a:endParaRPr lang="en-US"/>
           </a:p>
@@ -699,6 +704,10 @@
           <a:bodyPr/>
           <a:lstStyle/>
           <a:p>
+            <a:pPr marL="171450" indent="-171450">
+              <a:buFont typeface="Arial" panose="020B0604020202020204" pitchFamily="34" charset="0"/>
+              <a:buChar char="•"/>
+            </a:pPr>
             <a:r>
               <a:rPr lang="en-US" sz="1200" b="0" i="0" kern="1200" dirty="0">
                 <a:solidFill>
@@ -709,9 +718,116 @@
                 <a:ea typeface="+mn-ea"/>
                 <a:cs typeface="+mn-cs"/>
               </a:rPr>
-              <a:t>We looked at the distribution of the data to identify class imbalance - a term used to describe when a target class within a data set is outnumbered by another target class (or classes). This can create misleading accuracy metrics, known as an accuracy paradox.</a:t>
-            </a:r>
-            <a:endParaRPr lang="en-US" dirty="0"/>
+              <a:t>Have foreground and background image</a:t>
+            </a:r>
+          </a:p>
+          <a:p>
+            <a:pPr marL="171450" indent="-171450">
+              <a:buFont typeface="Arial" panose="020B0604020202020204" pitchFamily="34" charset="0"/>
+              <a:buChar char="•"/>
+            </a:pPr>
+            <a:r>
+              <a:rPr lang="en-US" sz="1200" b="0" i="0" kern="1200" dirty="0">
+                <a:solidFill>
+                  <a:schemeClr val="tx1"/>
+                </a:solidFill>
+                <a:effectLst/>
+                <a:latin typeface="+mn-lt"/>
+                <a:ea typeface="+mn-ea"/>
+                <a:cs typeface="+mn-cs"/>
+              </a:rPr>
+              <a:t>We can see the foreground image have a higher density of points with values higher than a particular threshold (50)</a:t>
+            </a:r>
+          </a:p>
+          <a:p>
+            <a:pPr marL="171450" indent="-171450">
+              <a:buFont typeface="Arial" panose="020B0604020202020204" pitchFamily="34" charset="0"/>
+              <a:buChar char="•"/>
+            </a:pPr>
+            <a:r>
+              <a:rPr lang="en-US" sz="1200" b="0" i="0" kern="1200" dirty="0">
+                <a:solidFill>
+                  <a:schemeClr val="tx1"/>
+                </a:solidFill>
+                <a:effectLst/>
+                <a:latin typeface="+mn-lt"/>
+                <a:ea typeface="+mn-ea"/>
+                <a:cs typeface="+mn-cs"/>
+              </a:rPr>
+              <a:t>Foreground and background have diff characterizes – foreground has more clustering of white images on the center (in the raw image and FFT transformation)</a:t>
+            </a:r>
+          </a:p>
+          <a:p>
+            <a:pPr marL="171450" indent="-171450">
+              <a:buFont typeface="Arial" panose="020B0604020202020204" pitchFamily="34" charset="0"/>
+              <a:buChar char="•"/>
+            </a:pPr>
+            <a:r>
+              <a:rPr lang="en-US" sz="1200" b="0" i="0" kern="1200" dirty="0">
+                <a:solidFill>
+                  <a:schemeClr val="tx1"/>
+                </a:solidFill>
+                <a:effectLst/>
+                <a:latin typeface="+mn-lt"/>
+                <a:ea typeface="+mn-ea"/>
+                <a:cs typeface="+mn-cs"/>
+              </a:rPr>
+              <a:t>We extracted more features based on clusters of pixels with higher values</a:t>
+            </a:r>
+          </a:p>
+          <a:p>
+            <a:pPr marL="171450" indent="-171450">
+              <a:buFont typeface="Arial" panose="020B0604020202020204" pitchFamily="34" charset="0"/>
+              <a:buChar char="•"/>
+            </a:pPr>
+            <a:r>
+              <a:rPr lang="en-US" sz="1200" b="0" i="0" kern="1200" dirty="0">
+                <a:solidFill>
+                  <a:schemeClr val="tx1"/>
+                </a:solidFill>
+                <a:effectLst/>
+                <a:latin typeface="+mn-lt"/>
+                <a:ea typeface="+mn-ea"/>
+                <a:cs typeface="+mn-cs"/>
+              </a:rPr>
+              <a:t>Decided to do window around the center – analyze raw image and foreground transformation which is a representation of image.</a:t>
+            </a:r>
+          </a:p>
+          <a:p>
+            <a:pPr marL="171450" indent="-171450">
+              <a:buFont typeface="Arial" panose="020B0604020202020204" pitchFamily="34" charset="0"/>
+              <a:buChar char="•"/>
+            </a:pPr>
+            <a:r>
+              <a:rPr lang="en-US" sz="1200" b="0" i="0" kern="1200" dirty="0">
+                <a:solidFill>
+                  <a:schemeClr val="tx1"/>
+                </a:solidFill>
+                <a:effectLst/>
+                <a:latin typeface="+mn-lt"/>
+                <a:ea typeface="+mn-ea"/>
+                <a:cs typeface="+mn-cs"/>
+              </a:rPr>
+              <a:t>Features selected (small feature vector): center pixel, overall # of pixels &gt; threshold, FFT</a:t>
+            </a:r>
+          </a:p>
+          <a:p>
+            <a:pPr marL="171450" indent="-171450">
+              <a:buFont typeface="Arial" panose="020B0604020202020204" pitchFamily="34" charset="0"/>
+              <a:buChar char="•"/>
+            </a:pPr>
+            <a:r>
+              <a:rPr lang="en-US" sz="1200" b="0" i="0" kern="1200" dirty="0">
+                <a:solidFill>
+                  <a:schemeClr val="tx1"/>
+                </a:solidFill>
+                <a:effectLst/>
+                <a:latin typeface="+mn-lt"/>
+                <a:ea typeface="+mn-ea"/>
+                <a:cs typeface="+mn-cs"/>
+              </a:rPr>
+              <a:t>We looked at the distribution of the data to identify class imbalance - a term used to describe when a target class within a data set is outnumbered by another target class (or classes). This can create misleading accuracy metrics, known as an accuracy paradox</a:t>
+            </a:r>
           </a:p>
         </p:txBody>
       </p:sp>
@@ -742,6 +858,117 @@
     <p:extLst>
       <p:ext uri="{BB962C8B-B14F-4D97-AF65-F5344CB8AC3E}">
         <p14:creationId xmlns:p14="http://schemas.microsoft.com/office/powerpoint/2010/main" val="269511429"/>
+      </p:ext>
+    </p:extLst>
+  </p:cSld>
+  <p:clrMapOvr>
+    <a:masterClrMapping/>
+  </p:clrMapOvr>
+</p:notes>
+</file>
+
+<file path=ppt/notesSlides/notesSlide10.xml><?xml version="1.0" encoding="utf-8"?>
+<p:notes xmlns:a="http://schemas.openxmlformats.org/drawingml/2006/main" xmlns:r="http://schemas.openxmlformats.org/officeDocument/2006/relationships" xmlns:p="http://schemas.openxmlformats.org/presentationml/2006/main">
+  <p:cSld>
+    <p:spTree>
+      <p:nvGrpSpPr>
+        <p:cNvPr id="1" name=""/>
+        <p:cNvGrpSpPr/>
+        <p:nvPr/>
+      </p:nvGrpSpPr>
+      <p:grpSpPr>
+        <a:xfrm>
+          <a:off x="0" y="0"/>
+          <a:ext cx="0" cy="0"/>
+          <a:chOff x="0" y="0"/>
+          <a:chExt cx="0" cy="0"/>
+        </a:xfrm>
+      </p:grpSpPr>
+      <p:sp>
+        <p:nvSpPr>
+          <p:cNvPr id="2" name="Slide Image Placeholder 1"/>
+          <p:cNvSpPr>
+            <a:spLocks noGrp="1" noRot="1" noChangeAspect="1"/>
+          </p:cNvSpPr>
+          <p:nvPr>
+            <p:ph type="sldImg"/>
+          </p:nvPr>
+        </p:nvSpPr>
+        <p:spPr/>
+      </p:sp>
+      <p:sp>
+        <p:nvSpPr>
+          <p:cNvPr id="3" name="Notes Placeholder 2"/>
+          <p:cNvSpPr>
+            <a:spLocks noGrp="1"/>
+          </p:cNvSpPr>
+          <p:nvPr>
+            <p:ph type="body" idx="1"/>
+          </p:nvPr>
+        </p:nvSpPr>
+        <p:spPr/>
+        <p:txBody>
+          <a:bodyPr/>
+          <a:lstStyle/>
+          <a:p>
+            <a:r>
+              <a:rPr lang="en-US" dirty="0"/>
+              <a:t>IMAGE 2 = validation, train on the rest of the data.</a:t>
+            </a:r>
+          </a:p>
+          <a:p>
+            <a:r>
+              <a:rPr lang="en-US" dirty="0"/>
+              <a:t>Base accuracy = total number of samples / negatives</a:t>
+            </a:r>
+          </a:p>
+          <a:p>
+            <a:r>
+              <a:rPr lang="en-US" dirty="0"/>
+              <a:t>Best = TN + TP / total</a:t>
+            </a:r>
+          </a:p>
+          <a:p>
+            <a:r>
+              <a:rPr lang="en-US" dirty="0"/>
+              <a:t>Don’t have as good sensitivity for foreground. Getting a better sensitivity for foreground we lose on background.</a:t>
+            </a:r>
+          </a:p>
+          <a:p>
+            <a:r>
+              <a:rPr lang="en-US" dirty="0"/>
+              <a:t>Similar to classifying patients with cancer, by selecting accuracy metric – true negatives is important. Have the smallest false positive rate.</a:t>
+            </a:r>
+          </a:p>
+        </p:txBody>
+      </p:sp>
+      <p:sp>
+        <p:nvSpPr>
+          <p:cNvPr id="4" name="Slide Number Placeholder 3"/>
+          <p:cNvSpPr>
+            <a:spLocks noGrp="1"/>
+          </p:cNvSpPr>
+          <p:nvPr>
+            <p:ph type="sldNum" sz="quarter" idx="10"/>
+          </p:nvPr>
+        </p:nvSpPr>
+        <p:spPr/>
+        <p:txBody>
+          <a:bodyPr/>
+          <a:lstStyle/>
+          <a:p>
+            <a:fld id="{1B8B4FD3-9156-3F45-86A6-2A512E7D4DAE}" type="slidenum">
+              <a:rPr lang="en-US" smtClean="0"/>
+              <a:t>12</a:t>
+            </a:fld>
+            <a:endParaRPr lang="en-US"/>
+          </a:p>
+        </p:txBody>
+      </p:sp>
+    </p:spTree>
+    <p:extLst>
+      <p:ext uri="{BB962C8B-B14F-4D97-AF65-F5344CB8AC3E}">
+        <p14:creationId xmlns:p14="http://schemas.microsoft.com/office/powerpoint/2010/main" val="2620487326"/>
       </p:ext>
     </p:extLst>
   </p:cSld>
@@ -809,7 +1036,25 @@
                 <a:ea typeface="+mn-ea"/>
                 <a:cs typeface="+mn-cs"/>
               </a:rPr>
-              <a:t>Using cross validation, we can create multiple training and test sets and average the scores to give us a less biased metric.</a:t>
+              <a:t>Decision tree and RF splits the samples on the features</a:t>
+            </a:r>
+          </a:p>
+          <a:p>
+            <a:pPr marL="171450" indent="-171450">
+              <a:buFont typeface="Arial" panose="020B0604020202020204" pitchFamily="34" charset="0"/>
+              <a:buChar char="•"/>
+            </a:pPr>
+            <a:r>
+              <a:rPr lang="en-US" sz="1200" b="0" i="0" kern="1200" dirty="0">
+                <a:solidFill>
+                  <a:schemeClr val="tx1"/>
+                </a:solidFill>
+                <a:effectLst/>
+                <a:latin typeface="+mn-lt"/>
+                <a:ea typeface="+mn-ea"/>
+                <a:cs typeface="+mn-cs"/>
+              </a:rPr>
+              <a:t>Foreground image has a higher value than background</a:t>
             </a:r>
             <a:endParaRPr lang="en-US" dirty="0"/>
           </a:p>
@@ -841,7 +1086,7 @@
     </p:spTree>
     <p:extLst>
       <p:ext uri="{BB962C8B-B14F-4D97-AF65-F5344CB8AC3E}">
-        <p14:creationId xmlns:p14="http://schemas.microsoft.com/office/powerpoint/2010/main" val="2138201310"/>
+        <p14:creationId xmlns:p14="http://schemas.microsoft.com/office/powerpoint/2010/main" val="2224639676"/>
       </p:ext>
     </p:extLst>
   </p:cSld>
@@ -900,9 +1145,114 @@
               <a:buChar char="•"/>
             </a:pPr>
             <a:r>
-              <a:rPr lang="en-US" dirty="0"/>
-              <a:t>Gini used since it doesn't require to compute logarithmic functions (which is calculated in entropy), which are computationally intensive.</a:t>
-            </a:r>
+              <a:rPr lang="en-US" sz="1200" b="0" i="0" kern="1200" dirty="0">
+                <a:solidFill>
+                  <a:schemeClr val="tx1"/>
+                </a:solidFill>
+                <a:effectLst/>
+                <a:latin typeface="+mn-lt"/>
+                <a:ea typeface="+mn-ea"/>
+                <a:cs typeface="+mn-cs"/>
+              </a:rPr>
+              <a:t>Ran a subset of samples, Using cross validation, we can create multiple training and test sets and average the scores to give us a less biased metric.</a:t>
+            </a:r>
+          </a:p>
+          <a:p>
+            <a:pPr marL="171450" indent="-171450">
+              <a:buFont typeface="Arial" panose="020B0604020202020204" pitchFamily="34" charset="0"/>
+              <a:buChar char="•"/>
+            </a:pPr>
+            <a:r>
+              <a:rPr lang="en-US" sz="1200" b="0" i="0" kern="1200" dirty="0">
+                <a:solidFill>
+                  <a:schemeClr val="tx1"/>
+                </a:solidFill>
+                <a:effectLst/>
+                <a:latin typeface="+mn-lt"/>
+                <a:ea typeface="+mn-ea"/>
+                <a:cs typeface="+mn-cs"/>
+              </a:rPr>
+              <a:t>Decision trees, RF, AdaBoost ensembles doing best</a:t>
+            </a:r>
+          </a:p>
+          <a:p>
+            <a:pPr marL="171450" indent="-171450">
+              <a:buFont typeface="Arial" panose="020B0604020202020204" pitchFamily="34" charset="0"/>
+              <a:buChar char="•"/>
+            </a:pPr>
+            <a:r>
+              <a:rPr lang="en-US" sz="1200" b="0" i="0" kern="1200" dirty="0">
+                <a:solidFill>
+                  <a:schemeClr val="tx1"/>
+                </a:solidFill>
+                <a:effectLst/>
+                <a:latin typeface="+mn-lt"/>
+                <a:ea typeface="+mn-ea"/>
+                <a:cs typeface="+mn-cs"/>
+              </a:rPr>
+              <a:t>RF scaled the best with framework</a:t>
+            </a:r>
+          </a:p>
+          <a:p>
+            <a:pPr marL="171450" indent="-171450">
+              <a:buFont typeface="Arial" panose="020B0604020202020204" pitchFamily="34" charset="0"/>
+              <a:buChar char="•"/>
+            </a:pPr>
+            <a:r>
+              <a:rPr lang="en-US" sz="1200" b="0" i="0" kern="1200" dirty="0">
+                <a:solidFill>
+                  <a:schemeClr val="tx1"/>
+                </a:solidFill>
+                <a:effectLst/>
+                <a:latin typeface="+mn-lt"/>
+                <a:ea typeface="+mn-ea"/>
+                <a:cs typeface="+mn-cs"/>
+              </a:rPr>
+              <a:t>Image shows subset of samples as background or foreground</a:t>
+            </a:r>
+          </a:p>
+          <a:p>
+            <a:pPr marL="171450" indent="-171450">
+              <a:buFont typeface="Arial" panose="020B0604020202020204" pitchFamily="34" charset="0"/>
+              <a:buChar char="•"/>
+            </a:pPr>
+            <a:r>
+              <a:rPr lang="en-US" sz="1200" b="0" i="0" kern="1200" dirty="0">
+                <a:solidFill>
+                  <a:schemeClr val="tx1"/>
+                </a:solidFill>
+                <a:effectLst/>
+                <a:latin typeface="+mn-lt"/>
+                <a:ea typeface="+mn-ea"/>
+                <a:cs typeface="+mn-cs"/>
+              </a:rPr>
+              <a:t>Red = background, blue = foreground</a:t>
+            </a:r>
+          </a:p>
+          <a:p>
+            <a:pPr marL="171450" indent="-171450">
+              <a:buFont typeface="Arial" panose="020B0604020202020204" pitchFamily="34" charset="0"/>
+              <a:buChar char="•"/>
+            </a:pPr>
+            <a:r>
+              <a:rPr lang="en-US" sz="1200" b="0" i="0" kern="1200" dirty="0">
+                <a:solidFill>
+                  <a:schemeClr val="tx1"/>
+                </a:solidFill>
+                <a:effectLst/>
+                <a:latin typeface="+mn-lt"/>
+                <a:ea typeface="+mn-ea"/>
+                <a:cs typeface="+mn-cs"/>
+              </a:rPr>
+              <a:t>Bottom image = feature vector image with preprocessed data</a:t>
+            </a:r>
+          </a:p>
+          <a:p>
+            <a:pPr marL="171450" indent="-171450">
+              <a:buFont typeface="Arial" panose="020B0604020202020204" pitchFamily="34" charset="0"/>
+              <a:buChar char="•"/>
+            </a:pPr>
+            <a:endParaRPr lang="en-US" dirty="0"/>
           </a:p>
         </p:txBody>
       </p:sp>
@@ -923,7 +1273,7 @@
           <a:p>
             <a:fld id="{1B8B4FD3-9156-3F45-86A6-2A512E7D4DAE}" type="slidenum">
               <a:rPr lang="en-US" smtClean="0"/>
-              <a:t>6</a:t>
+              <a:t>5</a:t>
             </a:fld>
             <a:endParaRPr lang="en-US"/>
           </a:p>
@@ -932,7 +1282,7 @@
     </p:spTree>
     <p:extLst>
       <p:ext uri="{BB962C8B-B14F-4D97-AF65-F5344CB8AC3E}">
-        <p14:creationId xmlns:p14="http://schemas.microsoft.com/office/powerpoint/2010/main" val="698586686"/>
+        <p14:creationId xmlns:p14="http://schemas.microsoft.com/office/powerpoint/2010/main" val="2973449022"/>
       </p:ext>
     </p:extLst>
   </p:cSld>
@@ -986,14 +1336,103 @@
           <a:bodyPr/>
           <a:lstStyle/>
           <a:p>
+            <a:endParaRPr lang="en-US" dirty="0"/>
+          </a:p>
+        </p:txBody>
+      </p:sp>
+      <p:sp>
+        <p:nvSpPr>
+          <p:cNvPr id="4" name="Slide Number Placeholder 3"/>
+          <p:cNvSpPr>
+            <a:spLocks noGrp="1"/>
+          </p:cNvSpPr>
+          <p:nvPr>
+            <p:ph type="sldNum" sz="quarter" idx="10"/>
+          </p:nvPr>
+        </p:nvSpPr>
+        <p:spPr/>
+        <p:txBody>
+          <a:bodyPr/>
+          <a:lstStyle/>
+          <a:p>
+            <a:fld id="{1B8B4FD3-9156-3F45-86A6-2A512E7D4DAE}" type="slidenum">
+              <a:rPr lang="en-US" smtClean="0"/>
+              <a:t>6</a:t>
+            </a:fld>
+            <a:endParaRPr lang="en-US"/>
+          </a:p>
+        </p:txBody>
+      </p:sp>
+    </p:spTree>
+    <p:extLst>
+      <p:ext uri="{BB962C8B-B14F-4D97-AF65-F5344CB8AC3E}">
+        <p14:creationId xmlns:p14="http://schemas.microsoft.com/office/powerpoint/2010/main" val="1147834750"/>
+      </p:ext>
+    </p:extLst>
+  </p:cSld>
+  <p:clrMapOvr>
+    <a:masterClrMapping/>
+  </p:clrMapOvr>
+</p:notes>
+</file>
+
+<file path=ppt/notesSlides/notesSlide5.xml><?xml version="1.0" encoding="utf-8"?>
+<p:notes xmlns:a="http://schemas.openxmlformats.org/drawingml/2006/main" xmlns:r="http://schemas.openxmlformats.org/officeDocument/2006/relationships" xmlns:p="http://schemas.openxmlformats.org/presentationml/2006/main">
+  <p:cSld>
+    <p:spTree>
+      <p:nvGrpSpPr>
+        <p:cNvPr id="1" name=""/>
+        <p:cNvGrpSpPr/>
+        <p:nvPr/>
+      </p:nvGrpSpPr>
+      <p:grpSpPr>
+        <a:xfrm>
+          <a:off x="0" y="0"/>
+          <a:ext cx="0" cy="0"/>
+          <a:chOff x="0" y="0"/>
+          <a:chExt cx="0" cy="0"/>
+        </a:xfrm>
+      </p:grpSpPr>
+      <p:sp>
+        <p:nvSpPr>
+          <p:cNvPr id="2" name="Slide Image Placeholder 1"/>
+          <p:cNvSpPr>
+            <a:spLocks noGrp="1" noRot="1" noChangeAspect="1"/>
+          </p:cNvSpPr>
+          <p:nvPr>
+            <p:ph type="sldImg"/>
+          </p:nvPr>
+        </p:nvSpPr>
+        <p:spPr/>
+      </p:sp>
+      <p:sp>
+        <p:nvSpPr>
+          <p:cNvPr id="3" name="Notes Placeholder 2"/>
+          <p:cNvSpPr>
+            <a:spLocks noGrp="1"/>
+          </p:cNvSpPr>
+          <p:nvPr>
+            <p:ph type="body" idx="1"/>
+          </p:nvPr>
+        </p:nvSpPr>
+        <p:spPr/>
+        <p:txBody>
+          <a:bodyPr/>
+          <a:lstStyle/>
+          <a:p>
             <a:pPr marL="171450" indent="-171450">
               <a:buFont typeface="Arial" panose="020B0604020202020204" pitchFamily="34" charset="0"/>
               <a:buChar char="•"/>
             </a:pPr>
             <a:r>
               <a:rPr lang="en-US" dirty="0"/>
-              <a:t>Split dataset into train and test sets</a:t>
-            </a:r>
+              <a:t>Use following parameters – got from </a:t>
+            </a:r>
+            <a:r>
+              <a:rPr lang="en-US" dirty="0" err="1"/>
+              <a:t>paramgridbuilder</a:t>
+            </a:r>
+            <a:endParaRPr lang="en-US" dirty="0"/>
           </a:p>
           <a:p>
             <a:pPr marL="171450" indent="-171450">
@@ -1002,37 +1441,7 @@
             </a:pPr>
             <a:r>
               <a:rPr lang="en-US" dirty="0"/>
-              <a:t>Train the model</a:t>
-            </a:r>
-          </a:p>
-          <a:p>
-            <a:pPr marL="171450" indent="-171450">
-              <a:buFont typeface="Arial" panose="020B0604020202020204" pitchFamily="34" charset="0"/>
-              <a:buChar char="•"/>
-            </a:pPr>
-            <a:r>
-              <a:rPr lang="en-US" dirty="0"/>
-              <a:t>Predict with both training and testing</a:t>
-            </a:r>
-          </a:p>
-          <a:p>
-            <a:pPr marL="171450" indent="-171450">
-              <a:buFont typeface="Arial" panose="020B0604020202020204" pitchFamily="34" charset="0"/>
-              <a:buChar char="•"/>
-            </a:pPr>
-            <a:r>
-              <a:rPr lang="en-US" dirty="0"/>
-              <a:t>Measure error in the predictions (in both sets)</a:t>
-            </a:r>
-          </a:p>
-          <a:p>
-            <a:pPr marL="171450" indent="-171450">
-              <a:buFont typeface="Arial" panose="020B0604020202020204" pitchFamily="34" charset="0"/>
-              <a:buChar char="•"/>
-            </a:pPr>
-            <a:r>
-              <a:rPr lang="en-US" dirty="0"/>
-              <a:t>Compare the error of the two data sets</a:t>
+              <a:t>Gini used since it doesn't require to compute logarithmic functions (which is calculated in entropy), which are computationally intensive.</a:t>
             </a:r>
           </a:p>
         </p:txBody>
@@ -1063,7 +1472,541 @@
     </p:spTree>
     <p:extLst>
       <p:ext uri="{BB962C8B-B14F-4D97-AF65-F5344CB8AC3E}">
+        <p14:creationId xmlns:p14="http://schemas.microsoft.com/office/powerpoint/2010/main" val="698586686"/>
+      </p:ext>
+    </p:extLst>
+  </p:cSld>
+  <p:clrMapOvr>
+    <a:masterClrMapping/>
+  </p:clrMapOvr>
+</p:notes>
+</file>
+
+<file path=ppt/notesSlides/notesSlide6.xml><?xml version="1.0" encoding="utf-8"?>
+<p:notes xmlns:a="http://schemas.openxmlformats.org/drawingml/2006/main" xmlns:r="http://schemas.openxmlformats.org/officeDocument/2006/relationships" xmlns:p="http://schemas.openxmlformats.org/presentationml/2006/main">
+  <p:cSld>
+    <p:spTree>
+      <p:nvGrpSpPr>
+        <p:cNvPr id="1" name=""/>
+        <p:cNvGrpSpPr/>
+        <p:nvPr/>
+      </p:nvGrpSpPr>
+      <p:grpSpPr>
+        <a:xfrm>
+          <a:off x="0" y="0"/>
+          <a:ext cx="0" cy="0"/>
+          <a:chOff x="0" y="0"/>
+          <a:chExt cx="0" cy="0"/>
+        </a:xfrm>
+      </p:grpSpPr>
+      <p:sp>
+        <p:nvSpPr>
+          <p:cNvPr id="2" name="Slide Image Placeholder 1"/>
+          <p:cNvSpPr>
+            <a:spLocks noGrp="1" noRot="1" noChangeAspect="1"/>
+          </p:cNvSpPr>
+          <p:nvPr>
+            <p:ph type="sldImg"/>
+          </p:nvPr>
+        </p:nvSpPr>
+        <p:spPr/>
+      </p:sp>
+      <p:sp>
+        <p:nvSpPr>
+          <p:cNvPr id="3" name="Notes Placeholder 2"/>
+          <p:cNvSpPr>
+            <a:spLocks noGrp="1"/>
+          </p:cNvSpPr>
+          <p:nvPr>
+            <p:ph type="body" idx="1"/>
+          </p:nvPr>
+        </p:nvSpPr>
+        <p:spPr/>
+        <p:txBody>
+          <a:bodyPr/>
+          <a:lstStyle/>
+          <a:p>
+            <a:pPr marL="171450" indent="-171450">
+              <a:buFont typeface="Arial" panose="020B0604020202020204" pitchFamily="34" charset="0"/>
+              <a:buChar char="•"/>
+            </a:pPr>
+            <a:r>
+              <a:rPr lang="en-US" dirty="0"/>
+              <a:t>No form of randomization</a:t>
+            </a:r>
+          </a:p>
+          <a:p>
+            <a:pPr marL="171450" indent="-171450">
+              <a:buFont typeface="Arial" panose="020B0604020202020204" pitchFamily="34" charset="0"/>
+              <a:buChar char="•"/>
+            </a:pPr>
+            <a:r>
+              <a:rPr lang="en-US" dirty="0"/>
+              <a:t>Didn’t use cross validation from </a:t>
+            </a:r>
+            <a:r>
+              <a:rPr lang="en-US" dirty="0" err="1"/>
+              <a:t>scala</a:t>
+            </a:r>
+            <a:r>
+              <a:rPr lang="en-US" dirty="0"/>
+              <a:t> spark, we implemented ourselves</a:t>
+            </a:r>
+          </a:p>
+          <a:p>
+            <a:pPr marL="171450" indent="-171450">
+              <a:buFont typeface="Arial" panose="020B0604020202020204" pitchFamily="34" charset="0"/>
+              <a:buChar char="•"/>
+            </a:pPr>
+            <a:r>
+              <a:rPr lang="en-US" dirty="0"/>
+              <a:t>Use 1,2,3,4 and 6 </a:t>
+            </a:r>
+            <a:r>
+              <a:rPr lang="en-US" dirty="0" err="1"/>
+              <a:t>bc</a:t>
+            </a:r>
+            <a:r>
+              <a:rPr lang="en-US" dirty="0"/>
+              <a:t> we didn’t want data from test inside train (used 4 image for train, 1 for test). This way NO test sample was used during training.</a:t>
+            </a:r>
+          </a:p>
+          <a:p>
+            <a:pPr marL="171450" indent="-171450">
+              <a:buFont typeface="Arial" panose="020B0604020202020204" pitchFamily="34" charset="0"/>
+              <a:buChar char="•"/>
+            </a:pPr>
+            <a:r>
+              <a:rPr lang="en-US" dirty="0"/>
+              <a:t>Split dataset into train and test sets</a:t>
+            </a:r>
+          </a:p>
+          <a:p>
+            <a:pPr marL="171450" indent="-171450">
+              <a:buFont typeface="Arial" panose="020B0604020202020204" pitchFamily="34" charset="0"/>
+              <a:buChar char="•"/>
+            </a:pPr>
+            <a:r>
+              <a:rPr lang="en-US" dirty="0"/>
+              <a:t>Train the model</a:t>
+            </a:r>
+          </a:p>
+          <a:p>
+            <a:pPr marL="171450" indent="-171450">
+              <a:buFont typeface="Arial" panose="020B0604020202020204" pitchFamily="34" charset="0"/>
+              <a:buChar char="•"/>
+            </a:pPr>
+            <a:r>
+              <a:rPr lang="en-US" dirty="0"/>
+              <a:t>Predict with both training and testing</a:t>
+            </a:r>
+          </a:p>
+          <a:p>
+            <a:pPr marL="171450" indent="-171450">
+              <a:buFont typeface="Arial" panose="020B0604020202020204" pitchFamily="34" charset="0"/>
+              <a:buChar char="•"/>
+            </a:pPr>
+            <a:r>
+              <a:rPr lang="en-US" dirty="0"/>
+              <a:t>Measure error in the predictions (in both sets)</a:t>
+            </a:r>
+          </a:p>
+          <a:p>
+            <a:pPr marL="171450" indent="-171450">
+              <a:buFont typeface="Arial" panose="020B0604020202020204" pitchFamily="34" charset="0"/>
+              <a:buChar char="•"/>
+            </a:pPr>
+            <a:r>
+              <a:rPr lang="en-US" dirty="0"/>
+              <a:t>Compare the error of the two data sets</a:t>
+            </a:r>
+          </a:p>
+          <a:p>
+            <a:pPr marL="171450" indent="-171450">
+              <a:buFont typeface="Arial" panose="020B0604020202020204" pitchFamily="34" charset="0"/>
+              <a:buChar char="•"/>
+            </a:pPr>
+            <a:r>
+              <a:rPr lang="en-US" dirty="0"/>
+              <a:t>Trained on diff images and tested</a:t>
+            </a:r>
+          </a:p>
+        </p:txBody>
+      </p:sp>
+      <p:sp>
+        <p:nvSpPr>
+          <p:cNvPr id="4" name="Slide Number Placeholder 3"/>
+          <p:cNvSpPr>
+            <a:spLocks noGrp="1"/>
+          </p:cNvSpPr>
+          <p:nvPr>
+            <p:ph type="sldNum" sz="quarter" idx="10"/>
+          </p:nvPr>
+        </p:nvSpPr>
+        <p:spPr/>
+        <p:txBody>
+          <a:bodyPr/>
+          <a:lstStyle/>
+          <a:p>
+            <a:fld id="{1B8B4FD3-9156-3F45-86A6-2A512E7D4DAE}" type="slidenum">
+              <a:rPr lang="en-US" smtClean="0"/>
+              <a:t>8</a:t>
+            </a:fld>
+            <a:endParaRPr lang="en-US"/>
+          </a:p>
+        </p:txBody>
+      </p:sp>
+    </p:spTree>
+    <p:extLst>
+      <p:ext uri="{BB962C8B-B14F-4D97-AF65-F5344CB8AC3E}">
         <p14:creationId xmlns:p14="http://schemas.microsoft.com/office/powerpoint/2010/main" val="3104478743"/>
+      </p:ext>
+    </p:extLst>
+  </p:cSld>
+  <p:clrMapOvr>
+    <a:masterClrMapping/>
+  </p:clrMapOvr>
+</p:notes>
+</file>
+
+<file path=ppt/notesSlides/notesSlide7.xml><?xml version="1.0" encoding="utf-8"?>
+<p:notes xmlns:a="http://schemas.openxmlformats.org/drawingml/2006/main" xmlns:r="http://schemas.openxmlformats.org/officeDocument/2006/relationships" xmlns:p="http://schemas.openxmlformats.org/presentationml/2006/main">
+  <p:cSld>
+    <p:spTree>
+      <p:nvGrpSpPr>
+        <p:cNvPr id="1" name=""/>
+        <p:cNvGrpSpPr/>
+        <p:nvPr/>
+      </p:nvGrpSpPr>
+      <p:grpSpPr>
+        <a:xfrm>
+          <a:off x="0" y="0"/>
+          <a:ext cx="0" cy="0"/>
+          <a:chOff x="0" y="0"/>
+          <a:chExt cx="0" cy="0"/>
+        </a:xfrm>
+      </p:grpSpPr>
+      <p:sp>
+        <p:nvSpPr>
+          <p:cNvPr id="2" name="Slide Image Placeholder 1"/>
+          <p:cNvSpPr>
+            <a:spLocks noGrp="1" noRot="1" noChangeAspect="1"/>
+          </p:cNvSpPr>
+          <p:nvPr>
+            <p:ph type="sldImg"/>
+          </p:nvPr>
+        </p:nvSpPr>
+        <p:spPr/>
+      </p:sp>
+      <p:sp>
+        <p:nvSpPr>
+          <p:cNvPr id="3" name="Notes Placeholder 2"/>
+          <p:cNvSpPr>
+            <a:spLocks noGrp="1"/>
+          </p:cNvSpPr>
+          <p:nvPr>
+            <p:ph type="body" idx="1"/>
+          </p:nvPr>
+        </p:nvSpPr>
+        <p:spPr/>
+        <p:txBody>
+          <a:bodyPr/>
+          <a:lstStyle/>
+          <a:p>
+            <a:endParaRPr lang="en-US" dirty="0"/>
+          </a:p>
+          <a:p>
+            <a:pPr marL="171450" indent="-171450">
+              <a:buFont typeface="Arial" panose="020B0604020202020204" pitchFamily="34" charset="0"/>
+              <a:buChar char="•"/>
+            </a:pPr>
+            <a:r>
+              <a:rPr lang="en-US" dirty="0"/>
+              <a:t>First, preprocessing was 1 job per image. It is a map only job.</a:t>
+            </a:r>
+          </a:p>
+          <a:p>
+            <a:pPr marL="171450" indent="-171450">
+              <a:buFont typeface="Arial" panose="020B0604020202020204" pitchFamily="34" charset="0"/>
+              <a:buChar char="•"/>
+            </a:pPr>
+            <a:r>
+              <a:rPr lang="en-US" dirty="0"/>
+              <a:t>Pre-processing transformations 6GB image on 65MB image</a:t>
+            </a:r>
+          </a:p>
+          <a:p>
+            <a:pPr marL="171450" indent="-171450">
+              <a:buFont typeface="Arial" panose="020B0604020202020204" pitchFamily="34" charset="0"/>
+              <a:buChar char="•"/>
+            </a:pPr>
+            <a:r>
+              <a:rPr lang="en-US" dirty="0"/>
+              <a:t>The training image are fed to the random forest model to train</a:t>
+            </a:r>
+          </a:p>
+          <a:p>
+            <a:pPr marL="171450" indent="-171450">
+              <a:buFont typeface="Arial" panose="020B0604020202020204" pitchFamily="34" charset="0"/>
+              <a:buChar char="•"/>
+            </a:pPr>
+            <a:r>
+              <a:rPr lang="en-US" dirty="0"/>
+              <a:t>We persist the image, which is a job that shuffles the data depending on the the parameters (shuffling correlated with </a:t>
+            </a:r>
+            <a:r>
+              <a:rPr lang="en-US" dirty="0" err="1"/>
+              <a:t>params</a:t>
+            </a:r>
+            <a:r>
+              <a:rPr lang="en-US" dirty="0"/>
+              <a:t> – it depends more on the depth &amp; number of trees)</a:t>
+            </a:r>
+          </a:p>
+          <a:p>
+            <a:pPr marL="171450" indent="-171450">
+              <a:buFont typeface="Arial" panose="020B0604020202020204" pitchFamily="34" charset="0"/>
+              <a:buChar char="•"/>
+            </a:pPr>
+            <a:r>
+              <a:rPr lang="en-US" dirty="0"/>
+              <a:t>Classification job that has a persisted model and it receives only the image that we want to classify</a:t>
+            </a:r>
+          </a:p>
+          <a:p>
+            <a:pPr marL="171450" indent="-171450">
+              <a:buFont typeface="Arial" panose="020B0604020202020204" pitchFamily="34" charset="0"/>
+              <a:buChar char="•"/>
+            </a:pPr>
+            <a:r>
+              <a:rPr lang="en-US" dirty="0"/>
+              <a:t>because our feature vector is small we didn’t see much scaling on this one (firing up more than 4 workers isn’t necessary)</a:t>
+            </a:r>
+          </a:p>
+        </p:txBody>
+      </p:sp>
+      <p:sp>
+        <p:nvSpPr>
+          <p:cNvPr id="4" name="Slide Number Placeholder 3"/>
+          <p:cNvSpPr>
+            <a:spLocks noGrp="1"/>
+          </p:cNvSpPr>
+          <p:nvPr>
+            <p:ph type="sldNum" sz="quarter" idx="10"/>
+          </p:nvPr>
+        </p:nvSpPr>
+        <p:spPr/>
+        <p:txBody>
+          <a:bodyPr/>
+          <a:lstStyle/>
+          <a:p>
+            <a:fld id="{1B8B4FD3-9156-3F45-86A6-2A512E7D4DAE}" type="slidenum">
+              <a:rPr lang="en-US" smtClean="0"/>
+              <a:t>9</a:t>
+            </a:fld>
+            <a:endParaRPr lang="en-US"/>
+          </a:p>
+        </p:txBody>
+      </p:sp>
+    </p:spTree>
+    <p:extLst>
+      <p:ext uri="{BB962C8B-B14F-4D97-AF65-F5344CB8AC3E}">
+        <p14:creationId xmlns:p14="http://schemas.microsoft.com/office/powerpoint/2010/main" val="3737493002"/>
+      </p:ext>
+    </p:extLst>
+  </p:cSld>
+  <p:clrMapOvr>
+    <a:masterClrMapping/>
+  </p:clrMapOvr>
+</p:notes>
+</file>
+
+<file path=ppt/notesSlides/notesSlide8.xml><?xml version="1.0" encoding="utf-8"?>
+<p:notes xmlns:a="http://schemas.openxmlformats.org/drawingml/2006/main" xmlns:r="http://schemas.openxmlformats.org/officeDocument/2006/relationships" xmlns:p="http://schemas.openxmlformats.org/presentationml/2006/main">
+  <p:cSld>
+    <p:spTree>
+      <p:nvGrpSpPr>
+        <p:cNvPr id="1" name=""/>
+        <p:cNvGrpSpPr/>
+        <p:nvPr/>
+      </p:nvGrpSpPr>
+      <p:grpSpPr>
+        <a:xfrm>
+          <a:off x="0" y="0"/>
+          <a:ext cx="0" cy="0"/>
+          <a:chOff x="0" y="0"/>
+          <a:chExt cx="0" cy="0"/>
+        </a:xfrm>
+      </p:grpSpPr>
+      <p:sp>
+        <p:nvSpPr>
+          <p:cNvPr id="2" name="Slide Image Placeholder 1"/>
+          <p:cNvSpPr>
+            <a:spLocks noGrp="1" noRot="1" noChangeAspect="1"/>
+          </p:cNvSpPr>
+          <p:nvPr>
+            <p:ph type="sldImg"/>
+          </p:nvPr>
+        </p:nvSpPr>
+        <p:spPr/>
+      </p:sp>
+      <p:sp>
+        <p:nvSpPr>
+          <p:cNvPr id="3" name="Notes Placeholder 2"/>
+          <p:cNvSpPr>
+            <a:spLocks noGrp="1"/>
+          </p:cNvSpPr>
+          <p:nvPr>
+            <p:ph type="body" idx="1"/>
+          </p:nvPr>
+        </p:nvSpPr>
+        <p:spPr/>
+        <p:txBody>
+          <a:bodyPr/>
+          <a:lstStyle/>
+          <a:p>
+            <a:r>
+              <a:rPr lang="en-US" dirty="0"/>
+              <a:t>Highlight best model</a:t>
+            </a:r>
+          </a:p>
+          <a:p>
+            <a:r>
+              <a:rPr lang="en-US" dirty="0"/>
+              <a:t>* Right table shows scaling of training</a:t>
+            </a:r>
+          </a:p>
+          <a:p>
+            <a:r>
+              <a:rPr lang="en-US" dirty="0"/>
+              <a:t>What was scaling of processing – parallel</a:t>
+            </a:r>
+          </a:p>
+          <a:p>
+            <a:r>
+              <a:rPr lang="en-US" dirty="0"/>
+              <a:t>Classification – not that parallel (small feature vectors, fit into 65MB for 1 image, then make splits on this thing). If we split beyond 4 parts, the time it takes to fire up other machines it is expensive. </a:t>
+            </a:r>
+          </a:p>
+          <a:p>
+            <a:r>
+              <a:rPr lang="en-US" dirty="0"/>
+              <a:t>* After 4 workers, which is 16 splits, no real scaling </a:t>
+            </a:r>
+          </a:p>
+        </p:txBody>
+      </p:sp>
+      <p:sp>
+        <p:nvSpPr>
+          <p:cNvPr id="4" name="Slide Number Placeholder 3"/>
+          <p:cNvSpPr>
+            <a:spLocks noGrp="1"/>
+          </p:cNvSpPr>
+          <p:nvPr>
+            <p:ph type="sldNum" sz="quarter" idx="10"/>
+          </p:nvPr>
+        </p:nvSpPr>
+        <p:spPr/>
+        <p:txBody>
+          <a:bodyPr/>
+          <a:lstStyle/>
+          <a:p>
+            <a:fld id="{1B8B4FD3-9156-3F45-86A6-2A512E7D4DAE}" type="slidenum">
+              <a:rPr lang="en-US" smtClean="0"/>
+              <a:t>10</a:t>
+            </a:fld>
+            <a:endParaRPr lang="en-US"/>
+          </a:p>
+        </p:txBody>
+      </p:sp>
+    </p:spTree>
+    <p:extLst>
+      <p:ext uri="{BB962C8B-B14F-4D97-AF65-F5344CB8AC3E}">
+        <p14:creationId xmlns:p14="http://schemas.microsoft.com/office/powerpoint/2010/main" val="663596552"/>
+      </p:ext>
+    </p:extLst>
+  </p:cSld>
+  <p:clrMapOvr>
+    <a:masterClrMapping/>
+  </p:clrMapOvr>
+</p:notes>
+</file>
+
+<file path=ppt/notesSlides/notesSlide9.xml><?xml version="1.0" encoding="utf-8"?>
+<p:notes xmlns:a="http://schemas.openxmlformats.org/drawingml/2006/main" xmlns:r="http://schemas.openxmlformats.org/officeDocument/2006/relationships" xmlns:p="http://schemas.openxmlformats.org/presentationml/2006/main">
+  <p:cSld>
+    <p:spTree>
+      <p:nvGrpSpPr>
+        <p:cNvPr id="1" name=""/>
+        <p:cNvGrpSpPr/>
+        <p:nvPr/>
+      </p:nvGrpSpPr>
+      <p:grpSpPr>
+        <a:xfrm>
+          <a:off x="0" y="0"/>
+          <a:ext cx="0" cy="0"/>
+          <a:chOff x="0" y="0"/>
+          <a:chExt cx="0" cy="0"/>
+        </a:xfrm>
+      </p:grpSpPr>
+      <p:sp>
+        <p:nvSpPr>
+          <p:cNvPr id="2" name="Slide Image Placeholder 1"/>
+          <p:cNvSpPr>
+            <a:spLocks noGrp="1" noRot="1" noChangeAspect="1"/>
+          </p:cNvSpPr>
+          <p:nvPr>
+            <p:ph type="sldImg"/>
+          </p:nvPr>
+        </p:nvSpPr>
+        <p:spPr/>
+      </p:sp>
+      <p:sp>
+        <p:nvSpPr>
+          <p:cNvPr id="3" name="Notes Placeholder 2"/>
+          <p:cNvSpPr>
+            <a:spLocks noGrp="1"/>
+          </p:cNvSpPr>
+          <p:nvPr>
+            <p:ph type="body" idx="1"/>
+          </p:nvPr>
+        </p:nvSpPr>
+        <p:spPr/>
+        <p:txBody>
+          <a:bodyPr/>
+          <a:lstStyle/>
+          <a:p>
+            <a:endParaRPr lang="en-US" dirty="0"/>
+          </a:p>
+        </p:txBody>
+      </p:sp>
+      <p:sp>
+        <p:nvSpPr>
+          <p:cNvPr id="4" name="Slide Number Placeholder 3"/>
+          <p:cNvSpPr>
+            <a:spLocks noGrp="1"/>
+          </p:cNvSpPr>
+          <p:nvPr>
+            <p:ph type="sldNum" sz="quarter" idx="10"/>
+          </p:nvPr>
+        </p:nvSpPr>
+        <p:spPr/>
+        <p:txBody>
+          <a:bodyPr/>
+          <a:lstStyle/>
+          <a:p>
+            <a:fld id="{1B8B4FD3-9156-3F45-86A6-2A512E7D4DAE}" type="slidenum">
+              <a:rPr lang="en-US" smtClean="0"/>
+              <a:t>11</a:t>
+            </a:fld>
+            <a:endParaRPr lang="en-US"/>
+          </a:p>
+        </p:txBody>
+      </p:sp>
+    </p:spTree>
+    <p:extLst>
+      <p:ext uri="{BB962C8B-B14F-4D97-AF65-F5344CB8AC3E}">
+        <p14:creationId xmlns:p14="http://schemas.microsoft.com/office/powerpoint/2010/main" val="1580661599"/>
       </p:ext>
     </p:extLst>
   </p:cSld>
@@ -1856,7 +2799,7 @@
           <a:p>
             <a:fld id="{B7154F30-3877-734E-854C-19E66CA08E5E}" type="datetime4">
               <a:rPr lang="en-US" smtClean="0"/>
-              <a:t>April 22, 2018</a:t>
+              <a:t>April 23, 2018</a:t>
             </a:fld>
             <a:endParaRPr lang="en-US" dirty="0"/>
           </a:p>
@@ -2155,7 +3098,7 @@
           <a:p>
             <a:fld id="{AB387ED7-E26B-424C-9711-F96B35D63E91}" type="datetime4">
               <a:rPr lang="en-US" smtClean="0"/>
-              <a:t>April 22, 2018</a:t>
+              <a:t>April 23, 2018</a:t>
             </a:fld>
             <a:endParaRPr lang="en-US"/>
           </a:p>
@@ -3246,7 +4189,7 @@
           <a:p>
             <a:r>
               <a:rPr lang="en-US" sz="2200" dirty="0"/>
-              <a:t>Asha </a:t>
+              <a:t>Asha Chen-</a:t>
             </a:r>
             <a:r>
               <a:rPr lang="en-US" sz="2200" dirty="0" err="1"/>
@@ -3268,7 +4211,7 @@
           <a:p>
             <a:r>
               <a:rPr lang="en-US" sz="2200" dirty="0"/>
-              <a:t>Tristin Sweeney</a:t>
+              <a:t>Tristan Sweeney</a:t>
             </a:r>
           </a:p>
           <a:p>
@@ -3293,7 +4236,7 @@
           <a:p>
             <a:r>
               <a:rPr lang="en-US" dirty="0"/>
-              <a:t>April 24, 2018</a:t>
+              <a:t>April 26, 2018</a:t>
             </a:r>
           </a:p>
         </p:txBody>
@@ -3392,7 +4335,7 @@
           <a:p>
             <a:r>
               <a:rPr lang="en-US" dirty="0"/>
-              <a:t>Confusion Matrix</a:t>
+              <a:t>Parallel Processing Results</a:t>
             </a:r>
           </a:p>
         </p:txBody>
@@ -3464,10 +4407,267 @@
           </a:p>
         </p:txBody>
       </p:sp>
+      <p:sp>
+        <p:nvSpPr>
+          <p:cNvPr id="8" name="TextBox 7">
+            <a:extLst>
+              <a:ext uri="{FF2B5EF4-FFF2-40B4-BE49-F238E27FC236}">
+                <a16:creationId xmlns:a16="http://schemas.microsoft.com/office/drawing/2014/main" id="{3A9FD87F-5F28-8F48-995F-A32FE79C6964}"/>
+              </a:ext>
+            </a:extLst>
+          </p:cNvPr>
+          <p:cNvSpPr txBox="1"/>
+          <p:nvPr/>
+        </p:nvSpPr>
+        <p:spPr>
+          <a:xfrm>
+            <a:off x="239614" y="1850038"/>
+            <a:ext cx="1145542" cy="646331"/>
+          </a:xfrm>
+          <a:prstGeom prst="rect">
+            <a:avLst/>
+          </a:prstGeom>
+          <a:noFill/>
+        </p:spPr>
+        <p:txBody>
+          <a:bodyPr wrap="square" rtlCol="0">
+            <a:spAutoFit/>
+          </a:bodyPr>
+          <a:lstStyle/>
+          <a:p>
+            <a:r>
+              <a:rPr lang="en-US" dirty="0"/>
+              <a:t>Varying Trees</a:t>
+            </a:r>
+          </a:p>
+        </p:txBody>
+      </p:sp>
+      <p:sp>
+        <p:nvSpPr>
+          <p:cNvPr id="9" name="TextBox 8">
+            <a:extLst>
+              <a:ext uri="{FF2B5EF4-FFF2-40B4-BE49-F238E27FC236}">
+                <a16:creationId xmlns:a16="http://schemas.microsoft.com/office/drawing/2014/main" id="{1A52EB5D-B011-B440-AB1F-29BB2700B285}"/>
+              </a:ext>
+            </a:extLst>
+          </p:cNvPr>
+          <p:cNvSpPr txBox="1"/>
+          <p:nvPr/>
+        </p:nvSpPr>
+        <p:spPr>
+          <a:xfrm>
+            <a:off x="239614" y="2970350"/>
+            <a:ext cx="1244600" cy="369332"/>
+          </a:xfrm>
+          <a:prstGeom prst="rect">
+            <a:avLst/>
+          </a:prstGeom>
+          <a:noFill/>
+        </p:spPr>
+        <p:txBody>
+          <a:bodyPr wrap="square" rtlCol="0">
+            <a:spAutoFit/>
+          </a:bodyPr>
+          <a:lstStyle/>
+          <a:p>
+            <a:r>
+              <a:rPr lang="en-US" dirty="0"/>
+              <a:t>Depth</a:t>
+            </a:r>
+          </a:p>
+        </p:txBody>
+      </p:sp>
+      <p:sp>
+        <p:nvSpPr>
+          <p:cNvPr id="10" name="TextBox 9">
+            <a:extLst>
+              <a:ext uri="{FF2B5EF4-FFF2-40B4-BE49-F238E27FC236}">
+                <a16:creationId xmlns:a16="http://schemas.microsoft.com/office/drawing/2014/main" id="{57E0A458-0C33-AB4B-B572-F6B804BCE9C6}"/>
+              </a:ext>
+            </a:extLst>
+          </p:cNvPr>
+          <p:cNvSpPr txBox="1"/>
+          <p:nvPr/>
+        </p:nvSpPr>
+        <p:spPr>
+          <a:xfrm>
+            <a:off x="239614" y="4110410"/>
+            <a:ext cx="1244600" cy="369332"/>
+          </a:xfrm>
+          <a:prstGeom prst="rect">
+            <a:avLst/>
+          </a:prstGeom>
+          <a:noFill/>
+        </p:spPr>
+        <p:txBody>
+          <a:bodyPr wrap="square" rtlCol="0">
+            <a:spAutoFit/>
+          </a:bodyPr>
+          <a:lstStyle/>
+          <a:p>
+            <a:r>
+              <a:rPr lang="en-US" dirty="0"/>
+              <a:t>Bins</a:t>
+            </a:r>
+          </a:p>
+        </p:txBody>
+      </p:sp>
+      <p:sp>
+        <p:nvSpPr>
+          <p:cNvPr id="11" name="TextBox 10">
+            <a:extLst>
+              <a:ext uri="{FF2B5EF4-FFF2-40B4-BE49-F238E27FC236}">
+                <a16:creationId xmlns:a16="http://schemas.microsoft.com/office/drawing/2014/main" id="{7746FB92-4770-1247-86C3-D2EDADAF9F72}"/>
+              </a:ext>
+            </a:extLst>
+          </p:cNvPr>
+          <p:cNvSpPr txBox="1"/>
+          <p:nvPr/>
+        </p:nvSpPr>
+        <p:spPr>
+          <a:xfrm>
+            <a:off x="5914692" y="3556412"/>
+            <a:ext cx="2281905" cy="923330"/>
+          </a:xfrm>
+          <a:prstGeom prst="rect">
+            <a:avLst/>
+          </a:prstGeom>
+          <a:noFill/>
+        </p:spPr>
+        <p:txBody>
+          <a:bodyPr wrap="square" rtlCol="0">
+            <a:spAutoFit/>
+          </a:bodyPr>
+          <a:lstStyle/>
+          <a:p>
+            <a:r>
+              <a:rPr lang="en-US" dirty="0"/>
+              <a:t>*Increasing trees past 50 did not increase accuracy significantly</a:t>
+            </a:r>
+          </a:p>
+        </p:txBody>
+      </p:sp>
+      <p:pic>
+        <p:nvPicPr>
+          <p:cNvPr id="13" name="Picture 12">
+            <a:extLst>
+              <a:ext uri="{FF2B5EF4-FFF2-40B4-BE49-F238E27FC236}">
+                <a16:creationId xmlns:a16="http://schemas.microsoft.com/office/drawing/2014/main" id="{EE7EEDF9-2E8F-0544-B52E-4C11F368FFD9}"/>
+              </a:ext>
+            </a:extLst>
+          </p:cNvPr>
+          <p:cNvPicPr>
+            <a:picLocks noChangeAspect="1"/>
+          </p:cNvPicPr>
+          <p:nvPr/>
+        </p:nvPicPr>
+        <p:blipFill>
+          <a:blip r:embed="rId3"/>
+          <a:stretch>
+            <a:fillRect/>
+          </a:stretch>
+        </p:blipFill>
+        <p:spPr>
+          <a:xfrm>
+            <a:off x="1052430" y="1356309"/>
+            <a:ext cx="4049446" cy="4198505"/>
+          </a:xfrm>
+          <a:prstGeom prst="rect">
+            <a:avLst/>
+          </a:prstGeom>
+        </p:spPr>
+      </p:pic>
+      <p:pic>
+        <p:nvPicPr>
+          <p:cNvPr id="17" name="Picture 16">
+            <a:extLst>
+              <a:ext uri="{FF2B5EF4-FFF2-40B4-BE49-F238E27FC236}">
+                <a16:creationId xmlns:a16="http://schemas.microsoft.com/office/drawing/2014/main" id="{9CD96D8A-9E38-F948-8D33-18BD7CCF38EA}"/>
+              </a:ext>
+            </a:extLst>
+          </p:cNvPr>
+          <p:cNvPicPr>
+            <a:picLocks noChangeAspect="1"/>
+          </p:cNvPicPr>
+          <p:nvPr/>
+        </p:nvPicPr>
+        <p:blipFill>
+          <a:blip r:embed="rId4"/>
+          <a:stretch>
+            <a:fillRect/>
+          </a:stretch>
+        </p:blipFill>
+        <p:spPr>
+          <a:xfrm>
+            <a:off x="5391436" y="1356309"/>
+            <a:ext cx="3733354" cy="1089794"/>
+          </a:xfrm>
+          <a:prstGeom prst="rect">
+            <a:avLst/>
+          </a:prstGeom>
+        </p:spPr>
+      </p:pic>
+      <p:sp>
+        <p:nvSpPr>
+          <p:cNvPr id="21" name="Right Arrow 20">
+            <a:extLst>
+              <a:ext uri="{FF2B5EF4-FFF2-40B4-BE49-F238E27FC236}">
+                <a16:creationId xmlns:a16="http://schemas.microsoft.com/office/drawing/2014/main" id="{555A877B-4B5B-A945-AA5B-ACD195435069}"/>
+              </a:ext>
+            </a:extLst>
+          </p:cNvPr>
+          <p:cNvSpPr/>
+          <p:nvPr/>
+        </p:nvSpPr>
+        <p:spPr>
+          <a:xfrm rot="10800000">
+            <a:off x="5101876" y="4903958"/>
+            <a:ext cx="1047465" cy="589447"/>
+          </a:xfrm>
+          <a:prstGeom prst="rightArrow">
+            <a:avLst/>
+          </a:prstGeom>
+          <a:solidFill>
+            <a:srgbClr val="FFDA03"/>
+          </a:solidFill>
+          <a:ln>
+            <a:noFill/>
+          </a:ln>
+          <a:effectLst>
+            <a:outerShdw blurRad="40000" dist="23000" dir="5400000" rotWithShape="0">
+              <a:srgbClr val="000000">
+                <a:alpha val="0"/>
+              </a:srgbClr>
+            </a:outerShdw>
+          </a:effectLst>
+        </p:spPr>
+        <p:style>
+          <a:lnRef idx="1">
+            <a:schemeClr val="accent1"/>
+          </a:lnRef>
+          <a:fillRef idx="3">
+            <a:schemeClr val="accent1"/>
+          </a:fillRef>
+          <a:effectRef idx="2">
+            <a:schemeClr val="accent1"/>
+          </a:effectRef>
+          <a:fontRef idx="minor">
+            <a:schemeClr val="lt1"/>
+          </a:fontRef>
+        </p:style>
+        <p:txBody>
+          <a:bodyPr rtlCol="0" anchor="ctr"/>
+          <a:lstStyle/>
+          <a:p>
+            <a:pPr algn="ctr"/>
+            <a:endParaRPr lang="en-US"/>
+          </a:p>
+        </p:txBody>
+      </p:sp>
     </p:spTree>
     <p:extLst>
       <p:ext uri="{BB962C8B-B14F-4D97-AF65-F5344CB8AC3E}">
-        <p14:creationId xmlns:p14="http://schemas.microsoft.com/office/powerpoint/2010/main" val="297681821"/>
+        <p14:creationId xmlns:p14="http://schemas.microsoft.com/office/powerpoint/2010/main" val="4066051979"/>
       </p:ext>
     </p:extLst>
   </p:cSld>
@@ -3496,6 +4696,278 @@
       </p:grpSpPr>
       <p:sp>
         <p:nvSpPr>
+          <p:cNvPr id="2" name="Title 1"/>
+          <p:cNvSpPr>
+            <a:spLocks noGrp="1"/>
+          </p:cNvSpPr>
+          <p:nvPr>
+            <p:ph type="title"/>
+          </p:nvPr>
+        </p:nvSpPr>
+        <p:spPr/>
+        <p:txBody>
+          <a:bodyPr>
+            <a:normAutofit fontScale="90000"/>
+          </a:bodyPr>
+          <a:lstStyle/>
+          <a:p>
+            <a:r>
+              <a:rPr lang="en-US" dirty="0"/>
+              <a:t>Single Processor Results</a:t>
+            </a:r>
+          </a:p>
+        </p:txBody>
+      </p:sp>
+      <p:sp>
+        <p:nvSpPr>
+          <p:cNvPr id="4" name="Date Placeholder 3"/>
+          <p:cNvSpPr>
+            <a:spLocks noGrp="1"/>
+          </p:cNvSpPr>
+          <p:nvPr>
+            <p:ph type="dt" sz="half" idx="10"/>
+          </p:nvPr>
+        </p:nvSpPr>
+        <p:spPr/>
+        <p:txBody>
+          <a:bodyPr/>
+          <a:lstStyle/>
+          <a:p>
+            <a:r>
+              <a:rPr lang="en-US" dirty="0"/>
+              <a:t>April 24, 2018</a:t>
+            </a:r>
+          </a:p>
+        </p:txBody>
+      </p:sp>
+      <p:sp>
+        <p:nvSpPr>
+          <p:cNvPr id="5" name="Footer Placeholder 4"/>
+          <p:cNvSpPr>
+            <a:spLocks noGrp="1"/>
+          </p:cNvSpPr>
+          <p:nvPr>
+            <p:ph type="ftr" sz="quarter" idx="11"/>
+          </p:nvPr>
+        </p:nvSpPr>
+        <p:spPr/>
+        <p:txBody>
+          <a:bodyPr/>
+          <a:lstStyle/>
+          <a:p>
+            <a:r>
+              <a:rPr lang="en-US" dirty="0"/>
+              <a:t>Classifying High-Resolution Brain Scans</a:t>
+            </a:r>
+          </a:p>
+        </p:txBody>
+      </p:sp>
+      <p:sp>
+        <p:nvSpPr>
+          <p:cNvPr id="6" name="Slide Number Placeholder 5"/>
+          <p:cNvSpPr>
+            <a:spLocks noGrp="1"/>
+          </p:cNvSpPr>
+          <p:nvPr>
+            <p:ph type="sldNum" sz="quarter" idx="12"/>
+          </p:nvPr>
+        </p:nvSpPr>
+        <p:spPr/>
+        <p:txBody>
+          <a:bodyPr/>
+          <a:lstStyle/>
+          <a:p>
+            <a:fld id="{A85782A5-310D-064D-97B2-7CD9DCF5F4D7}" type="slidenum">
+              <a:rPr lang="en-US" smtClean="0"/>
+              <a:t>11</a:t>
+            </a:fld>
+            <a:endParaRPr lang="en-US"/>
+          </a:p>
+        </p:txBody>
+      </p:sp>
+    </p:spTree>
+    <p:extLst>
+      <p:ext uri="{BB962C8B-B14F-4D97-AF65-F5344CB8AC3E}">
+        <p14:creationId xmlns:p14="http://schemas.microsoft.com/office/powerpoint/2010/main" val="1500565145"/>
+      </p:ext>
+    </p:extLst>
+  </p:cSld>
+  <p:clrMapOvr>
+    <a:masterClrMapping/>
+  </p:clrMapOvr>
+</p:sld>
+</file>
+
+<file path=ppt/slides/slide12.xml><?xml version="1.0" encoding="utf-8"?>
+<p:sld xmlns:a="http://schemas.openxmlformats.org/drawingml/2006/main" xmlns:r="http://schemas.openxmlformats.org/officeDocument/2006/relationships" xmlns:p="http://schemas.openxmlformats.org/presentationml/2006/main">
+  <p:cSld>
+    <p:spTree>
+      <p:nvGrpSpPr>
+        <p:cNvPr id="1" name=""/>
+        <p:cNvGrpSpPr/>
+        <p:nvPr/>
+      </p:nvGrpSpPr>
+      <p:grpSpPr>
+        <a:xfrm>
+          <a:off x="0" y="0"/>
+          <a:ext cx="0" cy="0"/>
+          <a:chOff x="0" y="0"/>
+          <a:chExt cx="0" cy="0"/>
+        </a:xfrm>
+      </p:grpSpPr>
+      <p:sp>
+        <p:nvSpPr>
+          <p:cNvPr id="2" name="Title 1"/>
+          <p:cNvSpPr>
+            <a:spLocks noGrp="1"/>
+          </p:cNvSpPr>
+          <p:nvPr>
+            <p:ph type="title"/>
+          </p:nvPr>
+        </p:nvSpPr>
+        <p:spPr/>
+        <p:txBody>
+          <a:bodyPr>
+            <a:normAutofit fontScale="90000"/>
+          </a:bodyPr>
+          <a:lstStyle/>
+          <a:p>
+            <a:r>
+              <a:rPr lang="en-US" dirty="0"/>
+              <a:t>Confusion Matrix – Image 2</a:t>
+            </a:r>
+          </a:p>
+        </p:txBody>
+      </p:sp>
+      <p:sp>
+        <p:nvSpPr>
+          <p:cNvPr id="4" name="Date Placeholder 3"/>
+          <p:cNvSpPr>
+            <a:spLocks noGrp="1"/>
+          </p:cNvSpPr>
+          <p:nvPr>
+            <p:ph type="dt" sz="half" idx="10"/>
+          </p:nvPr>
+        </p:nvSpPr>
+        <p:spPr/>
+        <p:txBody>
+          <a:bodyPr/>
+          <a:lstStyle/>
+          <a:p>
+            <a:r>
+              <a:rPr lang="en-US" dirty="0"/>
+              <a:t>April 24, 2018</a:t>
+            </a:r>
+          </a:p>
+        </p:txBody>
+      </p:sp>
+      <p:sp>
+        <p:nvSpPr>
+          <p:cNvPr id="5" name="Footer Placeholder 4"/>
+          <p:cNvSpPr>
+            <a:spLocks noGrp="1"/>
+          </p:cNvSpPr>
+          <p:nvPr>
+            <p:ph type="ftr" sz="quarter" idx="11"/>
+          </p:nvPr>
+        </p:nvSpPr>
+        <p:spPr/>
+        <p:txBody>
+          <a:bodyPr/>
+          <a:lstStyle/>
+          <a:p>
+            <a:r>
+              <a:rPr lang="en-US" dirty="0"/>
+              <a:t>Classifying High-Resolution Brain Scans</a:t>
+            </a:r>
+          </a:p>
+        </p:txBody>
+      </p:sp>
+      <p:sp>
+        <p:nvSpPr>
+          <p:cNvPr id="6" name="Slide Number Placeholder 5"/>
+          <p:cNvSpPr>
+            <a:spLocks noGrp="1"/>
+          </p:cNvSpPr>
+          <p:nvPr>
+            <p:ph type="sldNum" sz="quarter" idx="12"/>
+          </p:nvPr>
+        </p:nvSpPr>
+        <p:spPr/>
+        <p:txBody>
+          <a:bodyPr/>
+          <a:lstStyle/>
+          <a:p>
+            <a:fld id="{A85782A5-310D-064D-97B2-7CD9DCF5F4D7}" type="slidenum">
+              <a:rPr lang="en-US" smtClean="0"/>
+              <a:t>12</a:t>
+            </a:fld>
+            <a:endParaRPr lang="en-US"/>
+          </a:p>
+        </p:txBody>
+      </p:sp>
+      <p:pic>
+        <p:nvPicPr>
+          <p:cNvPr id="8" name="Picture 7">
+            <a:extLst>
+              <a:ext uri="{FF2B5EF4-FFF2-40B4-BE49-F238E27FC236}">
+                <a16:creationId xmlns:a16="http://schemas.microsoft.com/office/drawing/2014/main" id="{63C622F7-ADF7-C04D-B466-D9D1FAF5BFC2}"/>
+              </a:ext>
+            </a:extLst>
+          </p:cNvPr>
+          <p:cNvPicPr>
+            <a:picLocks noChangeAspect="1"/>
+          </p:cNvPicPr>
+          <p:nvPr/>
+        </p:nvPicPr>
+        <p:blipFill>
+          <a:blip r:embed="rId3"/>
+          <a:stretch>
+            <a:fillRect/>
+          </a:stretch>
+        </p:blipFill>
+        <p:spPr>
+          <a:xfrm>
+            <a:off x="1998133" y="1309780"/>
+            <a:ext cx="5350933" cy="4301504"/>
+          </a:xfrm>
+          <a:prstGeom prst="rect">
+            <a:avLst/>
+          </a:prstGeom>
+        </p:spPr>
+      </p:pic>
+    </p:spTree>
+    <p:extLst>
+      <p:ext uri="{BB962C8B-B14F-4D97-AF65-F5344CB8AC3E}">
+        <p14:creationId xmlns:p14="http://schemas.microsoft.com/office/powerpoint/2010/main" val="2308104413"/>
+      </p:ext>
+    </p:extLst>
+  </p:cSld>
+  <p:clrMapOvr>
+    <a:masterClrMapping/>
+  </p:clrMapOvr>
+</p:sld>
+</file>
+
+<file path=ppt/slides/slide13.xml><?xml version="1.0" encoding="utf-8"?>
+<p:sld xmlns:a="http://schemas.openxmlformats.org/drawingml/2006/main" xmlns:r="http://schemas.openxmlformats.org/officeDocument/2006/relationships" xmlns:p="http://schemas.openxmlformats.org/presentationml/2006/main">
+  <p:cSld>
+    <p:spTree>
+      <p:nvGrpSpPr>
+        <p:cNvPr id="1" name=""/>
+        <p:cNvGrpSpPr/>
+        <p:nvPr/>
+      </p:nvGrpSpPr>
+      <p:grpSpPr>
+        <a:xfrm>
+          <a:off x="0" y="0"/>
+          <a:ext cx="0" cy="0"/>
+          <a:chOff x="0" y="0"/>
+          <a:chExt cx="0" cy="0"/>
+        </a:xfrm>
+      </p:grpSpPr>
+      <p:sp>
+        <p:nvSpPr>
           <p:cNvPr id="10" name="Title 9"/>
           <p:cNvSpPr>
             <a:spLocks noGrp="1"/>
@@ -3637,7 +5109,7 @@
           <a:p>
             <a:fld id="{A85782A5-310D-064D-97B2-7CD9DCF5F4D7}" type="slidenum">
               <a:rPr lang="en-US" smtClean="0"/>
-              <a:t>11</a:t>
+              <a:t>13</a:t>
             </a:fld>
             <a:endParaRPr lang="en-US"/>
           </a:p>
@@ -3729,11 +5201,14 @@
           <a:bodyPr/>
           <a:lstStyle/>
           <a:p>
-            <a:fld id="{582F525F-F280-904A-8B95-120BA1BA5DAA}" type="datetime4">
-              <a:rPr lang="en-US" smtClean="0"/>
-              <a:t>April 22, 2018</a:t>
-            </a:fld>
-            <a:endParaRPr lang="en-US" dirty="0"/>
+            <a:r>
+              <a:rPr lang="en-US" dirty="0" err="1"/>
+              <a:t>Aprill</a:t>
+            </a:r>
+            <a:r>
+              <a:rPr lang="en-US" dirty="0"/>
+              <a:t> 26, 2018</a:t>
+            </a:r>
           </a:p>
         </p:txBody>
       </p:sp>
@@ -3879,7 +5354,7 @@
           <a:p>
             <a:fld id="{582F525F-F280-904A-8B95-120BA1BA5DAA}" type="datetime4">
               <a:rPr lang="en-US" smtClean="0"/>
-              <a:t>April 22, 2018</a:t>
+              <a:t>April 23, 2018</a:t>
             </a:fld>
             <a:endParaRPr lang="en-US" dirty="0"/>
           </a:p>
@@ -4006,49 +5481,6 @@
       </p:pic>
       <p:sp>
         <p:nvSpPr>
-          <p:cNvPr id="11" name="TextBox 10">
-            <a:extLst>
-              <a:ext uri="{FF2B5EF4-FFF2-40B4-BE49-F238E27FC236}">
-                <a16:creationId xmlns:a16="http://schemas.microsoft.com/office/drawing/2014/main" id="{785A7E84-660B-D144-9291-2218C58DABFB}"/>
-              </a:ext>
-            </a:extLst>
-          </p:cNvPr>
-          <p:cNvSpPr txBox="1"/>
-          <p:nvPr/>
-        </p:nvSpPr>
-        <p:spPr>
-          <a:xfrm>
-            <a:off x="128017" y="1140480"/>
-            <a:ext cx="1365444" cy="646331"/>
-          </a:xfrm>
-          <a:prstGeom prst="rect">
-            <a:avLst/>
-          </a:prstGeom>
-          <a:noFill/>
-        </p:spPr>
-        <p:txBody>
-          <a:bodyPr wrap="square" rtlCol="0">
-            <a:spAutoFit/>
-          </a:bodyPr>
-          <a:lstStyle/>
-          <a:p>
-            <a:r>
-              <a:rPr lang="en-US" b="1" dirty="0"/>
-              <a:t>Foreground on </a:t>
-            </a:r>
-            <a:r>
-              <a:rPr lang="en-US" b="1" dirty="0" err="1"/>
-              <a:t>xy</a:t>
-            </a:r>
-            <a:r>
-              <a:rPr lang="en-US" b="1" dirty="0"/>
-              <a:t> plane</a:t>
-            </a:r>
-          </a:p>
-        </p:txBody>
-      </p:sp>
-      <p:sp>
-        <p:nvSpPr>
           <p:cNvPr id="12" name="TextBox 11">
             <a:extLst>
               <a:ext uri="{FF2B5EF4-FFF2-40B4-BE49-F238E27FC236}">
@@ -4087,6 +5519,107 @@
               <a:rPr lang="en-US" b="1" dirty="0"/>
               <a:t> plane</a:t>
             </a:r>
+          </a:p>
+        </p:txBody>
+      </p:sp>
+      <p:sp>
+        <p:nvSpPr>
+          <p:cNvPr id="14" name="TextBox 13">
+            <a:extLst>
+              <a:ext uri="{FF2B5EF4-FFF2-40B4-BE49-F238E27FC236}">
+                <a16:creationId xmlns:a16="http://schemas.microsoft.com/office/drawing/2014/main" id="{E4D3BDFB-A4A0-F540-BE0C-AEC3538ADBEB}"/>
+              </a:ext>
+            </a:extLst>
+          </p:cNvPr>
+          <p:cNvSpPr txBox="1"/>
+          <p:nvPr/>
+        </p:nvSpPr>
+        <p:spPr>
+          <a:xfrm>
+            <a:off x="128017" y="1140480"/>
+            <a:ext cx="1365444" cy="4308872"/>
+          </a:xfrm>
+          <a:prstGeom prst="rect">
+            <a:avLst/>
+          </a:prstGeom>
+          <a:noFill/>
+        </p:spPr>
+        <p:txBody>
+          <a:bodyPr wrap="square" rtlCol="0">
+            <a:spAutoFit/>
+          </a:bodyPr>
+          <a:lstStyle/>
+          <a:p>
+            <a:r>
+              <a:rPr lang="en-US" b="1" dirty="0"/>
+              <a:t>Foreground on </a:t>
+            </a:r>
+            <a:r>
+              <a:rPr lang="en-US" b="1" dirty="0" err="1"/>
+              <a:t>xy</a:t>
+            </a:r>
+            <a:r>
+              <a:rPr lang="en-US" b="1" dirty="0"/>
+              <a:t> plane</a:t>
+            </a:r>
+          </a:p>
+          <a:p>
+            <a:endParaRPr lang="en-US" sz="1400" b="1" dirty="0"/>
+          </a:p>
+          <a:p>
+            <a:endParaRPr lang="en-US" sz="1400" b="1" dirty="0"/>
+          </a:p>
+          <a:p>
+            <a:r>
+              <a:rPr lang="en-US" sz="1400" b="1" dirty="0"/>
+              <a:t>1st image column </a:t>
+            </a:r>
+          </a:p>
+          <a:p>
+            <a:r>
+              <a:rPr lang="en-US" sz="1400" b="1" dirty="0"/>
+              <a:t>= raw</a:t>
+            </a:r>
+          </a:p>
+          <a:p>
+            <a:endParaRPr lang="en-US" sz="1400" b="1" dirty="0"/>
+          </a:p>
+          <a:p>
+            <a:r>
+              <a:rPr lang="en-US" sz="1400" b="1" dirty="0"/>
+              <a:t>2nd image column </a:t>
+            </a:r>
+          </a:p>
+          <a:p>
+            <a:r>
+              <a:rPr lang="en-US" sz="1400" b="1" dirty="0"/>
+              <a:t>= 2D FFT</a:t>
+            </a:r>
+          </a:p>
+          <a:p>
+            <a:endParaRPr lang="en-US" sz="1400" b="1" dirty="0"/>
+          </a:p>
+          <a:p>
+            <a:r>
+              <a:rPr lang="en-US" sz="1400" b="1" dirty="0"/>
+              <a:t>3rd image column = histogram</a:t>
+            </a:r>
+          </a:p>
+          <a:p>
+            <a:endParaRPr lang="en-US" sz="1400" b="1" dirty="0"/>
+          </a:p>
+          <a:p>
+            <a:r>
+              <a:rPr lang="en-US" sz="1400" b="1" dirty="0"/>
+              <a:t>4th image column</a:t>
+            </a:r>
+          </a:p>
+          <a:p>
+            <a:r>
+              <a:rPr lang="en-US" sz="1400" b="1" dirty="0"/>
+              <a:t>= statistics</a:t>
+            </a:r>
+            <a:endParaRPr lang="en-US" b="1" dirty="0"/>
           </a:p>
         </p:txBody>
       </p:sp>
@@ -4122,7 +5655,13 @@
       </p:grpSpPr>
       <p:sp>
         <p:nvSpPr>
-          <p:cNvPr id="2" name="Title 1"/>
+          <p:cNvPr id="2" name="Title 1">
+            <a:extLst>
+              <a:ext uri="{FF2B5EF4-FFF2-40B4-BE49-F238E27FC236}">
+                <a16:creationId xmlns:a16="http://schemas.microsoft.com/office/drawing/2014/main" id="{D0C554F5-C858-E449-829E-EFA19176E896}"/>
+              </a:ext>
+            </a:extLst>
+          </p:cNvPr>
           <p:cNvSpPr>
             <a:spLocks noGrp="1"/>
           </p:cNvSpPr>
@@ -4139,19 +5678,25 @@
           <a:p>
             <a:r>
               <a:rPr lang="en-US" dirty="0"/>
-              <a:t>Classification Comparison Test</a:t>
-            </a:r>
-          </a:p>
-        </p:txBody>
-      </p:sp>
-      <p:sp>
-        <p:nvSpPr>
-          <p:cNvPr id="3" name="Content Placeholder 2"/>
-          <p:cNvSpPr>
-            <a:spLocks noGrp="1"/>
-          </p:cNvSpPr>
-          <p:nvPr>
-            <p:ph idx="1"/>
+              <a:t>Visualizing the Data</a:t>
+            </a:r>
+          </a:p>
+        </p:txBody>
+      </p:sp>
+      <p:sp>
+        <p:nvSpPr>
+          <p:cNvPr id="3" name="Date Placeholder 2">
+            <a:extLst>
+              <a:ext uri="{FF2B5EF4-FFF2-40B4-BE49-F238E27FC236}">
+                <a16:creationId xmlns:a16="http://schemas.microsoft.com/office/drawing/2014/main" id="{FBC508B6-F739-8448-A686-A6E6AE95EBEE}"/>
+              </a:ext>
+            </a:extLst>
+          </p:cNvPr>
+          <p:cNvSpPr>
+            <a:spLocks noGrp="1"/>
+          </p:cNvSpPr>
+          <p:nvPr>
+            <p:ph type="dt" sz="half" idx="10"/>
           </p:nvPr>
         </p:nvSpPr>
         <p:spPr/>
@@ -4159,21 +5704,28 @@
           <a:bodyPr/>
           <a:lstStyle/>
           <a:p>
-            <a:r>
-              <a:rPr lang="en-US" dirty="0"/>
-              <a:t>Why Random Forest?</a:t>
-            </a:r>
-          </a:p>
-        </p:txBody>
-      </p:sp>
-      <p:sp>
-        <p:nvSpPr>
-          <p:cNvPr id="4" name="Date Placeholder 3"/>
-          <p:cNvSpPr>
-            <a:spLocks noGrp="1"/>
-          </p:cNvSpPr>
-          <p:nvPr>
-            <p:ph type="dt" sz="half" idx="10"/>
+            <a:fld id="{582F525F-F280-904A-8B95-120BA1BA5DAA}" type="datetime4">
+              <a:rPr lang="en-US" smtClean="0"/>
+              <a:t>April 23, 2018</a:t>
+            </a:fld>
+            <a:endParaRPr lang="en-US" dirty="0"/>
+          </a:p>
+        </p:txBody>
+      </p:sp>
+      <p:sp>
+        <p:nvSpPr>
+          <p:cNvPr id="4" name="Footer Placeholder 3">
+            <a:extLst>
+              <a:ext uri="{FF2B5EF4-FFF2-40B4-BE49-F238E27FC236}">
+                <a16:creationId xmlns:a16="http://schemas.microsoft.com/office/drawing/2014/main" id="{79EB2E83-37CA-0A4B-BCD1-17685E594C4C}"/>
+              </a:ext>
+            </a:extLst>
+          </p:cNvPr>
+          <p:cNvSpPr>
+            <a:spLocks noGrp="1"/>
+          </p:cNvSpPr>
+          <p:nvPr>
+            <p:ph type="ftr" sz="quarter" idx="11"/>
           </p:nvPr>
         </p:nvSpPr>
         <p:spPr/>
@@ -4182,37 +5734,22 @@
           <a:lstStyle/>
           <a:p>
             <a:r>
-              <a:rPr lang="en-US" dirty="0"/>
-              <a:t>April 24, 2018</a:t>
-            </a:r>
-          </a:p>
-        </p:txBody>
-      </p:sp>
-      <p:sp>
-        <p:nvSpPr>
-          <p:cNvPr id="5" name="Footer Placeholder 4"/>
-          <p:cNvSpPr>
-            <a:spLocks noGrp="1"/>
-          </p:cNvSpPr>
-          <p:nvPr>
-            <p:ph type="ftr" sz="quarter" idx="11"/>
-          </p:nvPr>
-        </p:nvSpPr>
-        <p:spPr/>
-        <p:txBody>
-          <a:bodyPr/>
-          <a:lstStyle/>
-          <a:p>
-            <a:r>
-              <a:rPr lang="en-US" dirty="0"/>
+              <a:rPr lang="en-US"/>
               <a:t>Classifying High-Resolution Brain Scans</a:t>
             </a:r>
-          </a:p>
-        </p:txBody>
-      </p:sp>
-      <p:sp>
-        <p:nvSpPr>
-          <p:cNvPr id="6" name="Slide Number Placeholder 5"/>
+            <a:endParaRPr lang="en-US" dirty="0"/>
+          </a:p>
+        </p:txBody>
+      </p:sp>
+      <p:sp>
+        <p:nvSpPr>
+          <p:cNvPr id="5" name="Slide Number Placeholder 4">
+            <a:extLst>
+              <a:ext uri="{FF2B5EF4-FFF2-40B4-BE49-F238E27FC236}">
+                <a16:creationId xmlns:a16="http://schemas.microsoft.com/office/drawing/2014/main" id="{2250E5A4-4D28-F44A-8CF9-4F7AFEC6F3E2}"/>
+              </a:ext>
+            </a:extLst>
+          </p:cNvPr>
           <p:cNvSpPr>
             <a:spLocks noGrp="1"/>
           </p:cNvSpPr>
@@ -4227,18 +5764,19 @@
           <a:p>
             <a:fld id="{A85782A5-310D-064D-97B2-7CD9DCF5F4D7}" type="slidenum">
               <a:rPr lang="en-US" smtClean="0"/>
+              <a:pPr/>
               <a:t>4</a:t>
             </a:fld>
-            <a:endParaRPr lang="en-US"/>
+            <a:endParaRPr lang="en-US" dirty="0"/>
           </a:p>
         </p:txBody>
       </p:sp>
       <p:pic>
         <p:nvPicPr>
-          <p:cNvPr id="8" name="Picture 7">
+          <p:cNvPr id="7" name="Picture 6">
             <a:extLst>
               <a:ext uri="{FF2B5EF4-FFF2-40B4-BE49-F238E27FC236}">
-                <a16:creationId xmlns:a16="http://schemas.microsoft.com/office/drawing/2014/main" id="{F523B2C9-7841-7F4E-9BFA-38F805662401}"/>
+                <a16:creationId xmlns:a16="http://schemas.microsoft.com/office/drawing/2014/main" id="{D3BC2BD0-5F2C-4C48-AAAF-234FA41EFD3C}"/>
               </a:ext>
             </a:extLst>
           </p:cNvPr>
@@ -4255,8 +5793,8 @@
         </p:blipFill>
         <p:spPr>
           <a:xfrm>
-            <a:off x="515233" y="2593535"/>
-            <a:ext cx="8113533" cy="1466402"/>
+            <a:off x="590308" y="1341578"/>
+            <a:ext cx="7911457" cy="3911157"/>
           </a:xfrm>
           <a:prstGeom prst="rect">
             <a:avLst/>
@@ -4266,7 +5804,7 @@
     </p:spTree>
     <p:extLst>
       <p:ext uri="{BB962C8B-B14F-4D97-AF65-F5344CB8AC3E}">
-        <p14:creationId xmlns:p14="http://schemas.microsoft.com/office/powerpoint/2010/main" val="1143457634"/>
+        <p14:creationId xmlns:p14="http://schemas.microsoft.com/office/powerpoint/2010/main" val="2345382414"/>
       </p:ext>
     </p:extLst>
   </p:cSld>
@@ -4295,131 +5833,236 @@
       </p:grpSpPr>
       <p:sp>
         <p:nvSpPr>
-          <p:cNvPr id="2" name="Title 1">
+          <p:cNvPr id="2" name="Title 1"/>
+          <p:cNvSpPr>
+            <a:spLocks noGrp="1"/>
+          </p:cNvSpPr>
+          <p:nvPr>
+            <p:ph type="title"/>
+          </p:nvPr>
+        </p:nvSpPr>
+        <p:spPr/>
+        <p:txBody>
+          <a:bodyPr>
+            <a:normAutofit fontScale="90000"/>
+          </a:bodyPr>
+          <a:lstStyle/>
+          <a:p>
+            <a:r>
+              <a:rPr lang="en-US" dirty="0"/>
+              <a:t>Why Random Forest?</a:t>
+            </a:r>
+          </a:p>
+        </p:txBody>
+      </p:sp>
+      <p:sp>
+        <p:nvSpPr>
+          <p:cNvPr id="3" name="Content Placeholder 2"/>
+          <p:cNvSpPr>
+            <a:spLocks noGrp="1"/>
+          </p:cNvSpPr>
+          <p:nvPr>
+            <p:ph idx="1"/>
+          </p:nvPr>
+        </p:nvSpPr>
+        <p:spPr>
+          <a:xfrm>
+            <a:off x="457199" y="1325880"/>
+            <a:ext cx="8229601" cy="4800283"/>
+          </a:xfrm>
+        </p:spPr>
+        <p:txBody>
+          <a:bodyPr>
+            <a:normAutofit/>
+          </a:bodyPr>
+          <a:lstStyle/>
+          <a:p>
+            <a:pPr marL="0" indent="0">
+              <a:buNone/>
+            </a:pPr>
+            <a:r>
+              <a:rPr lang="en-US" sz="2400" dirty="0"/>
+              <a:t>Classification Comparison Test:</a:t>
+            </a:r>
+          </a:p>
+          <a:p>
+            <a:pPr marL="0" indent="0">
+              <a:buNone/>
+            </a:pPr>
+            <a:endParaRPr lang="en-US" sz="2400" dirty="0"/>
+          </a:p>
+          <a:p>
+            <a:pPr marL="0" indent="0">
+              <a:buNone/>
+            </a:pPr>
+            <a:endParaRPr lang="en-US" sz="2400" dirty="0"/>
+          </a:p>
+          <a:p>
+            <a:pPr marL="0" indent="0">
+              <a:buNone/>
+            </a:pPr>
+            <a:endParaRPr lang="en-US" sz="2400" dirty="0"/>
+          </a:p>
+          <a:p>
+            <a:pPr marL="0" indent="0">
+              <a:buNone/>
+            </a:pPr>
+            <a:endParaRPr lang="en-US" sz="2400" dirty="0"/>
+          </a:p>
+          <a:p>
+            <a:pPr marL="0" indent="0">
+              <a:buNone/>
+            </a:pPr>
+            <a:endParaRPr lang="en-US" sz="2400" dirty="0"/>
+          </a:p>
+          <a:p>
+            <a:pPr marL="0" indent="0">
+              <a:buNone/>
+            </a:pPr>
+            <a:r>
+              <a:rPr lang="en-US" sz="2400" dirty="0"/>
+              <a:t>Feature Vector of Preprocess Data:</a:t>
+            </a:r>
+          </a:p>
+          <a:p>
+            <a:pPr marL="0" indent="0">
+              <a:buNone/>
+            </a:pPr>
+            <a:endParaRPr lang="en-US" sz="2400" dirty="0"/>
+          </a:p>
+        </p:txBody>
+      </p:sp>
+      <p:sp>
+        <p:nvSpPr>
+          <p:cNvPr id="4" name="Date Placeholder 3"/>
+          <p:cNvSpPr>
+            <a:spLocks noGrp="1"/>
+          </p:cNvSpPr>
+          <p:nvPr>
+            <p:ph type="dt" sz="half" idx="10"/>
+          </p:nvPr>
+        </p:nvSpPr>
+        <p:spPr/>
+        <p:txBody>
+          <a:bodyPr/>
+          <a:lstStyle/>
+          <a:p>
+            <a:r>
+              <a:rPr lang="en-US" dirty="0"/>
+              <a:t>April 24, 2018</a:t>
+            </a:r>
+          </a:p>
+        </p:txBody>
+      </p:sp>
+      <p:sp>
+        <p:nvSpPr>
+          <p:cNvPr id="5" name="Footer Placeholder 4"/>
+          <p:cNvSpPr>
+            <a:spLocks noGrp="1"/>
+          </p:cNvSpPr>
+          <p:nvPr>
+            <p:ph type="ftr" sz="quarter" idx="11"/>
+          </p:nvPr>
+        </p:nvSpPr>
+        <p:spPr/>
+        <p:txBody>
+          <a:bodyPr/>
+          <a:lstStyle/>
+          <a:p>
+            <a:r>
+              <a:rPr lang="en-US" dirty="0"/>
+              <a:t>Classifying High-Resolution Brain Scans</a:t>
+            </a:r>
+          </a:p>
+        </p:txBody>
+      </p:sp>
+      <p:sp>
+        <p:nvSpPr>
+          <p:cNvPr id="6" name="Slide Number Placeholder 5"/>
+          <p:cNvSpPr>
+            <a:spLocks noGrp="1"/>
+          </p:cNvSpPr>
+          <p:nvPr>
+            <p:ph type="sldNum" sz="quarter" idx="12"/>
+          </p:nvPr>
+        </p:nvSpPr>
+        <p:spPr/>
+        <p:txBody>
+          <a:bodyPr/>
+          <a:lstStyle/>
+          <a:p>
+            <a:fld id="{A85782A5-310D-064D-97B2-7CD9DCF5F4D7}" type="slidenum">
+              <a:rPr lang="en-US" smtClean="0"/>
+              <a:t>5</a:t>
+            </a:fld>
+            <a:endParaRPr lang="en-US"/>
+          </a:p>
+        </p:txBody>
+      </p:sp>
+      <p:pic>
+        <p:nvPicPr>
+          <p:cNvPr id="9" name="Picture 8">
             <a:extLst>
               <a:ext uri="{FF2B5EF4-FFF2-40B4-BE49-F238E27FC236}">
-                <a16:creationId xmlns:a16="http://schemas.microsoft.com/office/drawing/2014/main" id="{B71D9872-CE0B-7C4F-AE1F-471D79FB2122}"/>
+                <a16:creationId xmlns:a16="http://schemas.microsoft.com/office/drawing/2014/main" id="{C2BA4831-02CB-1340-9274-9C5C14FED17A}"/>
               </a:ext>
             </a:extLst>
           </p:cNvPr>
-          <p:cNvSpPr>
-            <a:spLocks noGrp="1"/>
-          </p:cNvSpPr>
-          <p:nvPr>
-            <p:ph type="title"/>
-          </p:nvPr>
-        </p:nvSpPr>
+          <p:cNvPicPr>
+            <a:picLocks noChangeAspect="1"/>
+          </p:cNvPicPr>
+          <p:nvPr/>
+        </p:nvPicPr>
+        <p:blipFill>
+          <a:blip r:embed="rId3"/>
+          <a:stretch>
+            <a:fillRect/>
+          </a:stretch>
+        </p:blipFill>
         <p:spPr>
           <a:xfrm>
-            <a:off x="634792" y="2313432"/>
-            <a:ext cx="8229600" cy="1344167"/>
+            <a:off x="228599" y="2086051"/>
+            <a:ext cx="8686801" cy="1570012"/>
           </a:xfrm>
+          <a:prstGeom prst="rect">
+            <a:avLst/>
+          </a:prstGeom>
         </p:spPr>
-        <p:txBody>
-          <a:bodyPr>
-            <a:normAutofit/>
-          </a:bodyPr>
-          <a:lstStyle/>
-          <a:p>
-            <a:r>
-              <a:rPr lang="en-US" dirty="0"/>
-              <a:t>Model &amp; Results</a:t>
-            </a:r>
-          </a:p>
-        </p:txBody>
-      </p:sp>
-      <p:sp>
-        <p:nvSpPr>
-          <p:cNvPr id="3" name="Date Placeholder 2">
+      </p:pic>
+      <p:pic>
+        <p:nvPicPr>
+          <p:cNvPr id="12" name="Picture 11">
             <a:extLst>
               <a:ext uri="{FF2B5EF4-FFF2-40B4-BE49-F238E27FC236}">
-                <a16:creationId xmlns:a16="http://schemas.microsoft.com/office/drawing/2014/main" id="{CD148C30-E7AE-384B-8149-C970B06234A7}"/>
+                <a16:creationId xmlns:a16="http://schemas.microsoft.com/office/drawing/2014/main" id="{F28D4739-872E-1441-9359-63D5EC346AB9}"/>
               </a:ext>
             </a:extLst>
           </p:cNvPr>
-          <p:cNvSpPr>
-            <a:spLocks noGrp="1"/>
-          </p:cNvSpPr>
-          <p:nvPr>
-            <p:ph type="dt" sz="half" idx="10"/>
-          </p:nvPr>
-        </p:nvSpPr>
-        <p:spPr/>
-        <p:txBody>
-          <a:bodyPr/>
-          <a:lstStyle/>
-          <a:p>
-            <a:fld id="{582F525F-F280-904A-8B95-120BA1BA5DAA}" type="datetime4">
-              <a:rPr lang="en-US" smtClean="0"/>
-              <a:t>April 22, 2018</a:t>
-            </a:fld>
-            <a:endParaRPr lang="en-US" dirty="0"/>
-          </a:p>
-        </p:txBody>
-      </p:sp>
-      <p:sp>
-        <p:nvSpPr>
-          <p:cNvPr id="4" name="Footer Placeholder 3">
-            <a:extLst>
-              <a:ext uri="{FF2B5EF4-FFF2-40B4-BE49-F238E27FC236}">
-                <a16:creationId xmlns:a16="http://schemas.microsoft.com/office/drawing/2014/main" id="{F778F496-B983-7440-AE28-05D9A7EC6156}"/>
-              </a:ext>
-            </a:extLst>
-          </p:cNvPr>
-          <p:cNvSpPr>
-            <a:spLocks noGrp="1"/>
-          </p:cNvSpPr>
-          <p:nvPr>
-            <p:ph type="ftr" sz="quarter" idx="11"/>
-          </p:nvPr>
-        </p:nvSpPr>
-        <p:spPr/>
-        <p:txBody>
-          <a:bodyPr/>
-          <a:lstStyle/>
-          <a:p>
-            <a:r>
-              <a:rPr lang="en-US"/>
-              <a:t>Classifying High-Resolution Brain Scans</a:t>
-            </a:r>
-            <a:endParaRPr lang="en-US" dirty="0"/>
-          </a:p>
-        </p:txBody>
-      </p:sp>
-      <p:sp>
-        <p:nvSpPr>
-          <p:cNvPr id="5" name="Slide Number Placeholder 4">
-            <a:extLst>
-              <a:ext uri="{FF2B5EF4-FFF2-40B4-BE49-F238E27FC236}">
-                <a16:creationId xmlns:a16="http://schemas.microsoft.com/office/drawing/2014/main" id="{7352E32E-D968-0A4C-876C-5B38829E1E5B}"/>
-              </a:ext>
-            </a:extLst>
-          </p:cNvPr>
-          <p:cNvSpPr>
-            <a:spLocks noGrp="1"/>
-          </p:cNvSpPr>
-          <p:nvPr>
-            <p:ph type="sldNum" sz="quarter" idx="12"/>
-          </p:nvPr>
-        </p:nvSpPr>
-        <p:spPr/>
-        <p:txBody>
-          <a:bodyPr/>
-          <a:lstStyle/>
-          <a:p>
-            <a:fld id="{A85782A5-310D-064D-97B2-7CD9DCF5F4D7}" type="slidenum">
-              <a:rPr lang="en-US" smtClean="0"/>
-              <a:pPr/>
-              <a:t>5</a:t>
-            </a:fld>
-            <a:endParaRPr lang="en-US" dirty="0"/>
-          </a:p>
-        </p:txBody>
-      </p:sp>
+          <p:cNvPicPr>
+            <a:picLocks noChangeAspect="1"/>
+          </p:cNvPicPr>
+          <p:nvPr/>
+        </p:nvPicPr>
+        <p:blipFill>
+          <a:blip r:embed="rId4"/>
+          <a:stretch>
+            <a:fillRect/>
+          </a:stretch>
+        </p:blipFill>
+        <p:spPr>
+          <a:xfrm>
+            <a:off x="1887612" y="4467729"/>
+            <a:ext cx="5707172" cy="1410641"/>
+          </a:xfrm>
+          <a:prstGeom prst="rect">
+            <a:avLst/>
+          </a:prstGeom>
+        </p:spPr>
+      </p:pic>
     </p:spTree>
     <p:extLst>
       <p:ext uri="{BB962C8B-B14F-4D97-AF65-F5344CB8AC3E}">
-        <p14:creationId xmlns:p14="http://schemas.microsoft.com/office/powerpoint/2010/main" val="1884191572"/>
+        <p14:creationId xmlns:p14="http://schemas.microsoft.com/office/powerpoint/2010/main" val="1456638104"/>
       </p:ext>
     </p:extLst>
   </p:cSld>
@@ -4448,7 +6091,13 @@
       </p:grpSpPr>
       <p:sp>
         <p:nvSpPr>
-          <p:cNvPr id="2" name="Title 1"/>
+          <p:cNvPr id="2" name="Title 1">
+            <a:extLst>
+              <a:ext uri="{FF2B5EF4-FFF2-40B4-BE49-F238E27FC236}">
+                <a16:creationId xmlns:a16="http://schemas.microsoft.com/office/drawing/2014/main" id="{B71D9872-CE0B-7C4F-AE1F-471D79FB2122}"/>
+              </a:ext>
+            </a:extLst>
+          </p:cNvPr>
           <p:cNvSpPr>
             <a:spLocks noGrp="1"/>
           </p:cNvSpPr>
@@ -4456,123 +6105,34 @@
             <p:ph type="title"/>
           </p:nvPr>
         </p:nvSpPr>
-        <p:spPr/>
+        <p:spPr>
+          <a:xfrm>
+            <a:off x="634792" y="2313432"/>
+            <a:ext cx="8229600" cy="1344167"/>
+          </a:xfrm>
+        </p:spPr>
         <p:txBody>
           <a:bodyPr>
-            <a:normAutofit fontScale="90000"/>
+            <a:normAutofit/>
           </a:bodyPr>
           <a:lstStyle/>
           <a:p>
             <a:r>
               <a:rPr lang="en-US" dirty="0"/>
-              <a:t>Parameter Tuning</a:t>
-            </a:r>
-          </a:p>
-        </p:txBody>
-      </p:sp>
-      <p:sp>
-        <p:nvSpPr>
-          <p:cNvPr id="3" name="Content Placeholder 2"/>
-          <p:cNvSpPr>
-            <a:spLocks noGrp="1"/>
-          </p:cNvSpPr>
-          <p:nvPr>
-            <p:ph idx="1"/>
-          </p:nvPr>
-        </p:nvSpPr>
-        <p:spPr/>
-        <p:txBody>
-          <a:bodyPr>
-            <a:normAutofit fontScale="85000" lnSpcReduction="10000"/>
-          </a:bodyPr>
-          <a:lstStyle/>
-          <a:p>
-            <a:r>
-              <a:rPr lang="en-US" b="1" dirty="0" err="1"/>
-              <a:t>ParamGridBuilder</a:t>
-            </a:r>
-            <a:r>
-              <a:rPr lang="en-US" b="1" dirty="0"/>
-              <a:t>() </a:t>
-            </a:r>
-            <a:r>
-              <a:rPr lang="en-US" dirty="0"/>
-              <a:t>– constructs a grid of parameters to search over</a:t>
-            </a:r>
-          </a:p>
-          <a:p>
-            <a:r>
-              <a:rPr lang="en-US" b="1" dirty="0" err="1"/>
-              <a:t>TrainValidationSplit</a:t>
-            </a:r>
-            <a:r>
-              <a:rPr lang="en-US" b="1" dirty="0"/>
-              <a:t>() </a:t>
-            </a:r>
-            <a:r>
-              <a:rPr lang="en-US" dirty="0"/>
-              <a:t>– tries all combinations of values and determines the best model</a:t>
-            </a:r>
-          </a:p>
-          <a:p>
-            <a:r>
-              <a:rPr lang="en-US" b="1" dirty="0" err="1"/>
-              <a:t>numTrees</a:t>
-            </a:r>
-            <a:r>
-              <a:rPr lang="en-US" b="1" dirty="0"/>
-              <a:t> </a:t>
-            </a:r>
-            <a:r>
-              <a:rPr lang="en-US" dirty="0"/>
-              <a:t>– increasing lead to better accuracy and less compute time</a:t>
-            </a:r>
-          </a:p>
-          <a:p>
-            <a:r>
-              <a:rPr lang="en-US" b="1" dirty="0" err="1"/>
-              <a:t>maxDepth</a:t>
-            </a:r>
-            <a:r>
-              <a:rPr lang="en-US" dirty="0"/>
-              <a:t> - higher values lead to overfitting and increased run time of the model</a:t>
-            </a:r>
-            <a:endParaRPr lang="en-US" b="1" dirty="0"/>
-          </a:p>
-          <a:p>
-            <a:r>
-              <a:rPr lang="en-US" b="1" dirty="0" err="1"/>
-              <a:t>maxBins</a:t>
-            </a:r>
-            <a:r>
-              <a:rPr lang="en-US" dirty="0"/>
-              <a:t> - maximum number of bins used for splitting features</a:t>
-            </a:r>
-            <a:endParaRPr lang="en-US" b="1" dirty="0"/>
-          </a:p>
-          <a:p>
-            <a:r>
-              <a:rPr lang="en-US" b="1" dirty="0"/>
-              <a:t>impurity</a:t>
-            </a:r>
-            <a:r>
-              <a:rPr lang="en-US" dirty="0"/>
-              <a:t> – criterion (</a:t>
-            </a:r>
-            <a:r>
-              <a:rPr lang="en-US" dirty="0" err="1"/>
-              <a:t>gini</a:t>
-            </a:r>
-            <a:r>
-              <a:rPr lang="en-US" dirty="0"/>
-              <a:t>)</a:t>
-            </a:r>
-          </a:p>
-        </p:txBody>
-      </p:sp>
-      <p:sp>
-        <p:nvSpPr>
-          <p:cNvPr id="4" name="Date Placeholder 3"/>
+              <a:t>Model &amp; Results</a:t>
+            </a:r>
+          </a:p>
+        </p:txBody>
+      </p:sp>
+      <p:sp>
+        <p:nvSpPr>
+          <p:cNvPr id="3" name="Date Placeholder 2">
+            <a:extLst>
+              <a:ext uri="{FF2B5EF4-FFF2-40B4-BE49-F238E27FC236}">
+                <a16:creationId xmlns:a16="http://schemas.microsoft.com/office/drawing/2014/main" id="{CD148C30-E7AE-384B-8149-C970B06234A7}"/>
+              </a:ext>
+            </a:extLst>
+          </p:cNvPr>
           <p:cNvSpPr>
             <a:spLocks noGrp="1"/>
           </p:cNvSpPr>
@@ -4585,16 +6145,23 @@
           <a:bodyPr/>
           <a:lstStyle/>
           <a:p>
-            <a:r>
-              <a:rPr lang="en-US" dirty="0"/>
-              <a:t>April 24, 2018</a:t>
-            </a:r>
-          </a:p>
-        </p:txBody>
-      </p:sp>
-      <p:sp>
-        <p:nvSpPr>
-          <p:cNvPr id="5" name="Footer Placeholder 4"/>
+            <a:fld id="{582F525F-F280-904A-8B95-120BA1BA5DAA}" type="datetime4">
+              <a:rPr lang="en-US" smtClean="0"/>
+              <a:t>April 23, 2018</a:t>
+            </a:fld>
+            <a:endParaRPr lang="en-US" dirty="0"/>
+          </a:p>
+        </p:txBody>
+      </p:sp>
+      <p:sp>
+        <p:nvSpPr>
+          <p:cNvPr id="4" name="Footer Placeholder 3">
+            <a:extLst>
+              <a:ext uri="{FF2B5EF4-FFF2-40B4-BE49-F238E27FC236}">
+                <a16:creationId xmlns:a16="http://schemas.microsoft.com/office/drawing/2014/main" id="{F778F496-B983-7440-AE28-05D9A7EC6156}"/>
+              </a:ext>
+            </a:extLst>
+          </p:cNvPr>
           <p:cNvSpPr>
             <a:spLocks noGrp="1"/>
           </p:cNvSpPr>
@@ -4608,15 +6175,22 @@
           <a:lstStyle/>
           <a:p>
             <a:r>
-              <a:rPr lang="en-US" dirty="0"/>
+              <a:rPr lang="en-US"/>
               <a:t>Classifying High-Resolution Brain Scans</a:t>
             </a:r>
-          </a:p>
-        </p:txBody>
-      </p:sp>
-      <p:sp>
-        <p:nvSpPr>
-          <p:cNvPr id="6" name="Slide Number Placeholder 5"/>
+            <a:endParaRPr lang="en-US" dirty="0"/>
+          </a:p>
+        </p:txBody>
+      </p:sp>
+      <p:sp>
+        <p:nvSpPr>
+          <p:cNvPr id="5" name="Slide Number Placeholder 4">
+            <a:extLst>
+              <a:ext uri="{FF2B5EF4-FFF2-40B4-BE49-F238E27FC236}">
+                <a16:creationId xmlns:a16="http://schemas.microsoft.com/office/drawing/2014/main" id="{7352E32E-D968-0A4C-876C-5B38829E1E5B}"/>
+              </a:ext>
+            </a:extLst>
+          </p:cNvPr>
           <p:cNvSpPr>
             <a:spLocks noGrp="1"/>
           </p:cNvSpPr>
@@ -4631,16 +6205,17 @@
           <a:p>
             <a:fld id="{A85782A5-310D-064D-97B2-7CD9DCF5F4D7}" type="slidenum">
               <a:rPr lang="en-US" smtClean="0"/>
+              <a:pPr/>
               <a:t>6</a:t>
             </a:fld>
-            <a:endParaRPr lang="en-US"/>
+            <a:endParaRPr lang="en-US" dirty="0"/>
           </a:p>
         </p:txBody>
       </p:sp>
     </p:spTree>
     <p:extLst>
       <p:ext uri="{BB962C8B-B14F-4D97-AF65-F5344CB8AC3E}">
-        <p14:creationId xmlns:p14="http://schemas.microsoft.com/office/powerpoint/2010/main" val="4063819120"/>
+        <p14:creationId xmlns:p14="http://schemas.microsoft.com/office/powerpoint/2010/main" val="1884191572"/>
       </p:ext>
     </p:extLst>
   </p:cSld>
@@ -4686,7 +6261,7 @@
           <a:p>
             <a:r>
               <a:rPr lang="en-US" dirty="0"/>
-              <a:t>Splitting the Dataset</a:t>
+              <a:t>Parameter Tuning</a:t>
             </a:r>
           </a:p>
         </p:txBody>
@@ -4704,25 +6279,75 @@
         <p:spPr/>
         <p:txBody>
           <a:bodyPr>
-            <a:normAutofit/>
+            <a:normAutofit fontScale="92500"/>
           </a:bodyPr>
           <a:lstStyle/>
           <a:p>
             <a:r>
+              <a:rPr lang="en-US" b="1" dirty="0" err="1"/>
+              <a:t>ParamGridBuilder</a:t>
+            </a:r>
+            <a:r>
+              <a:rPr lang="en-US" b="1" dirty="0"/>
+              <a:t>() </a:t>
+            </a:r>
+            <a:r>
               <a:rPr lang="en-US" dirty="0"/>
-              <a:t>Cross-Validation: how well a model “generalizes” (ability to accurately predict using previously-unseen data)</a:t>
-            </a:r>
-          </a:p>
-          <a:p>
+              <a:t>– constructs a grid of parameters to search over</a:t>
+            </a:r>
+          </a:p>
+          <a:p>
+            <a:r>
+              <a:rPr lang="en-US" b="1" dirty="0" err="1"/>
+              <a:t>numTrees</a:t>
+            </a:r>
+            <a:r>
+              <a:rPr lang="en-US" b="1" dirty="0"/>
+              <a:t> </a:t>
+            </a:r>
             <a:r>
               <a:rPr lang="en-US" dirty="0"/>
-              <a:t>Training data RDD (80%)</a:t>
-            </a:r>
-          </a:p>
-          <a:p>
+              <a:t>– increasing lead to better accuracy and less compute time</a:t>
+            </a:r>
+          </a:p>
+          <a:p>
+            <a:r>
+              <a:rPr lang="en-US" b="1" dirty="0" err="1"/>
+              <a:t>maxDepth</a:t>
+            </a:r>
             <a:r>
               <a:rPr lang="en-US" dirty="0"/>
-              <a:t>Validation data RDD (20%)</a:t>
+              <a:t> - higher values lead to overfitting and increased run time of the model</a:t>
+            </a:r>
+            <a:endParaRPr lang="en-US" b="1" dirty="0"/>
+          </a:p>
+          <a:p>
+            <a:r>
+              <a:rPr lang="en-US" b="1" dirty="0" err="1"/>
+              <a:t>maxBins</a:t>
+            </a:r>
+            <a:r>
+              <a:rPr lang="en-US" dirty="0"/>
+              <a:t> - maximum number of bins used for splitting features</a:t>
+            </a:r>
+            <a:endParaRPr lang="en-US" b="1" dirty="0"/>
+          </a:p>
+          <a:p>
+            <a:r>
+              <a:rPr lang="en-US" b="1" dirty="0"/>
+              <a:t>impurity</a:t>
+            </a:r>
+            <a:r>
+              <a:rPr lang="en-US" dirty="0"/>
+              <a:t> – criterion (</a:t>
+            </a:r>
+            <a:r>
+              <a:rPr lang="en-US" dirty="0" err="1"/>
+              <a:t>gini</a:t>
+            </a:r>
+            <a:r>
+              <a:rPr lang="en-US" dirty="0"/>
+              <a:t>)</a:t>
             </a:r>
           </a:p>
         </p:txBody>
@@ -4797,7 +6422,7 @@
     </p:spTree>
     <p:extLst>
       <p:ext uri="{BB962C8B-B14F-4D97-AF65-F5344CB8AC3E}">
-        <p14:creationId xmlns:p14="http://schemas.microsoft.com/office/powerpoint/2010/main" val="404897761"/>
+        <p14:creationId xmlns:p14="http://schemas.microsoft.com/office/powerpoint/2010/main" val="4063819120"/>
       </p:ext>
     </p:extLst>
   </p:cSld>
@@ -4826,6 +6451,163 @@
       </p:grpSpPr>
       <p:sp>
         <p:nvSpPr>
+          <p:cNvPr id="2" name="Title 1"/>
+          <p:cNvSpPr>
+            <a:spLocks noGrp="1"/>
+          </p:cNvSpPr>
+          <p:nvPr>
+            <p:ph type="title"/>
+          </p:nvPr>
+        </p:nvSpPr>
+        <p:spPr/>
+        <p:txBody>
+          <a:bodyPr>
+            <a:normAutofit fontScale="90000"/>
+          </a:bodyPr>
+          <a:lstStyle/>
+          <a:p>
+            <a:r>
+              <a:rPr lang="en-US" dirty="0"/>
+              <a:t>Splitting the Dataset</a:t>
+            </a:r>
+          </a:p>
+        </p:txBody>
+      </p:sp>
+      <p:sp>
+        <p:nvSpPr>
+          <p:cNvPr id="3" name="Content Placeholder 2"/>
+          <p:cNvSpPr>
+            <a:spLocks noGrp="1"/>
+          </p:cNvSpPr>
+          <p:nvPr>
+            <p:ph idx="1"/>
+          </p:nvPr>
+        </p:nvSpPr>
+        <p:spPr/>
+        <p:txBody>
+          <a:bodyPr>
+            <a:normAutofit/>
+          </a:bodyPr>
+          <a:lstStyle/>
+          <a:p>
+            <a:r>
+              <a:rPr lang="en-US" dirty="0"/>
+              <a:t>Cross-Validation: how well a model “generalizes” (ability to accurately predict using previously-unseen data)</a:t>
+            </a:r>
+          </a:p>
+          <a:p>
+            <a:r>
+              <a:rPr lang="en-US" dirty="0"/>
+              <a:t>Training data RDD (80%)</a:t>
+            </a:r>
+          </a:p>
+          <a:p>
+            <a:r>
+              <a:rPr lang="en-US" dirty="0"/>
+              <a:t>Validation data RDD (20%)</a:t>
+            </a:r>
+          </a:p>
+        </p:txBody>
+      </p:sp>
+      <p:sp>
+        <p:nvSpPr>
+          <p:cNvPr id="4" name="Date Placeholder 3"/>
+          <p:cNvSpPr>
+            <a:spLocks noGrp="1"/>
+          </p:cNvSpPr>
+          <p:nvPr>
+            <p:ph type="dt" sz="half" idx="10"/>
+          </p:nvPr>
+        </p:nvSpPr>
+        <p:spPr/>
+        <p:txBody>
+          <a:bodyPr/>
+          <a:lstStyle/>
+          <a:p>
+            <a:r>
+              <a:rPr lang="en-US" dirty="0"/>
+              <a:t>April 24, 2018</a:t>
+            </a:r>
+          </a:p>
+        </p:txBody>
+      </p:sp>
+      <p:sp>
+        <p:nvSpPr>
+          <p:cNvPr id="5" name="Footer Placeholder 4"/>
+          <p:cNvSpPr>
+            <a:spLocks noGrp="1"/>
+          </p:cNvSpPr>
+          <p:nvPr>
+            <p:ph type="ftr" sz="quarter" idx="11"/>
+          </p:nvPr>
+        </p:nvSpPr>
+        <p:spPr/>
+        <p:txBody>
+          <a:bodyPr/>
+          <a:lstStyle/>
+          <a:p>
+            <a:r>
+              <a:rPr lang="en-US" dirty="0"/>
+              <a:t>Classifying High-Resolution Brain Scans</a:t>
+            </a:r>
+          </a:p>
+        </p:txBody>
+      </p:sp>
+      <p:sp>
+        <p:nvSpPr>
+          <p:cNvPr id="6" name="Slide Number Placeholder 5"/>
+          <p:cNvSpPr>
+            <a:spLocks noGrp="1"/>
+          </p:cNvSpPr>
+          <p:nvPr>
+            <p:ph type="sldNum" sz="quarter" idx="12"/>
+          </p:nvPr>
+        </p:nvSpPr>
+        <p:spPr/>
+        <p:txBody>
+          <a:bodyPr/>
+          <a:lstStyle/>
+          <a:p>
+            <a:fld id="{A85782A5-310D-064D-97B2-7CD9DCF5F4D7}" type="slidenum">
+              <a:rPr lang="en-US" smtClean="0"/>
+              <a:t>8</a:t>
+            </a:fld>
+            <a:endParaRPr lang="en-US"/>
+          </a:p>
+        </p:txBody>
+      </p:sp>
+    </p:spTree>
+    <p:extLst>
+      <p:ext uri="{BB962C8B-B14F-4D97-AF65-F5344CB8AC3E}">
+        <p14:creationId xmlns:p14="http://schemas.microsoft.com/office/powerpoint/2010/main" val="404897761"/>
+      </p:ext>
+    </p:extLst>
+  </p:cSld>
+  <p:clrMapOvr>
+    <a:masterClrMapping/>
+  </p:clrMapOvr>
+</p:sld>
+</file>
+
+<file path=ppt/slides/slide9.xml><?xml version="1.0" encoding="utf-8"?>
+<p:sld xmlns:a="http://schemas.openxmlformats.org/drawingml/2006/main" xmlns:r="http://schemas.openxmlformats.org/officeDocument/2006/relationships" xmlns:p="http://schemas.openxmlformats.org/presentationml/2006/main">
+  <p:cSld>
+    <p:spTree>
+      <p:nvGrpSpPr>
+        <p:cNvPr id="1" name=""/>
+        <p:cNvGrpSpPr/>
+        <p:nvPr/>
+      </p:nvGrpSpPr>
+      <p:grpSpPr>
+        <a:xfrm>
+          <a:off x="0" y="0"/>
+          <a:ext cx="0" cy="0"/>
+          <a:chOff x="0" y="0"/>
+          <a:chExt cx="0" cy="0"/>
+        </a:xfrm>
+      </p:grpSpPr>
+      <p:sp>
+        <p:nvSpPr>
           <p:cNvPr id="2" name="Title 1">
             <a:extLst>
               <a:ext uri="{FF2B5EF4-FFF2-40B4-BE49-F238E27FC236}">
@@ -4955,7 +6737,7 @@
           <a:p>
             <a:fld id="{A85782A5-310D-064D-97B2-7CD9DCF5F4D7}" type="slidenum">
               <a:rPr lang="en-US" smtClean="0"/>
-              <a:t>8</a:t>
+              <a:t>9</a:t>
             </a:fld>
             <a:endParaRPr lang="en-US"/>
           </a:p>
@@ -5547,7 +7329,7 @@
         </p:nvSpPr>
         <p:spPr>
           <a:xfrm>
-            <a:off x="1960635" y="1257813"/>
+            <a:off x="1715651" y="1232822"/>
             <a:ext cx="255181" cy="324808"/>
           </a:xfrm>
           <a:prstGeom prst="downArrow">
@@ -5597,7 +7379,7 @@
         </p:nvSpPr>
         <p:spPr>
           <a:xfrm>
-            <a:off x="1343843" y="876319"/>
+            <a:off x="1133349" y="878648"/>
             <a:ext cx="938783" cy="369332"/>
           </a:xfrm>
           <a:prstGeom prst="rect">
@@ -6054,7 +7836,7 @@
                   </a:schemeClr>
                 </a:solidFill>
               </a:rPr>
-              <a:t>GGB/image.csv</a:t>
+              <a:t>6 GB/image.csv</a:t>
             </a:r>
           </a:p>
         </p:txBody>
@@ -6151,8 +7933,8 @@
         </p:nvSpPr>
         <p:spPr>
           <a:xfrm>
-            <a:off x="3151263" y="1216662"/>
-            <a:ext cx="1560812" cy="369332"/>
+            <a:off x="2236835" y="1063314"/>
+            <a:ext cx="2507097" cy="523220"/>
           </a:xfrm>
           <a:prstGeom prst="rect">
             <a:avLst/>
@@ -6166,12 +7948,22 @@
           <a:lstStyle/>
           <a:p>
             <a:r>
-              <a:rPr lang="en-US" b="1" dirty="0">
+              <a:rPr lang="en-US" sz="1400" b="1" dirty="0">
                 <a:solidFill>
                   <a:srgbClr val="FF0000"/>
                 </a:solidFill>
               </a:rPr>
-              <a:t>Diff. Partitions</a:t>
+              <a:t>Split data in several Partitions</a:t>
+            </a:r>
+          </a:p>
+          <a:p>
+            <a:r>
+              <a:rPr lang="en-US" sz="1400" b="1" dirty="0">
+                <a:solidFill>
+                  <a:srgbClr val="FF0000"/>
+                </a:solidFill>
+              </a:rPr>
+              <a:t>(1 job per image, map only job)</a:t>
             </a:r>
           </a:p>
         </p:txBody>
@@ -6190,8 +7982,8 @@
         </p:nvSpPr>
         <p:spPr>
           <a:xfrm>
-            <a:off x="6985335" y="2409523"/>
-            <a:ext cx="1717868" cy="369332"/>
+            <a:off x="6985334" y="2409523"/>
+            <a:ext cx="1988016" cy="369332"/>
           </a:xfrm>
           <a:prstGeom prst="rect">
             <a:avLst/>
@@ -6212,7 +8004,7 @@
                   </a:schemeClr>
                 </a:solidFill>
               </a:rPr>
-              <a:t>~65 MB image</a:t>
+              <a:t>~65 MB / image</a:t>
             </a:r>
           </a:p>
         </p:txBody>
@@ -6231,8 +8023,8 @@
         </p:nvSpPr>
         <p:spPr>
           <a:xfrm>
-            <a:off x="3647021" y="3021832"/>
-            <a:ext cx="1121765" cy="923330"/>
+            <a:off x="7565035" y="2739137"/>
+            <a:ext cx="1121765" cy="1200329"/>
           </a:xfrm>
           <a:prstGeom prst="rect">
             <a:avLst/>
@@ -6252,7 +8044,86 @@
                   <a:srgbClr val="FF0000"/>
                 </a:solidFill>
               </a:rPr>
-              <a:t>Persist during training</a:t>
+              <a:t>Persist data during training</a:t>
+            </a:r>
+          </a:p>
+        </p:txBody>
+      </p:sp>
+      <p:sp>
+        <p:nvSpPr>
+          <p:cNvPr id="44" name="TextBox 43">
+            <a:extLst>
+              <a:ext uri="{FF2B5EF4-FFF2-40B4-BE49-F238E27FC236}">
+                <a16:creationId xmlns:a16="http://schemas.microsoft.com/office/drawing/2014/main" id="{C5213DD4-A7B8-C848-88F9-5FCFAC5E8ED6}"/>
+              </a:ext>
+            </a:extLst>
+          </p:cNvPr>
+          <p:cNvSpPr txBox="1"/>
+          <p:nvPr/>
+        </p:nvSpPr>
+        <p:spPr>
+          <a:xfrm>
+            <a:off x="126767" y="4922651"/>
+            <a:ext cx="1489800" cy="923330"/>
+          </a:xfrm>
+          <a:prstGeom prst="rect">
+            <a:avLst/>
+          </a:prstGeom>
+          <a:noFill/>
+        </p:spPr>
+        <p:txBody>
+          <a:bodyPr wrap="square" rtlCol="0">
+            <a:spAutoFit/>
+          </a:bodyPr>
+          <a:lstStyle/>
+          <a:p>
+            <a:pPr algn="ctr"/>
+            <a:r>
+              <a:rPr lang="en-US" b="1" dirty="0">
+                <a:solidFill>
+                  <a:srgbClr val="FF0000"/>
+                </a:solidFill>
+              </a:rPr>
+              <a:t>Persist model during classification</a:t>
+            </a:r>
+          </a:p>
+        </p:txBody>
+      </p:sp>
+      <p:sp>
+        <p:nvSpPr>
+          <p:cNvPr id="45" name="TextBox 44">
+            <a:extLst>
+              <a:ext uri="{FF2B5EF4-FFF2-40B4-BE49-F238E27FC236}">
+                <a16:creationId xmlns:a16="http://schemas.microsoft.com/office/drawing/2014/main" id="{CB8120C0-38D8-5E47-8D33-56F0019869BE}"/>
+              </a:ext>
+            </a:extLst>
+          </p:cNvPr>
+          <p:cNvSpPr txBox="1"/>
+          <p:nvPr/>
+        </p:nvSpPr>
+        <p:spPr>
+          <a:xfrm>
+            <a:off x="129146" y="1152109"/>
+            <a:ext cx="1558435" cy="954107"/>
+          </a:xfrm>
+          <a:prstGeom prst="rect">
+            <a:avLst/>
+          </a:prstGeom>
+          <a:noFill/>
+        </p:spPr>
+        <p:txBody>
+          <a:bodyPr wrap="square" rtlCol="0">
+            <a:spAutoFit/>
+          </a:bodyPr>
+          <a:lstStyle/>
+          <a:p>
+            <a:r>
+              <a:rPr lang="en-US" sz="1400" b="1" dirty="0">
+                <a:solidFill>
+                  <a:srgbClr val="FF0000"/>
+                </a:solidFill>
+              </a:rPr>
+              <a:t>*Each image took ~25 minutes to process, dual core machine 1 worker</a:t>
             </a:r>
           </a:p>
         </p:txBody>
@@ -6260,128 +8131,7 @@
     </p:spTree>
     <p:extLst>
       <p:ext uri="{BB962C8B-B14F-4D97-AF65-F5344CB8AC3E}">
-        <p14:creationId xmlns:p14="http://schemas.microsoft.com/office/powerpoint/2010/main" val="4098742230"/>
-      </p:ext>
-    </p:extLst>
-  </p:cSld>
-  <p:clrMapOvr>
-    <a:masterClrMapping/>
-  </p:clrMapOvr>
-</p:sld>
-</file>
-
-<file path=ppt/slides/slide9.xml><?xml version="1.0" encoding="utf-8"?>
-<p:sld xmlns:a="http://schemas.openxmlformats.org/drawingml/2006/main" xmlns:r="http://schemas.openxmlformats.org/officeDocument/2006/relationships" xmlns:p="http://schemas.openxmlformats.org/presentationml/2006/main">
-  <p:cSld>
-    <p:spTree>
-      <p:nvGrpSpPr>
-        <p:cNvPr id="1" name=""/>
-        <p:cNvGrpSpPr/>
-        <p:nvPr/>
-      </p:nvGrpSpPr>
-      <p:grpSpPr>
-        <a:xfrm>
-          <a:off x="0" y="0"/>
-          <a:ext cx="0" cy="0"/>
-          <a:chOff x="0" y="0"/>
-          <a:chExt cx="0" cy="0"/>
-        </a:xfrm>
-      </p:grpSpPr>
-      <p:sp>
-        <p:nvSpPr>
-          <p:cNvPr id="2" name="Title 1"/>
-          <p:cNvSpPr>
-            <a:spLocks noGrp="1"/>
-          </p:cNvSpPr>
-          <p:nvPr>
-            <p:ph type="title"/>
-          </p:nvPr>
-        </p:nvSpPr>
-        <p:spPr/>
-        <p:txBody>
-          <a:bodyPr>
-            <a:normAutofit fontScale="90000"/>
-          </a:bodyPr>
-          <a:lstStyle/>
-          <a:p>
-            <a:r>
-              <a:rPr lang="en-US" dirty="0"/>
-              <a:t>Results</a:t>
-            </a:r>
-          </a:p>
-        </p:txBody>
-      </p:sp>
-      <p:sp>
-        <p:nvSpPr>
-          <p:cNvPr id="4" name="Date Placeholder 3"/>
-          <p:cNvSpPr>
-            <a:spLocks noGrp="1"/>
-          </p:cNvSpPr>
-          <p:nvPr>
-            <p:ph type="dt" sz="half" idx="10"/>
-          </p:nvPr>
-        </p:nvSpPr>
-        <p:spPr/>
-        <p:txBody>
-          <a:bodyPr/>
-          <a:lstStyle/>
-          <a:p>
-            <a:r>
-              <a:rPr lang="en-US" dirty="0"/>
-              <a:t>April 24, 2018</a:t>
-            </a:r>
-          </a:p>
-        </p:txBody>
-      </p:sp>
-      <p:sp>
-        <p:nvSpPr>
-          <p:cNvPr id="5" name="Footer Placeholder 4"/>
-          <p:cNvSpPr>
-            <a:spLocks noGrp="1"/>
-          </p:cNvSpPr>
-          <p:nvPr>
-            <p:ph type="ftr" sz="quarter" idx="11"/>
-          </p:nvPr>
-        </p:nvSpPr>
-        <p:spPr/>
-        <p:txBody>
-          <a:bodyPr/>
-          <a:lstStyle/>
-          <a:p>
-            <a:r>
-              <a:rPr lang="en-US" dirty="0"/>
-              <a:t>Classifying High-Resolution Brain Scans</a:t>
-            </a:r>
-          </a:p>
-        </p:txBody>
-      </p:sp>
-      <p:sp>
-        <p:nvSpPr>
-          <p:cNvPr id="6" name="Slide Number Placeholder 5"/>
-          <p:cNvSpPr>
-            <a:spLocks noGrp="1"/>
-          </p:cNvSpPr>
-          <p:nvPr>
-            <p:ph type="sldNum" sz="quarter" idx="12"/>
-          </p:nvPr>
-        </p:nvSpPr>
-        <p:spPr/>
-        <p:txBody>
-          <a:bodyPr/>
-          <a:lstStyle/>
-          <a:p>
-            <a:fld id="{A85782A5-310D-064D-97B2-7CD9DCF5F4D7}" type="slidenum">
-              <a:rPr lang="en-US" smtClean="0"/>
-              <a:t>9</a:t>
-            </a:fld>
-            <a:endParaRPr lang="en-US"/>
-          </a:p>
-        </p:txBody>
-      </p:sp>
-    </p:spTree>
-    <p:extLst>
-      <p:ext uri="{BB962C8B-B14F-4D97-AF65-F5344CB8AC3E}">
-        <p14:creationId xmlns:p14="http://schemas.microsoft.com/office/powerpoint/2010/main" val="1500565145"/>
+        <p14:creationId xmlns:p14="http://schemas.microsoft.com/office/powerpoint/2010/main" val="3653623932"/>
       </p:ext>
     </p:extLst>
   </p:cSld>

--- a/presentation/DutileOtentiPhangSweeney.pptx
+++ b/presentation/DutileOtentiPhangSweeney.pptx
@@ -5,25 +5,26 @@
     <p:sldMasterId id="2147483648" r:id="rId1"/>
   </p:sldMasterIdLst>
   <p:notesMasterIdLst>
-    <p:notesMasterId r:id="rId15"/>
+    <p:notesMasterId r:id="rId16"/>
   </p:notesMasterIdLst>
   <p:handoutMasterIdLst>
-    <p:handoutMasterId r:id="rId16"/>
+    <p:handoutMasterId r:id="rId17"/>
   </p:handoutMasterIdLst>
   <p:sldIdLst>
     <p:sldId id="256" r:id="rId2"/>
-    <p:sldId id="273" r:id="rId3"/>
-    <p:sldId id="274" r:id="rId4"/>
-    <p:sldId id="278" r:id="rId5"/>
-    <p:sldId id="279" r:id="rId6"/>
-    <p:sldId id="275" r:id="rId7"/>
-    <p:sldId id="271" r:id="rId8"/>
-    <p:sldId id="276" r:id="rId9"/>
-    <p:sldId id="280" r:id="rId10"/>
-    <p:sldId id="281" r:id="rId11"/>
-    <p:sldId id="262" r:id="rId12"/>
-    <p:sldId id="277" r:id="rId13"/>
-    <p:sldId id="261" r:id="rId14"/>
+    <p:sldId id="282" r:id="rId3"/>
+    <p:sldId id="283" r:id="rId4"/>
+    <p:sldId id="273" r:id="rId5"/>
+    <p:sldId id="274" r:id="rId6"/>
+    <p:sldId id="279" r:id="rId7"/>
+    <p:sldId id="275" r:id="rId8"/>
+    <p:sldId id="271" r:id="rId9"/>
+    <p:sldId id="276" r:id="rId10"/>
+    <p:sldId id="280" r:id="rId11"/>
+    <p:sldId id="281" r:id="rId12"/>
+    <p:sldId id="262" r:id="rId13"/>
+    <p:sldId id="284" r:id="rId14"/>
+    <p:sldId id="261" r:id="rId15"/>
   </p:sldIdLst>
   <p:sldSz cx="9144000" cy="6858000" type="screen4x3"/>
   <p:notesSz cx="6858000" cy="9144000"/>
@@ -226,7 +227,7 @@
           <a:p>
             <a:fld id="{69F838D6-D208-E54F-80E5-7DC509039C32}" type="datetimeFigureOut">
               <a:rPr lang="en-US" smtClean="0"/>
-              <a:t>4/23/18</a:t>
+              <a:t>4/24/18</a:t>
             </a:fld>
             <a:endParaRPr lang="en-US"/>
           </a:p>
@@ -392,7 +393,7 @@
           <a:p>
             <a:fld id="{C4DE9AAC-E34A-E34F-8216-9BD67DCDB2D8}" type="datetimeFigureOut">
               <a:rPr lang="en-US" smtClean="0"/>
-              <a:t>4/23/18</a:t>
+              <a:t>4/24/18</a:t>
             </a:fld>
             <a:endParaRPr lang="en-US"/>
           </a:p>
@@ -704,130 +705,13 @@
           <a:bodyPr/>
           <a:lstStyle/>
           <a:p>
-            <a:pPr marL="171450" indent="-171450">
-              <a:buFont typeface="Arial" panose="020B0604020202020204" pitchFamily="34" charset="0"/>
-              <a:buChar char="•"/>
-            </a:pPr>
-            <a:r>
-              <a:rPr lang="en-US" sz="1200" b="0" i="0" kern="1200" dirty="0">
-                <a:solidFill>
-                  <a:schemeClr val="tx1"/>
-                </a:solidFill>
-                <a:effectLst/>
-                <a:latin typeface="+mn-lt"/>
-                <a:ea typeface="+mn-ea"/>
-                <a:cs typeface="+mn-cs"/>
-              </a:rPr>
-              <a:t>Have foreground and background image</a:t>
-            </a:r>
-          </a:p>
-          <a:p>
-            <a:pPr marL="171450" indent="-171450">
-              <a:buFont typeface="Arial" panose="020B0604020202020204" pitchFamily="34" charset="0"/>
-              <a:buChar char="•"/>
-            </a:pPr>
-            <a:r>
-              <a:rPr lang="en-US" sz="1200" b="0" i="0" kern="1200" dirty="0">
-                <a:solidFill>
-                  <a:schemeClr val="tx1"/>
-                </a:solidFill>
-                <a:effectLst/>
-                <a:latin typeface="+mn-lt"/>
-                <a:ea typeface="+mn-ea"/>
-                <a:cs typeface="+mn-cs"/>
-              </a:rPr>
-              <a:t>We can see the foreground image have a higher density of points with values higher than a particular threshold (50)</a:t>
-            </a:r>
-          </a:p>
-          <a:p>
-            <a:pPr marL="171450" indent="-171450">
-              <a:buFont typeface="Arial" panose="020B0604020202020204" pitchFamily="34" charset="0"/>
-              <a:buChar char="•"/>
-            </a:pPr>
-            <a:r>
-              <a:rPr lang="en-US" sz="1200" b="0" i="0" kern="1200" dirty="0">
-                <a:solidFill>
-                  <a:schemeClr val="tx1"/>
-                </a:solidFill>
-                <a:effectLst/>
-                <a:latin typeface="+mn-lt"/>
-                <a:ea typeface="+mn-ea"/>
-                <a:cs typeface="+mn-cs"/>
-              </a:rPr>
-              <a:t>Foreground and background have diff characterizes – foreground has more clustering of white images on the center (in the raw image and FFT transformation)</a:t>
-            </a:r>
-          </a:p>
-          <a:p>
-            <a:pPr marL="171450" indent="-171450">
-              <a:buFont typeface="Arial" panose="020B0604020202020204" pitchFamily="34" charset="0"/>
-              <a:buChar char="•"/>
-            </a:pPr>
-            <a:r>
-              <a:rPr lang="en-US" sz="1200" b="0" i="0" kern="1200" dirty="0">
-                <a:solidFill>
-                  <a:schemeClr val="tx1"/>
-                </a:solidFill>
-                <a:effectLst/>
-                <a:latin typeface="+mn-lt"/>
-                <a:ea typeface="+mn-ea"/>
-                <a:cs typeface="+mn-cs"/>
-              </a:rPr>
-              <a:t>We extracted more features based on clusters of pixels with higher values</a:t>
-            </a:r>
-          </a:p>
-          <a:p>
-            <a:pPr marL="171450" indent="-171450">
-              <a:buFont typeface="Arial" panose="020B0604020202020204" pitchFamily="34" charset="0"/>
-              <a:buChar char="•"/>
-            </a:pPr>
-            <a:r>
-              <a:rPr lang="en-US" sz="1200" b="0" i="0" kern="1200" dirty="0">
-                <a:solidFill>
-                  <a:schemeClr val="tx1"/>
-                </a:solidFill>
-                <a:effectLst/>
-                <a:latin typeface="+mn-lt"/>
-                <a:ea typeface="+mn-ea"/>
-                <a:cs typeface="+mn-cs"/>
-              </a:rPr>
-              <a:t>Decided to do window around the center – analyze raw image and foreground transformation which is a representation of image.</a:t>
-            </a:r>
-          </a:p>
-          <a:p>
-            <a:pPr marL="171450" indent="-171450">
-              <a:buFont typeface="Arial" panose="020B0604020202020204" pitchFamily="34" charset="0"/>
-              <a:buChar char="•"/>
-            </a:pPr>
-            <a:r>
-              <a:rPr lang="en-US" sz="1200" b="0" i="0" kern="1200" dirty="0">
-                <a:solidFill>
-                  <a:schemeClr val="tx1"/>
-                </a:solidFill>
-                <a:effectLst/>
-                <a:latin typeface="+mn-lt"/>
-                <a:ea typeface="+mn-ea"/>
-                <a:cs typeface="+mn-cs"/>
-              </a:rPr>
-              <a:t>Features selected (small feature vector): center pixel, overall # of pixels &gt; threshold, FFT</a:t>
-            </a:r>
-          </a:p>
-          <a:p>
-            <a:pPr marL="171450" indent="-171450">
-              <a:buFont typeface="Arial" panose="020B0604020202020204" pitchFamily="34" charset="0"/>
-              <a:buChar char="•"/>
-            </a:pPr>
-            <a:r>
-              <a:rPr lang="en-US" sz="1200" b="0" i="0" kern="1200" dirty="0">
-                <a:solidFill>
-                  <a:schemeClr val="tx1"/>
-                </a:solidFill>
-                <a:effectLst/>
-                <a:latin typeface="+mn-lt"/>
-                <a:ea typeface="+mn-ea"/>
-                <a:cs typeface="+mn-cs"/>
-              </a:rPr>
-              <a:t>We looked at the distribution of the data to identify class imbalance - a term used to describe when a target class within a data set is outnumbered by another target class (or classes). This can create misleading accuracy metrics, known as an accuracy paradox</a:t>
-            </a:r>
+            <a:r>
+              <a:rPr lang="en-US" dirty="0"/>
+              <a:t>NATE</a:t>
+            </a:r>
+          </a:p>
+          <a:p>
+            <a:endParaRPr lang="en-US" dirty="0"/>
           </a:p>
         </p:txBody>
       </p:sp>
@@ -848,7 +732,7 @@
           <a:p>
             <a:fld id="{1B8B4FD3-9156-3F45-86A6-2A512E7D4DAE}" type="slidenum">
               <a:rPr lang="en-US" smtClean="0"/>
-              <a:t>3</a:t>
+              <a:t>1</a:t>
             </a:fld>
             <a:endParaRPr lang="en-US"/>
           </a:p>
@@ -857,7 +741,7 @@
     </p:spTree>
     <p:extLst>
       <p:ext uri="{BB962C8B-B14F-4D97-AF65-F5344CB8AC3E}">
-        <p14:creationId xmlns:p14="http://schemas.microsoft.com/office/powerpoint/2010/main" val="269511429"/>
+        <p14:creationId xmlns:p14="http://schemas.microsoft.com/office/powerpoint/2010/main" val="2944553211"/>
       </p:ext>
     </p:extLst>
   </p:cSld>
@@ -913,6 +797,218 @@
           <a:p>
             <a:r>
               <a:rPr lang="en-US" dirty="0"/>
+              <a:t>EMILY</a:t>
+            </a:r>
+          </a:p>
+          <a:p>
+            <a:pPr marL="171450" indent="-171450">
+              <a:buFont typeface="Arial" panose="020B0604020202020204" pitchFamily="34" charset="0"/>
+              <a:buChar char="•"/>
+            </a:pPr>
+            <a:r>
+              <a:rPr lang="en-US" dirty="0"/>
+              <a:t>First, preprocessing was 1 job per image. It is a map only job.</a:t>
+            </a:r>
+          </a:p>
+          <a:p>
+            <a:pPr marL="171450" indent="-171450">
+              <a:buFont typeface="Arial" panose="020B0604020202020204" pitchFamily="34" charset="0"/>
+              <a:buChar char="•"/>
+            </a:pPr>
+            <a:r>
+              <a:rPr lang="en-US" dirty="0"/>
+              <a:t>Pre-processing transformations 6GB image on 65MB image</a:t>
+            </a:r>
+          </a:p>
+          <a:p>
+            <a:pPr marL="171450" indent="-171450">
+              <a:buFont typeface="Arial" panose="020B0604020202020204" pitchFamily="34" charset="0"/>
+              <a:buChar char="•"/>
+            </a:pPr>
+            <a:r>
+              <a:rPr lang="en-US" dirty="0"/>
+              <a:t>The training image are fed to the random forest model to train</a:t>
+            </a:r>
+          </a:p>
+          <a:p>
+            <a:pPr marL="171450" indent="-171450">
+              <a:buFont typeface="Arial" panose="020B0604020202020204" pitchFamily="34" charset="0"/>
+              <a:buChar char="•"/>
+            </a:pPr>
+            <a:r>
+              <a:rPr lang="en-US" dirty="0"/>
+              <a:t>We persist the image, which is a job that shuffles the data depending on the the parameters (shuffling correlated with </a:t>
+            </a:r>
+            <a:r>
+              <a:rPr lang="en-US" dirty="0" err="1"/>
+              <a:t>params</a:t>
+            </a:r>
+            <a:r>
+              <a:rPr lang="en-US" dirty="0"/>
+              <a:t> – it depends more on the depth &amp; number of trees)</a:t>
+            </a:r>
+          </a:p>
+          <a:p>
+            <a:pPr marL="171450" indent="-171450">
+              <a:buFont typeface="Arial" panose="020B0604020202020204" pitchFamily="34" charset="0"/>
+              <a:buChar char="•"/>
+            </a:pPr>
+            <a:r>
+              <a:rPr lang="en-US" dirty="0"/>
+              <a:t>Classification job that has a persisted model and it receives only the image that we want to classify</a:t>
+            </a:r>
+          </a:p>
+          <a:p>
+            <a:pPr marL="171450" indent="-171450">
+              <a:buFont typeface="Arial" panose="020B0604020202020204" pitchFamily="34" charset="0"/>
+              <a:buChar char="•"/>
+            </a:pPr>
+            <a:r>
+              <a:rPr lang="en-US" dirty="0"/>
+              <a:t>because our feature vector is small we didn’t see much scaling on this one (firing up more than 4 workers isn’t necessary)</a:t>
+            </a:r>
+          </a:p>
+        </p:txBody>
+      </p:sp>
+      <p:sp>
+        <p:nvSpPr>
+          <p:cNvPr id="4" name="Slide Number Placeholder 3"/>
+          <p:cNvSpPr>
+            <a:spLocks noGrp="1"/>
+          </p:cNvSpPr>
+          <p:nvPr>
+            <p:ph type="sldNum" sz="quarter" idx="10"/>
+          </p:nvPr>
+        </p:nvSpPr>
+        <p:spPr/>
+        <p:txBody>
+          <a:bodyPr/>
+          <a:lstStyle/>
+          <a:p>
+            <a:fld id="{1B8B4FD3-9156-3F45-86A6-2A512E7D4DAE}" type="slidenum">
+              <a:rPr lang="en-US" smtClean="0"/>
+              <a:t>10</a:t>
+            </a:fld>
+            <a:endParaRPr lang="en-US"/>
+          </a:p>
+        </p:txBody>
+      </p:sp>
+    </p:spTree>
+    <p:extLst>
+      <p:ext uri="{BB962C8B-B14F-4D97-AF65-F5344CB8AC3E}">
+        <p14:creationId xmlns:p14="http://schemas.microsoft.com/office/powerpoint/2010/main" val="3737493002"/>
+      </p:ext>
+    </p:extLst>
+  </p:cSld>
+  <p:clrMapOvr>
+    <a:masterClrMapping/>
+  </p:clrMapOvr>
+</p:notes>
+</file>
+
+<file path=ppt/notesSlides/notesSlide11.xml><?xml version="1.0" encoding="utf-8"?>
+<p:notes xmlns:a="http://schemas.openxmlformats.org/drawingml/2006/main" xmlns:r="http://schemas.openxmlformats.org/officeDocument/2006/relationships" xmlns:p="http://schemas.openxmlformats.org/presentationml/2006/main">
+  <p:cSld>
+    <p:spTree>
+      <p:nvGrpSpPr>
+        <p:cNvPr id="1" name=""/>
+        <p:cNvGrpSpPr/>
+        <p:nvPr/>
+      </p:nvGrpSpPr>
+      <p:grpSpPr>
+        <a:xfrm>
+          <a:off x="0" y="0"/>
+          <a:ext cx="0" cy="0"/>
+          <a:chOff x="0" y="0"/>
+          <a:chExt cx="0" cy="0"/>
+        </a:xfrm>
+      </p:grpSpPr>
+      <p:sp>
+        <p:nvSpPr>
+          <p:cNvPr id="2" name="Slide Image Placeholder 1"/>
+          <p:cNvSpPr>
+            <a:spLocks noGrp="1" noRot="1" noChangeAspect="1"/>
+          </p:cNvSpPr>
+          <p:nvPr>
+            <p:ph type="sldImg"/>
+          </p:nvPr>
+        </p:nvSpPr>
+        <p:spPr/>
+      </p:sp>
+      <p:sp>
+        <p:nvSpPr>
+          <p:cNvPr id="3" name="Notes Placeholder 2"/>
+          <p:cNvSpPr>
+            <a:spLocks noGrp="1"/>
+          </p:cNvSpPr>
+          <p:nvPr>
+            <p:ph type="body" idx="1"/>
+          </p:nvPr>
+        </p:nvSpPr>
+        <p:spPr/>
+        <p:txBody>
+          <a:bodyPr/>
+          <a:lstStyle/>
+          <a:p>
+            <a:r>
+              <a:rPr lang="en-US" dirty="0"/>
+              <a:t>EMILY</a:t>
+            </a:r>
+          </a:p>
+          <a:p>
+            <a:endParaRPr lang="en-US" dirty="0"/>
+          </a:p>
+          <a:p>
+            <a:r>
+              <a:rPr lang="en-US" dirty="0"/>
+              <a:t>Highlight best model</a:t>
+            </a:r>
+          </a:p>
+          <a:p>
+            <a:r>
+              <a:rPr lang="en-US" dirty="0"/>
+              <a:t>* Right table shows scaling of training</a:t>
+            </a:r>
+          </a:p>
+          <a:p>
+            <a:r>
+              <a:rPr lang="en-US" dirty="0"/>
+              <a:t>What was scaling of processing – parallel</a:t>
+            </a:r>
+          </a:p>
+          <a:p>
+            <a:r>
+              <a:rPr lang="en-US" dirty="0"/>
+              <a:t>Classification – not that parallel (small feature vectors, fit into 65MB for 1 image, then make splits on this thing). If we split beyond 4 parts, the time it takes to fire up other machines it is expensive. </a:t>
+            </a:r>
+          </a:p>
+          <a:p>
+            <a:pPr marL="171450" indent="-171450">
+              <a:buFont typeface="Arial" panose="020B0604020202020204" pitchFamily="34" charset="0"/>
+              <a:buChar char="•"/>
+            </a:pPr>
+            <a:r>
+              <a:rPr lang="en-US" dirty="0"/>
+              <a:t>After 4 workers, which is 16 splits, no real scaling </a:t>
+            </a:r>
+          </a:p>
+          <a:p>
+            <a:pPr marL="171450" indent="-171450">
+              <a:buFont typeface="Arial" panose="020B0604020202020204" pitchFamily="34" charset="0"/>
+              <a:buChar char="•"/>
+            </a:pPr>
+            <a:endParaRPr lang="en-US" dirty="0"/>
+          </a:p>
+          <a:p>
+            <a:pPr marL="171450" indent="-171450">
+              <a:buFont typeface="Arial" panose="020B0604020202020204" pitchFamily="34" charset="0"/>
+              <a:buChar char="•"/>
+            </a:pPr>
+            <a:endParaRPr lang="en-US" dirty="0"/>
+          </a:p>
+          <a:p>
+            <a:r>
+              <a:rPr lang="en-US" dirty="0"/>
               <a:t>IMAGE 2 = validation, train on the rest of the data.</a:t>
             </a:r>
           </a:p>
@@ -938,6 +1034,100 @@
             <a:r>
               <a:rPr lang="en-US" dirty="0"/>
               <a:t>Similar to classifying patients with cancer, by selecting accuracy metric – true negatives is important. Have the smallest false positive rate.</a:t>
+            </a:r>
+          </a:p>
+          <a:p>
+            <a:pPr marL="171450" indent="-171450">
+              <a:buFont typeface="Arial" panose="020B0604020202020204" pitchFamily="34" charset="0"/>
+              <a:buChar char="•"/>
+            </a:pPr>
+            <a:endParaRPr lang="en-US" dirty="0"/>
+          </a:p>
+        </p:txBody>
+      </p:sp>
+      <p:sp>
+        <p:nvSpPr>
+          <p:cNvPr id="4" name="Slide Number Placeholder 3"/>
+          <p:cNvSpPr>
+            <a:spLocks noGrp="1"/>
+          </p:cNvSpPr>
+          <p:nvPr>
+            <p:ph type="sldNum" sz="quarter" idx="10"/>
+          </p:nvPr>
+        </p:nvSpPr>
+        <p:spPr/>
+        <p:txBody>
+          <a:bodyPr/>
+          <a:lstStyle/>
+          <a:p>
+            <a:fld id="{1B8B4FD3-9156-3F45-86A6-2A512E7D4DAE}" type="slidenum">
+              <a:rPr lang="en-US" smtClean="0"/>
+              <a:t>11</a:t>
+            </a:fld>
+            <a:endParaRPr lang="en-US"/>
+          </a:p>
+        </p:txBody>
+      </p:sp>
+    </p:spTree>
+    <p:extLst>
+      <p:ext uri="{BB962C8B-B14F-4D97-AF65-F5344CB8AC3E}">
+        <p14:creationId xmlns:p14="http://schemas.microsoft.com/office/powerpoint/2010/main" val="663596552"/>
+      </p:ext>
+    </p:extLst>
+  </p:cSld>
+  <p:clrMapOvr>
+    <a:masterClrMapping/>
+  </p:clrMapOvr>
+</p:notes>
+</file>
+
+<file path=ppt/notesSlides/notesSlide12.xml><?xml version="1.0" encoding="utf-8"?>
+<p:notes xmlns:a="http://schemas.openxmlformats.org/drawingml/2006/main" xmlns:r="http://schemas.openxmlformats.org/officeDocument/2006/relationships" xmlns:p="http://schemas.openxmlformats.org/presentationml/2006/main">
+  <p:cSld>
+    <p:spTree>
+      <p:nvGrpSpPr>
+        <p:cNvPr id="1" name=""/>
+        <p:cNvGrpSpPr/>
+        <p:nvPr/>
+      </p:nvGrpSpPr>
+      <p:grpSpPr>
+        <a:xfrm>
+          <a:off x="0" y="0"/>
+          <a:ext cx="0" cy="0"/>
+          <a:chOff x="0" y="0"/>
+          <a:chExt cx="0" cy="0"/>
+        </a:xfrm>
+      </p:grpSpPr>
+      <p:sp>
+        <p:nvSpPr>
+          <p:cNvPr id="2" name="Slide Image Placeholder 1"/>
+          <p:cNvSpPr>
+            <a:spLocks noGrp="1" noRot="1" noChangeAspect="1"/>
+          </p:cNvSpPr>
+          <p:nvPr>
+            <p:ph type="sldImg"/>
+          </p:nvPr>
+        </p:nvSpPr>
+        <p:spPr/>
+      </p:sp>
+      <p:sp>
+        <p:nvSpPr>
+          <p:cNvPr id="3" name="Notes Placeholder 2"/>
+          <p:cNvSpPr>
+            <a:spLocks noGrp="1"/>
+          </p:cNvSpPr>
+          <p:nvPr>
+            <p:ph type="body" idx="1"/>
+          </p:nvPr>
+        </p:nvSpPr>
+        <p:spPr/>
+        <p:txBody>
+          <a:bodyPr/>
+          <a:lstStyle/>
+          <a:p>
+            <a:r>
+              <a:rPr lang="en-US" dirty="0"/>
+              <a:t>NATE</a:t>
             </a:r>
           </a:p>
         </p:txBody>
@@ -968,7 +1158,94 @@
     </p:spTree>
     <p:extLst>
       <p:ext uri="{BB962C8B-B14F-4D97-AF65-F5344CB8AC3E}">
-        <p14:creationId xmlns:p14="http://schemas.microsoft.com/office/powerpoint/2010/main" val="2620487326"/>
+        <p14:creationId xmlns:p14="http://schemas.microsoft.com/office/powerpoint/2010/main" val="1580661599"/>
+      </p:ext>
+    </p:extLst>
+  </p:cSld>
+  <p:clrMapOvr>
+    <a:masterClrMapping/>
+  </p:clrMapOvr>
+</p:notes>
+</file>
+
+<file path=ppt/notesSlides/notesSlide13.xml><?xml version="1.0" encoding="utf-8"?>
+<p:notes xmlns:a="http://schemas.openxmlformats.org/drawingml/2006/main" xmlns:r="http://schemas.openxmlformats.org/officeDocument/2006/relationships" xmlns:p="http://schemas.openxmlformats.org/presentationml/2006/main">
+  <p:cSld>
+    <p:spTree>
+      <p:nvGrpSpPr>
+        <p:cNvPr id="1" name=""/>
+        <p:cNvGrpSpPr/>
+        <p:nvPr/>
+      </p:nvGrpSpPr>
+      <p:grpSpPr>
+        <a:xfrm>
+          <a:off x="0" y="0"/>
+          <a:ext cx="0" cy="0"/>
+          <a:chOff x="0" y="0"/>
+          <a:chExt cx="0" cy="0"/>
+        </a:xfrm>
+      </p:grpSpPr>
+      <p:sp>
+        <p:nvSpPr>
+          <p:cNvPr id="2" name="Slide Image Placeholder 1"/>
+          <p:cNvSpPr>
+            <a:spLocks noGrp="1" noRot="1" noChangeAspect="1"/>
+          </p:cNvSpPr>
+          <p:nvPr>
+            <p:ph type="sldImg"/>
+          </p:nvPr>
+        </p:nvSpPr>
+        <p:spPr/>
+      </p:sp>
+      <p:sp>
+        <p:nvSpPr>
+          <p:cNvPr id="3" name="Notes Placeholder 2"/>
+          <p:cNvSpPr>
+            <a:spLocks noGrp="1"/>
+          </p:cNvSpPr>
+          <p:nvPr>
+            <p:ph type="body" idx="1"/>
+          </p:nvPr>
+        </p:nvSpPr>
+        <p:spPr/>
+        <p:txBody>
+          <a:bodyPr/>
+          <a:lstStyle/>
+          <a:p>
+            <a:r>
+              <a:rPr lang="en-US" dirty="0"/>
+              <a:t>TRISTAN</a:t>
+            </a:r>
+          </a:p>
+        </p:txBody>
+      </p:sp>
+      <p:sp>
+        <p:nvSpPr>
+          <p:cNvPr id="4" name="Slide Number Placeholder 3"/>
+          <p:cNvSpPr>
+            <a:spLocks noGrp="1"/>
+          </p:cNvSpPr>
+          <p:nvPr>
+            <p:ph type="sldNum" sz="quarter" idx="10"/>
+          </p:nvPr>
+        </p:nvSpPr>
+        <p:spPr/>
+        <p:txBody>
+          <a:bodyPr/>
+          <a:lstStyle/>
+          <a:p>
+            <a:fld id="{1B8B4FD3-9156-3F45-86A6-2A512E7D4DAE}" type="slidenum">
+              <a:rPr lang="en-US" smtClean="0"/>
+              <a:t>13</a:t>
+            </a:fld>
+            <a:endParaRPr lang="en-US"/>
+          </a:p>
+        </p:txBody>
+      </p:sp>
+    </p:spTree>
+    <p:extLst>
+      <p:ext uri="{BB962C8B-B14F-4D97-AF65-F5344CB8AC3E}">
+        <p14:creationId xmlns:p14="http://schemas.microsoft.com/office/powerpoint/2010/main" val="2478920385"/>
       </p:ext>
     </p:extLst>
   </p:cSld>
@@ -1022,21 +1299,19 @@
           <a:bodyPr/>
           <a:lstStyle/>
           <a:p>
+            <a:r>
+              <a:rPr lang="en-US" dirty="0"/>
+              <a:t>NATE</a:t>
+            </a:r>
+          </a:p>
+          <a:p>
             <a:pPr marL="171450" indent="-171450">
               <a:buFont typeface="Arial" panose="020B0604020202020204" pitchFamily="34" charset="0"/>
               <a:buChar char="•"/>
             </a:pPr>
             <a:r>
-              <a:rPr lang="en-US" sz="1200" b="0" i="0" kern="1200" dirty="0">
-                <a:solidFill>
-                  <a:schemeClr val="tx1"/>
-                </a:solidFill>
-                <a:effectLst/>
-                <a:latin typeface="+mn-lt"/>
-                <a:ea typeface="+mn-ea"/>
-                <a:cs typeface="+mn-cs"/>
-              </a:rPr>
-              <a:t>Decision tree and RF splits the samples on the features</a:t>
+              <a:rPr lang="en-US" dirty="0"/>
+              <a:t>We worked with a dataset with the interest of turning high-resolution brain scans, as seen in the left figure, into a graph representing nerve connections indicated by the bright lines. The original image is 3-dimensional. For better intuition the 2-dimensional projection on the X-Y plane is shown. As you can see, the image is noisy but the axons, which are the lines going across the image, are clearly visible. To improve the quality of algorithms that automatically trace these axons in an image, we classified each pixel as foreground (belongs to an axon) or background (does not belong to an axon). The traced data looks like the figure on the right, where white indicates foreground and black indicates background.</a:t>
             </a:r>
           </a:p>
           <a:p>
@@ -1045,17 +1320,15 @@
               <a:buChar char="•"/>
             </a:pPr>
             <a:r>
-              <a:rPr lang="en-US" sz="1200" b="0" i="0" kern="1200" dirty="0">
-                <a:solidFill>
-                  <a:schemeClr val="tx1"/>
-                </a:solidFill>
-                <a:effectLst/>
-                <a:latin typeface="+mn-lt"/>
-                <a:ea typeface="+mn-ea"/>
-                <a:cs typeface="+mn-cs"/>
-              </a:rPr>
-              <a:t>Foreground image has a higher value than background</a:t>
-            </a:r>
+              <a:rPr lang="en-US" dirty="0"/>
+              <a:t>The dataset is composed of several labeled csv files, each consisting of rows that contain an input vector of 21x21x7 brightness values (intensity) from a 3D image, together with the center pixel's foreground-vs-background label. The last value is the label for the whole image. On each line there are 21*21*7+1 values. Each image, which is a csv file, is roughly 6.5 GB. The labeled data from images 1, 2, 3, 4, and 6 are used to train the most accurate model for predicting the labels in image 5 of the datasets. In the final evaluation set, there are nearly 0.0057\% foreground and 99.99\% background pixel. For classification accuracy, a high value does not necessarily mean the model is performing well. In our case, the "dumb" model that always predicts label 0 for every input will have 99\% accuracy, so any model achieving less than 99\% would not be beating the dumb model. \\</a:t>
+            </a:r>
+          </a:p>
+          <a:p>
+            <a:pPr marL="171450" indent="-171450">
+              <a:buFont typeface="Arial" panose="020B0604020202020204" pitchFamily="34" charset="0"/>
+              <a:buChar char="•"/>
+            </a:pPr>
             <a:endParaRPr lang="en-US" dirty="0"/>
           </a:p>
         </p:txBody>
@@ -1077,7 +1350,7 @@
           <a:p>
             <a:fld id="{1B8B4FD3-9156-3F45-86A6-2A512E7D4DAE}" type="slidenum">
               <a:rPr lang="en-US" smtClean="0"/>
-              <a:t>4</a:t>
+              <a:t>2</a:t>
             </a:fld>
             <a:endParaRPr lang="en-US"/>
           </a:p>
@@ -1086,7 +1359,7 @@
     </p:spTree>
     <p:extLst>
       <p:ext uri="{BB962C8B-B14F-4D97-AF65-F5344CB8AC3E}">
-        <p14:creationId xmlns:p14="http://schemas.microsoft.com/office/powerpoint/2010/main" val="2224639676"/>
+        <p14:creationId xmlns:p14="http://schemas.microsoft.com/office/powerpoint/2010/main" val="3818894206"/>
       </p:ext>
     </p:extLst>
   </p:cSld>
@@ -1140,119 +1413,10 @@
           <a:bodyPr/>
           <a:lstStyle/>
           <a:p>
-            <a:pPr marL="171450" indent="-171450">
-              <a:buFont typeface="Arial" panose="020B0604020202020204" pitchFamily="34" charset="0"/>
-              <a:buChar char="•"/>
-            </a:pPr>
-            <a:r>
-              <a:rPr lang="en-US" sz="1200" b="0" i="0" kern="1200" dirty="0">
-                <a:solidFill>
-                  <a:schemeClr val="tx1"/>
-                </a:solidFill>
-                <a:effectLst/>
-                <a:latin typeface="+mn-lt"/>
-                <a:ea typeface="+mn-ea"/>
-                <a:cs typeface="+mn-cs"/>
-              </a:rPr>
-              <a:t>Ran a subset of samples, Using cross validation, we can create multiple training and test sets and average the scores to give us a less biased metric.</a:t>
-            </a:r>
-          </a:p>
-          <a:p>
-            <a:pPr marL="171450" indent="-171450">
-              <a:buFont typeface="Arial" panose="020B0604020202020204" pitchFamily="34" charset="0"/>
-              <a:buChar char="•"/>
-            </a:pPr>
-            <a:r>
-              <a:rPr lang="en-US" sz="1200" b="0" i="0" kern="1200" dirty="0">
-                <a:solidFill>
-                  <a:schemeClr val="tx1"/>
-                </a:solidFill>
-                <a:effectLst/>
-                <a:latin typeface="+mn-lt"/>
-                <a:ea typeface="+mn-ea"/>
-                <a:cs typeface="+mn-cs"/>
-              </a:rPr>
-              <a:t>Decision trees, RF, AdaBoost ensembles doing best</a:t>
-            </a:r>
-          </a:p>
-          <a:p>
-            <a:pPr marL="171450" indent="-171450">
-              <a:buFont typeface="Arial" panose="020B0604020202020204" pitchFamily="34" charset="0"/>
-              <a:buChar char="•"/>
-            </a:pPr>
-            <a:r>
-              <a:rPr lang="en-US" sz="1200" b="0" i="0" kern="1200" dirty="0">
-                <a:solidFill>
-                  <a:schemeClr val="tx1"/>
-                </a:solidFill>
-                <a:effectLst/>
-                <a:latin typeface="+mn-lt"/>
-                <a:ea typeface="+mn-ea"/>
-                <a:cs typeface="+mn-cs"/>
-              </a:rPr>
-              <a:t>RF scaled the best with framework</a:t>
-            </a:r>
-          </a:p>
-          <a:p>
-            <a:pPr marL="171450" indent="-171450">
-              <a:buFont typeface="Arial" panose="020B0604020202020204" pitchFamily="34" charset="0"/>
-              <a:buChar char="•"/>
-            </a:pPr>
-            <a:r>
-              <a:rPr lang="en-US" sz="1200" b="0" i="0" kern="1200" dirty="0">
-                <a:solidFill>
-                  <a:schemeClr val="tx1"/>
-                </a:solidFill>
-                <a:effectLst/>
-                <a:latin typeface="+mn-lt"/>
-                <a:ea typeface="+mn-ea"/>
-                <a:cs typeface="+mn-cs"/>
-              </a:rPr>
-              <a:t>Image shows subset of samples as background or foreground</a:t>
-            </a:r>
-          </a:p>
-          <a:p>
-            <a:pPr marL="171450" indent="-171450">
-              <a:buFont typeface="Arial" panose="020B0604020202020204" pitchFamily="34" charset="0"/>
-              <a:buChar char="•"/>
-            </a:pPr>
-            <a:r>
-              <a:rPr lang="en-US" sz="1200" b="0" i="0" kern="1200" dirty="0">
-                <a:solidFill>
-                  <a:schemeClr val="tx1"/>
-                </a:solidFill>
-                <a:effectLst/>
-                <a:latin typeface="+mn-lt"/>
-                <a:ea typeface="+mn-ea"/>
-                <a:cs typeface="+mn-cs"/>
-              </a:rPr>
-              <a:t>Red = background, blue = foreground</a:t>
-            </a:r>
-          </a:p>
-          <a:p>
-            <a:pPr marL="171450" indent="-171450">
-              <a:buFont typeface="Arial" panose="020B0604020202020204" pitchFamily="34" charset="0"/>
-              <a:buChar char="•"/>
-            </a:pPr>
-            <a:r>
-              <a:rPr lang="en-US" sz="1200" b="0" i="0" kern="1200" dirty="0">
-                <a:solidFill>
-                  <a:schemeClr val="tx1"/>
-                </a:solidFill>
-                <a:effectLst/>
-                <a:latin typeface="+mn-lt"/>
-                <a:ea typeface="+mn-ea"/>
-                <a:cs typeface="+mn-cs"/>
-              </a:rPr>
-              <a:t>Bottom image = feature vector image with preprocessed data</a:t>
-            </a:r>
-          </a:p>
-          <a:p>
-            <a:pPr marL="171450" indent="-171450">
-              <a:buFont typeface="Arial" panose="020B0604020202020204" pitchFamily="34" charset="0"/>
-              <a:buChar char="•"/>
-            </a:pPr>
-            <a:endParaRPr lang="en-US" dirty="0"/>
+            <a:r>
+              <a:rPr lang="en-US" dirty="0"/>
+              <a:t>TRISTAN</a:t>
+            </a:r>
           </a:p>
         </p:txBody>
       </p:sp>
@@ -1273,7 +1437,7 @@
           <a:p>
             <a:fld id="{1B8B4FD3-9156-3F45-86A6-2A512E7D4DAE}" type="slidenum">
               <a:rPr lang="en-US" smtClean="0"/>
-              <a:t>5</a:t>
+              <a:t>3</a:t>
             </a:fld>
             <a:endParaRPr lang="en-US"/>
           </a:p>
@@ -1282,7 +1446,7 @@
     </p:spTree>
     <p:extLst>
       <p:ext uri="{BB962C8B-B14F-4D97-AF65-F5344CB8AC3E}">
-        <p14:creationId xmlns:p14="http://schemas.microsoft.com/office/powerpoint/2010/main" val="2973449022"/>
+        <p14:creationId xmlns:p14="http://schemas.microsoft.com/office/powerpoint/2010/main" val="938745835"/>
       </p:ext>
     </p:extLst>
   </p:cSld>
@@ -1357,7 +1521,7 @@
           <a:p>
             <a:fld id="{1B8B4FD3-9156-3F45-86A6-2A512E7D4DAE}" type="slidenum">
               <a:rPr lang="en-US" smtClean="0"/>
-              <a:t>6</a:t>
+              <a:t>4</a:t>
             </a:fld>
             <a:endParaRPr lang="en-US"/>
           </a:p>
@@ -1366,7 +1530,7 @@
     </p:spTree>
     <p:extLst>
       <p:ext uri="{BB962C8B-B14F-4D97-AF65-F5344CB8AC3E}">
-        <p14:creationId xmlns:p14="http://schemas.microsoft.com/office/powerpoint/2010/main" val="1147834750"/>
+        <p14:creationId xmlns:p14="http://schemas.microsoft.com/office/powerpoint/2010/main" val="911201437"/>
       </p:ext>
     </p:extLst>
   </p:cSld>
@@ -1425,14 +1589,17 @@
               <a:buChar char="•"/>
             </a:pPr>
             <a:r>
-              <a:rPr lang="en-US" dirty="0"/>
-              <a:t>Use following parameters – got from </a:t>
-            </a:r>
-            <a:r>
-              <a:rPr lang="en-US" dirty="0" err="1"/>
-              <a:t>paramgridbuilder</a:t>
-            </a:r>
-            <a:endParaRPr lang="en-US" dirty="0"/>
+              <a:rPr lang="en-US" sz="1200" b="0" i="0" kern="1200" dirty="0">
+                <a:solidFill>
+                  <a:schemeClr val="tx1"/>
+                </a:solidFill>
+                <a:effectLst/>
+                <a:latin typeface="+mn-lt"/>
+                <a:ea typeface="+mn-ea"/>
+                <a:cs typeface="+mn-cs"/>
+              </a:rPr>
+              <a:t>EMILY</a:t>
+            </a:r>
           </a:p>
           <a:p>
             <a:pPr marL="171450" indent="-171450">
@@ -1440,9 +1607,232 @@
               <a:buChar char="•"/>
             </a:pPr>
             <a:r>
-              <a:rPr lang="en-US" dirty="0"/>
-              <a:t>Gini used since it doesn't require to compute logarithmic functions (which is calculated in entropy), which are computationally intensive.</a:t>
-            </a:r>
+              <a:rPr lang="en-US" sz="1200" b="0" i="0" kern="1200" dirty="0">
+                <a:solidFill>
+                  <a:schemeClr val="tx1"/>
+                </a:solidFill>
+                <a:effectLst/>
+                <a:latin typeface="+mn-lt"/>
+                <a:ea typeface="+mn-ea"/>
+                <a:cs typeface="+mn-cs"/>
+              </a:rPr>
+              <a:t>Have foreground and background image</a:t>
+            </a:r>
+          </a:p>
+          <a:p>
+            <a:pPr marL="171450" indent="-171450">
+              <a:buFont typeface="Arial" panose="020B0604020202020204" pitchFamily="34" charset="0"/>
+              <a:buChar char="•"/>
+            </a:pPr>
+            <a:r>
+              <a:rPr lang="en-US" sz="1200" b="0" i="0" kern="1200" dirty="0">
+                <a:solidFill>
+                  <a:schemeClr val="tx1"/>
+                </a:solidFill>
+                <a:effectLst/>
+                <a:latin typeface="+mn-lt"/>
+                <a:ea typeface="+mn-ea"/>
+                <a:cs typeface="+mn-cs"/>
+              </a:rPr>
+              <a:t>We can see the foreground image have a higher density of points with values higher than a particular threshold (50)</a:t>
+            </a:r>
+          </a:p>
+          <a:p>
+            <a:pPr marL="171450" indent="-171450">
+              <a:buFont typeface="Arial" panose="020B0604020202020204" pitchFamily="34" charset="0"/>
+              <a:buChar char="•"/>
+            </a:pPr>
+            <a:r>
+              <a:rPr lang="en-US" sz="1200" b="0" i="0" kern="1200" dirty="0">
+                <a:solidFill>
+                  <a:schemeClr val="tx1"/>
+                </a:solidFill>
+                <a:effectLst/>
+                <a:latin typeface="+mn-lt"/>
+                <a:ea typeface="+mn-ea"/>
+                <a:cs typeface="+mn-cs"/>
+              </a:rPr>
+              <a:t>Foreground and background have diff characterizes – foreground has more clustering of white images on the center (in the raw image and FFT transformation)</a:t>
+            </a:r>
+          </a:p>
+          <a:p>
+            <a:pPr marL="171450" indent="-171450">
+              <a:buFont typeface="Arial" panose="020B0604020202020204" pitchFamily="34" charset="0"/>
+              <a:buChar char="•"/>
+            </a:pPr>
+            <a:r>
+              <a:rPr lang="en-US" sz="1200" b="0" i="0" kern="1200" dirty="0">
+                <a:solidFill>
+                  <a:schemeClr val="tx1"/>
+                </a:solidFill>
+                <a:effectLst/>
+                <a:latin typeface="+mn-lt"/>
+                <a:ea typeface="+mn-ea"/>
+                <a:cs typeface="+mn-cs"/>
+              </a:rPr>
+              <a:t>We extracted more features based on clusters of pixels with higher values</a:t>
+            </a:r>
+          </a:p>
+          <a:p>
+            <a:pPr marL="171450" indent="-171450">
+              <a:buFont typeface="Arial" panose="020B0604020202020204" pitchFamily="34" charset="0"/>
+              <a:buChar char="•"/>
+            </a:pPr>
+            <a:r>
+              <a:rPr lang="en-US" sz="1200" b="0" i="0" kern="1200" dirty="0">
+                <a:solidFill>
+                  <a:schemeClr val="tx1"/>
+                </a:solidFill>
+                <a:effectLst/>
+                <a:latin typeface="+mn-lt"/>
+                <a:ea typeface="+mn-ea"/>
+                <a:cs typeface="+mn-cs"/>
+              </a:rPr>
+              <a:t>Decided to do window around the center – analyze raw image and foreground transformation which is a representation of image.</a:t>
+            </a:r>
+          </a:p>
+          <a:p>
+            <a:pPr marL="171450" indent="-171450">
+              <a:buFont typeface="Arial" panose="020B0604020202020204" pitchFamily="34" charset="0"/>
+              <a:buChar char="•"/>
+            </a:pPr>
+            <a:r>
+              <a:rPr lang="en-US" sz="1200" b="0" i="0" kern="1200" dirty="0">
+                <a:solidFill>
+                  <a:schemeClr val="tx1"/>
+                </a:solidFill>
+                <a:effectLst/>
+                <a:latin typeface="+mn-lt"/>
+                <a:ea typeface="+mn-ea"/>
+                <a:cs typeface="+mn-cs"/>
+              </a:rPr>
+              <a:t>Features selected (small feature vector): center pixel, overall # of pixels &gt; threshold, FFT</a:t>
+            </a:r>
+          </a:p>
+          <a:p>
+            <a:pPr marL="171450" indent="-171450">
+              <a:buFont typeface="Arial" panose="020B0604020202020204" pitchFamily="34" charset="0"/>
+              <a:buChar char="•"/>
+            </a:pPr>
+            <a:r>
+              <a:rPr lang="en-US" sz="1200" b="0" i="0" kern="1200" dirty="0">
+                <a:solidFill>
+                  <a:schemeClr val="tx1"/>
+                </a:solidFill>
+                <a:effectLst/>
+                <a:latin typeface="+mn-lt"/>
+                <a:ea typeface="+mn-ea"/>
+                <a:cs typeface="+mn-cs"/>
+              </a:rPr>
+              <a:t>We looked at the distribution of the data to identify class imbalance - a term used to describe when a target class within a data set is outnumbered by another target class (or classes). This can create misleading accuracy metrics, known as an accuracy paradox</a:t>
+            </a:r>
+          </a:p>
+          <a:p>
+            <a:pPr marL="171450" indent="-171450">
+              <a:buFont typeface="Arial" panose="020B0604020202020204" pitchFamily="34" charset="0"/>
+              <a:buChar char="•"/>
+            </a:pPr>
+            <a:r>
+              <a:rPr lang="en-US" sz="1200" b="0" i="0" kern="1200" dirty="0">
+                <a:solidFill>
+                  <a:schemeClr val="tx1"/>
+                </a:solidFill>
+                <a:effectLst/>
+                <a:latin typeface="+mn-lt"/>
+                <a:ea typeface="+mn-ea"/>
+                <a:cs typeface="+mn-cs"/>
+              </a:rPr>
+              <a:t>CENTER VALUE FOR FOREGROUND WAS MUCH LARGER</a:t>
+            </a:r>
+          </a:p>
+          <a:p>
+            <a:pPr marL="171450" indent="-171450">
+              <a:buFont typeface="Arial" panose="020B0604020202020204" pitchFamily="34" charset="0"/>
+              <a:buChar char="•"/>
+            </a:pPr>
+            <a:r>
+              <a:rPr lang="en-US" sz="1200" b="0" i="0" kern="1200" dirty="0">
+                <a:solidFill>
+                  <a:schemeClr val="tx1"/>
+                </a:solidFill>
+                <a:effectLst/>
+                <a:latin typeface="+mn-lt"/>
+                <a:ea typeface="+mn-ea"/>
+                <a:cs typeface="+mn-cs"/>
+              </a:rPr>
+              <a:t>Decision tree and RF splits the samples on the features</a:t>
+            </a:r>
+          </a:p>
+          <a:p>
+            <a:pPr marL="171450" indent="-171450">
+              <a:buFont typeface="Arial" panose="020B0604020202020204" pitchFamily="34" charset="0"/>
+              <a:buChar char="•"/>
+            </a:pPr>
+            <a:r>
+              <a:rPr lang="en-US" sz="1200" b="0" i="0" kern="1200" dirty="0">
+                <a:solidFill>
+                  <a:schemeClr val="tx1"/>
+                </a:solidFill>
+                <a:effectLst/>
+                <a:latin typeface="+mn-lt"/>
+                <a:ea typeface="+mn-ea"/>
+                <a:cs typeface="+mn-cs"/>
+              </a:rPr>
+              <a:t>Foreground image has a higher value than background</a:t>
+            </a:r>
+          </a:p>
+          <a:p>
+            <a:pPr marL="171450" marR="0" lvl="0" indent="-171450" algn="l" defTabSz="457200" rtl="0" eaLnBrk="1" fontAlgn="auto" latinLnBrk="0" hangingPunct="1">
+              <a:lnSpc>
+                <a:spcPct val="100000"/>
+              </a:lnSpc>
+              <a:spcBef>
+                <a:spcPts val="0"/>
+              </a:spcBef>
+              <a:spcAft>
+                <a:spcPts val="0"/>
+              </a:spcAft>
+              <a:buClrTx/>
+              <a:buSzTx/>
+              <a:buFont typeface="Arial" panose="020B0604020202020204" pitchFamily="34" charset="0"/>
+              <a:buChar char="•"/>
+              <a:tabLst/>
+              <a:defRPr/>
+            </a:pPr>
+            <a:r>
+              <a:rPr lang="en-US" sz="1200" b="0" i="0" kern="1200" dirty="0">
+                <a:solidFill>
+                  <a:schemeClr val="tx1"/>
+                </a:solidFill>
+                <a:effectLst/>
+                <a:latin typeface="+mn-lt"/>
+                <a:ea typeface="+mn-ea"/>
+                <a:cs typeface="+mn-cs"/>
+              </a:rPr>
+              <a:t>FEATURE VECTOR = Bottom image = feature vector image with preprocessed data</a:t>
+            </a:r>
+          </a:p>
+          <a:p>
+            <a:pPr marL="171450" indent="-171450">
+              <a:buFont typeface="Arial" panose="020B0604020202020204" pitchFamily="34" charset="0"/>
+              <a:buChar char="•"/>
+            </a:pPr>
+            <a:endParaRPr lang="en-US" dirty="0"/>
+          </a:p>
+          <a:p>
+            <a:pPr marL="171450" indent="-171450">
+              <a:buFont typeface="Arial" panose="020B0604020202020204" pitchFamily="34" charset="0"/>
+              <a:buChar char="•"/>
+            </a:pPr>
+            <a:endParaRPr lang="en-US" sz="1200" b="0" i="0" kern="1200" dirty="0">
+              <a:solidFill>
+                <a:schemeClr val="tx1"/>
+              </a:solidFill>
+              <a:effectLst/>
+              <a:latin typeface="+mn-lt"/>
+              <a:ea typeface="+mn-ea"/>
+              <a:cs typeface="+mn-cs"/>
+            </a:endParaRPr>
           </a:p>
         </p:txBody>
       </p:sp>
@@ -1463,7 +1853,7 @@
           <a:p>
             <a:fld id="{1B8B4FD3-9156-3F45-86A6-2A512E7D4DAE}" type="slidenum">
               <a:rPr lang="en-US" smtClean="0"/>
-              <a:t>7</a:t>
+              <a:t>5</a:t>
             </a:fld>
             <a:endParaRPr lang="en-US"/>
           </a:p>
@@ -1472,7 +1862,7 @@
     </p:spTree>
     <p:extLst>
       <p:ext uri="{BB962C8B-B14F-4D97-AF65-F5344CB8AC3E}">
-        <p14:creationId xmlns:p14="http://schemas.microsoft.com/office/powerpoint/2010/main" val="698586686"/>
+        <p14:creationId xmlns:p14="http://schemas.microsoft.com/office/powerpoint/2010/main" val="269511429"/>
       </p:ext>
     </p:extLst>
   </p:cSld>
@@ -1531,8 +1921,16 @@
               <a:buChar char="•"/>
             </a:pPr>
             <a:r>
-              <a:rPr lang="en-US" dirty="0"/>
-              <a:t>No form of randomization</a:t>
+              <a:rPr lang="en-US" sz="1200" b="0" i="0" kern="1200" dirty="0">
+                <a:solidFill>
+                  <a:schemeClr val="tx1"/>
+                </a:solidFill>
+                <a:effectLst/>
+                <a:latin typeface="+mn-lt"/>
+                <a:ea typeface="+mn-ea"/>
+                <a:cs typeface="+mn-cs"/>
+              </a:rPr>
+              <a:t>TRISTAN</a:t>
             </a:r>
           </a:p>
           <a:p>
@@ -1541,16 +1939,16 @@
               <a:buChar char="•"/>
             </a:pPr>
             <a:r>
-              <a:rPr lang="en-US" dirty="0"/>
-              <a:t>Didn’t use cross validation from </a:t>
-            </a:r>
-            <a:r>
-              <a:rPr lang="en-US" dirty="0" err="1"/>
-              <a:t>scala</a:t>
-            </a:r>
-            <a:r>
-              <a:rPr lang="en-US" dirty="0"/>
-              <a:t> spark, we implemented ourselves</a:t>
+              <a:rPr lang="en-US" sz="1200" b="0" i="0" kern="1200" dirty="0">
+                <a:solidFill>
+                  <a:schemeClr val="tx1"/>
+                </a:solidFill>
+                <a:effectLst/>
+                <a:latin typeface="+mn-lt"/>
+                <a:ea typeface="+mn-ea"/>
+                <a:cs typeface="+mn-cs"/>
+              </a:rPr>
+              <a:t>Ran a subset of samples, Using cross validation, we can create multiple training and test sets and average the scores to give us a less biased metric.</a:t>
             </a:r>
           </a:p>
           <a:p>
@@ -1559,16 +1957,16 @@
               <a:buChar char="•"/>
             </a:pPr>
             <a:r>
-              <a:rPr lang="en-US" dirty="0"/>
-              <a:t>Use 1,2,3,4 and 6 </a:t>
-            </a:r>
-            <a:r>
-              <a:rPr lang="en-US" dirty="0" err="1"/>
-              <a:t>bc</a:t>
-            </a:r>
-            <a:r>
-              <a:rPr lang="en-US" dirty="0"/>
-              <a:t> we didn’t want data from test inside train (used 4 image for train, 1 for test). This way NO test sample was used during training.</a:t>
+              <a:rPr lang="en-US" sz="1200" b="0" i="0" kern="1200" dirty="0">
+                <a:solidFill>
+                  <a:schemeClr val="tx1"/>
+                </a:solidFill>
+                <a:effectLst/>
+                <a:latin typeface="+mn-lt"/>
+                <a:ea typeface="+mn-ea"/>
+                <a:cs typeface="+mn-cs"/>
+              </a:rPr>
+              <a:t>Decision trees, RF, AdaBoost ensembles doing best</a:t>
             </a:r>
           </a:p>
           <a:p>
@@ -1577,8 +1975,16 @@
               <a:buChar char="•"/>
             </a:pPr>
             <a:r>
-              <a:rPr lang="en-US" dirty="0"/>
-              <a:t>Split dataset into train and test sets</a:t>
+              <a:rPr lang="en-US" sz="1200" b="0" i="0" kern="1200" dirty="0">
+                <a:solidFill>
+                  <a:schemeClr val="tx1"/>
+                </a:solidFill>
+                <a:effectLst/>
+                <a:latin typeface="+mn-lt"/>
+                <a:ea typeface="+mn-ea"/>
+                <a:cs typeface="+mn-cs"/>
+              </a:rPr>
+              <a:t>RF scaled the best with framework</a:t>
             </a:r>
           </a:p>
           <a:p>
@@ -1587,8 +1993,16 @@
               <a:buChar char="•"/>
             </a:pPr>
             <a:r>
-              <a:rPr lang="en-US" dirty="0"/>
-              <a:t>Train the model</a:t>
+              <a:rPr lang="en-US" sz="1200" b="0" i="0" kern="1200" dirty="0">
+                <a:solidFill>
+                  <a:schemeClr val="tx1"/>
+                </a:solidFill>
+                <a:effectLst/>
+                <a:latin typeface="+mn-lt"/>
+                <a:ea typeface="+mn-ea"/>
+                <a:cs typeface="+mn-cs"/>
+              </a:rPr>
+              <a:t>Image shows subset of samples as background or foreground</a:t>
             </a:r>
           </a:p>
           <a:p>
@@ -1597,38 +2011,16 @@
               <a:buChar char="•"/>
             </a:pPr>
             <a:r>
-              <a:rPr lang="en-US" dirty="0"/>
-              <a:t>Predict with both training and testing</a:t>
-            </a:r>
-          </a:p>
-          <a:p>
-            <a:pPr marL="171450" indent="-171450">
-              <a:buFont typeface="Arial" panose="020B0604020202020204" pitchFamily="34" charset="0"/>
-              <a:buChar char="•"/>
-            </a:pPr>
-            <a:r>
-              <a:rPr lang="en-US" dirty="0"/>
-              <a:t>Measure error in the predictions (in both sets)</a:t>
-            </a:r>
-          </a:p>
-          <a:p>
-            <a:pPr marL="171450" indent="-171450">
-              <a:buFont typeface="Arial" panose="020B0604020202020204" pitchFamily="34" charset="0"/>
-              <a:buChar char="•"/>
-            </a:pPr>
-            <a:r>
-              <a:rPr lang="en-US" dirty="0"/>
-              <a:t>Compare the error of the two data sets</a:t>
-            </a:r>
-          </a:p>
-          <a:p>
-            <a:pPr marL="171450" indent="-171450">
-              <a:buFont typeface="Arial" panose="020B0604020202020204" pitchFamily="34" charset="0"/>
-              <a:buChar char="•"/>
-            </a:pPr>
-            <a:r>
-              <a:rPr lang="en-US" dirty="0"/>
-              <a:t>Trained on diff images and tested</a:t>
+              <a:rPr lang="en-US" sz="1200" b="0" i="0" kern="1200" dirty="0">
+                <a:solidFill>
+                  <a:schemeClr val="tx1"/>
+                </a:solidFill>
+                <a:effectLst/>
+                <a:latin typeface="+mn-lt"/>
+                <a:ea typeface="+mn-ea"/>
+                <a:cs typeface="+mn-cs"/>
+              </a:rPr>
+              <a:t>Red = background, blue = foreground</a:t>
             </a:r>
           </a:p>
         </p:txBody>
@@ -1650,7 +2042,7 @@
           <a:p>
             <a:fld id="{1B8B4FD3-9156-3F45-86A6-2A512E7D4DAE}" type="slidenum">
               <a:rPr lang="en-US" smtClean="0"/>
-              <a:t>8</a:t>
+              <a:t>6</a:t>
             </a:fld>
             <a:endParaRPr lang="en-US"/>
           </a:p>
@@ -1659,7 +2051,7 @@
     </p:spTree>
     <p:extLst>
       <p:ext uri="{BB962C8B-B14F-4D97-AF65-F5344CB8AC3E}">
-        <p14:creationId xmlns:p14="http://schemas.microsoft.com/office/powerpoint/2010/main" val="3104478743"/>
+        <p14:creationId xmlns:p14="http://schemas.microsoft.com/office/powerpoint/2010/main" val="2973449022"/>
       </p:ext>
     </p:extLst>
   </p:cSld>
@@ -1715,74 +2107,6 @@
           <a:p>
             <a:endParaRPr lang="en-US" dirty="0"/>
           </a:p>
-          <a:p>
-            <a:pPr marL="171450" indent="-171450">
-              <a:buFont typeface="Arial" panose="020B0604020202020204" pitchFamily="34" charset="0"/>
-              <a:buChar char="•"/>
-            </a:pPr>
-            <a:r>
-              <a:rPr lang="en-US" dirty="0"/>
-              <a:t>First, preprocessing was 1 job per image. It is a map only job.</a:t>
-            </a:r>
-          </a:p>
-          <a:p>
-            <a:pPr marL="171450" indent="-171450">
-              <a:buFont typeface="Arial" panose="020B0604020202020204" pitchFamily="34" charset="0"/>
-              <a:buChar char="•"/>
-            </a:pPr>
-            <a:r>
-              <a:rPr lang="en-US" dirty="0"/>
-              <a:t>Pre-processing transformations 6GB image on 65MB image</a:t>
-            </a:r>
-          </a:p>
-          <a:p>
-            <a:pPr marL="171450" indent="-171450">
-              <a:buFont typeface="Arial" panose="020B0604020202020204" pitchFamily="34" charset="0"/>
-              <a:buChar char="•"/>
-            </a:pPr>
-            <a:r>
-              <a:rPr lang="en-US" dirty="0"/>
-              <a:t>The training image are fed to the random forest model to train</a:t>
-            </a:r>
-          </a:p>
-          <a:p>
-            <a:pPr marL="171450" indent="-171450">
-              <a:buFont typeface="Arial" panose="020B0604020202020204" pitchFamily="34" charset="0"/>
-              <a:buChar char="•"/>
-            </a:pPr>
-            <a:r>
-              <a:rPr lang="en-US" dirty="0"/>
-              <a:t>We persist the image, which is a job that shuffles the data depending on the the parameters (shuffling correlated with </a:t>
-            </a:r>
-            <a:r>
-              <a:rPr lang="en-US" dirty="0" err="1"/>
-              <a:t>params</a:t>
-            </a:r>
-            <a:r>
-              <a:rPr lang="en-US" dirty="0"/>
-              <a:t> – it depends more on the depth &amp; number of trees)</a:t>
-            </a:r>
-          </a:p>
-          <a:p>
-            <a:pPr marL="171450" indent="-171450">
-              <a:buFont typeface="Arial" panose="020B0604020202020204" pitchFamily="34" charset="0"/>
-              <a:buChar char="•"/>
-            </a:pPr>
-            <a:r>
-              <a:rPr lang="en-US" dirty="0"/>
-              <a:t>Classification job that has a persisted model and it receives only the image that we want to classify</a:t>
-            </a:r>
-          </a:p>
-          <a:p>
-            <a:pPr marL="171450" indent="-171450">
-              <a:buFont typeface="Arial" panose="020B0604020202020204" pitchFamily="34" charset="0"/>
-              <a:buChar char="•"/>
-            </a:pPr>
-            <a:r>
-              <a:rPr lang="en-US" dirty="0"/>
-              <a:t>because our feature vector is small we didn’t see much scaling on this one (firing up more than 4 workers isn’t necessary)</a:t>
-            </a:r>
-          </a:p>
         </p:txBody>
       </p:sp>
       <p:sp>
@@ -1802,7 +2126,7 @@
           <a:p>
             <a:fld id="{1B8B4FD3-9156-3F45-86A6-2A512E7D4DAE}" type="slidenum">
               <a:rPr lang="en-US" smtClean="0"/>
-              <a:t>9</a:t>
+              <a:t>7</a:t>
             </a:fld>
             <a:endParaRPr lang="en-US"/>
           </a:p>
@@ -1811,7 +2135,7 @@
     </p:spTree>
     <p:extLst>
       <p:ext uri="{BB962C8B-B14F-4D97-AF65-F5344CB8AC3E}">
-        <p14:creationId xmlns:p14="http://schemas.microsoft.com/office/powerpoint/2010/main" val="3737493002"/>
+        <p14:creationId xmlns:p14="http://schemas.microsoft.com/office/powerpoint/2010/main" val="1147834750"/>
       </p:ext>
     </p:extLst>
   </p:cSld>
@@ -1865,33 +2189,38 @@
           <a:bodyPr/>
           <a:lstStyle/>
           <a:p>
-            <a:r>
-              <a:rPr lang="en-US" dirty="0"/>
-              <a:t>Highlight best model</a:t>
-            </a:r>
-          </a:p>
-          <a:p>
-            <a:r>
-              <a:rPr lang="en-US" dirty="0"/>
-              <a:t>* Right table shows scaling of training</a:t>
-            </a:r>
-          </a:p>
-          <a:p>
-            <a:r>
-              <a:rPr lang="en-US" dirty="0"/>
-              <a:t>What was scaling of processing – parallel</a:t>
-            </a:r>
-          </a:p>
-          <a:p>
-            <a:r>
-              <a:rPr lang="en-US" dirty="0"/>
-              <a:t>Classification – not that parallel (small feature vectors, fit into 65MB for 1 image, then make splits on this thing). If we split beyond 4 parts, the time it takes to fire up other machines it is expensive. </a:t>
-            </a:r>
-          </a:p>
-          <a:p>
-            <a:r>
-              <a:rPr lang="en-US" dirty="0"/>
-              <a:t>* After 4 workers, which is 16 splits, no real scaling </a:t>
+            <a:pPr marL="171450" indent="-171450">
+              <a:buFont typeface="Arial" panose="020B0604020202020204" pitchFamily="34" charset="0"/>
+              <a:buChar char="•"/>
+            </a:pPr>
+            <a:r>
+              <a:rPr lang="en-US" dirty="0"/>
+              <a:t>ASHA</a:t>
+            </a:r>
+          </a:p>
+          <a:p>
+            <a:pPr marL="171450" indent="-171450">
+              <a:buFont typeface="Arial" panose="020B0604020202020204" pitchFamily="34" charset="0"/>
+              <a:buChar char="•"/>
+            </a:pPr>
+            <a:r>
+              <a:rPr lang="en-US" dirty="0"/>
+              <a:t>Use following parameters – got from </a:t>
+            </a:r>
+            <a:r>
+              <a:rPr lang="en-US" dirty="0" err="1"/>
+              <a:t>paramgridbuilder</a:t>
+            </a:r>
+            <a:endParaRPr lang="en-US" dirty="0"/>
+          </a:p>
+          <a:p>
+            <a:pPr marL="171450" indent="-171450">
+              <a:buFont typeface="Arial" panose="020B0604020202020204" pitchFamily="34" charset="0"/>
+              <a:buChar char="•"/>
+            </a:pPr>
+            <a:r>
+              <a:rPr lang="en-US" dirty="0"/>
+              <a:t>Gini used since it doesn't require to compute logarithmic functions (which is calculated in entropy), which are computationally intensive.</a:t>
             </a:r>
           </a:p>
         </p:txBody>
@@ -1913,7 +2242,7 @@
           <a:p>
             <a:fld id="{1B8B4FD3-9156-3F45-86A6-2A512E7D4DAE}" type="slidenum">
               <a:rPr lang="en-US" smtClean="0"/>
-              <a:t>10</a:t>
+              <a:t>8</a:t>
             </a:fld>
             <a:endParaRPr lang="en-US"/>
           </a:p>
@@ -1922,7 +2251,7 @@
     </p:spTree>
     <p:extLst>
       <p:ext uri="{BB962C8B-B14F-4D97-AF65-F5344CB8AC3E}">
-        <p14:creationId xmlns:p14="http://schemas.microsoft.com/office/powerpoint/2010/main" val="663596552"/>
+        <p14:creationId xmlns:p14="http://schemas.microsoft.com/office/powerpoint/2010/main" val="698586686"/>
       </p:ext>
     </p:extLst>
   </p:cSld>
@@ -1976,7 +2305,120 @@
           <a:bodyPr/>
           <a:lstStyle/>
           <a:p>
-            <a:endParaRPr lang="en-US" dirty="0"/>
+            <a:pPr marL="171450" indent="-171450">
+              <a:buFont typeface="Arial" panose="020B0604020202020204" pitchFamily="34" charset="0"/>
+              <a:buChar char="•"/>
+            </a:pPr>
+            <a:r>
+              <a:rPr lang="en-US" dirty="0"/>
+              <a:t>ASHA</a:t>
+            </a:r>
+          </a:p>
+          <a:p>
+            <a:pPr marL="171450" indent="-171450">
+              <a:buFont typeface="Arial" panose="020B0604020202020204" pitchFamily="34" charset="0"/>
+              <a:buChar char="•"/>
+            </a:pPr>
+            <a:r>
+              <a:rPr lang="en-US" dirty="0"/>
+              <a:t>No form of randomization</a:t>
+            </a:r>
+          </a:p>
+          <a:p>
+            <a:pPr marL="171450" indent="-171450">
+              <a:buFont typeface="Arial" panose="020B0604020202020204" pitchFamily="34" charset="0"/>
+              <a:buChar char="•"/>
+            </a:pPr>
+            <a:r>
+              <a:rPr lang="en-US" dirty="0"/>
+              <a:t>Didn’t use cross validation from </a:t>
+            </a:r>
+            <a:r>
+              <a:rPr lang="en-US" dirty="0" err="1"/>
+              <a:t>scala</a:t>
+            </a:r>
+            <a:r>
+              <a:rPr lang="en-US" dirty="0"/>
+              <a:t> spark, we implemented ourselves</a:t>
+            </a:r>
+          </a:p>
+          <a:p>
+            <a:pPr marL="171450" indent="-171450">
+              <a:buFont typeface="Arial" panose="020B0604020202020204" pitchFamily="34" charset="0"/>
+              <a:buChar char="•"/>
+            </a:pPr>
+            <a:r>
+              <a:rPr lang="en-US" dirty="0"/>
+              <a:t>Use 1,2,3,4 and 6 </a:t>
+            </a:r>
+            <a:r>
+              <a:rPr lang="en-US" dirty="0" err="1"/>
+              <a:t>bc</a:t>
+            </a:r>
+            <a:r>
+              <a:rPr lang="en-US" dirty="0"/>
+              <a:t> we didn’t want data from test inside train (used 4 image for train, 1 for test). This way NO test sample was used during training.</a:t>
+            </a:r>
+          </a:p>
+          <a:p>
+            <a:pPr marL="171450" indent="-171450">
+              <a:buFont typeface="Arial" panose="020B0604020202020204" pitchFamily="34" charset="0"/>
+              <a:buChar char="•"/>
+            </a:pPr>
+            <a:r>
+              <a:rPr lang="en-US" dirty="0"/>
+              <a:t>Split dataset into train and test sets</a:t>
+            </a:r>
+          </a:p>
+          <a:p>
+            <a:pPr marL="171450" indent="-171450">
+              <a:buFont typeface="Arial" panose="020B0604020202020204" pitchFamily="34" charset="0"/>
+              <a:buChar char="•"/>
+            </a:pPr>
+            <a:r>
+              <a:rPr lang="en-US" dirty="0"/>
+              <a:t>Train the model</a:t>
+            </a:r>
+          </a:p>
+          <a:p>
+            <a:pPr marL="171450" indent="-171450">
+              <a:buFont typeface="Arial" panose="020B0604020202020204" pitchFamily="34" charset="0"/>
+              <a:buChar char="•"/>
+            </a:pPr>
+            <a:r>
+              <a:rPr lang="en-US" dirty="0"/>
+              <a:t>Predict with both training and testing</a:t>
+            </a:r>
+          </a:p>
+          <a:p>
+            <a:pPr marL="171450" indent="-171450">
+              <a:buFont typeface="Arial" panose="020B0604020202020204" pitchFamily="34" charset="0"/>
+              <a:buChar char="•"/>
+            </a:pPr>
+            <a:r>
+              <a:rPr lang="en-US" dirty="0"/>
+              <a:t>Measure error in the predictions (in both sets)</a:t>
+            </a:r>
+          </a:p>
+          <a:p>
+            <a:pPr marL="171450" indent="-171450">
+              <a:buFont typeface="Arial" panose="020B0604020202020204" pitchFamily="34" charset="0"/>
+              <a:buChar char="•"/>
+            </a:pPr>
+            <a:r>
+              <a:rPr lang="en-US" dirty="0"/>
+              <a:t>Compare the error of the two data sets</a:t>
+            </a:r>
+          </a:p>
+          <a:p>
+            <a:pPr marL="171450" indent="-171450">
+              <a:buFont typeface="Arial" panose="020B0604020202020204" pitchFamily="34" charset="0"/>
+              <a:buChar char="•"/>
+            </a:pPr>
+            <a:r>
+              <a:rPr lang="en-US" dirty="0"/>
+              <a:t>Trained on diff images and tested</a:t>
+            </a:r>
           </a:p>
         </p:txBody>
       </p:sp>
@@ -1997,7 +2439,7 @@
           <a:p>
             <a:fld id="{1B8B4FD3-9156-3F45-86A6-2A512E7D4DAE}" type="slidenum">
               <a:rPr lang="en-US" smtClean="0"/>
-              <a:t>11</a:t>
+              <a:t>9</a:t>
             </a:fld>
             <a:endParaRPr lang="en-US"/>
           </a:p>
@@ -2006,7 +2448,7 @@
     </p:spTree>
     <p:extLst>
       <p:ext uri="{BB962C8B-B14F-4D97-AF65-F5344CB8AC3E}">
-        <p14:creationId xmlns:p14="http://schemas.microsoft.com/office/powerpoint/2010/main" val="1580661599"/>
+        <p14:creationId xmlns:p14="http://schemas.microsoft.com/office/powerpoint/2010/main" val="3104478743"/>
       </p:ext>
     </p:extLst>
   </p:cSld>
@@ -2799,7 +3241,7 @@
           <a:p>
             <a:fld id="{B7154F30-3877-734E-854C-19E66CA08E5E}" type="datetime4">
               <a:rPr lang="en-US" smtClean="0"/>
-              <a:t>April 23, 2018</a:t>
+              <a:t>April 24, 2018</a:t>
             </a:fld>
             <a:endParaRPr lang="en-US" dirty="0"/>
           </a:p>
@@ -3098,7 +3540,7 @@
           <a:p>
             <a:fld id="{AB387ED7-E26B-424C-9711-F96B35D63E91}" type="datetime4">
               <a:rPr lang="en-US" smtClean="0"/>
-              <a:t>April 23, 2018</a:t>
+              <a:t>April 24, 2018</a:t>
             </a:fld>
             <a:endParaRPr lang="en-US"/>
           </a:p>
@@ -4318,2296 +4760,6 @@
       </p:grpSpPr>
       <p:sp>
         <p:nvSpPr>
-          <p:cNvPr id="2" name="Title 1"/>
-          <p:cNvSpPr>
-            <a:spLocks noGrp="1"/>
-          </p:cNvSpPr>
-          <p:nvPr>
-            <p:ph type="title"/>
-          </p:nvPr>
-        </p:nvSpPr>
-        <p:spPr/>
-        <p:txBody>
-          <a:bodyPr>
-            <a:normAutofit fontScale="90000"/>
-          </a:bodyPr>
-          <a:lstStyle/>
-          <a:p>
-            <a:r>
-              <a:rPr lang="en-US" dirty="0"/>
-              <a:t>Parallel Processing Results</a:t>
-            </a:r>
-          </a:p>
-        </p:txBody>
-      </p:sp>
-      <p:sp>
-        <p:nvSpPr>
-          <p:cNvPr id="4" name="Date Placeholder 3"/>
-          <p:cNvSpPr>
-            <a:spLocks noGrp="1"/>
-          </p:cNvSpPr>
-          <p:nvPr>
-            <p:ph type="dt" sz="half" idx="10"/>
-          </p:nvPr>
-        </p:nvSpPr>
-        <p:spPr/>
-        <p:txBody>
-          <a:bodyPr/>
-          <a:lstStyle/>
-          <a:p>
-            <a:r>
-              <a:rPr lang="en-US" dirty="0"/>
-              <a:t>April 24, 2018</a:t>
-            </a:r>
-          </a:p>
-        </p:txBody>
-      </p:sp>
-      <p:sp>
-        <p:nvSpPr>
-          <p:cNvPr id="5" name="Footer Placeholder 4"/>
-          <p:cNvSpPr>
-            <a:spLocks noGrp="1"/>
-          </p:cNvSpPr>
-          <p:nvPr>
-            <p:ph type="ftr" sz="quarter" idx="11"/>
-          </p:nvPr>
-        </p:nvSpPr>
-        <p:spPr/>
-        <p:txBody>
-          <a:bodyPr/>
-          <a:lstStyle/>
-          <a:p>
-            <a:r>
-              <a:rPr lang="en-US" dirty="0"/>
-              <a:t>Classifying High-Resolution Brain Scans</a:t>
-            </a:r>
-          </a:p>
-        </p:txBody>
-      </p:sp>
-      <p:sp>
-        <p:nvSpPr>
-          <p:cNvPr id="6" name="Slide Number Placeholder 5"/>
-          <p:cNvSpPr>
-            <a:spLocks noGrp="1"/>
-          </p:cNvSpPr>
-          <p:nvPr>
-            <p:ph type="sldNum" sz="quarter" idx="12"/>
-          </p:nvPr>
-        </p:nvSpPr>
-        <p:spPr/>
-        <p:txBody>
-          <a:bodyPr/>
-          <a:lstStyle/>
-          <a:p>
-            <a:fld id="{A85782A5-310D-064D-97B2-7CD9DCF5F4D7}" type="slidenum">
-              <a:rPr lang="en-US" smtClean="0"/>
-              <a:t>10</a:t>
-            </a:fld>
-            <a:endParaRPr lang="en-US"/>
-          </a:p>
-        </p:txBody>
-      </p:sp>
-      <p:sp>
-        <p:nvSpPr>
-          <p:cNvPr id="8" name="TextBox 7">
-            <a:extLst>
-              <a:ext uri="{FF2B5EF4-FFF2-40B4-BE49-F238E27FC236}">
-                <a16:creationId xmlns:a16="http://schemas.microsoft.com/office/drawing/2014/main" id="{3A9FD87F-5F28-8F48-995F-A32FE79C6964}"/>
-              </a:ext>
-            </a:extLst>
-          </p:cNvPr>
-          <p:cNvSpPr txBox="1"/>
-          <p:nvPr/>
-        </p:nvSpPr>
-        <p:spPr>
-          <a:xfrm>
-            <a:off x="239614" y="1850038"/>
-            <a:ext cx="1145542" cy="646331"/>
-          </a:xfrm>
-          <a:prstGeom prst="rect">
-            <a:avLst/>
-          </a:prstGeom>
-          <a:noFill/>
-        </p:spPr>
-        <p:txBody>
-          <a:bodyPr wrap="square" rtlCol="0">
-            <a:spAutoFit/>
-          </a:bodyPr>
-          <a:lstStyle/>
-          <a:p>
-            <a:r>
-              <a:rPr lang="en-US" dirty="0"/>
-              <a:t>Varying Trees</a:t>
-            </a:r>
-          </a:p>
-        </p:txBody>
-      </p:sp>
-      <p:sp>
-        <p:nvSpPr>
-          <p:cNvPr id="9" name="TextBox 8">
-            <a:extLst>
-              <a:ext uri="{FF2B5EF4-FFF2-40B4-BE49-F238E27FC236}">
-                <a16:creationId xmlns:a16="http://schemas.microsoft.com/office/drawing/2014/main" id="{1A52EB5D-B011-B440-AB1F-29BB2700B285}"/>
-              </a:ext>
-            </a:extLst>
-          </p:cNvPr>
-          <p:cNvSpPr txBox="1"/>
-          <p:nvPr/>
-        </p:nvSpPr>
-        <p:spPr>
-          <a:xfrm>
-            <a:off x="239614" y="2970350"/>
-            <a:ext cx="1244600" cy="369332"/>
-          </a:xfrm>
-          <a:prstGeom prst="rect">
-            <a:avLst/>
-          </a:prstGeom>
-          <a:noFill/>
-        </p:spPr>
-        <p:txBody>
-          <a:bodyPr wrap="square" rtlCol="0">
-            <a:spAutoFit/>
-          </a:bodyPr>
-          <a:lstStyle/>
-          <a:p>
-            <a:r>
-              <a:rPr lang="en-US" dirty="0"/>
-              <a:t>Depth</a:t>
-            </a:r>
-          </a:p>
-        </p:txBody>
-      </p:sp>
-      <p:sp>
-        <p:nvSpPr>
-          <p:cNvPr id="10" name="TextBox 9">
-            <a:extLst>
-              <a:ext uri="{FF2B5EF4-FFF2-40B4-BE49-F238E27FC236}">
-                <a16:creationId xmlns:a16="http://schemas.microsoft.com/office/drawing/2014/main" id="{57E0A458-0C33-AB4B-B572-F6B804BCE9C6}"/>
-              </a:ext>
-            </a:extLst>
-          </p:cNvPr>
-          <p:cNvSpPr txBox="1"/>
-          <p:nvPr/>
-        </p:nvSpPr>
-        <p:spPr>
-          <a:xfrm>
-            <a:off x="239614" y="4110410"/>
-            <a:ext cx="1244600" cy="369332"/>
-          </a:xfrm>
-          <a:prstGeom prst="rect">
-            <a:avLst/>
-          </a:prstGeom>
-          <a:noFill/>
-        </p:spPr>
-        <p:txBody>
-          <a:bodyPr wrap="square" rtlCol="0">
-            <a:spAutoFit/>
-          </a:bodyPr>
-          <a:lstStyle/>
-          <a:p>
-            <a:r>
-              <a:rPr lang="en-US" dirty="0"/>
-              <a:t>Bins</a:t>
-            </a:r>
-          </a:p>
-        </p:txBody>
-      </p:sp>
-      <p:sp>
-        <p:nvSpPr>
-          <p:cNvPr id="11" name="TextBox 10">
-            <a:extLst>
-              <a:ext uri="{FF2B5EF4-FFF2-40B4-BE49-F238E27FC236}">
-                <a16:creationId xmlns:a16="http://schemas.microsoft.com/office/drawing/2014/main" id="{7746FB92-4770-1247-86C3-D2EDADAF9F72}"/>
-              </a:ext>
-            </a:extLst>
-          </p:cNvPr>
-          <p:cNvSpPr txBox="1"/>
-          <p:nvPr/>
-        </p:nvSpPr>
-        <p:spPr>
-          <a:xfrm>
-            <a:off x="5914692" y="3556412"/>
-            <a:ext cx="2281905" cy="923330"/>
-          </a:xfrm>
-          <a:prstGeom prst="rect">
-            <a:avLst/>
-          </a:prstGeom>
-          <a:noFill/>
-        </p:spPr>
-        <p:txBody>
-          <a:bodyPr wrap="square" rtlCol="0">
-            <a:spAutoFit/>
-          </a:bodyPr>
-          <a:lstStyle/>
-          <a:p>
-            <a:r>
-              <a:rPr lang="en-US" dirty="0"/>
-              <a:t>*Increasing trees past 50 did not increase accuracy significantly</a:t>
-            </a:r>
-          </a:p>
-        </p:txBody>
-      </p:sp>
-      <p:pic>
-        <p:nvPicPr>
-          <p:cNvPr id="13" name="Picture 12">
-            <a:extLst>
-              <a:ext uri="{FF2B5EF4-FFF2-40B4-BE49-F238E27FC236}">
-                <a16:creationId xmlns:a16="http://schemas.microsoft.com/office/drawing/2014/main" id="{EE7EEDF9-2E8F-0544-B52E-4C11F368FFD9}"/>
-              </a:ext>
-            </a:extLst>
-          </p:cNvPr>
-          <p:cNvPicPr>
-            <a:picLocks noChangeAspect="1"/>
-          </p:cNvPicPr>
-          <p:nvPr/>
-        </p:nvPicPr>
-        <p:blipFill>
-          <a:blip r:embed="rId3"/>
-          <a:stretch>
-            <a:fillRect/>
-          </a:stretch>
-        </p:blipFill>
-        <p:spPr>
-          <a:xfrm>
-            <a:off x="1052430" y="1356309"/>
-            <a:ext cx="4049446" cy="4198505"/>
-          </a:xfrm>
-          <a:prstGeom prst="rect">
-            <a:avLst/>
-          </a:prstGeom>
-        </p:spPr>
-      </p:pic>
-      <p:pic>
-        <p:nvPicPr>
-          <p:cNvPr id="17" name="Picture 16">
-            <a:extLst>
-              <a:ext uri="{FF2B5EF4-FFF2-40B4-BE49-F238E27FC236}">
-                <a16:creationId xmlns:a16="http://schemas.microsoft.com/office/drawing/2014/main" id="{9CD96D8A-9E38-F948-8D33-18BD7CCF38EA}"/>
-              </a:ext>
-            </a:extLst>
-          </p:cNvPr>
-          <p:cNvPicPr>
-            <a:picLocks noChangeAspect="1"/>
-          </p:cNvPicPr>
-          <p:nvPr/>
-        </p:nvPicPr>
-        <p:blipFill>
-          <a:blip r:embed="rId4"/>
-          <a:stretch>
-            <a:fillRect/>
-          </a:stretch>
-        </p:blipFill>
-        <p:spPr>
-          <a:xfrm>
-            <a:off x="5391436" y="1356309"/>
-            <a:ext cx="3733354" cy="1089794"/>
-          </a:xfrm>
-          <a:prstGeom prst="rect">
-            <a:avLst/>
-          </a:prstGeom>
-        </p:spPr>
-      </p:pic>
-      <p:sp>
-        <p:nvSpPr>
-          <p:cNvPr id="21" name="Right Arrow 20">
-            <a:extLst>
-              <a:ext uri="{FF2B5EF4-FFF2-40B4-BE49-F238E27FC236}">
-                <a16:creationId xmlns:a16="http://schemas.microsoft.com/office/drawing/2014/main" id="{555A877B-4B5B-A945-AA5B-ACD195435069}"/>
-              </a:ext>
-            </a:extLst>
-          </p:cNvPr>
-          <p:cNvSpPr/>
-          <p:nvPr/>
-        </p:nvSpPr>
-        <p:spPr>
-          <a:xfrm rot="10800000">
-            <a:off x="5101876" y="4903958"/>
-            <a:ext cx="1047465" cy="589447"/>
-          </a:xfrm>
-          <a:prstGeom prst="rightArrow">
-            <a:avLst/>
-          </a:prstGeom>
-          <a:solidFill>
-            <a:srgbClr val="FFDA03"/>
-          </a:solidFill>
-          <a:ln>
-            <a:noFill/>
-          </a:ln>
-          <a:effectLst>
-            <a:outerShdw blurRad="40000" dist="23000" dir="5400000" rotWithShape="0">
-              <a:srgbClr val="000000">
-                <a:alpha val="0"/>
-              </a:srgbClr>
-            </a:outerShdw>
-          </a:effectLst>
-        </p:spPr>
-        <p:style>
-          <a:lnRef idx="1">
-            <a:schemeClr val="accent1"/>
-          </a:lnRef>
-          <a:fillRef idx="3">
-            <a:schemeClr val="accent1"/>
-          </a:fillRef>
-          <a:effectRef idx="2">
-            <a:schemeClr val="accent1"/>
-          </a:effectRef>
-          <a:fontRef idx="minor">
-            <a:schemeClr val="lt1"/>
-          </a:fontRef>
-        </p:style>
-        <p:txBody>
-          <a:bodyPr rtlCol="0" anchor="ctr"/>
-          <a:lstStyle/>
-          <a:p>
-            <a:pPr algn="ctr"/>
-            <a:endParaRPr lang="en-US"/>
-          </a:p>
-        </p:txBody>
-      </p:sp>
-    </p:spTree>
-    <p:extLst>
-      <p:ext uri="{BB962C8B-B14F-4D97-AF65-F5344CB8AC3E}">
-        <p14:creationId xmlns:p14="http://schemas.microsoft.com/office/powerpoint/2010/main" val="4066051979"/>
-      </p:ext>
-    </p:extLst>
-  </p:cSld>
-  <p:clrMapOvr>
-    <a:masterClrMapping/>
-  </p:clrMapOvr>
-</p:sld>
-</file>
-
-<file path=ppt/slides/slide11.xml><?xml version="1.0" encoding="utf-8"?>
-<p:sld xmlns:a="http://schemas.openxmlformats.org/drawingml/2006/main" xmlns:r="http://schemas.openxmlformats.org/officeDocument/2006/relationships" xmlns:p="http://schemas.openxmlformats.org/presentationml/2006/main">
-  <p:cSld>
-    <p:spTree>
-      <p:nvGrpSpPr>
-        <p:cNvPr id="1" name=""/>
-        <p:cNvGrpSpPr/>
-        <p:nvPr/>
-      </p:nvGrpSpPr>
-      <p:grpSpPr>
-        <a:xfrm>
-          <a:off x="0" y="0"/>
-          <a:ext cx="0" cy="0"/>
-          <a:chOff x="0" y="0"/>
-          <a:chExt cx="0" cy="0"/>
-        </a:xfrm>
-      </p:grpSpPr>
-      <p:sp>
-        <p:nvSpPr>
-          <p:cNvPr id="2" name="Title 1"/>
-          <p:cNvSpPr>
-            <a:spLocks noGrp="1"/>
-          </p:cNvSpPr>
-          <p:nvPr>
-            <p:ph type="title"/>
-          </p:nvPr>
-        </p:nvSpPr>
-        <p:spPr/>
-        <p:txBody>
-          <a:bodyPr>
-            <a:normAutofit fontScale="90000"/>
-          </a:bodyPr>
-          <a:lstStyle/>
-          <a:p>
-            <a:r>
-              <a:rPr lang="en-US" dirty="0"/>
-              <a:t>Single Processor Results</a:t>
-            </a:r>
-          </a:p>
-        </p:txBody>
-      </p:sp>
-      <p:sp>
-        <p:nvSpPr>
-          <p:cNvPr id="4" name="Date Placeholder 3"/>
-          <p:cNvSpPr>
-            <a:spLocks noGrp="1"/>
-          </p:cNvSpPr>
-          <p:nvPr>
-            <p:ph type="dt" sz="half" idx="10"/>
-          </p:nvPr>
-        </p:nvSpPr>
-        <p:spPr/>
-        <p:txBody>
-          <a:bodyPr/>
-          <a:lstStyle/>
-          <a:p>
-            <a:r>
-              <a:rPr lang="en-US" dirty="0"/>
-              <a:t>April 24, 2018</a:t>
-            </a:r>
-          </a:p>
-        </p:txBody>
-      </p:sp>
-      <p:sp>
-        <p:nvSpPr>
-          <p:cNvPr id="5" name="Footer Placeholder 4"/>
-          <p:cNvSpPr>
-            <a:spLocks noGrp="1"/>
-          </p:cNvSpPr>
-          <p:nvPr>
-            <p:ph type="ftr" sz="quarter" idx="11"/>
-          </p:nvPr>
-        </p:nvSpPr>
-        <p:spPr/>
-        <p:txBody>
-          <a:bodyPr/>
-          <a:lstStyle/>
-          <a:p>
-            <a:r>
-              <a:rPr lang="en-US" dirty="0"/>
-              <a:t>Classifying High-Resolution Brain Scans</a:t>
-            </a:r>
-          </a:p>
-        </p:txBody>
-      </p:sp>
-      <p:sp>
-        <p:nvSpPr>
-          <p:cNvPr id="6" name="Slide Number Placeholder 5"/>
-          <p:cNvSpPr>
-            <a:spLocks noGrp="1"/>
-          </p:cNvSpPr>
-          <p:nvPr>
-            <p:ph type="sldNum" sz="quarter" idx="12"/>
-          </p:nvPr>
-        </p:nvSpPr>
-        <p:spPr/>
-        <p:txBody>
-          <a:bodyPr/>
-          <a:lstStyle/>
-          <a:p>
-            <a:fld id="{A85782A5-310D-064D-97B2-7CD9DCF5F4D7}" type="slidenum">
-              <a:rPr lang="en-US" smtClean="0"/>
-              <a:t>11</a:t>
-            </a:fld>
-            <a:endParaRPr lang="en-US"/>
-          </a:p>
-        </p:txBody>
-      </p:sp>
-    </p:spTree>
-    <p:extLst>
-      <p:ext uri="{BB962C8B-B14F-4D97-AF65-F5344CB8AC3E}">
-        <p14:creationId xmlns:p14="http://schemas.microsoft.com/office/powerpoint/2010/main" val="1500565145"/>
-      </p:ext>
-    </p:extLst>
-  </p:cSld>
-  <p:clrMapOvr>
-    <a:masterClrMapping/>
-  </p:clrMapOvr>
-</p:sld>
-</file>
-
-<file path=ppt/slides/slide12.xml><?xml version="1.0" encoding="utf-8"?>
-<p:sld xmlns:a="http://schemas.openxmlformats.org/drawingml/2006/main" xmlns:r="http://schemas.openxmlformats.org/officeDocument/2006/relationships" xmlns:p="http://schemas.openxmlformats.org/presentationml/2006/main">
-  <p:cSld>
-    <p:spTree>
-      <p:nvGrpSpPr>
-        <p:cNvPr id="1" name=""/>
-        <p:cNvGrpSpPr/>
-        <p:nvPr/>
-      </p:nvGrpSpPr>
-      <p:grpSpPr>
-        <a:xfrm>
-          <a:off x="0" y="0"/>
-          <a:ext cx="0" cy="0"/>
-          <a:chOff x="0" y="0"/>
-          <a:chExt cx="0" cy="0"/>
-        </a:xfrm>
-      </p:grpSpPr>
-      <p:sp>
-        <p:nvSpPr>
-          <p:cNvPr id="2" name="Title 1"/>
-          <p:cNvSpPr>
-            <a:spLocks noGrp="1"/>
-          </p:cNvSpPr>
-          <p:nvPr>
-            <p:ph type="title"/>
-          </p:nvPr>
-        </p:nvSpPr>
-        <p:spPr/>
-        <p:txBody>
-          <a:bodyPr>
-            <a:normAutofit fontScale="90000"/>
-          </a:bodyPr>
-          <a:lstStyle/>
-          <a:p>
-            <a:r>
-              <a:rPr lang="en-US" dirty="0"/>
-              <a:t>Confusion Matrix – Image 2</a:t>
-            </a:r>
-          </a:p>
-        </p:txBody>
-      </p:sp>
-      <p:sp>
-        <p:nvSpPr>
-          <p:cNvPr id="4" name="Date Placeholder 3"/>
-          <p:cNvSpPr>
-            <a:spLocks noGrp="1"/>
-          </p:cNvSpPr>
-          <p:nvPr>
-            <p:ph type="dt" sz="half" idx="10"/>
-          </p:nvPr>
-        </p:nvSpPr>
-        <p:spPr/>
-        <p:txBody>
-          <a:bodyPr/>
-          <a:lstStyle/>
-          <a:p>
-            <a:r>
-              <a:rPr lang="en-US" dirty="0"/>
-              <a:t>April 24, 2018</a:t>
-            </a:r>
-          </a:p>
-        </p:txBody>
-      </p:sp>
-      <p:sp>
-        <p:nvSpPr>
-          <p:cNvPr id="5" name="Footer Placeholder 4"/>
-          <p:cNvSpPr>
-            <a:spLocks noGrp="1"/>
-          </p:cNvSpPr>
-          <p:nvPr>
-            <p:ph type="ftr" sz="quarter" idx="11"/>
-          </p:nvPr>
-        </p:nvSpPr>
-        <p:spPr/>
-        <p:txBody>
-          <a:bodyPr/>
-          <a:lstStyle/>
-          <a:p>
-            <a:r>
-              <a:rPr lang="en-US" dirty="0"/>
-              <a:t>Classifying High-Resolution Brain Scans</a:t>
-            </a:r>
-          </a:p>
-        </p:txBody>
-      </p:sp>
-      <p:sp>
-        <p:nvSpPr>
-          <p:cNvPr id="6" name="Slide Number Placeholder 5"/>
-          <p:cNvSpPr>
-            <a:spLocks noGrp="1"/>
-          </p:cNvSpPr>
-          <p:nvPr>
-            <p:ph type="sldNum" sz="quarter" idx="12"/>
-          </p:nvPr>
-        </p:nvSpPr>
-        <p:spPr/>
-        <p:txBody>
-          <a:bodyPr/>
-          <a:lstStyle/>
-          <a:p>
-            <a:fld id="{A85782A5-310D-064D-97B2-7CD9DCF5F4D7}" type="slidenum">
-              <a:rPr lang="en-US" smtClean="0"/>
-              <a:t>12</a:t>
-            </a:fld>
-            <a:endParaRPr lang="en-US"/>
-          </a:p>
-        </p:txBody>
-      </p:sp>
-      <p:pic>
-        <p:nvPicPr>
-          <p:cNvPr id="8" name="Picture 7">
-            <a:extLst>
-              <a:ext uri="{FF2B5EF4-FFF2-40B4-BE49-F238E27FC236}">
-                <a16:creationId xmlns:a16="http://schemas.microsoft.com/office/drawing/2014/main" id="{63C622F7-ADF7-C04D-B466-D9D1FAF5BFC2}"/>
-              </a:ext>
-            </a:extLst>
-          </p:cNvPr>
-          <p:cNvPicPr>
-            <a:picLocks noChangeAspect="1"/>
-          </p:cNvPicPr>
-          <p:nvPr/>
-        </p:nvPicPr>
-        <p:blipFill>
-          <a:blip r:embed="rId3"/>
-          <a:stretch>
-            <a:fillRect/>
-          </a:stretch>
-        </p:blipFill>
-        <p:spPr>
-          <a:xfrm>
-            <a:off x="1998133" y="1309780"/>
-            <a:ext cx="5350933" cy="4301504"/>
-          </a:xfrm>
-          <a:prstGeom prst="rect">
-            <a:avLst/>
-          </a:prstGeom>
-        </p:spPr>
-      </p:pic>
-    </p:spTree>
-    <p:extLst>
-      <p:ext uri="{BB962C8B-B14F-4D97-AF65-F5344CB8AC3E}">
-        <p14:creationId xmlns:p14="http://schemas.microsoft.com/office/powerpoint/2010/main" val="2308104413"/>
-      </p:ext>
-    </p:extLst>
-  </p:cSld>
-  <p:clrMapOvr>
-    <a:masterClrMapping/>
-  </p:clrMapOvr>
-</p:sld>
-</file>
-
-<file path=ppt/slides/slide13.xml><?xml version="1.0" encoding="utf-8"?>
-<p:sld xmlns:a="http://schemas.openxmlformats.org/drawingml/2006/main" xmlns:r="http://schemas.openxmlformats.org/officeDocument/2006/relationships" xmlns:p="http://schemas.openxmlformats.org/presentationml/2006/main">
-  <p:cSld>
-    <p:spTree>
-      <p:nvGrpSpPr>
-        <p:cNvPr id="1" name=""/>
-        <p:cNvGrpSpPr/>
-        <p:nvPr/>
-      </p:nvGrpSpPr>
-      <p:grpSpPr>
-        <a:xfrm>
-          <a:off x="0" y="0"/>
-          <a:ext cx="0" cy="0"/>
-          <a:chOff x="0" y="0"/>
-          <a:chExt cx="0" cy="0"/>
-        </a:xfrm>
-      </p:grpSpPr>
-      <p:sp>
-        <p:nvSpPr>
-          <p:cNvPr id="10" name="Title 9"/>
-          <p:cNvSpPr>
-            <a:spLocks noGrp="1"/>
-          </p:cNvSpPr>
-          <p:nvPr>
-            <p:ph type="title"/>
-          </p:nvPr>
-        </p:nvSpPr>
-        <p:spPr/>
-        <p:txBody>
-          <a:bodyPr>
-            <a:normAutofit fontScale="90000"/>
-          </a:bodyPr>
-          <a:lstStyle/>
-          <a:p>
-            <a:r>
-              <a:rPr lang="en-US" dirty="0"/>
-              <a:t>The End :)</a:t>
-            </a:r>
-          </a:p>
-        </p:txBody>
-      </p:sp>
-      <p:sp>
-        <p:nvSpPr>
-          <p:cNvPr id="11" name="Content Placeholder 10"/>
-          <p:cNvSpPr>
-            <a:spLocks noGrp="1"/>
-          </p:cNvSpPr>
-          <p:nvPr>
-            <p:ph idx="1"/>
-          </p:nvPr>
-        </p:nvSpPr>
-        <p:spPr/>
-        <p:txBody>
-          <a:bodyPr/>
-          <a:lstStyle/>
-          <a:p>
-            <a:pPr marL="0" indent="0" algn="ctr">
-              <a:buNone/>
-            </a:pPr>
-            <a:endParaRPr lang="en-US" b="1" dirty="0"/>
-          </a:p>
-          <a:p>
-            <a:pPr marL="0" indent="0" algn="ctr">
-              <a:buNone/>
-            </a:pPr>
-            <a:endParaRPr lang="en-US" b="1" dirty="0"/>
-          </a:p>
-          <a:p>
-            <a:pPr marL="0" indent="0" algn="ctr">
-              <a:buNone/>
-            </a:pPr>
-            <a:r>
-              <a:rPr lang="en-US" b="1" dirty="0"/>
-              <a:t>Thanks!</a:t>
-            </a:r>
-          </a:p>
-          <a:p>
-            <a:pPr marL="0" indent="0" algn="ctr">
-              <a:buNone/>
-            </a:pPr>
-            <a:endParaRPr lang="en-US" b="1" dirty="0"/>
-          </a:p>
-          <a:p>
-            <a:pPr marL="0" indent="0" algn="ctr">
-              <a:buNone/>
-            </a:pPr>
-            <a:endParaRPr lang="en-US" b="1" dirty="0"/>
-          </a:p>
-          <a:p>
-            <a:pPr marL="0" indent="0" algn="ctr">
-              <a:buNone/>
-            </a:pPr>
-            <a:r>
-              <a:rPr lang="en-US" b="1" dirty="0"/>
-              <a:t>Questions?</a:t>
-            </a:r>
-          </a:p>
-        </p:txBody>
-      </p:sp>
-      <p:sp>
-        <p:nvSpPr>
-          <p:cNvPr id="5" name="Date Placeholder 4"/>
-          <p:cNvSpPr>
-            <a:spLocks noGrp="1"/>
-          </p:cNvSpPr>
-          <p:nvPr>
-            <p:ph type="dt" sz="half" idx="10"/>
-          </p:nvPr>
-        </p:nvSpPr>
-        <p:spPr/>
-        <p:txBody>
-          <a:bodyPr/>
-          <a:lstStyle/>
-          <a:p>
-            <a:r>
-              <a:rPr lang="en-US" dirty="0"/>
-              <a:t>April 24, 2018</a:t>
-            </a:r>
-          </a:p>
-        </p:txBody>
-      </p:sp>
-      <p:sp>
-        <p:nvSpPr>
-          <p:cNvPr id="6" name="Footer Placeholder 5"/>
-          <p:cNvSpPr>
-            <a:spLocks noGrp="1"/>
-          </p:cNvSpPr>
-          <p:nvPr>
-            <p:ph type="ftr" sz="quarter" idx="11"/>
-          </p:nvPr>
-        </p:nvSpPr>
-        <p:spPr/>
-        <p:txBody>
-          <a:bodyPr/>
-          <a:lstStyle/>
-          <a:p>
-            <a:r>
-              <a:rPr lang="en-US" dirty="0"/>
-              <a:t>Classifying High-Resolution Brain Scans</a:t>
-            </a:r>
-          </a:p>
-        </p:txBody>
-      </p:sp>
-      <p:sp>
-        <p:nvSpPr>
-          <p:cNvPr id="7" name="Slide Number Placeholder 6"/>
-          <p:cNvSpPr>
-            <a:spLocks noGrp="1"/>
-          </p:cNvSpPr>
-          <p:nvPr>
-            <p:ph type="sldNum" sz="quarter" idx="12"/>
-          </p:nvPr>
-        </p:nvSpPr>
-        <p:spPr/>
-        <p:txBody>
-          <a:bodyPr/>
-          <a:lstStyle/>
-          <a:p>
-            <a:fld id="{A85782A5-310D-064D-97B2-7CD9DCF5F4D7}" type="slidenum">
-              <a:rPr lang="en-US" smtClean="0"/>
-              <a:t>13</a:t>
-            </a:fld>
-            <a:endParaRPr lang="en-US"/>
-          </a:p>
-        </p:txBody>
-      </p:sp>
-    </p:spTree>
-    <p:extLst>
-      <p:ext uri="{BB962C8B-B14F-4D97-AF65-F5344CB8AC3E}">
-        <p14:creationId xmlns:p14="http://schemas.microsoft.com/office/powerpoint/2010/main" val="3560532499"/>
-      </p:ext>
-    </p:extLst>
-  </p:cSld>
-  <p:clrMapOvr>
-    <a:masterClrMapping/>
-  </p:clrMapOvr>
-</p:sld>
-</file>
-
-<file path=ppt/slides/slide2.xml><?xml version="1.0" encoding="utf-8"?>
-<p:sld xmlns:a="http://schemas.openxmlformats.org/drawingml/2006/main" xmlns:r="http://schemas.openxmlformats.org/officeDocument/2006/relationships" xmlns:p="http://schemas.openxmlformats.org/presentationml/2006/main">
-  <p:cSld>
-    <p:spTree>
-      <p:nvGrpSpPr>
-        <p:cNvPr id="1" name=""/>
-        <p:cNvGrpSpPr/>
-        <p:nvPr/>
-      </p:nvGrpSpPr>
-      <p:grpSpPr>
-        <a:xfrm>
-          <a:off x="0" y="0"/>
-          <a:ext cx="0" cy="0"/>
-          <a:chOff x="0" y="0"/>
-          <a:chExt cx="0" cy="0"/>
-        </a:xfrm>
-      </p:grpSpPr>
-      <p:sp>
-        <p:nvSpPr>
-          <p:cNvPr id="2" name="Title 1">
-            <a:extLst>
-              <a:ext uri="{FF2B5EF4-FFF2-40B4-BE49-F238E27FC236}">
-                <a16:creationId xmlns:a16="http://schemas.microsoft.com/office/drawing/2014/main" id="{B71D9872-CE0B-7C4F-AE1F-471D79FB2122}"/>
-              </a:ext>
-            </a:extLst>
-          </p:cNvPr>
-          <p:cNvSpPr>
-            <a:spLocks noGrp="1"/>
-          </p:cNvSpPr>
-          <p:nvPr>
-            <p:ph type="title"/>
-          </p:nvPr>
-        </p:nvSpPr>
-        <p:spPr>
-          <a:xfrm>
-            <a:off x="634792" y="2742247"/>
-            <a:ext cx="8229600" cy="600237"/>
-          </a:xfrm>
-        </p:spPr>
-        <p:txBody>
-          <a:bodyPr>
-            <a:normAutofit fontScale="90000"/>
-          </a:bodyPr>
-          <a:lstStyle/>
-          <a:p>
-            <a:r>
-              <a:rPr lang="en-US" dirty="0"/>
-              <a:t>Analysis &amp; Feature Extraction</a:t>
-            </a:r>
-          </a:p>
-        </p:txBody>
-      </p:sp>
-      <p:sp>
-        <p:nvSpPr>
-          <p:cNvPr id="3" name="Date Placeholder 2">
-            <a:extLst>
-              <a:ext uri="{FF2B5EF4-FFF2-40B4-BE49-F238E27FC236}">
-                <a16:creationId xmlns:a16="http://schemas.microsoft.com/office/drawing/2014/main" id="{CD148C30-E7AE-384B-8149-C970B06234A7}"/>
-              </a:ext>
-            </a:extLst>
-          </p:cNvPr>
-          <p:cNvSpPr>
-            <a:spLocks noGrp="1"/>
-          </p:cNvSpPr>
-          <p:nvPr>
-            <p:ph type="dt" sz="half" idx="10"/>
-          </p:nvPr>
-        </p:nvSpPr>
-        <p:spPr/>
-        <p:txBody>
-          <a:bodyPr/>
-          <a:lstStyle/>
-          <a:p>
-            <a:r>
-              <a:rPr lang="en-US" dirty="0" err="1"/>
-              <a:t>Aprill</a:t>
-            </a:r>
-            <a:r>
-              <a:rPr lang="en-US" dirty="0"/>
-              <a:t> 26, 2018</a:t>
-            </a:r>
-          </a:p>
-        </p:txBody>
-      </p:sp>
-      <p:sp>
-        <p:nvSpPr>
-          <p:cNvPr id="4" name="Footer Placeholder 3">
-            <a:extLst>
-              <a:ext uri="{FF2B5EF4-FFF2-40B4-BE49-F238E27FC236}">
-                <a16:creationId xmlns:a16="http://schemas.microsoft.com/office/drawing/2014/main" id="{F778F496-B983-7440-AE28-05D9A7EC6156}"/>
-              </a:ext>
-            </a:extLst>
-          </p:cNvPr>
-          <p:cNvSpPr>
-            <a:spLocks noGrp="1"/>
-          </p:cNvSpPr>
-          <p:nvPr>
-            <p:ph type="ftr" sz="quarter" idx="11"/>
-          </p:nvPr>
-        </p:nvSpPr>
-        <p:spPr/>
-        <p:txBody>
-          <a:bodyPr/>
-          <a:lstStyle/>
-          <a:p>
-            <a:r>
-              <a:rPr lang="en-US"/>
-              <a:t>Classifying High-Resolution Brain Scans</a:t>
-            </a:r>
-            <a:endParaRPr lang="en-US" dirty="0"/>
-          </a:p>
-        </p:txBody>
-      </p:sp>
-      <p:sp>
-        <p:nvSpPr>
-          <p:cNvPr id="5" name="Slide Number Placeholder 4">
-            <a:extLst>
-              <a:ext uri="{FF2B5EF4-FFF2-40B4-BE49-F238E27FC236}">
-                <a16:creationId xmlns:a16="http://schemas.microsoft.com/office/drawing/2014/main" id="{7352E32E-D968-0A4C-876C-5B38829E1E5B}"/>
-              </a:ext>
-            </a:extLst>
-          </p:cNvPr>
-          <p:cNvSpPr>
-            <a:spLocks noGrp="1"/>
-          </p:cNvSpPr>
-          <p:nvPr>
-            <p:ph type="sldNum" sz="quarter" idx="12"/>
-          </p:nvPr>
-        </p:nvSpPr>
-        <p:spPr/>
-        <p:txBody>
-          <a:bodyPr/>
-          <a:lstStyle/>
-          <a:p>
-            <a:fld id="{A85782A5-310D-064D-97B2-7CD9DCF5F4D7}" type="slidenum">
-              <a:rPr lang="en-US" smtClean="0"/>
-              <a:pPr/>
-              <a:t>2</a:t>
-            </a:fld>
-            <a:endParaRPr lang="en-US" dirty="0"/>
-          </a:p>
-        </p:txBody>
-      </p:sp>
-    </p:spTree>
-    <p:extLst>
-      <p:ext uri="{BB962C8B-B14F-4D97-AF65-F5344CB8AC3E}">
-        <p14:creationId xmlns:p14="http://schemas.microsoft.com/office/powerpoint/2010/main" val="226064011"/>
-      </p:ext>
-    </p:extLst>
-  </p:cSld>
-  <p:clrMapOvr>
-    <a:masterClrMapping/>
-  </p:clrMapOvr>
-</p:sld>
-</file>
-
-<file path=ppt/slides/slide3.xml><?xml version="1.0" encoding="utf-8"?>
-<p:sld xmlns:a="http://schemas.openxmlformats.org/drawingml/2006/main" xmlns:r="http://schemas.openxmlformats.org/officeDocument/2006/relationships" xmlns:p="http://schemas.openxmlformats.org/presentationml/2006/main">
-  <p:cSld>
-    <p:spTree>
-      <p:nvGrpSpPr>
-        <p:cNvPr id="1" name=""/>
-        <p:cNvGrpSpPr/>
-        <p:nvPr/>
-      </p:nvGrpSpPr>
-      <p:grpSpPr>
-        <a:xfrm>
-          <a:off x="0" y="0"/>
-          <a:ext cx="0" cy="0"/>
-          <a:chOff x="0" y="0"/>
-          <a:chExt cx="0" cy="0"/>
-        </a:xfrm>
-      </p:grpSpPr>
-      <p:sp>
-        <p:nvSpPr>
-          <p:cNvPr id="2" name="Title 1">
-            <a:extLst>
-              <a:ext uri="{FF2B5EF4-FFF2-40B4-BE49-F238E27FC236}">
-                <a16:creationId xmlns:a16="http://schemas.microsoft.com/office/drawing/2014/main" id="{D0C554F5-C858-E449-829E-EFA19176E896}"/>
-              </a:ext>
-            </a:extLst>
-          </p:cNvPr>
-          <p:cNvSpPr>
-            <a:spLocks noGrp="1"/>
-          </p:cNvSpPr>
-          <p:nvPr>
-            <p:ph type="title"/>
-          </p:nvPr>
-        </p:nvSpPr>
-        <p:spPr/>
-        <p:txBody>
-          <a:bodyPr>
-            <a:normAutofit fontScale="90000"/>
-          </a:bodyPr>
-          <a:lstStyle/>
-          <a:p>
-            <a:r>
-              <a:rPr lang="en-US" dirty="0"/>
-              <a:t>Visualizing the Data</a:t>
-            </a:r>
-          </a:p>
-        </p:txBody>
-      </p:sp>
-      <p:sp>
-        <p:nvSpPr>
-          <p:cNvPr id="3" name="Date Placeholder 2">
-            <a:extLst>
-              <a:ext uri="{FF2B5EF4-FFF2-40B4-BE49-F238E27FC236}">
-                <a16:creationId xmlns:a16="http://schemas.microsoft.com/office/drawing/2014/main" id="{FBC508B6-F739-8448-A686-A6E6AE95EBEE}"/>
-              </a:ext>
-            </a:extLst>
-          </p:cNvPr>
-          <p:cNvSpPr>
-            <a:spLocks noGrp="1"/>
-          </p:cNvSpPr>
-          <p:nvPr>
-            <p:ph type="dt" sz="half" idx="10"/>
-          </p:nvPr>
-        </p:nvSpPr>
-        <p:spPr/>
-        <p:txBody>
-          <a:bodyPr/>
-          <a:lstStyle/>
-          <a:p>
-            <a:fld id="{582F525F-F280-904A-8B95-120BA1BA5DAA}" type="datetime4">
-              <a:rPr lang="en-US" smtClean="0"/>
-              <a:t>April 23, 2018</a:t>
-            </a:fld>
-            <a:endParaRPr lang="en-US" dirty="0"/>
-          </a:p>
-        </p:txBody>
-      </p:sp>
-      <p:sp>
-        <p:nvSpPr>
-          <p:cNvPr id="4" name="Footer Placeholder 3">
-            <a:extLst>
-              <a:ext uri="{FF2B5EF4-FFF2-40B4-BE49-F238E27FC236}">
-                <a16:creationId xmlns:a16="http://schemas.microsoft.com/office/drawing/2014/main" id="{79EB2E83-37CA-0A4B-BCD1-17685E594C4C}"/>
-              </a:ext>
-            </a:extLst>
-          </p:cNvPr>
-          <p:cNvSpPr>
-            <a:spLocks noGrp="1"/>
-          </p:cNvSpPr>
-          <p:nvPr>
-            <p:ph type="ftr" sz="quarter" idx="11"/>
-          </p:nvPr>
-        </p:nvSpPr>
-        <p:spPr/>
-        <p:txBody>
-          <a:bodyPr/>
-          <a:lstStyle/>
-          <a:p>
-            <a:r>
-              <a:rPr lang="en-US"/>
-              <a:t>Classifying High-Resolution Brain Scans</a:t>
-            </a:r>
-            <a:endParaRPr lang="en-US" dirty="0"/>
-          </a:p>
-        </p:txBody>
-      </p:sp>
-      <p:sp>
-        <p:nvSpPr>
-          <p:cNvPr id="5" name="Slide Number Placeholder 4">
-            <a:extLst>
-              <a:ext uri="{FF2B5EF4-FFF2-40B4-BE49-F238E27FC236}">
-                <a16:creationId xmlns:a16="http://schemas.microsoft.com/office/drawing/2014/main" id="{2250E5A4-4D28-F44A-8CF9-4F7AFEC6F3E2}"/>
-              </a:ext>
-            </a:extLst>
-          </p:cNvPr>
-          <p:cNvSpPr>
-            <a:spLocks noGrp="1"/>
-          </p:cNvSpPr>
-          <p:nvPr>
-            <p:ph type="sldNum" sz="quarter" idx="12"/>
-          </p:nvPr>
-        </p:nvSpPr>
-        <p:spPr/>
-        <p:txBody>
-          <a:bodyPr/>
-          <a:lstStyle/>
-          <a:p>
-            <a:fld id="{A85782A5-310D-064D-97B2-7CD9DCF5F4D7}" type="slidenum">
-              <a:rPr lang="en-US" smtClean="0"/>
-              <a:pPr/>
-              <a:t>3</a:t>
-            </a:fld>
-            <a:endParaRPr lang="en-US" dirty="0"/>
-          </a:p>
-        </p:txBody>
-      </p:sp>
-      <p:pic>
-        <p:nvPicPr>
-          <p:cNvPr id="8" name="Picture 7">
-            <a:extLst>
-              <a:ext uri="{FF2B5EF4-FFF2-40B4-BE49-F238E27FC236}">
-                <a16:creationId xmlns:a16="http://schemas.microsoft.com/office/drawing/2014/main" id="{694E281B-C1B4-4E41-8F11-2C844E9AE648}"/>
-              </a:ext>
-            </a:extLst>
-          </p:cNvPr>
-          <p:cNvPicPr>
-            <a:picLocks noChangeAspect="1"/>
-          </p:cNvPicPr>
-          <p:nvPr/>
-        </p:nvPicPr>
-        <p:blipFill>
-          <a:blip r:embed="rId3"/>
-          <a:stretch>
-            <a:fillRect/>
-          </a:stretch>
-        </p:blipFill>
-        <p:spPr>
-          <a:xfrm>
-            <a:off x="5928692" y="1149513"/>
-            <a:ext cx="2840796" cy="5070922"/>
-          </a:xfrm>
-          <a:prstGeom prst="rect">
-            <a:avLst/>
-          </a:prstGeom>
-        </p:spPr>
-      </p:pic>
-      <p:pic>
-        <p:nvPicPr>
-          <p:cNvPr id="10" name="Picture 9">
-            <a:extLst>
-              <a:ext uri="{FF2B5EF4-FFF2-40B4-BE49-F238E27FC236}">
-                <a16:creationId xmlns:a16="http://schemas.microsoft.com/office/drawing/2014/main" id="{FF03F554-5CC5-FB40-9836-983070665687}"/>
-              </a:ext>
-            </a:extLst>
-          </p:cNvPr>
-          <p:cNvPicPr>
-            <a:picLocks noChangeAspect="1"/>
-          </p:cNvPicPr>
-          <p:nvPr/>
-        </p:nvPicPr>
-        <p:blipFill>
-          <a:blip r:embed="rId4"/>
-          <a:stretch>
-            <a:fillRect/>
-          </a:stretch>
-        </p:blipFill>
-        <p:spPr>
-          <a:xfrm>
-            <a:off x="1453807" y="1149513"/>
-            <a:ext cx="2840795" cy="5070922"/>
-          </a:xfrm>
-          <a:prstGeom prst="rect">
-            <a:avLst/>
-          </a:prstGeom>
-        </p:spPr>
-      </p:pic>
-      <p:sp>
-        <p:nvSpPr>
-          <p:cNvPr id="12" name="TextBox 11">
-            <a:extLst>
-              <a:ext uri="{FF2B5EF4-FFF2-40B4-BE49-F238E27FC236}">
-                <a16:creationId xmlns:a16="http://schemas.microsoft.com/office/drawing/2014/main" id="{354777FB-4979-AA4E-87C8-CDC6D3A72829}"/>
-              </a:ext>
-            </a:extLst>
-          </p:cNvPr>
-          <p:cNvSpPr txBox="1"/>
-          <p:nvPr/>
-        </p:nvSpPr>
-        <p:spPr>
-          <a:xfrm>
-            <a:off x="4547948" y="1149513"/>
-            <a:ext cx="1380744" cy="646331"/>
-          </a:xfrm>
-          <a:prstGeom prst="rect">
-            <a:avLst/>
-          </a:prstGeom>
-          <a:noFill/>
-        </p:spPr>
-        <p:txBody>
-          <a:bodyPr wrap="square" rtlCol="0">
-            <a:spAutoFit/>
-          </a:bodyPr>
-          <a:lstStyle/>
-          <a:p>
-            <a:r>
-              <a:rPr lang="en-US" b="1" dirty="0"/>
-              <a:t>Background on </a:t>
-            </a:r>
-            <a:r>
-              <a:rPr lang="en-US" b="1" dirty="0" err="1"/>
-              <a:t>xy</a:t>
-            </a:r>
-            <a:r>
-              <a:rPr lang="en-US" b="1" dirty="0"/>
-              <a:t> plane</a:t>
-            </a:r>
-          </a:p>
-        </p:txBody>
-      </p:sp>
-      <p:sp>
-        <p:nvSpPr>
-          <p:cNvPr id="14" name="TextBox 13">
-            <a:extLst>
-              <a:ext uri="{FF2B5EF4-FFF2-40B4-BE49-F238E27FC236}">
-                <a16:creationId xmlns:a16="http://schemas.microsoft.com/office/drawing/2014/main" id="{E4D3BDFB-A4A0-F540-BE0C-AEC3538ADBEB}"/>
-              </a:ext>
-            </a:extLst>
-          </p:cNvPr>
-          <p:cNvSpPr txBox="1"/>
-          <p:nvPr/>
-        </p:nvSpPr>
-        <p:spPr>
-          <a:xfrm>
-            <a:off x="128017" y="1140480"/>
-            <a:ext cx="1365444" cy="4308872"/>
-          </a:xfrm>
-          <a:prstGeom prst="rect">
-            <a:avLst/>
-          </a:prstGeom>
-          <a:noFill/>
-        </p:spPr>
-        <p:txBody>
-          <a:bodyPr wrap="square" rtlCol="0">
-            <a:spAutoFit/>
-          </a:bodyPr>
-          <a:lstStyle/>
-          <a:p>
-            <a:r>
-              <a:rPr lang="en-US" b="1" dirty="0"/>
-              <a:t>Foreground on </a:t>
-            </a:r>
-            <a:r>
-              <a:rPr lang="en-US" b="1" dirty="0" err="1"/>
-              <a:t>xy</a:t>
-            </a:r>
-            <a:r>
-              <a:rPr lang="en-US" b="1" dirty="0"/>
-              <a:t> plane</a:t>
-            </a:r>
-          </a:p>
-          <a:p>
-            <a:endParaRPr lang="en-US" sz="1400" b="1" dirty="0"/>
-          </a:p>
-          <a:p>
-            <a:endParaRPr lang="en-US" sz="1400" b="1" dirty="0"/>
-          </a:p>
-          <a:p>
-            <a:r>
-              <a:rPr lang="en-US" sz="1400" b="1" dirty="0"/>
-              <a:t>1st image column </a:t>
-            </a:r>
-          </a:p>
-          <a:p>
-            <a:r>
-              <a:rPr lang="en-US" sz="1400" b="1" dirty="0"/>
-              <a:t>= raw</a:t>
-            </a:r>
-          </a:p>
-          <a:p>
-            <a:endParaRPr lang="en-US" sz="1400" b="1" dirty="0"/>
-          </a:p>
-          <a:p>
-            <a:r>
-              <a:rPr lang="en-US" sz="1400" b="1" dirty="0"/>
-              <a:t>2nd image column </a:t>
-            </a:r>
-          </a:p>
-          <a:p>
-            <a:r>
-              <a:rPr lang="en-US" sz="1400" b="1" dirty="0"/>
-              <a:t>= 2D FFT</a:t>
-            </a:r>
-          </a:p>
-          <a:p>
-            <a:endParaRPr lang="en-US" sz="1400" b="1" dirty="0"/>
-          </a:p>
-          <a:p>
-            <a:r>
-              <a:rPr lang="en-US" sz="1400" b="1" dirty="0"/>
-              <a:t>3rd image column = histogram</a:t>
-            </a:r>
-          </a:p>
-          <a:p>
-            <a:endParaRPr lang="en-US" sz="1400" b="1" dirty="0"/>
-          </a:p>
-          <a:p>
-            <a:r>
-              <a:rPr lang="en-US" sz="1400" b="1" dirty="0"/>
-              <a:t>4th image column</a:t>
-            </a:r>
-          </a:p>
-          <a:p>
-            <a:r>
-              <a:rPr lang="en-US" sz="1400" b="1" dirty="0"/>
-              <a:t>= statistics</a:t>
-            </a:r>
-            <a:endParaRPr lang="en-US" b="1" dirty="0"/>
-          </a:p>
-        </p:txBody>
-      </p:sp>
-    </p:spTree>
-    <p:extLst>
-      <p:ext uri="{BB962C8B-B14F-4D97-AF65-F5344CB8AC3E}">
-        <p14:creationId xmlns:p14="http://schemas.microsoft.com/office/powerpoint/2010/main" val="3152021894"/>
-      </p:ext>
-    </p:extLst>
-  </p:cSld>
-  <p:clrMapOvr>
-    <a:masterClrMapping/>
-  </p:clrMapOvr>
-</p:sld>
-</file>
-
-<file path=ppt/slides/slide4.xml><?xml version="1.0" encoding="utf-8"?>
-<p:sld xmlns:a="http://schemas.openxmlformats.org/drawingml/2006/main" xmlns:r="http://schemas.openxmlformats.org/officeDocument/2006/relationships" xmlns:p="http://schemas.openxmlformats.org/presentationml/2006/main">
-  <p:cSld>
-    <p:spTree>
-      <p:nvGrpSpPr>
-        <p:cNvPr id="1" name=""/>
-        <p:cNvGrpSpPr/>
-        <p:nvPr/>
-      </p:nvGrpSpPr>
-      <p:grpSpPr>
-        <a:xfrm>
-          <a:off x="0" y="0"/>
-          <a:ext cx="0" cy="0"/>
-          <a:chOff x="0" y="0"/>
-          <a:chExt cx="0" cy="0"/>
-        </a:xfrm>
-      </p:grpSpPr>
-      <p:sp>
-        <p:nvSpPr>
-          <p:cNvPr id="2" name="Title 1">
-            <a:extLst>
-              <a:ext uri="{FF2B5EF4-FFF2-40B4-BE49-F238E27FC236}">
-                <a16:creationId xmlns:a16="http://schemas.microsoft.com/office/drawing/2014/main" id="{D0C554F5-C858-E449-829E-EFA19176E896}"/>
-              </a:ext>
-            </a:extLst>
-          </p:cNvPr>
-          <p:cNvSpPr>
-            <a:spLocks noGrp="1"/>
-          </p:cNvSpPr>
-          <p:nvPr>
-            <p:ph type="title"/>
-          </p:nvPr>
-        </p:nvSpPr>
-        <p:spPr/>
-        <p:txBody>
-          <a:bodyPr>
-            <a:normAutofit fontScale="90000"/>
-          </a:bodyPr>
-          <a:lstStyle/>
-          <a:p>
-            <a:r>
-              <a:rPr lang="en-US" dirty="0"/>
-              <a:t>Visualizing the Data</a:t>
-            </a:r>
-          </a:p>
-        </p:txBody>
-      </p:sp>
-      <p:sp>
-        <p:nvSpPr>
-          <p:cNvPr id="3" name="Date Placeholder 2">
-            <a:extLst>
-              <a:ext uri="{FF2B5EF4-FFF2-40B4-BE49-F238E27FC236}">
-                <a16:creationId xmlns:a16="http://schemas.microsoft.com/office/drawing/2014/main" id="{FBC508B6-F739-8448-A686-A6E6AE95EBEE}"/>
-              </a:ext>
-            </a:extLst>
-          </p:cNvPr>
-          <p:cNvSpPr>
-            <a:spLocks noGrp="1"/>
-          </p:cNvSpPr>
-          <p:nvPr>
-            <p:ph type="dt" sz="half" idx="10"/>
-          </p:nvPr>
-        </p:nvSpPr>
-        <p:spPr/>
-        <p:txBody>
-          <a:bodyPr/>
-          <a:lstStyle/>
-          <a:p>
-            <a:fld id="{582F525F-F280-904A-8B95-120BA1BA5DAA}" type="datetime4">
-              <a:rPr lang="en-US" smtClean="0"/>
-              <a:t>April 23, 2018</a:t>
-            </a:fld>
-            <a:endParaRPr lang="en-US" dirty="0"/>
-          </a:p>
-        </p:txBody>
-      </p:sp>
-      <p:sp>
-        <p:nvSpPr>
-          <p:cNvPr id="4" name="Footer Placeholder 3">
-            <a:extLst>
-              <a:ext uri="{FF2B5EF4-FFF2-40B4-BE49-F238E27FC236}">
-                <a16:creationId xmlns:a16="http://schemas.microsoft.com/office/drawing/2014/main" id="{79EB2E83-37CA-0A4B-BCD1-17685E594C4C}"/>
-              </a:ext>
-            </a:extLst>
-          </p:cNvPr>
-          <p:cNvSpPr>
-            <a:spLocks noGrp="1"/>
-          </p:cNvSpPr>
-          <p:nvPr>
-            <p:ph type="ftr" sz="quarter" idx="11"/>
-          </p:nvPr>
-        </p:nvSpPr>
-        <p:spPr/>
-        <p:txBody>
-          <a:bodyPr/>
-          <a:lstStyle/>
-          <a:p>
-            <a:r>
-              <a:rPr lang="en-US"/>
-              <a:t>Classifying High-Resolution Brain Scans</a:t>
-            </a:r>
-            <a:endParaRPr lang="en-US" dirty="0"/>
-          </a:p>
-        </p:txBody>
-      </p:sp>
-      <p:sp>
-        <p:nvSpPr>
-          <p:cNvPr id="5" name="Slide Number Placeholder 4">
-            <a:extLst>
-              <a:ext uri="{FF2B5EF4-FFF2-40B4-BE49-F238E27FC236}">
-                <a16:creationId xmlns:a16="http://schemas.microsoft.com/office/drawing/2014/main" id="{2250E5A4-4D28-F44A-8CF9-4F7AFEC6F3E2}"/>
-              </a:ext>
-            </a:extLst>
-          </p:cNvPr>
-          <p:cNvSpPr>
-            <a:spLocks noGrp="1"/>
-          </p:cNvSpPr>
-          <p:nvPr>
-            <p:ph type="sldNum" sz="quarter" idx="12"/>
-          </p:nvPr>
-        </p:nvSpPr>
-        <p:spPr/>
-        <p:txBody>
-          <a:bodyPr/>
-          <a:lstStyle/>
-          <a:p>
-            <a:fld id="{A85782A5-310D-064D-97B2-7CD9DCF5F4D7}" type="slidenum">
-              <a:rPr lang="en-US" smtClean="0"/>
-              <a:pPr/>
-              <a:t>4</a:t>
-            </a:fld>
-            <a:endParaRPr lang="en-US" dirty="0"/>
-          </a:p>
-        </p:txBody>
-      </p:sp>
-      <p:pic>
-        <p:nvPicPr>
-          <p:cNvPr id="7" name="Picture 6">
-            <a:extLst>
-              <a:ext uri="{FF2B5EF4-FFF2-40B4-BE49-F238E27FC236}">
-                <a16:creationId xmlns:a16="http://schemas.microsoft.com/office/drawing/2014/main" id="{D3BC2BD0-5F2C-4C48-AAAF-234FA41EFD3C}"/>
-              </a:ext>
-            </a:extLst>
-          </p:cNvPr>
-          <p:cNvPicPr>
-            <a:picLocks noChangeAspect="1"/>
-          </p:cNvPicPr>
-          <p:nvPr/>
-        </p:nvPicPr>
-        <p:blipFill>
-          <a:blip r:embed="rId3"/>
-          <a:stretch>
-            <a:fillRect/>
-          </a:stretch>
-        </p:blipFill>
-        <p:spPr>
-          <a:xfrm>
-            <a:off x="590308" y="1341578"/>
-            <a:ext cx="7911457" cy="3911157"/>
-          </a:xfrm>
-          <a:prstGeom prst="rect">
-            <a:avLst/>
-          </a:prstGeom>
-        </p:spPr>
-      </p:pic>
-    </p:spTree>
-    <p:extLst>
-      <p:ext uri="{BB962C8B-B14F-4D97-AF65-F5344CB8AC3E}">
-        <p14:creationId xmlns:p14="http://schemas.microsoft.com/office/powerpoint/2010/main" val="2345382414"/>
-      </p:ext>
-    </p:extLst>
-  </p:cSld>
-  <p:clrMapOvr>
-    <a:masterClrMapping/>
-  </p:clrMapOvr>
-</p:sld>
-</file>
-
-<file path=ppt/slides/slide5.xml><?xml version="1.0" encoding="utf-8"?>
-<p:sld xmlns:a="http://schemas.openxmlformats.org/drawingml/2006/main" xmlns:r="http://schemas.openxmlformats.org/officeDocument/2006/relationships" xmlns:p="http://schemas.openxmlformats.org/presentationml/2006/main">
-  <p:cSld>
-    <p:spTree>
-      <p:nvGrpSpPr>
-        <p:cNvPr id="1" name=""/>
-        <p:cNvGrpSpPr/>
-        <p:nvPr/>
-      </p:nvGrpSpPr>
-      <p:grpSpPr>
-        <a:xfrm>
-          <a:off x="0" y="0"/>
-          <a:ext cx="0" cy="0"/>
-          <a:chOff x="0" y="0"/>
-          <a:chExt cx="0" cy="0"/>
-        </a:xfrm>
-      </p:grpSpPr>
-      <p:sp>
-        <p:nvSpPr>
-          <p:cNvPr id="2" name="Title 1"/>
-          <p:cNvSpPr>
-            <a:spLocks noGrp="1"/>
-          </p:cNvSpPr>
-          <p:nvPr>
-            <p:ph type="title"/>
-          </p:nvPr>
-        </p:nvSpPr>
-        <p:spPr/>
-        <p:txBody>
-          <a:bodyPr>
-            <a:normAutofit fontScale="90000"/>
-          </a:bodyPr>
-          <a:lstStyle/>
-          <a:p>
-            <a:r>
-              <a:rPr lang="en-US" dirty="0"/>
-              <a:t>Why Random Forest?</a:t>
-            </a:r>
-          </a:p>
-        </p:txBody>
-      </p:sp>
-      <p:sp>
-        <p:nvSpPr>
-          <p:cNvPr id="3" name="Content Placeholder 2"/>
-          <p:cNvSpPr>
-            <a:spLocks noGrp="1"/>
-          </p:cNvSpPr>
-          <p:nvPr>
-            <p:ph idx="1"/>
-          </p:nvPr>
-        </p:nvSpPr>
-        <p:spPr>
-          <a:xfrm>
-            <a:off x="457199" y="1325880"/>
-            <a:ext cx="8229601" cy="4800283"/>
-          </a:xfrm>
-        </p:spPr>
-        <p:txBody>
-          <a:bodyPr>
-            <a:normAutofit/>
-          </a:bodyPr>
-          <a:lstStyle/>
-          <a:p>
-            <a:pPr marL="0" indent="0">
-              <a:buNone/>
-            </a:pPr>
-            <a:r>
-              <a:rPr lang="en-US" sz="2400" dirty="0"/>
-              <a:t>Classification Comparison Test:</a:t>
-            </a:r>
-          </a:p>
-          <a:p>
-            <a:pPr marL="0" indent="0">
-              <a:buNone/>
-            </a:pPr>
-            <a:endParaRPr lang="en-US" sz="2400" dirty="0"/>
-          </a:p>
-          <a:p>
-            <a:pPr marL="0" indent="0">
-              <a:buNone/>
-            </a:pPr>
-            <a:endParaRPr lang="en-US" sz="2400" dirty="0"/>
-          </a:p>
-          <a:p>
-            <a:pPr marL="0" indent="0">
-              <a:buNone/>
-            </a:pPr>
-            <a:endParaRPr lang="en-US" sz="2400" dirty="0"/>
-          </a:p>
-          <a:p>
-            <a:pPr marL="0" indent="0">
-              <a:buNone/>
-            </a:pPr>
-            <a:endParaRPr lang="en-US" sz="2400" dirty="0"/>
-          </a:p>
-          <a:p>
-            <a:pPr marL="0" indent="0">
-              <a:buNone/>
-            </a:pPr>
-            <a:endParaRPr lang="en-US" sz="2400" dirty="0"/>
-          </a:p>
-          <a:p>
-            <a:pPr marL="0" indent="0">
-              <a:buNone/>
-            </a:pPr>
-            <a:r>
-              <a:rPr lang="en-US" sz="2400" dirty="0"/>
-              <a:t>Feature Vector of Preprocess Data:</a:t>
-            </a:r>
-          </a:p>
-          <a:p>
-            <a:pPr marL="0" indent="0">
-              <a:buNone/>
-            </a:pPr>
-            <a:endParaRPr lang="en-US" sz="2400" dirty="0"/>
-          </a:p>
-        </p:txBody>
-      </p:sp>
-      <p:sp>
-        <p:nvSpPr>
-          <p:cNvPr id="4" name="Date Placeholder 3"/>
-          <p:cNvSpPr>
-            <a:spLocks noGrp="1"/>
-          </p:cNvSpPr>
-          <p:nvPr>
-            <p:ph type="dt" sz="half" idx="10"/>
-          </p:nvPr>
-        </p:nvSpPr>
-        <p:spPr/>
-        <p:txBody>
-          <a:bodyPr/>
-          <a:lstStyle/>
-          <a:p>
-            <a:r>
-              <a:rPr lang="en-US" dirty="0"/>
-              <a:t>April 24, 2018</a:t>
-            </a:r>
-          </a:p>
-        </p:txBody>
-      </p:sp>
-      <p:sp>
-        <p:nvSpPr>
-          <p:cNvPr id="5" name="Footer Placeholder 4"/>
-          <p:cNvSpPr>
-            <a:spLocks noGrp="1"/>
-          </p:cNvSpPr>
-          <p:nvPr>
-            <p:ph type="ftr" sz="quarter" idx="11"/>
-          </p:nvPr>
-        </p:nvSpPr>
-        <p:spPr/>
-        <p:txBody>
-          <a:bodyPr/>
-          <a:lstStyle/>
-          <a:p>
-            <a:r>
-              <a:rPr lang="en-US" dirty="0"/>
-              <a:t>Classifying High-Resolution Brain Scans</a:t>
-            </a:r>
-          </a:p>
-        </p:txBody>
-      </p:sp>
-      <p:sp>
-        <p:nvSpPr>
-          <p:cNvPr id="6" name="Slide Number Placeholder 5"/>
-          <p:cNvSpPr>
-            <a:spLocks noGrp="1"/>
-          </p:cNvSpPr>
-          <p:nvPr>
-            <p:ph type="sldNum" sz="quarter" idx="12"/>
-          </p:nvPr>
-        </p:nvSpPr>
-        <p:spPr/>
-        <p:txBody>
-          <a:bodyPr/>
-          <a:lstStyle/>
-          <a:p>
-            <a:fld id="{A85782A5-310D-064D-97B2-7CD9DCF5F4D7}" type="slidenum">
-              <a:rPr lang="en-US" smtClean="0"/>
-              <a:t>5</a:t>
-            </a:fld>
-            <a:endParaRPr lang="en-US"/>
-          </a:p>
-        </p:txBody>
-      </p:sp>
-      <p:pic>
-        <p:nvPicPr>
-          <p:cNvPr id="9" name="Picture 8">
-            <a:extLst>
-              <a:ext uri="{FF2B5EF4-FFF2-40B4-BE49-F238E27FC236}">
-                <a16:creationId xmlns:a16="http://schemas.microsoft.com/office/drawing/2014/main" id="{C2BA4831-02CB-1340-9274-9C5C14FED17A}"/>
-              </a:ext>
-            </a:extLst>
-          </p:cNvPr>
-          <p:cNvPicPr>
-            <a:picLocks noChangeAspect="1"/>
-          </p:cNvPicPr>
-          <p:nvPr/>
-        </p:nvPicPr>
-        <p:blipFill>
-          <a:blip r:embed="rId3"/>
-          <a:stretch>
-            <a:fillRect/>
-          </a:stretch>
-        </p:blipFill>
-        <p:spPr>
-          <a:xfrm>
-            <a:off x="228599" y="2086051"/>
-            <a:ext cx="8686801" cy="1570012"/>
-          </a:xfrm>
-          <a:prstGeom prst="rect">
-            <a:avLst/>
-          </a:prstGeom>
-        </p:spPr>
-      </p:pic>
-      <p:pic>
-        <p:nvPicPr>
-          <p:cNvPr id="12" name="Picture 11">
-            <a:extLst>
-              <a:ext uri="{FF2B5EF4-FFF2-40B4-BE49-F238E27FC236}">
-                <a16:creationId xmlns:a16="http://schemas.microsoft.com/office/drawing/2014/main" id="{F28D4739-872E-1441-9359-63D5EC346AB9}"/>
-              </a:ext>
-            </a:extLst>
-          </p:cNvPr>
-          <p:cNvPicPr>
-            <a:picLocks noChangeAspect="1"/>
-          </p:cNvPicPr>
-          <p:nvPr/>
-        </p:nvPicPr>
-        <p:blipFill>
-          <a:blip r:embed="rId4"/>
-          <a:stretch>
-            <a:fillRect/>
-          </a:stretch>
-        </p:blipFill>
-        <p:spPr>
-          <a:xfrm>
-            <a:off x="1887612" y="4467729"/>
-            <a:ext cx="5707172" cy="1410641"/>
-          </a:xfrm>
-          <a:prstGeom prst="rect">
-            <a:avLst/>
-          </a:prstGeom>
-        </p:spPr>
-      </p:pic>
-    </p:spTree>
-    <p:extLst>
-      <p:ext uri="{BB962C8B-B14F-4D97-AF65-F5344CB8AC3E}">
-        <p14:creationId xmlns:p14="http://schemas.microsoft.com/office/powerpoint/2010/main" val="1456638104"/>
-      </p:ext>
-    </p:extLst>
-  </p:cSld>
-  <p:clrMapOvr>
-    <a:masterClrMapping/>
-  </p:clrMapOvr>
-</p:sld>
-</file>
-
-<file path=ppt/slides/slide6.xml><?xml version="1.0" encoding="utf-8"?>
-<p:sld xmlns:a="http://schemas.openxmlformats.org/drawingml/2006/main" xmlns:r="http://schemas.openxmlformats.org/officeDocument/2006/relationships" xmlns:p="http://schemas.openxmlformats.org/presentationml/2006/main">
-  <p:cSld>
-    <p:spTree>
-      <p:nvGrpSpPr>
-        <p:cNvPr id="1" name=""/>
-        <p:cNvGrpSpPr/>
-        <p:nvPr/>
-      </p:nvGrpSpPr>
-      <p:grpSpPr>
-        <a:xfrm>
-          <a:off x="0" y="0"/>
-          <a:ext cx="0" cy="0"/>
-          <a:chOff x="0" y="0"/>
-          <a:chExt cx="0" cy="0"/>
-        </a:xfrm>
-      </p:grpSpPr>
-      <p:sp>
-        <p:nvSpPr>
-          <p:cNvPr id="2" name="Title 1">
-            <a:extLst>
-              <a:ext uri="{FF2B5EF4-FFF2-40B4-BE49-F238E27FC236}">
-                <a16:creationId xmlns:a16="http://schemas.microsoft.com/office/drawing/2014/main" id="{B71D9872-CE0B-7C4F-AE1F-471D79FB2122}"/>
-              </a:ext>
-            </a:extLst>
-          </p:cNvPr>
-          <p:cNvSpPr>
-            <a:spLocks noGrp="1"/>
-          </p:cNvSpPr>
-          <p:nvPr>
-            <p:ph type="title"/>
-          </p:nvPr>
-        </p:nvSpPr>
-        <p:spPr>
-          <a:xfrm>
-            <a:off x="634792" y="2313432"/>
-            <a:ext cx="8229600" cy="1344167"/>
-          </a:xfrm>
-        </p:spPr>
-        <p:txBody>
-          <a:bodyPr>
-            <a:normAutofit/>
-          </a:bodyPr>
-          <a:lstStyle/>
-          <a:p>
-            <a:r>
-              <a:rPr lang="en-US" dirty="0"/>
-              <a:t>Model &amp; Results</a:t>
-            </a:r>
-          </a:p>
-        </p:txBody>
-      </p:sp>
-      <p:sp>
-        <p:nvSpPr>
-          <p:cNvPr id="3" name="Date Placeholder 2">
-            <a:extLst>
-              <a:ext uri="{FF2B5EF4-FFF2-40B4-BE49-F238E27FC236}">
-                <a16:creationId xmlns:a16="http://schemas.microsoft.com/office/drawing/2014/main" id="{CD148C30-E7AE-384B-8149-C970B06234A7}"/>
-              </a:ext>
-            </a:extLst>
-          </p:cNvPr>
-          <p:cNvSpPr>
-            <a:spLocks noGrp="1"/>
-          </p:cNvSpPr>
-          <p:nvPr>
-            <p:ph type="dt" sz="half" idx="10"/>
-          </p:nvPr>
-        </p:nvSpPr>
-        <p:spPr/>
-        <p:txBody>
-          <a:bodyPr/>
-          <a:lstStyle/>
-          <a:p>
-            <a:fld id="{582F525F-F280-904A-8B95-120BA1BA5DAA}" type="datetime4">
-              <a:rPr lang="en-US" smtClean="0"/>
-              <a:t>April 23, 2018</a:t>
-            </a:fld>
-            <a:endParaRPr lang="en-US" dirty="0"/>
-          </a:p>
-        </p:txBody>
-      </p:sp>
-      <p:sp>
-        <p:nvSpPr>
-          <p:cNvPr id="4" name="Footer Placeholder 3">
-            <a:extLst>
-              <a:ext uri="{FF2B5EF4-FFF2-40B4-BE49-F238E27FC236}">
-                <a16:creationId xmlns:a16="http://schemas.microsoft.com/office/drawing/2014/main" id="{F778F496-B983-7440-AE28-05D9A7EC6156}"/>
-              </a:ext>
-            </a:extLst>
-          </p:cNvPr>
-          <p:cNvSpPr>
-            <a:spLocks noGrp="1"/>
-          </p:cNvSpPr>
-          <p:nvPr>
-            <p:ph type="ftr" sz="quarter" idx="11"/>
-          </p:nvPr>
-        </p:nvSpPr>
-        <p:spPr/>
-        <p:txBody>
-          <a:bodyPr/>
-          <a:lstStyle/>
-          <a:p>
-            <a:r>
-              <a:rPr lang="en-US"/>
-              <a:t>Classifying High-Resolution Brain Scans</a:t>
-            </a:r>
-            <a:endParaRPr lang="en-US" dirty="0"/>
-          </a:p>
-        </p:txBody>
-      </p:sp>
-      <p:sp>
-        <p:nvSpPr>
-          <p:cNvPr id="5" name="Slide Number Placeholder 4">
-            <a:extLst>
-              <a:ext uri="{FF2B5EF4-FFF2-40B4-BE49-F238E27FC236}">
-                <a16:creationId xmlns:a16="http://schemas.microsoft.com/office/drawing/2014/main" id="{7352E32E-D968-0A4C-876C-5B38829E1E5B}"/>
-              </a:ext>
-            </a:extLst>
-          </p:cNvPr>
-          <p:cNvSpPr>
-            <a:spLocks noGrp="1"/>
-          </p:cNvSpPr>
-          <p:nvPr>
-            <p:ph type="sldNum" sz="quarter" idx="12"/>
-          </p:nvPr>
-        </p:nvSpPr>
-        <p:spPr/>
-        <p:txBody>
-          <a:bodyPr/>
-          <a:lstStyle/>
-          <a:p>
-            <a:fld id="{A85782A5-310D-064D-97B2-7CD9DCF5F4D7}" type="slidenum">
-              <a:rPr lang="en-US" smtClean="0"/>
-              <a:pPr/>
-              <a:t>6</a:t>
-            </a:fld>
-            <a:endParaRPr lang="en-US" dirty="0"/>
-          </a:p>
-        </p:txBody>
-      </p:sp>
-    </p:spTree>
-    <p:extLst>
-      <p:ext uri="{BB962C8B-B14F-4D97-AF65-F5344CB8AC3E}">
-        <p14:creationId xmlns:p14="http://schemas.microsoft.com/office/powerpoint/2010/main" val="1884191572"/>
-      </p:ext>
-    </p:extLst>
-  </p:cSld>
-  <p:clrMapOvr>
-    <a:masterClrMapping/>
-  </p:clrMapOvr>
-</p:sld>
-</file>
-
-<file path=ppt/slides/slide7.xml><?xml version="1.0" encoding="utf-8"?>
-<p:sld xmlns:a="http://schemas.openxmlformats.org/drawingml/2006/main" xmlns:r="http://schemas.openxmlformats.org/officeDocument/2006/relationships" xmlns:p="http://schemas.openxmlformats.org/presentationml/2006/main">
-  <p:cSld>
-    <p:spTree>
-      <p:nvGrpSpPr>
-        <p:cNvPr id="1" name=""/>
-        <p:cNvGrpSpPr/>
-        <p:nvPr/>
-      </p:nvGrpSpPr>
-      <p:grpSpPr>
-        <a:xfrm>
-          <a:off x="0" y="0"/>
-          <a:ext cx="0" cy="0"/>
-          <a:chOff x="0" y="0"/>
-          <a:chExt cx="0" cy="0"/>
-        </a:xfrm>
-      </p:grpSpPr>
-      <p:sp>
-        <p:nvSpPr>
-          <p:cNvPr id="2" name="Title 1"/>
-          <p:cNvSpPr>
-            <a:spLocks noGrp="1"/>
-          </p:cNvSpPr>
-          <p:nvPr>
-            <p:ph type="title"/>
-          </p:nvPr>
-        </p:nvSpPr>
-        <p:spPr/>
-        <p:txBody>
-          <a:bodyPr>
-            <a:normAutofit fontScale="90000"/>
-          </a:bodyPr>
-          <a:lstStyle/>
-          <a:p>
-            <a:r>
-              <a:rPr lang="en-US" dirty="0"/>
-              <a:t>Parameter Tuning</a:t>
-            </a:r>
-          </a:p>
-        </p:txBody>
-      </p:sp>
-      <p:sp>
-        <p:nvSpPr>
-          <p:cNvPr id="3" name="Content Placeholder 2"/>
-          <p:cNvSpPr>
-            <a:spLocks noGrp="1"/>
-          </p:cNvSpPr>
-          <p:nvPr>
-            <p:ph idx="1"/>
-          </p:nvPr>
-        </p:nvSpPr>
-        <p:spPr/>
-        <p:txBody>
-          <a:bodyPr>
-            <a:normAutofit fontScale="92500"/>
-          </a:bodyPr>
-          <a:lstStyle/>
-          <a:p>
-            <a:r>
-              <a:rPr lang="en-US" b="1" dirty="0" err="1"/>
-              <a:t>ParamGridBuilder</a:t>
-            </a:r>
-            <a:r>
-              <a:rPr lang="en-US" b="1" dirty="0"/>
-              <a:t>() </a:t>
-            </a:r>
-            <a:r>
-              <a:rPr lang="en-US" dirty="0"/>
-              <a:t>– constructs a grid of parameters to search over</a:t>
-            </a:r>
-          </a:p>
-          <a:p>
-            <a:r>
-              <a:rPr lang="en-US" b="1" dirty="0" err="1"/>
-              <a:t>numTrees</a:t>
-            </a:r>
-            <a:r>
-              <a:rPr lang="en-US" b="1" dirty="0"/>
-              <a:t> </a:t>
-            </a:r>
-            <a:r>
-              <a:rPr lang="en-US" dirty="0"/>
-              <a:t>– increasing lead to better accuracy and less compute time</a:t>
-            </a:r>
-          </a:p>
-          <a:p>
-            <a:r>
-              <a:rPr lang="en-US" b="1" dirty="0" err="1"/>
-              <a:t>maxDepth</a:t>
-            </a:r>
-            <a:r>
-              <a:rPr lang="en-US" dirty="0"/>
-              <a:t> - higher values lead to overfitting and increased run time of the model</a:t>
-            </a:r>
-            <a:endParaRPr lang="en-US" b="1" dirty="0"/>
-          </a:p>
-          <a:p>
-            <a:r>
-              <a:rPr lang="en-US" b="1" dirty="0" err="1"/>
-              <a:t>maxBins</a:t>
-            </a:r>
-            <a:r>
-              <a:rPr lang="en-US" dirty="0"/>
-              <a:t> - maximum number of bins used for splitting features</a:t>
-            </a:r>
-            <a:endParaRPr lang="en-US" b="1" dirty="0"/>
-          </a:p>
-          <a:p>
-            <a:r>
-              <a:rPr lang="en-US" b="1" dirty="0"/>
-              <a:t>impurity</a:t>
-            </a:r>
-            <a:r>
-              <a:rPr lang="en-US" dirty="0"/>
-              <a:t> – criterion (</a:t>
-            </a:r>
-            <a:r>
-              <a:rPr lang="en-US" dirty="0" err="1"/>
-              <a:t>gini</a:t>
-            </a:r>
-            <a:r>
-              <a:rPr lang="en-US" dirty="0"/>
-              <a:t>)</a:t>
-            </a:r>
-          </a:p>
-        </p:txBody>
-      </p:sp>
-      <p:sp>
-        <p:nvSpPr>
-          <p:cNvPr id="4" name="Date Placeholder 3"/>
-          <p:cNvSpPr>
-            <a:spLocks noGrp="1"/>
-          </p:cNvSpPr>
-          <p:nvPr>
-            <p:ph type="dt" sz="half" idx="10"/>
-          </p:nvPr>
-        </p:nvSpPr>
-        <p:spPr/>
-        <p:txBody>
-          <a:bodyPr/>
-          <a:lstStyle/>
-          <a:p>
-            <a:r>
-              <a:rPr lang="en-US" dirty="0"/>
-              <a:t>April 24, 2018</a:t>
-            </a:r>
-          </a:p>
-        </p:txBody>
-      </p:sp>
-      <p:sp>
-        <p:nvSpPr>
-          <p:cNvPr id="5" name="Footer Placeholder 4"/>
-          <p:cNvSpPr>
-            <a:spLocks noGrp="1"/>
-          </p:cNvSpPr>
-          <p:nvPr>
-            <p:ph type="ftr" sz="quarter" idx="11"/>
-          </p:nvPr>
-        </p:nvSpPr>
-        <p:spPr/>
-        <p:txBody>
-          <a:bodyPr/>
-          <a:lstStyle/>
-          <a:p>
-            <a:r>
-              <a:rPr lang="en-US" dirty="0"/>
-              <a:t>Classifying High-Resolution Brain Scans</a:t>
-            </a:r>
-          </a:p>
-        </p:txBody>
-      </p:sp>
-      <p:sp>
-        <p:nvSpPr>
-          <p:cNvPr id="6" name="Slide Number Placeholder 5"/>
-          <p:cNvSpPr>
-            <a:spLocks noGrp="1"/>
-          </p:cNvSpPr>
-          <p:nvPr>
-            <p:ph type="sldNum" sz="quarter" idx="12"/>
-          </p:nvPr>
-        </p:nvSpPr>
-        <p:spPr/>
-        <p:txBody>
-          <a:bodyPr/>
-          <a:lstStyle/>
-          <a:p>
-            <a:fld id="{A85782A5-310D-064D-97B2-7CD9DCF5F4D7}" type="slidenum">
-              <a:rPr lang="en-US" smtClean="0"/>
-              <a:t>7</a:t>
-            </a:fld>
-            <a:endParaRPr lang="en-US"/>
-          </a:p>
-        </p:txBody>
-      </p:sp>
-    </p:spTree>
-    <p:extLst>
-      <p:ext uri="{BB962C8B-B14F-4D97-AF65-F5344CB8AC3E}">
-        <p14:creationId xmlns:p14="http://schemas.microsoft.com/office/powerpoint/2010/main" val="4063819120"/>
-      </p:ext>
-    </p:extLst>
-  </p:cSld>
-  <p:clrMapOvr>
-    <a:masterClrMapping/>
-  </p:clrMapOvr>
-</p:sld>
-</file>
-
-<file path=ppt/slides/slide8.xml><?xml version="1.0" encoding="utf-8"?>
-<p:sld xmlns:a="http://schemas.openxmlformats.org/drawingml/2006/main" xmlns:r="http://schemas.openxmlformats.org/officeDocument/2006/relationships" xmlns:p="http://schemas.openxmlformats.org/presentationml/2006/main">
-  <p:cSld>
-    <p:spTree>
-      <p:nvGrpSpPr>
-        <p:cNvPr id="1" name=""/>
-        <p:cNvGrpSpPr/>
-        <p:nvPr/>
-      </p:nvGrpSpPr>
-      <p:grpSpPr>
-        <a:xfrm>
-          <a:off x="0" y="0"/>
-          <a:ext cx="0" cy="0"/>
-          <a:chOff x="0" y="0"/>
-          <a:chExt cx="0" cy="0"/>
-        </a:xfrm>
-      </p:grpSpPr>
-      <p:sp>
-        <p:nvSpPr>
-          <p:cNvPr id="2" name="Title 1"/>
-          <p:cNvSpPr>
-            <a:spLocks noGrp="1"/>
-          </p:cNvSpPr>
-          <p:nvPr>
-            <p:ph type="title"/>
-          </p:nvPr>
-        </p:nvSpPr>
-        <p:spPr/>
-        <p:txBody>
-          <a:bodyPr>
-            <a:normAutofit fontScale="90000"/>
-          </a:bodyPr>
-          <a:lstStyle/>
-          <a:p>
-            <a:r>
-              <a:rPr lang="en-US" dirty="0"/>
-              <a:t>Splitting the Dataset</a:t>
-            </a:r>
-          </a:p>
-        </p:txBody>
-      </p:sp>
-      <p:sp>
-        <p:nvSpPr>
-          <p:cNvPr id="3" name="Content Placeholder 2"/>
-          <p:cNvSpPr>
-            <a:spLocks noGrp="1"/>
-          </p:cNvSpPr>
-          <p:nvPr>
-            <p:ph idx="1"/>
-          </p:nvPr>
-        </p:nvSpPr>
-        <p:spPr/>
-        <p:txBody>
-          <a:bodyPr>
-            <a:normAutofit/>
-          </a:bodyPr>
-          <a:lstStyle/>
-          <a:p>
-            <a:r>
-              <a:rPr lang="en-US" dirty="0"/>
-              <a:t>Cross-Validation: how well a model “generalizes” (ability to accurately predict using previously-unseen data)</a:t>
-            </a:r>
-          </a:p>
-          <a:p>
-            <a:r>
-              <a:rPr lang="en-US" dirty="0"/>
-              <a:t>Training data RDD (80%)</a:t>
-            </a:r>
-          </a:p>
-          <a:p>
-            <a:r>
-              <a:rPr lang="en-US" dirty="0"/>
-              <a:t>Validation data RDD (20%)</a:t>
-            </a:r>
-          </a:p>
-        </p:txBody>
-      </p:sp>
-      <p:sp>
-        <p:nvSpPr>
-          <p:cNvPr id="4" name="Date Placeholder 3"/>
-          <p:cNvSpPr>
-            <a:spLocks noGrp="1"/>
-          </p:cNvSpPr>
-          <p:nvPr>
-            <p:ph type="dt" sz="half" idx="10"/>
-          </p:nvPr>
-        </p:nvSpPr>
-        <p:spPr/>
-        <p:txBody>
-          <a:bodyPr/>
-          <a:lstStyle/>
-          <a:p>
-            <a:r>
-              <a:rPr lang="en-US" dirty="0"/>
-              <a:t>April 24, 2018</a:t>
-            </a:r>
-          </a:p>
-        </p:txBody>
-      </p:sp>
-      <p:sp>
-        <p:nvSpPr>
-          <p:cNvPr id="5" name="Footer Placeholder 4"/>
-          <p:cNvSpPr>
-            <a:spLocks noGrp="1"/>
-          </p:cNvSpPr>
-          <p:nvPr>
-            <p:ph type="ftr" sz="quarter" idx="11"/>
-          </p:nvPr>
-        </p:nvSpPr>
-        <p:spPr/>
-        <p:txBody>
-          <a:bodyPr/>
-          <a:lstStyle/>
-          <a:p>
-            <a:r>
-              <a:rPr lang="en-US" dirty="0"/>
-              <a:t>Classifying High-Resolution Brain Scans</a:t>
-            </a:r>
-          </a:p>
-        </p:txBody>
-      </p:sp>
-      <p:sp>
-        <p:nvSpPr>
-          <p:cNvPr id="6" name="Slide Number Placeholder 5"/>
-          <p:cNvSpPr>
-            <a:spLocks noGrp="1"/>
-          </p:cNvSpPr>
-          <p:nvPr>
-            <p:ph type="sldNum" sz="quarter" idx="12"/>
-          </p:nvPr>
-        </p:nvSpPr>
-        <p:spPr/>
-        <p:txBody>
-          <a:bodyPr/>
-          <a:lstStyle/>
-          <a:p>
-            <a:fld id="{A85782A5-310D-064D-97B2-7CD9DCF5F4D7}" type="slidenum">
-              <a:rPr lang="en-US" smtClean="0"/>
-              <a:t>8</a:t>
-            </a:fld>
-            <a:endParaRPr lang="en-US"/>
-          </a:p>
-        </p:txBody>
-      </p:sp>
-    </p:spTree>
-    <p:extLst>
-      <p:ext uri="{BB962C8B-B14F-4D97-AF65-F5344CB8AC3E}">
-        <p14:creationId xmlns:p14="http://schemas.microsoft.com/office/powerpoint/2010/main" val="404897761"/>
-      </p:ext>
-    </p:extLst>
-  </p:cSld>
-  <p:clrMapOvr>
-    <a:masterClrMapping/>
-  </p:clrMapOvr>
-</p:sld>
-</file>
-
-<file path=ppt/slides/slide9.xml><?xml version="1.0" encoding="utf-8"?>
-<p:sld xmlns:a="http://schemas.openxmlformats.org/drawingml/2006/main" xmlns:r="http://schemas.openxmlformats.org/officeDocument/2006/relationships" xmlns:p="http://schemas.openxmlformats.org/presentationml/2006/main">
-  <p:cSld>
-    <p:spTree>
-      <p:nvGrpSpPr>
-        <p:cNvPr id="1" name=""/>
-        <p:cNvGrpSpPr/>
-        <p:nvPr/>
-      </p:nvGrpSpPr>
-      <p:grpSpPr>
-        <a:xfrm>
-          <a:off x="0" y="0"/>
-          <a:ext cx="0" cy="0"/>
-          <a:chOff x="0" y="0"/>
-          <a:chExt cx="0" cy="0"/>
-        </a:xfrm>
-      </p:grpSpPr>
-      <p:sp>
-        <p:nvSpPr>
           <p:cNvPr id="2" name="Title 1">
             <a:extLst>
               <a:ext uri="{FF2B5EF4-FFF2-40B4-BE49-F238E27FC236}">
@@ -6737,7 +4889,7 @@
           <a:p>
             <a:fld id="{A85782A5-310D-064D-97B2-7CD9DCF5F4D7}" type="slidenum">
               <a:rPr lang="en-US" smtClean="0"/>
-              <a:t>9</a:t>
+              <a:t>10</a:t>
             </a:fld>
             <a:endParaRPr lang="en-US"/>
           </a:p>
@@ -8132,6 +6284,2795 @@
     <p:extLst>
       <p:ext uri="{BB962C8B-B14F-4D97-AF65-F5344CB8AC3E}">
         <p14:creationId xmlns:p14="http://schemas.microsoft.com/office/powerpoint/2010/main" val="3653623932"/>
+      </p:ext>
+    </p:extLst>
+  </p:cSld>
+  <p:clrMapOvr>
+    <a:masterClrMapping/>
+  </p:clrMapOvr>
+</p:sld>
+</file>
+
+<file path=ppt/slides/slide11.xml><?xml version="1.0" encoding="utf-8"?>
+<p:sld xmlns:a="http://schemas.openxmlformats.org/drawingml/2006/main" xmlns:r="http://schemas.openxmlformats.org/officeDocument/2006/relationships" xmlns:p="http://schemas.openxmlformats.org/presentationml/2006/main">
+  <p:cSld>
+    <p:spTree>
+      <p:nvGrpSpPr>
+        <p:cNvPr id="1" name=""/>
+        <p:cNvGrpSpPr/>
+        <p:nvPr/>
+      </p:nvGrpSpPr>
+      <p:grpSpPr>
+        <a:xfrm>
+          <a:off x="0" y="0"/>
+          <a:ext cx="0" cy="0"/>
+          <a:chOff x="0" y="0"/>
+          <a:chExt cx="0" cy="0"/>
+        </a:xfrm>
+      </p:grpSpPr>
+      <p:sp>
+        <p:nvSpPr>
+          <p:cNvPr id="2" name="Title 1"/>
+          <p:cNvSpPr>
+            <a:spLocks noGrp="1"/>
+          </p:cNvSpPr>
+          <p:nvPr>
+            <p:ph type="title"/>
+          </p:nvPr>
+        </p:nvSpPr>
+        <p:spPr/>
+        <p:txBody>
+          <a:bodyPr>
+            <a:normAutofit fontScale="90000"/>
+          </a:bodyPr>
+          <a:lstStyle/>
+          <a:p>
+            <a:r>
+              <a:rPr lang="en-US" dirty="0"/>
+              <a:t>Parallel Processing Results</a:t>
+            </a:r>
+          </a:p>
+        </p:txBody>
+      </p:sp>
+      <p:sp>
+        <p:nvSpPr>
+          <p:cNvPr id="4" name="Date Placeholder 3"/>
+          <p:cNvSpPr>
+            <a:spLocks noGrp="1"/>
+          </p:cNvSpPr>
+          <p:nvPr>
+            <p:ph type="dt" sz="half" idx="10"/>
+          </p:nvPr>
+        </p:nvSpPr>
+        <p:spPr/>
+        <p:txBody>
+          <a:bodyPr/>
+          <a:lstStyle/>
+          <a:p>
+            <a:r>
+              <a:rPr lang="en-US" dirty="0"/>
+              <a:t>April 24, 2018</a:t>
+            </a:r>
+          </a:p>
+        </p:txBody>
+      </p:sp>
+      <p:sp>
+        <p:nvSpPr>
+          <p:cNvPr id="5" name="Footer Placeholder 4"/>
+          <p:cNvSpPr>
+            <a:spLocks noGrp="1"/>
+          </p:cNvSpPr>
+          <p:nvPr>
+            <p:ph type="ftr" sz="quarter" idx="11"/>
+          </p:nvPr>
+        </p:nvSpPr>
+        <p:spPr/>
+        <p:txBody>
+          <a:bodyPr/>
+          <a:lstStyle/>
+          <a:p>
+            <a:r>
+              <a:rPr lang="en-US" dirty="0"/>
+              <a:t>Classifying High-Resolution Brain Scans</a:t>
+            </a:r>
+          </a:p>
+        </p:txBody>
+      </p:sp>
+      <p:sp>
+        <p:nvSpPr>
+          <p:cNvPr id="6" name="Slide Number Placeholder 5"/>
+          <p:cNvSpPr>
+            <a:spLocks noGrp="1"/>
+          </p:cNvSpPr>
+          <p:nvPr>
+            <p:ph type="sldNum" sz="quarter" idx="12"/>
+          </p:nvPr>
+        </p:nvSpPr>
+        <p:spPr/>
+        <p:txBody>
+          <a:bodyPr/>
+          <a:lstStyle/>
+          <a:p>
+            <a:fld id="{A85782A5-310D-064D-97B2-7CD9DCF5F4D7}" type="slidenum">
+              <a:rPr lang="en-US" smtClean="0"/>
+              <a:t>11</a:t>
+            </a:fld>
+            <a:endParaRPr lang="en-US"/>
+          </a:p>
+        </p:txBody>
+      </p:sp>
+      <p:sp>
+        <p:nvSpPr>
+          <p:cNvPr id="8" name="TextBox 7">
+            <a:extLst>
+              <a:ext uri="{FF2B5EF4-FFF2-40B4-BE49-F238E27FC236}">
+                <a16:creationId xmlns:a16="http://schemas.microsoft.com/office/drawing/2014/main" id="{3A9FD87F-5F28-8F48-995F-A32FE79C6964}"/>
+              </a:ext>
+            </a:extLst>
+          </p:cNvPr>
+          <p:cNvSpPr txBox="1"/>
+          <p:nvPr/>
+        </p:nvSpPr>
+        <p:spPr>
+          <a:xfrm>
+            <a:off x="0" y="1799772"/>
+            <a:ext cx="1145542" cy="646331"/>
+          </a:xfrm>
+          <a:prstGeom prst="rect">
+            <a:avLst/>
+          </a:prstGeom>
+          <a:noFill/>
+        </p:spPr>
+        <p:txBody>
+          <a:bodyPr wrap="square" rtlCol="0">
+            <a:spAutoFit/>
+          </a:bodyPr>
+          <a:lstStyle/>
+          <a:p>
+            <a:r>
+              <a:rPr lang="en-US" dirty="0"/>
+              <a:t>Varying Depth</a:t>
+            </a:r>
+          </a:p>
+        </p:txBody>
+      </p:sp>
+      <p:sp>
+        <p:nvSpPr>
+          <p:cNvPr id="9" name="TextBox 8">
+            <a:extLst>
+              <a:ext uri="{FF2B5EF4-FFF2-40B4-BE49-F238E27FC236}">
+                <a16:creationId xmlns:a16="http://schemas.microsoft.com/office/drawing/2014/main" id="{1A52EB5D-B011-B440-AB1F-29BB2700B285}"/>
+              </a:ext>
+            </a:extLst>
+          </p:cNvPr>
+          <p:cNvSpPr txBox="1"/>
+          <p:nvPr/>
+        </p:nvSpPr>
+        <p:spPr>
+          <a:xfrm>
+            <a:off x="23722" y="2924078"/>
+            <a:ext cx="1244600" cy="369332"/>
+          </a:xfrm>
+          <a:prstGeom prst="rect">
+            <a:avLst/>
+          </a:prstGeom>
+          <a:noFill/>
+        </p:spPr>
+        <p:txBody>
+          <a:bodyPr wrap="square" rtlCol="0">
+            <a:spAutoFit/>
+          </a:bodyPr>
+          <a:lstStyle/>
+          <a:p>
+            <a:r>
+              <a:rPr lang="en-US" dirty="0"/>
+              <a:t>Bins</a:t>
+            </a:r>
+          </a:p>
+        </p:txBody>
+      </p:sp>
+      <p:sp>
+        <p:nvSpPr>
+          <p:cNvPr id="10" name="TextBox 9">
+            <a:extLst>
+              <a:ext uri="{FF2B5EF4-FFF2-40B4-BE49-F238E27FC236}">
+                <a16:creationId xmlns:a16="http://schemas.microsoft.com/office/drawing/2014/main" id="{57E0A458-0C33-AB4B-B572-F6B804BCE9C6}"/>
+              </a:ext>
+            </a:extLst>
+          </p:cNvPr>
+          <p:cNvSpPr txBox="1"/>
+          <p:nvPr/>
+        </p:nvSpPr>
+        <p:spPr>
+          <a:xfrm>
+            <a:off x="23722" y="3929252"/>
+            <a:ext cx="1244600" cy="369332"/>
+          </a:xfrm>
+          <a:prstGeom prst="rect">
+            <a:avLst/>
+          </a:prstGeom>
+          <a:noFill/>
+        </p:spPr>
+        <p:txBody>
+          <a:bodyPr wrap="square" rtlCol="0">
+            <a:spAutoFit/>
+          </a:bodyPr>
+          <a:lstStyle/>
+          <a:p>
+            <a:r>
+              <a:rPr lang="en-US" dirty="0"/>
+              <a:t>Trees</a:t>
+            </a:r>
+          </a:p>
+        </p:txBody>
+      </p:sp>
+      <p:sp>
+        <p:nvSpPr>
+          <p:cNvPr id="11" name="TextBox 10">
+            <a:extLst>
+              <a:ext uri="{FF2B5EF4-FFF2-40B4-BE49-F238E27FC236}">
+                <a16:creationId xmlns:a16="http://schemas.microsoft.com/office/drawing/2014/main" id="{7746FB92-4770-1247-86C3-D2EDADAF9F72}"/>
+              </a:ext>
+            </a:extLst>
+          </p:cNvPr>
+          <p:cNvSpPr txBox="1"/>
+          <p:nvPr/>
+        </p:nvSpPr>
+        <p:spPr>
+          <a:xfrm>
+            <a:off x="1120900" y="5332370"/>
+            <a:ext cx="3724609" cy="646331"/>
+          </a:xfrm>
+          <a:prstGeom prst="rect">
+            <a:avLst/>
+          </a:prstGeom>
+          <a:noFill/>
+        </p:spPr>
+        <p:txBody>
+          <a:bodyPr wrap="square" rtlCol="0">
+            <a:spAutoFit/>
+          </a:bodyPr>
+          <a:lstStyle/>
+          <a:p>
+            <a:r>
+              <a:rPr lang="en-US" dirty="0"/>
+              <a:t>*Increasing trees past 50 did not increase accuracy significantly</a:t>
+            </a:r>
+          </a:p>
+        </p:txBody>
+      </p:sp>
+      <p:pic>
+        <p:nvPicPr>
+          <p:cNvPr id="13" name="Picture 12">
+            <a:extLst>
+              <a:ext uri="{FF2B5EF4-FFF2-40B4-BE49-F238E27FC236}">
+                <a16:creationId xmlns:a16="http://schemas.microsoft.com/office/drawing/2014/main" id="{EE7EEDF9-2E8F-0544-B52E-4C11F368FFD9}"/>
+              </a:ext>
+            </a:extLst>
+          </p:cNvPr>
+          <p:cNvPicPr>
+            <a:picLocks noChangeAspect="1"/>
+          </p:cNvPicPr>
+          <p:nvPr/>
+        </p:nvPicPr>
+        <p:blipFill>
+          <a:blip r:embed="rId3"/>
+          <a:stretch>
+            <a:fillRect/>
+          </a:stretch>
+        </p:blipFill>
+        <p:spPr>
+          <a:xfrm>
+            <a:off x="812385" y="1356309"/>
+            <a:ext cx="3776758" cy="3915779"/>
+          </a:xfrm>
+          <a:prstGeom prst="rect">
+            <a:avLst/>
+          </a:prstGeom>
+        </p:spPr>
+      </p:pic>
+      <p:pic>
+        <p:nvPicPr>
+          <p:cNvPr id="17" name="Picture 16">
+            <a:extLst>
+              <a:ext uri="{FF2B5EF4-FFF2-40B4-BE49-F238E27FC236}">
+                <a16:creationId xmlns:a16="http://schemas.microsoft.com/office/drawing/2014/main" id="{9CD96D8A-9E38-F948-8D33-18BD7CCF38EA}"/>
+              </a:ext>
+            </a:extLst>
+          </p:cNvPr>
+          <p:cNvPicPr>
+            <a:picLocks noChangeAspect="1"/>
+          </p:cNvPicPr>
+          <p:nvPr/>
+        </p:nvPicPr>
+        <p:blipFill>
+          <a:blip r:embed="rId4"/>
+          <a:stretch>
+            <a:fillRect/>
+          </a:stretch>
+        </p:blipFill>
+        <p:spPr>
+          <a:xfrm>
+            <a:off x="5391436" y="1356309"/>
+            <a:ext cx="3733354" cy="1089794"/>
+          </a:xfrm>
+          <a:prstGeom prst="rect">
+            <a:avLst/>
+          </a:prstGeom>
+        </p:spPr>
+      </p:pic>
+      <p:sp>
+        <p:nvSpPr>
+          <p:cNvPr id="21" name="Right Arrow 20">
+            <a:extLst>
+              <a:ext uri="{FF2B5EF4-FFF2-40B4-BE49-F238E27FC236}">
+                <a16:creationId xmlns:a16="http://schemas.microsoft.com/office/drawing/2014/main" id="{555A877B-4B5B-A945-AA5B-ACD195435069}"/>
+              </a:ext>
+            </a:extLst>
+          </p:cNvPr>
+          <p:cNvSpPr/>
+          <p:nvPr/>
+        </p:nvSpPr>
+        <p:spPr>
+          <a:xfrm>
+            <a:off x="143872" y="4708540"/>
+            <a:ext cx="668513" cy="589447"/>
+          </a:xfrm>
+          <a:prstGeom prst="rightArrow">
+            <a:avLst/>
+          </a:prstGeom>
+          <a:solidFill>
+            <a:srgbClr val="FFDA03"/>
+          </a:solidFill>
+          <a:ln>
+            <a:noFill/>
+          </a:ln>
+          <a:effectLst>
+            <a:outerShdw blurRad="40000" dist="23000" dir="5400000" rotWithShape="0">
+              <a:srgbClr val="000000">
+                <a:alpha val="0"/>
+              </a:srgbClr>
+            </a:outerShdw>
+          </a:effectLst>
+        </p:spPr>
+        <p:style>
+          <a:lnRef idx="1">
+            <a:schemeClr val="accent1"/>
+          </a:lnRef>
+          <a:fillRef idx="3">
+            <a:schemeClr val="accent1"/>
+          </a:fillRef>
+          <a:effectRef idx="2">
+            <a:schemeClr val="accent1"/>
+          </a:effectRef>
+          <a:fontRef idx="minor">
+            <a:schemeClr val="lt1"/>
+          </a:fontRef>
+        </p:style>
+        <p:txBody>
+          <a:bodyPr rtlCol="0" anchor="ctr"/>
+          <a:lstStyle/>
+          <a:p>
+            <a:pPr algn="ctr"/>
+            <a:endParaRPr lang="en-US"/>
+          </a:p>
+        </p:txBody>
+      </p:sp>
+      <p:pic>
+        <p:nvPicPr>
+          <p:cNvPr id="15" name="Picture 14">
+            <a:extLst>
+              <a:ext uri="{FF2B5EF4-FFF2-40B4-BE49-F238E27FC236}">
+                <a16:creationId xmlns:a16="http://schemas.microsoft.com/office/drawing/2014/main" id="{3F2843F9-DF95-854B-8582-3D82FB14EA42}"/>
+              </a:ext>
+            </a:extLst>
+          </p:cNvPr>
+          <p:cNvPicPr>
+            <a:picLocks noChangeAspect="1"/>
+          </p:cNvPicPr>
+          <p:nvPr/>
+        </p:nvPicPr>
+        <p:blipFill>
+          <a:blip r:embed="rId5"/>
+          <a:stretch>
+            <a:fillRect/>
+          </a:stretch>
+        </p:blipFill>
+        <p:spPr>
+          <a:xfrm>
+            <a:off x="4749592" y="2446103"/>
+            <a:ext cx="4630808" cy="3722610"/>
+          </a:xfrm>
+          <a:prstGeom prst="rect">
+            <a:avLst/>
+          </a:prstGeom>
+        </p:spPr>
+      </p:pic>
+      <p:sp>
+        <p:nvSpPr>
+          <p:cNvPr id="3" name="TextBox 2">
+            <a:extLst>
+              <a:ext uri="{FF2B5EF4-FFF2-40B4-BE49-F238E27FC236}">
+                <a16:creationId xmlns:a16="http://schemas.microsoft.com/office/drawing/2014/main" id="{EAE701A8-5544-2B4B-822D-02D25BCDB34D}"/>
+              </a:ext>
+            </a:extLst>
+          </p:cNvPr>
+          <p:cNvSpPr txBox="1"/>
+          <p:nvPr/>
+        </p:nvSpPr>
+        <p:spPr>
+          <a:xfrm>
+            <a:off x="5377806" y="1101965"/>
+            <a:ext cx="2594941" cy="369332"/>
+          </a:xfrm>
+          <a:prstGeom prst="rect">
+            <a:avLst/>
+          </a:prstGeom>
+          <a:noFill/>
+        </p:spPr>
+        <p:txBody>
+          <a:bodyPr wrap="none" rtlCol="0">
+            <a:spAutoFit/>
+          </a:bodyPr>
+          <a:lstStyle/>
+          <a:p>
+            <a:r>
+              <a:rPr lang="en-US" b="1" dirty="0"/>
+              <a:t>Scaling of Training Phase:</a:t>
+            </a:r>
+          </a:p>
+        </p:txBody>
+      </p:sp>
+      <p:sp>
+        <p:nvSpPr>
+          <p:cNvPr id="16" name="TextBox 15">
+            <a:extLst>
+              <a:ext uri="{FF2B5EF4-FFF2-40B4-BE49-F238E27FC236}">
+                <a16:creationId xmlns:a16="http://schemas.microsoft.com/office/drawing/2014/main" id="{B831255B-8494-C241-B47D-17F26C9F5E94}"/>
+              </a:ext>
+            </a:extLst>
+          </p:cNvPr>
+          <p:cNvSpPr txBox="1"/>
+          <p:nvPr/>
+        </p:nvSpPr>
+        <p:spPr>
+          <a:xfrm>
+            <a:off x="824537" y="1098030"/>
+            <a:ext cx="2280624" cy="369332"/>
+          </a:xfrm>
+          <a:prstGeom prst="rect">
+            <a:avLst/>
+          </a:prstGeom>
+          <a:noFill/>
+        </p:spPr>
+        <p:txBody>
+          <a:bodyPr wrap="none" rtlCol="0">
+            <a:spAutoFit/>
+          </a:bodyPr>
+          <a:lstStyle/>
+          <a:p>
+            <a:r>
+              <a:rPr lang="en-US" b="1" dirty="0"/>
+              <a:t>Exploring Parameters:</a:t>
+            </a:r>
+          </a:p>
+        </p:txBody>
+      </p:sp>
+    </p:spTree>
+    <p:extLst>
+      <p:ext uri="{BB962C8B-B14F-4D97-AF65-F5344CB8AC3E}">
+        <p14:creationId xmlns:p14="http://schemas.microsoft.com/office/powerpoint/2010/main" val="4066051979"/>
+      </p:ext>
+    </p:extLst>
+  </p:cSld>
+  <p:clrMapOvr>
+    <a:masterClrMapping/>
+  </p:clrMapOvr>
+</p:sld>
+</file>
+
+<file path=ppt/slides/slide12.xml><?xml version="1.0" encoding="utf-8"?>
+<p:sld xmlns:a="http://schemas.openxmlformats.org/drawingml/2006/main" xmlns:r="http://schemas.openxmlformats.org/officeDocument/2006/relationships" xmlns:p="http://schemas.openxmlformats.org/presentationml/2006/main">
+  <p:cSld>
+    <p:spTree>
+      <p:nvGrpSpPr>
+        <p:cNvPr id="1" name=""/>
+        <p:cNvGrpSpPr/>
+        <p:nvPr/>
+      </p:nvGrpSpPr>
+      <p:grpSpPr>
+        <a:xfrm>
+          <a:off x="0" y="0"/>
+          <a:ext cx="0" cy="0"/>
+          <a:chOff x="0" y="0"/>
+          <a:chExt cx="0" cy="0"/>
+        </a:xfrm>
+      </p:grpSpPr>
+      <p:sp>
+        <p:nvSpPr>
+          <p:cNvPr id="2" name="Title 1"/>
+          <p:cNvSpPr>
+            <a:spLocks noGrp="1"/>
+          </p:cNvSpPr>
+          <p:nvPr>
+            <p:ph type="title"/>
+          </p:nvPr>
+        </p:nvSpPr>
+        <p:spPr/>
+        <p:txBody>
+          <a:bodyPr>
+            <a:normAutofit fontScale="90000"/>
+          </a:bodyPr>
+          <a:lstStyle/>
+          <a:p>
+            <a:r>
+              <a:rPr lang="en-US" dirty="0"/>
+              <a:t>Single Machine Results</a:t>
+            </a:r>
+          </a:p>
+        </p:txBody>
+      </p:sp>
+      <p:sp>
+        <p:nvSpPr>
+          <p:cNvPr id="4" name="Date Placeholder 3"/>
+          <p:cNvSpPr>
+            <a:spLocks noGrp="1"/>
+          </p:cNvSpPr>
+          <p:nvPr>
+            <p:ph type="dt" sz="half" idx="10"/>
+          </p:nvPr>
+        </p:nvSpPr>
+        <p:spPr/>
+        <p:txBody>
+          <a:bodyPr/>
+          <a:lstStyle/>
+          <a:p>
+            <a:r>
+              <a:rPr lang="en-US" dirty="0"/>
+              <a:t>April 24, 2018</a:t>
+            </a:r>
+          </a:p>
+        </p:txBody>
+      </p:sp>
+      <p:sp>
+        <p:nvSpPr>
+          <p:cNvPr id="5" name="Footer Placeholder 4"/>
+          <p:cNvSpPr>
+            <a:spLocks noGrp="1"/>
+          </p:cNvSpPr>
+          <p:nvPr>
+            <p:ph type="ftr" sz="quarter" idx="11"/>
+          </p:nvPr>
+        </p:nvSpPr>
+        <p:spPr/>
+        <p:txBody>
+          <a:bodyPr/>
+          <a:lstStyle/>
+          <a:p>
+            <a:r>
+              <a:rPr lang="en-US" dirty="0"/>
+              <a:t>Classifying High-Resolution Brain Scans</a:t>
+            </a:r>
+          </a:p>
+        </p:txBody>
+      </p:sp>
+      <p:sp>
+        <p:nvSpPr>
+          <p:cNvPr id="6" name="Slide Number Placeholder 5"/>
+          <p:cNvSpPr>
+            <a:spLocks noGrp="1"/>
+          </p:cNvSpPr>
+          <p:nvPr>
+            <p:ph type="sldNum" sz="quarter" idx="12"/>
+          </p:nvPr>
+        </p:nvSpPr>
+        <p:spPr/>
+        <p:txBody>
+          <a:bodyPr/>
+          <a:lstStyle/>
+          <a:p>
+            <a:fld id="{A85782A5-310D-064D-97B2-7CD9DCF5F4D7}" type="slidenum">
+              <a:rPr lang="en-US" smtClean="0"/>
+              <a:t>12</a:t>
+            </a:fld>
+            <a:endParaRPr lang="en-US"/>
+          </a:p>
+        </p:txBody>
+      </p:sp>
+    </p:spTree>
+    <p:extLst>
+      <p:ext uri="{BB962C8B-B14F-4D97-AF65-F5344CB8AC3E}">
+        <p14:creationId xmlns:p14="http://schemas.microsoft.com/office/powerpoint/2010/main" val="1500565145"/>
+      </p:ext>
+    </p:extLst>
+  </p:cSld>
+  <p:clrMapOvr>
+    <a:masterClrMapping/>
+  </p:clrMapOvr>
+</p:sld>
+</file>
+
+<file path=ppt/slides/slide13.xml><?xml version="1.0" encoding="utf-8"?>
+<p:sld xmlns:a="http://schemas.openxmlformats.org/drawingml/2006/main" xmlns:r="http://schemas.openxmlformats.org/officeDocument/2006/relationships" xmlns:p="http://schemas.openxmlformats.org/presentationml/2006/main">
+  <p:cSld>
+    <p:spTree>
+      <p:nvGrpSpPr>
+        <p:cNvPr id="1" name=""/>
+        <p:cNvGrpSpPr/>
+        <p:nvPr/>
+      </p:nvGrpSpPr>
+      <p:grpSpPr>
+        <a:xfrm>
+          <a:off x="0" y="0"/>
+          <a:ext cx="0" cy="0"/>
+          <a:chOff x="0" y="0"/>
+          <a:chExt cx="0" cy="0"/>
+        </a:xfrm>
+      </p:grpSpPr>
+      <p:sp>
+        <p:nvSpPr>
+          <p:cNvPr id="2" name="Title 1">
+            <a:extLst>
+              <a:ext uri="{FF2B5EF4-FFF2-40B4-BE49-F238E27FC236}">
+                <a16:creationId xmlns:a16="http://schemas.microsoft.com/office/drawing/2014/main" id="{75017719-AC84-EC48-8634-0D585D1D6469}"/>
+              </a:ext>
+            </a:extLst>
+          </p:cNvPr>
+          <p:cNvSpPr>
+            <a:spLocks noGrp="1"/>
+          </p:cNvSpPr>
+          <p:nvPr>
+            <p:ph type="title"/>
+          </p:nvPr>
+        </p:nvSpPr>
+        <p:spPr/>
+        <p:txBody>
+          <a:bodyPr>
+            <a:normAutofit fontScale="90000"/>
+          </a:bodyPr>
+          <a:lstStyle/>
+          <a:p>
+            <a:r>
+              <a:rPr lang="en-US" dirty="0"/>
+              <a:t>Conclusion</a:t>
+            </a:r>
+          </a:p>
+        </p:txBody>
+      </p:sp>
+      <p:sp>
+        <p:nvSpPr>
+          <p:cNvPr id="3" name="Content Placeholder 2">
+            <a:extLst>
+              <a:ext uri="{FF2B5EF4-FFF2-40B4-BE49-F238E27FC236}">
+                <a16:creationId xmlns:a16="http://schemas.microsoft.com/office/drawing/2014/main" id="{69054E7C-2BCC-C442-BFD4-78BA3E0B6A16}"/>
+              </a:ext>
+            </a:extLst>
+          </p:cNvPr>
+          <p:cNvSpPr>
+            <a:spLocks noGrp="1"/>
+          </p:cNvSpPr>
+          <p:nvPr>
+            <p:ph idx="1"/>
+          </p:nvPr>
+        </p:nvSpPr>
+        <p:spPr/>
+        <p:txBody>
+          <a:bodyPr/>
+          <a:lstStyle/>
+          <a:p>
+            <a:r>
+              <a:rPr lang="en-US" dirty="0"/>
+              <a:t>99.57% - Spark</a:t>
+            </a:r>
+          </a:p>
+          <a:p>
+            <a:endParaRPr lang="en-US" dirty="0"/>
+          </a:p>
+        </p:txBody>
+      </p:sp>
+      <p:sp>
+        <p:nvSpPr>
+          <p:cNvPr id="4" name="Date Placeholder 3">
+            <a:extLst>
+              <a:ext uri="{FF2B5EF4-FFF2-40B4-BE49-F238E27FC236}">
+                <a16:creationId xmlns:a16="http://schemas.microsoft.com/office/drawing/2014/main" id="{1FFA86AD-7603-E34C-BF3E-F7DB8B2D8E43}"/>
+              </a:ext>
+            </a:extLst>
+          </p:cNvPr>
+          <p:cNvSpPr>
+            <a:spLocks noGrp="1"/>
+          </p:cNvSpPr>
+          <p:nvPr>
+            <p:ph type="dt" sz="half" idx="10"/>
+          </p:nvPr>
+        </p:nvSpPr>
+        <p:spPr/>
+        <p:txBody>
+          <a:bodyPr/>
+          <a:lstStyle/>
+          <a:p>
+            <a:r>
+              <a:rPr lang="en-US"/>
+              <a:t>April 26</a:t>
+            </a:r>
+          </a:p>
+          <a:p>
+            <a:r>
+              <a:rPr lang="en-US"/>
+              <a:t>, 2018</a:t>
+            </a:r>
+            <a:endParaRPr lang="en-US" dirty="0"/>
+          </a:p>
+        </p:txBody>
+      </p:sp>
+      <p:sp>
+        <p:nvSpPr>
+          <p:cNvPr id="5" name="Footer Placeholder 4">
+            <a:extLst>
+              <a:ext uri="{FF2B5EF4-FFF2-40B4-BE49-F238E27FC236}">
+                <a16:creationId xmlns:a16="http://schemas.microsoft.com/office/drawing/2014/main" id="{DCE103E8-3126-CC4D-871F-ECE83166BC19}"/>
+              </a:ext>
+            </a:extLst>
+          </p:cNvPr>
+          <p:cNvSpPr>
+            <a:spLocks noGrp="1"/>
+          </p:cNvSpPr>
+          <p:nvPr>
+            <p:ph type="ftr" sz="quarter" idx="11"/>
+          </p:nvPr>
+        </p:nvSpPr>
+        <p:spPr/>
+        <p:txBody>
+          <a:bodyPr/>
+          <a:lstStyle/>
+          <a:p>
+            <a:r>
+              <a:rPr lang="en-US"/>
+              <a:t>Classifying High-Resolution Brain Scans</a:t>
+            </a:r>
+            <a:endParaRPr lang="en-US" dirty="0"/>
+          </a:p>
+        </p:txBody>
+      </p:sp>
+      <p:sp>
+        <p:nvSpPr>
+          <p:cNvPr id="6" name="Slide Number Placeholder 5">
+            <a:extLst>
+              <a:ext uri="{FF2B5EF4-FFF2-40B4-BE49-F238E27FC236}">
+                <a16:creationId xmlns:a16="http://schemas.microsoft.com/office/drawing/2014/main" id="{5592808E-2182-C545-A0D1-306E3886A578}"/>
+              </a:ext>
+            </a:extLst>
+          </p:cNvPr>
+          <p:cNvSpPr>
+            <a:spLocks noGrp="1"/>
+          </p:cNvSpPr>
+          <p:nvPr>
+            <p:ph type="sldNum" sz="quarter" idx="12"/>
+          </p:nvPr>
+        </p:nvSpPr>
+        <p:spPr/>
+        <p:txBody>
+          <a:bodyPr/>
+          <a:lstStyle/>
+          <a:p>
+            <a:fld id="{A85782A5-310D-064D-97B2-7CD9DCF5F4D7}" type="slidenum">
+              <a:rPr lang="en-US" smtClean="0"/>
+              <a:t>13</a:t>
+            </a:fld>
+            <a:endParaRPr lang="en-US"/>
+          </a:p>
+        </p:txBody>
+      </p:sp>
+    </p:spTree>
+    <p:extLst>
+      <p:ext uri="{BB962C8B-B14F-4D97-AF65-F5344CB8AC3E}">
+        <p14:creationId xmlns:p14="http://schemas.microsoft.com/office/powerpoint/2010/main" val="4239048240"/>
+      </p:ext>
+    </p:extLst>
+  </p:cSld>
+  <p:clrMapOvr>
+    <a:masterClrMapping/>
+  </p:clrMapOvr>
+</p:sld>
+</file>
+
+<file path=ppt/slides/slide14.xml><?xml version="1.0" encoding="utf-8"?>
+<p:sld xmlns:a="http://schemas.openxmlformats.org/drawingml/2006/main" xmlns:r="http://schemas.openxmlformats.org/officeDocument/2006/relationships" xmlns:p="http://schemas.openxmlformats.org/presentationml/2006/main">
+  <p:cSld>
+    <p:spTree>
+      <p:nvGrpSpPr>
+        <p:cNvPr id="1" name=""/>
+        <p:cNvGrpSpPr/>
+        <p:nvPr/>
+      </p:nvGrpSpPr>
+      <p:grpSpPr>
+        <a:xfrm>
+          <a:off x="0" y="0"/>
+          <a:ext cx="0" cy="0"/>
+          <a:chOff x="0" y="0"/>
+          <a:chExt cx="0" cy="0"/>
+        </a:xfrm>
+      </p:grpSpPr>
+      <p:sp>
+        <p:nvSpPr>
+          <p:cNvPr id="10" name="Title 9"/>
+          <p:cNvSpPr>
+            <a:spLocks noGrp="1"/>
+          </p:cNvSpPr>
+          <p:nvPr>
+            <p:ph type="title"/>
+          </p:nvPr>
+        </p:nvSpPr>
+        <p:spPr/>
+        <p:txBody>
+          <a:bodyPr>
+            <a:normAutofit fontScale="90000"/>
+          </a:bodyPr>
+          <a:lstStyle/>
+          <a:p>
+            <a:r>
+              <a:rPr lang="en-US" dirty="0"/>
+              <a:t>The End :)</a:t>
+            </a:r>
+          </a:p>
+        </p:txBody>
+      </p:sp>
+      <p:sp>
+        <p:nvSpPr>
+          <p:cNvPr id="11" name="Content Placeholder 10"/>
+          <p:cNvSpPr>
+            <a:spLocks noGrp="1"/>
+          </p:cNvSpPr>
+          <p:nvPr>
+            <p:ph idx="1"/>
+          </p:nvPr>
+        </p:nvSpPr>
+        <p:spPr/>
+        <p:txBody>
+          <a:bodyPr/>
+          <a:lstStyle/>
+          <a:p>
+            <a:pPr marL="0" indent="0" algn="ctr">
+              <a:buNone/>
+            </a:pPr>
+            <a:endParaRPr lang="en-US" b="1" dirty="0"/>
+          </a:p>
+          <a:p>
+            <a:pPr marL="0" indent="0" algn="ctr">
+              <a:buNone/>
+            </a:pPr>
+            <a:endParaRPr lang="en-US" b="1" dirty="0"/>
+          </a:p>
+          <a:p>
+            <a:pPr marL="0" indent="0" algn="ctr">
+              <a:buNone/>
+            </a:pPr>
+            <a:r>
+              <a:rPr lang="en-US" b="1" dirty="0"/>
+              <a:t>Thanks!</a:t>
+            </a:r>
+          </a:p>
+          <a:p>
+            <a:pPr marL="0" indent="0" algn="ctr">
+              <a:buNone/>
+            </a:pPr>
+            <a:endParaRPr lang="en-US" b="1" dirty="0"/>
+          </a:p>
+          <a:p>
+            <a:pPr marL="0" indent="0" algn="ctr">
+              <a:buNone/>
+            </a:pPr>
+            <a:endParaRPr lang="en-US" b="1" dirty="0"/>
+          </a:p>
+          <a:p>
+            <a:pPr marL="0" indent="0" algn="ctr">
+              <a:buNone/>
+            </a:pPr>
+            <a:r>
+              <a:rPr lang="en-US" b="1" dirty="0"/>
+              <a:t>Questions?</a:t>
+            </a:r>
+          </a:p>
+        </p:txBody>
+      </p:sp>
+      <p:sp>
+        <p:nvSpPr>
+          <p:cNvPr id="5" name="Date Placeholder 4"/>
+          <p:cNvSpPr>
+            <a:spLocks noGrp="1"/>
+          </p:cNvSpPr>
+          <p:nvPr>
+            <p:ph type="dt" sz="half" idx="10"/>
+          </p:nvPr>
+        </p:nvSpPr>
+        <p:spPr/>
+        <p:txBody>
+          <a:bodyPr/>
+          <a:lstStyle/>
+          <a:p>
+            <a:r>
+              <a:rPr lang="en-US" dirty="0"/>
+              <a:t>April 24, 2018</a:t>
+            </a:r>
+          </a:p>
+        </p:txBody>
+      </p:sp>
+      <p:sp>
+        <p:nvSpPr>
+          <p:cNvPr id="6" name="Footer Placeholder 5"/>
+          <p:cNvSpPr>
+            <a:spLocks noGrp="1"/>
+          </p:cNvSpPr>
+          <p:nvPr>
+            <p:ph type="ftr" sz="quarter" idx="11"/>
+          </p:nvPr>
+        </p:nvSpPr>
+        <p:spPr/>
+        <p:txBody>
+          <a:bodyPr/>
+          <a:lstStyle/>
+          <a:p>
+            <a:r>
+              <a:rPr lang="en-US" dirty="0"/>
+              <a:t>Classifying High-Resolution Brain Scans</a:t>
+            </a:r>
+          </a:p>
+        </p:txBody>
+      </p:sp>
+      <p:sp>
+        <p:nvSpPr>
+          <p:cNvPr id="7" name="Slide Number Placeholder 6"/>
+          <p:cNvSpPr>
+            <a:spLocks noGrp="1"/>
+          </p:cNvSpPr>
+          <p:nvPr>
+            <p:ph type="sldNum" sz="quarter" idx="12"/>
+          </p:nvPr>
+        </p:nvSpPr>
+        <p:spPr/>
+        <p:txBody>
+          <a:bodyPr/>
+          <a:lstStyle/>
+          <a:p>
+            <a:fld id="{A85782A5-310D-064D-97B2-7CD9DCF5F4D7}" type="slidenum">
+              <a:rPr lang="en-US" smtClean="0"/>
+              <a:t>14</a:t>
+            </a:fld>
+            <a:endParaRPr lang="en-US"/>
+          </a:p>
+        </p:txBody>
+      </p:sp>
+    </p:spTree>
+    <p:extLst>
+      <p:ext uri="{BB962C8B-B14F-4D97-AF65-F5344CB8AC3E}">
+        <p14:creationId xmlns:p14="http://schemas.microsoft.com/office/powerpoint/2010/main" val="3560532499"/>
+      </p:ext>
+    </p:extLst>
+  </p:cSld>
+  <p:clrMapOvr>
+    <a:masterClrMapping/>
+  </p:clrMapOvr>
+</p:sld>
+</file>
+
+<file path=ppt/slides/slide2.xml><?xml version="1.0" encoding="utf-8"?>
+<p:sld xmlns:a="http://schemas.openxmlformats.org/drawingml/2006/main" xmlns:r="http://schemas.openxmlformats.org/officeDocument/2006/relationships" xmlns:p="http://schemas.openxmlformats.org/presentationml/2006/main">
+  <p:cSld>
+    <p:spTree>
+      <p:nvGrpSpPr>
+        <p:cNvPr id="1" name=""/>
+        <p:cNvGrpSpPr/>
+        <p:nvPr/>
+      </p:nvGrpSpPr>
+      <p:grpSpPr>
+        <a:xfrm>
+          <a:off x="0" y="0"/>
+          <a:ext cx="0" cy="0"/>
+          <a:chOff x="0" y="0"/>
+          <a:chExt cx="0" cy="0"/>
+        </a:xfrm>
+      </p:grpSpPr>
+      <p:sp>
+        <p:nvSpPr>
+          <p:cNvPr id="2" name="Title 1">
+            <a:extLst>
+              <a:ext uri="{FF2B5EF4-FFF2-40B4-BE49-F238E27FC236}">
+                <a16:creationId xmlns:a16="http://schemas.microsoft.com/office/drawing/2014/main" id="{5A0ED867-AE6B-624A-9E52-170BCA2B56E3}"/>
+              </a:ext>
+            </a:extLst>
+          </p:cNvPr>
+          <p:cNvSpPr>
+            <a:spLocks noGrp="1"/>
+          </p:cNvSpPr>
+          <p:nvPr>
+            <p:ph type="title"/>
+          </p:nvPr>
+        </p:nvSpPr>
+        <p:spPr/>
+        <p:txBody>
+          <a:bodyPr>
+            <a:normAutofit fontScale="90000"/>
+          </a:bodyPr>
+          <a:lstStyle/>
+          <a:p>
+            <a:r>
+              <a:rPr lang="en-US" dirty="0"/>
+              <a:t>The Data</a:t>
+            </a:r>
+          </a:p>
+        </p:txBody>
+      </p:sp>
+      <p:sp>
+        <p:nvSpPr>
+          <p:cNvPr id="3" name="Content Placeholder 2">
+            <a:extLst>
+              <a:ext uri="{FF2B5EF4-FFF2-40B4-BE49-F238E27FC236}">
+                <a16:creationId xmlns:a16="http://schemas.microsoft.com/office/drawing/2014/main" id="{5D196249-6710-2A4C-8003-CF5F1070A693}"/>
+              </a:ext>
+            </a:extLst>
+          </p:cNvPr>
+          <p:cNvSpPr>
+            <a:spLocks noGrp="1"/>
+          </p:cNvSpPr>
+          <p:nvPr>
+            <p:ph idx="1"/>
+          </p:nvPr>
+        </p:nvSpPr>
+        <p:spPr/>
+        <p:txBody>
+          <a:bodyPr>
+            <a:normAutofit/>
+          </a:bodyPr>
+          <a:lstStyle/>
+          <a:p>
+            <a:r>
+              <a:rPr lang="en-US" sz="2200" dirty="0"/>
+              <a:t>6 csv files, roughly 6.5GB (image 5 is predicted)</a:t>
+            </a:r>
+          </a:p>
+          <a:p>
+            <a:r>
+              <a:rPr lang="en-US" sz="2200" dirty="0"/>
+              <a:t>Rows: input vector of 21x21x7 brightness values (intensity) from a 3D image</a:t>
+            </a:r>
+          </a:p>
+          <a:p>
+            <a:r>
+              <a:rPr lang="en-US" sz="2200" dirty="0"/>
+              <a:t>Label (the last value): Center pixel’s foreground vs background</a:t>
+            </a:r>
+          </a:p>
+          <a:p>
+            <a:r>
+              <a:rPr lang="en-US" sz="2200" dirty="0"/>
+              <a:t>Each line there are 21*21*7+1 values</a:t>
+            </a:r>
+          </a:p>
+          <a:p>
+            <a:r>
+              <a:rPr lang="en-US" sz="2200" dirty="0"/>
+              <a:t>Final evaluation set: 0.0057% foreground, 99.99% background</a:t>
+            </a:r>
+          </a:p>
+        </p:txBody>
+      </p:sp>
+      <p:sp>
+        <p:nvSpPr>
+          <p:cNvPr id="4" name="Date Placeholder 3">
+            <a:extLst>
+              <a:ext uri="{FF2B5EF4-FFF2-40B4-BE49-F238E27FC236}">
+                <a16:creationId xmlns:a16="http://schemas.microsoft.com/office/drawing/2014/main" id="{6FC7789C-71D3-B641-B1EC-2D67D6A54E3D}"/>
+              </a:ext>
+            </a:extLst>
+          </p:cNvPr>
+          <p:cNvSpPr>
+            <a:spLocks noGrp="1"/>
+          </p:cNvSpPr>
+          <p:nvPr>
+            <p:ph type="dt" sz="half" idx="10"/>
+          </p:nvPr>
+        </p:nvSpPr>
+        <p:spPr/>
+        <p:txBody>
+          <a:bodyPr/>
+          <a:lstStyle/>
+          <a:p>
+            <a:r>
+              <a:rPr lang="en-US"/>
+              <a:t>April 26</a:t>
+            </a:r>
+          </a:p>
+          <a:p>
+            <a:r>
+              <a:rPr lang="en-US"/>
+              <a:t>, 2018</a:t>
+            </a:r>
+            <a:endParaRPr lang="en-US" dirty="0"/>
+          </a:p>
+        </p:txBody>
+      </p:sp>
+      <p:sp>
+        <p:nvSpPr>
+          <p:cNvPr id="5" name="Footer Placeholder 4">
+            <a:extLst>
+              <a:ext uri="{FF2B5EF4-FFF2-40B4-BE49-F238E27FC236}">
+                <a16:creationId xmlns:a16="http://schemas.microsoft.com/office/drawing/2014/main" id="{7D6C8620-1703-B84D-9FB2-FD71E265C7D0}"/>
+              </a:ext>
+            </a:extLst>
+          </p:cNvPr>
+          <p:cNvSpPr>
+            <a:spLocks noGrp="1"/>
+          </p:cNvSpPr>
+          <p:nvPr>
+            <p:ph type="ftr" sz="quarter" idx="11"/>
+          </p:nvPr>
+        </p:nvSpPr>
+        <p:spPr/>
+        <p:txBody>
+          <a:bodyPr/>
+          <a:lstStyle/>
+          <a:p>
+            <a:r>
+              <a:rPr lang="en-US"/>
+              <a:t>Classifying High-Resolution Brain Scans</a:t>
+            </a:r>
+            <a:endParaRPr lang="en-US" dirty="0"/>
+          </a:p>
+        </p:txBody>
+      </p:sp>
+      <p:sp>
+        <p:nvSpPr>
+          <p:cNvPr id="6" name="Slide Number Placeholder 5">
+            <a:extLst>
+              <a:ext uri="{FF2B5EF4-FFF2-40B4-BE49-F238E27FC236}">
+                <a16:creationId xmlns:a16="http://schemas.microsoft.com/office/drawing/2014/main" id="{8E354C10-46D9-E34D-900C-27F490DD4270}"/>
+              </a:ext>
+            </a:extLst>
+          </p:cNvPr>
+          <p:cNvSpPr>
+            <a:spLocks noGrp="1"/>
+          </p:cNvSpPr>
+          <p:nvPr>
+            <p:ph type="sldNum" sz="quarter" idx="12"/>
+          </p:nvPr>
+        </p:nvSpPr>
+        <p:spPr/>
+        <p:txBody>
+          <a:bodyPr/>
+          <a:lstStyle/>
+          <a:p>
+            <a:fld id="{A85782A5-310D-064D-97B2-7CD9DCF5F4D7}" type="slidenum">
+              <a:rPr lang="en-US" smtClean="0"/>
+              <a:t>2</a:t>
+            </a:fld>
+            <a:endParaRPr lang="en-US"/>
+          </a:p>
+        </p:txBody>
+      </p:sp>
+      <p:pic>
+        <p:nvPicPr>
+          <p:cNvPr id="8" name="Picture 7">
+            <a:extLst>
+              <a:ext uri="{FF2B5EF4-FFF2-40B4-BE49-F238E27FC236}">
+                <a16:creationId xmlns:a16="http://schemas.microsoft.com/office/drawing/2014/main" id="{9783750A-C000-CB4F-A81E-3D54CCACE9FD}"/>
+              </a:ext>
+            </a:extLst>
+          </p:cNvPr>
+          <p:cNvPicPr>
+            <a:picLocks noChangeAspect="1"/>
+          </p:cNvPicPr>
+          <p:nvPr/>
+        </p:nvPicPr>
+        <p:blipFill>
+          <a:blip r:embed="rId3"/>
+          <a:stretch>
+            <a:fillRect/>
+          </a:stretch>
+        </p:blipFill>
+        <p:spPr>
+          <a:xfrm>
+            <a:off x="2548004" y="4133178"/>
+            <a:ext cx="1998557" cy="2001962"/>
+          </a:xfrm>
+          <a:prstGeom prst="rect">
+            <a:avLst/>
+          </a:prstGeom>
+        </p:spPr>
+      </p:pic>
+      <p:pic>
+        <p:nvPicPr>
+          <p:cNvPr id="10" name="Picture 9">
+            <a:extLst>
+              <a:ext uri="{FF2B5EF4-FFF2-40B4-BE49-F238E27FC236}">
+                <a16:creationId xmlns:a16="http://schemas.microsoft.com/office/drawing/2014/main" id="{6109C789-EA9E-184F-80A5-8346FC33D578}"/>
+              </a:ext>
+            </a:extLst>
+          </p:cNvPr>
+          <p:cNvPicPr>
+            <a:picLocks noChangeAspect="1"/>
+          </p:cNvPicPr>
+          <p:nvPr/>
+        </p:nvPicPr>
+        <p:blipFill>
+          <a:blip r:embed="rId4"/>
+          <a:stretch>
+            <a:fillRect/>
+          </a:stretch>
+        </p:blipFill>
+        <p:spPr>
+          <a:xfrm>
+            <a:off x="4886325" y="4133178"/>
+            <a:ext cx="2015450" cy="2018884"/>
+          </a:xfrm>
+          <a:prstGeom prst="rect">
+            <a:avLst/>
+          </a:prstGeom>
+        </p:spPr>
+      </p:pic>
+    </p:spTree>
+    <p:extLst>
+      <p:ext uri="{BB962C8B-B14F-4D97-AF65-F5344CB8AC3E}">
+        <p14:creationId xmlns:p14="http://schemas.microsoft.com/office/powerpoint/2010/main" val="4251978539"/>
+      </p:ext>
+    </p:extLst>
+  </p:cSld>
+  <p:clrMapOvr>
+    <a:masterClrMapping/>
+  </p:clrMapOvr>
+</p:sld>
+</file>
+
+<file path=ppt/slides/slide3.xml><?xml version="1.0" encoding="utf-8"?>
+<p:sld xmlns:a="http://schemas.openxmlformats.org/drawingml/2006/main" xmlns:r="http://schemas.openxmlformats.org/officeDocument/2006/relationships" xmlns:p="http://schemas.openxmlformats.org/presentationml/2006/main">
+  <p:cSld>
+    <p:spTree>
+      <p:nvGrpSpPr>
+        <p:cNvPr id="1" name=""/>
+        <p:cNvGrpSpPr/>
+        <p:nvPr/>
+      </p:nvGrpSpPr>
+      <p:grpSpPr>
+        <a:xfrm>
+          <a:off x="0" y="0"/>
+          <a:ext cx="0" cy="0"/>
+          <a:chOff x="0" y="0"/>
+          <a:chExt cx="0" cy="0"/>
+        </a:xfrm>
+      </p:grpSpPr>
+      <p:sp>
+        <p:nvSpPr>
+          <p:cNvPr id="2" name="Title 1">
+            <a:extLst>
+              <a:ext uri="{FF2B5EF4-FFF2-40B4-BE49-F238E27FC236}">
+                <a16:creationId xmlns:a16="http://schemas.microsoft.com/office/drawing/2014/main" id="{34FB274C-4D5F-DB47-9998-BBBC5656C740}"/>
+              </a:ext>
+            </a:extLst>
+          </p:cNvPr>
+          <p:cNvSpPr>
+            <a:spLocks noGrp="1"/>
+          </p:cNvSpPr>
+          <p:nvPr>
+            <p:ph type="title"/>
+          </p:nvPr>
+        </p:nvSpPr>
+        <p:spPr/>
+        <p:txBody>
+          <a:bodyPr>
+            <a:normAutofit fontScale="90000"/>
+          </a:bodyPr>
+          <a:lstStyle/>
+          <a:p>
+            <a:r>
+              <a:rPr lang="en-US" dirty="0"/>
+              <a:t>Apache Spark &amp; Machine Learning</a:t>
+            </a:r>
+          </a:p>
+        </p:txBody>
+      </p:sp>
+      <p:sp>
+        <p:nvSpPr>
+          <p:cNvPr id="3" name="Content Placeholder 2">
+            <a:extLst>
+              <a:ext uri="{FF2B5EF4-FFF2-40B4-BE49-F238E27FC236}">
+                <a16:creationId xmlns:a16="http://schemas.microsoft.com/office/drawing/2014/main" id="{88057284-AE02-5B49-8FE2-221C303667A3}"/>
+              </a:ext>
+            </a:extLst>
+          </p:cNvPr>
+          <p:cNvSpPr>
+            <a:spLocks noGrp="1"/>
+          </p:cNvSpPr>
+          <p:nvPr>
+            <p:ph idx="1"/>
+          </p:nvPr>
+        </p:nvSpPr>
+        <p:spPr/>
+        <p:txBody>
+          <a:bodyPr/>
+          <a:lstStyle/>
+          <a:p>
+            <a:endParaRPr lang="en-US" dirty="0"/>
+          </a:p>
+        </p:txBody>
+      </p:sp>
+      <p:sp>
+        <p:nvSpPr>
+          <p:cNvPr id="4" name="Date Placeholder 3">
+            <a:extLst>
+              <a:ext uri="{FF2B5EF4-FFF2-40B4-BE49-F238E27FC236}">
+                <a16:creationId xmlns:a16="http://schemas.microsoft.com/office/drawing/2014/main" id="{F8E9E26D-39D1-6847-9038-09A2CCE1D708}"/>
+              </a:ext>
+            </a:extLst>
+          </p:cNvPr>
+          <p:cNvSpPr>
+            <a:spLocks noGrp="1"/>
+          </p:cNvSpPr>
+          <p:nvPr>
+            <p:ph type="dt" sz="half" idx="10"/>
+          </p:nvPr>
+        </p:nvSpPr>
+        <p:spPr/>
+        <p:txBody>
+          <a:bodyPr/>
+          <a:lstStyle/>
+          <a:p>
+            <a:r>
+              <a:rPr lang="en-US"/>
+              <a:t>April 26</a:t>
+            </a:r>
+          </a:p>
+          <a:p>
+            <a:r>
+              <a:rPr lang="en-US"/>
+              <a:t>, 2018</a:t>
+            </a:r>
+            <a:endParaRPr lang="en-US" dirty="0"/>
+          </a:p>
+        </p:txBody>
+      </p:sp>
+      <p:sp>
+        <p:nvSpPr>
+          <p:cNvPr id="5" name="Footer Placeholder 4">
+            <a:extLst>
+              <a:ext uri="{FF2B5EF4-FFF2-40B4-BE49-F238E27FC236}">
+                <a16:creationId xmlns:a16="http://schemas.microsoft.com/office/drawing/2014/main" id="{2B5A6A4F-A454-ED4B-A425-A575B3746A3B}"/>
+              </a:ext>
+            </a:extLst>
+          </p:cNvPr>
+          <p:cNvSpPr>
+            <a:spLocks noGrp="1"/>
+          </p:cNvSpPr>
+          <p:nvPr>
+            <p:ph type="ftr" sz="quarter" idx="11"/>
+          </p:nvPr>
+        </p:nvSpPr>
+        <p:spPr/>
+        <p:txBody>
+          <a:bodyPr/>
+          <a:lstStyle/>
+          <a:p>
+            <a:r>
+              <a:rPr lang="en-US"/>
+              <a:t>Classifying High-Resolution Brain Scans</a:t>
+            </a:r>
+            <a:endParaRPr lang="en-US" dirty="0"/>
+          </a:p>
+        </p:txBody>
+      </p:sp>
+      <p:sp>
+        <p:nvSpPr>
+          <p:cNvPr id="6" name="Slide Number Placeholder 5">
+            <a:extLst>
+              <a:ext uri="{FF2B5EF4-FFF2-40B4-BE49-F238E27FC236}">
+                <a16:creationId xmlns:a16="http://schemas.microsoft.com/office/drawing/2014/main" id="{457ACE20-3FBE-924B-B774-83C37430B972}"/>
+              </a:ext>
+            </a:extLst>
+          </p:cNvPr>
+          <p:cNvSpPr>
+            <a:spLocks noGrp="1"/>
+          </p:cNvSpPr>
+          <p:nvPr>
+            <p:ph type="sldNum" sz="quarter" idx="12"/>
+          </p:nvPr>
+        </p:nvSpPr>
+        <p:spPr/>
+        <p:txBody>
+          <a:bodyPr/>
+          <a:lstStyle/>
+          <a:p>
+            <a:fld id="{A85782A5-310D-064D-97B2-7CD9DCF5F4D7}" type="slidenum">
+              <a:rPr lang="en-US" smtClean="0"/>
+              <a:t>3</a:t>
+            </a:fld>
+            <a:endParaRPr lang="en-US"/>
+          </a:p>
+        </p:txBody>
+      </p:sp>
+    </p:spTree>
+    <p:extLst>
+      <p:ext uri="{BB962C8B-B14F-4D97-AF65-F5344CB8AC3E}">
+        <p14:creationId xmlns:p14="http://schemas.microsoft.com/office/powerpoint/2010/main" val="1157101268"/>
+      </p:ext>
+    </p:extLst>
+  </p:cSld>
+  <p:clrMapOvr>
+    <a:masterClrMapping/>
+  </p:clrMapOvr>
+</p:sld>
+</file>
+
+<file path=ppt/slides/slide4.xml><?xml version="1.0" encoding="utf-8"?>
+<p:sld xmlns:a="http://schemas.openxmlformats.org/drawingml/2006/main" xmlns:r="http://schemas.openxmlformats.org/officeDocument/2006/relationships" xmlns:p="http://schemas.openxmlformats.org/presentationml/2006/main">
+  <p:cSld>
+    <p:spTree>
+      <p:nvGrpSpPr>
+        <p:cNvPr id="1" name=""/>
+        <p:cNvGrpSpPr/>
+        <p:nvPr/>
+      </p:nvGrpSpPr>
+      <p:grpSpPr>
+        <a:xfrm>
+          <a:off x="0" y="0"/>
+          <a:ext cx="0" cy="0"/>
+          <a:chOff x="0" y="0"/>
+          <a:chExt cx="0" cy="0"/>
+        </a:xfrm>
+      </p:grpSpPr>
+      <p:sp>
+        <p:nvSpPr>
+          <p:cNvPr id="2" name="Title 1">
+            <a:extLst>
+              <a:ext uri="{FF2B5EF4-FFF2-40B4-BE49-F238E27FC236}">
+                <a16:creationId xmlns:a16="http://schemas.microsoft.com/office/drawing/2014/main" id="{B71D9872-CE0B-7C4F-AE1F-471D79FB2122}"/>
+              </a:ext>
+            </a:extLst>
+          </p:cNvPr>
+          <p:cNvSpPr>
+            <a:spLocks noGrp="1"/>
+          </p:cNvSpPr>
+          <p:nvPr>
+            <p:ph type="title"/>
+          </p:nvPr>
+        </p:nvSpPr>
+        <p:spPr>
+          <a:xfrm>
+            <a:off x="634792" y="2742247"/>
+            <a:ext cx="8229600" cy="600237"/>
+          </a:xfrm>
+        </p:spPr>
+        <p:txBody>
+          <a:bodyPr>
+            <a:normAutofit fontScale="90000"/>
+          </a:bodyPr>
+          <a:lstStyle/>
+          <a:p>
+            <a:r>
+              <a:rPr lang="en-US" dirty="0"/>
+              <a:t>Analysis &amp; Feature Extraction</a:t>
+            </a:r>
+          </a:p>
+        </p:txBody>
+      </p:sp>
+      <p:sp>
+        <p:nvSpPr>
+          <p:cNvPr id="3" name="Date Placeholder 2">
+            <a:extLst>
+              <a:ext uri="{FF2B5EF4-FFF2-40B4-BE49-F238E27FC236}">
+                <a16:creationId xmlns:a16="http://schemas.microsoft.com/office/drawing/2014/main" id="{CD148C30-E7AE-384B-8149-C970B06234A7}"/>
+              </a:ext>
+            </a:extLst>
+          </p:cNvPr>
+          <p:cNvSpPr>
+            <a:spLocks noGrp="1"/>
+          </p:cNvSpPr>
+          <p:nvPr>
+            <p:ph type="dt" sz="half" idx="10"/>
+          </p:nvPr>
+        </p:nvSpPr>
+        <p:spPr/>
+        <p:txBody>
+          <a:bodyPr/>
+          <a:lstStyle/>
+          <a:p>
+            <a:r>
+              <a:rPr lang="en-US" dirty="0" err="1"/>
+              <a:t>Aprill</a:t>
+            </a:r>
+            <a:r>
+              <a:rPr lang="en-US" dirty="0"/>
+              <a:t> 26, 2018</a:t>
+            </a:r>
+          </a:p>
+        </p:txBody>
+      </p:sp>
+      <p:sp>
+        <p:nvSpPr>
+          <p:cNvPr id="4" name="Footer Placeholder 3">
+            <a:extLst>
+              <a:ext uri="{FF2B5EF4-FFF2-40B4-BE49-F238E27FC236}">
+                <a16:creationId xmlns:a16="http://schemas.microsoft.com/office/drawing/2014/main" id="{F778F496-B983-7440-AE28-05D9A7EC6156}"/>
+              </a:ext>
+            </a:extLst>
+          </p:cNvPr>
+          <p:cNvSpPr>
+            <a:spLocks noGrp="1"/>
+          </p:cNvSpPr>
+          <p:nvPr>
+            <p:ph type="ftr" sz="quarter" idx="11"/>
+          </p:nvPr>
+        </p:nvSpPr>
+        <p:spPr/>
+        <p:txBody>
+          <a:bodyPr/>
+          <a:lstStyle/>
+          <a:p>
+            <a:r>
+              <a:rPr lang="en-US"/>
+              <a:t>Classifying High-Resolution Brain Scans</a:t>
+            </a:r>
+            <a:endParaRPr lang="en-US" dirty="0"/>
+          </a:p>
+        </p:txBody>
+      </p:sp>
+      <p:sp>
+        <p:nvSpPr>
+          <p:cNvPr id="5" name="Slide Number Placeholder 4">
+            <a:extLst>
+              <a:ext uri="{FF2B5EF4-FFF2-40B4-BE49-F238E27FC236}">
+                <a16:creationId xmlns:a16="http://schemas.microsoft.com/office/drawing/2014/main" id="{7352E32E-D968-0A4C-876C-5B38829E1E5B}"/>
+              </a:ext>
+            </a:extLst>
+          </p:cNvPr>
+          <p:cNvSpPr>
+            <a:spLocks noGrp="1"/>
+          </p:cNvSpPr>
+          <p:nvPr>
+            <p:ph type="sldNum" sz="quarter" idx="12"/>
+          </p:nvPr>
+        </p:nvSpPr>
+        <p:spPr/>
+        <p:txBody>
+          <a:bodyPr/>
+          <a:lstStyle/>
+          <a:p>
+            <a:fld id="{A85782A5-310D-064D-97B2-7CD9DCF5F4D7}" type="slidenum">
+              <a:rPr lang="en-US" smtClean="0"/>
+              <a:pPr/>
+              <a:t>4</a:t>
+            </a:fld>
+            <a:endParaRPr lang="en-US" dirty="0"/>
+          </a:p>
+        </p:txBody>
+      </p:sp>
+    </p:spTree>
+    <p:extLst>
+      <p:ext uri="{BB962C8B-B14F-4D97-AF65-F5344CB8AC3E}">
+        <p14:creationId xmlns:p14="http://schemas.microsoft.com/office/powerpoint/2010/main" val="226064011"/>
+      </p:ext>
+    </p:extLst>
+  </p:cSld>
+  <p:clrMapOvr>
+    <a:masterClrMapping/>
+  </p:clrMapOvr>
+</p:sld>
+</file>
+
+<file path=ppt/slides/slide5.xml><?xml version="1.0" encoding="utf-8"?>
+<p:sld xmlns:a="http://schemas.openxmlformats.org/drawingml/2006/main" xmlns:r="http://schemas.openxmlformats.org/officeDocument/2006/relationships" xmlns:p="http://schemas.openxmlformats.org/presentationml/2006/main">
+  <p:cSld>
+    <p:spTree>
+      <p:nvGrpSpPr>
+        <p:cNvPr id="1" name=""/>
+        <p:cNvGrpSpPr/>
+        <p:nvPr/>
+      </p:nvGrpSpPr>
+      <p:grpSpPr>
+        <a:xfrm>
+          <a:off x="0" y="0"/>
+          <a:ext cx="0" cy="0"/>
+          <a:chOff x="0" y="0"/>
+          <a:chExt cx="0" cy="0"/>
+        </a:xfrm>
+      </p:grpSpPr>
+      <p:sp>
+        <p:nvSpPr>
+          <p:cNvPr id="2" name="Title 1">
+            <a:extLst>
+              <a:ext uri="{FF2B5EF4-FFF2-40B4-BE49-F238E27FC236}">
+                <a16:creationId xmlns:a16="http://schemas.microsoft.com/office/drawing/2014/main" id="{D0C554F5-C858-E449-829E-EFA19176E896}"/>
+              </a:ext>
+            </a:extLst>
+          </p:cNvPr>
+          <p:cNvSpPr>
+            <a:spLocks noGrp="1"/>
+          </p:cNvSpPr>
+          <p:nvPr>
+            <p:ph type="title"/>
+          </p:nvPr>
+        </p:nvSpPr>
+        <p:spPr/>
+        <p:txBody>
+          <a:bodyPr>
+            <a:normAutofit fontScale="90000"/>
+          </a:bodyPr>
+          <a:lstStyle/>
+          <a:p>
+            <a:r>
+              <a:rPr lang="en-US" dirty="0"/>
+              <a:t>Visualizing the Data</a:t>
+            </a:r>
+          </a:p>
+        </p:txBody>
+      </p:sp>
+      <p:sp>
+        <p:nvSpPr>
+          <p:cNvPr id="3" name="Date Placeholder 2">
+            <a:extLst>
+              <a:ext uri="{FF2B5EF4-FFF2-40B4-BE49-F238E27FC236}">
+                <a16:creationId xmlns:a16="http://schemas.microsoft.com/office/drawing/2014/main" id="{FBC508B6-F739-8448-A686-A6E6AE95EBEE}"/>
+              </a:ext>
+            </a:extLst>
+          </p:cNvPr>
+          <p:cNvSpPr>
+            <a:spLocks noGrp="1"/>
+          </p:cNvSpPr>
+          <p:nvPr>
+            <p:ph type="dt" sz="half" idx="10"/>
+          </p:nvPr>
+        </p:nvSpPr>
+        <p:spPr/>
+        <p:txBody>
+          <a:bodyPr/>
+          <a:lstStyle/>
+          <a:p>
+            <a:fld id="{582F525F-F280-904A-8B95-120BA1BA5DAA}" type="datetime4">
+              <a:rPr lang="en-US" smtClean="0"/>
+              <a:t>April 24, 2018</a:t>
+            </a:fld>
+            <a:endParaRPr lang="en-US" dirty="0"/>
+          </a:p>
+        </p:txBody>
+      </p:sp>
+      <p:sp>
+        <p:nvSpPr>
+          <p:cNvPr id="4" name="Footer Placeholder 3">
+            <a:extLst>
+              <a:ext uri="{FF2B5EF4-FFF2-40B4-BE49-F238E27FC236}">
+                <a16:creationId xmlns:a16="http://schemas.microsoft.com/office/drawing/2014/main" id="{79EB2E83-37CA-0A4B-BCD1-17685E594C4C}"/>
+              </a:ext>
+            </a:extLst>
+          </p:cNvPr>
+          <p:cNvSpPr>
+            <a:spLocks noGrp="1"/>
+          </p:cNvSpPr>
+          <p:nvPr>
+            <p:ph type="ftr" sz="quarter" idx="11"/>
+          </p:nvPr>
+        </p:nvSpPr>
+        <p:spPr/>
+        <p:txBody>
+          <a:bodyPr/>
+          <a:lstStyle/>
+          <a:p>
+            <a:r>
+              <a:rPr lang="en-US"/>
+              <a:t>Classifying High-Resolution Brain Scans</a:t>
+            </a:r>
+            <a:endParaRPr lang="en-US" dirty="0"/>
+          </a:p>
+        </p:txBody>
+      </p:sp>
+      <p:sp>
+        <p:nvSpPr>
+          <p:cNvPr id="5" name="Slide Number Placeholder 4">
+            <a:extLst>
+              <a:ext uri="{FF2B5EF4-FFF2-40B4-BE49-F238E27FC236}">
+                <a16:creationId xmlns:a16="http://schemas.microsoft.com/office/drawing/2014/main" id="{2250E5A4-4D28-F44A-8CF9-4F7AFEC6F3E2}"/>
+              </a:ext>
+            </a:extLst>
+          </p:cNvPr>
+          <p:cNvSpPr>
+            <a:spLocks noGrp="1"/>
+          </p:cNvSpPr>
+          <p:nvPr>
+            <p:ph type="sldNum" sz="quarter" idx="12"/>
+          </p:nvPr>
+        </p:nvSpPr>
+        <p:spPr/>
+        <p:txBody>
+          <a:bodyPr/>
+          <a:lstStyle/>
+          <a:p>
+            <a:fld id="{A85782A5-310D-064D-97B2-7CD9DCF5F4D7}" type="slidenum">
+              <a:rPr lang="en-US" smtClean="0"/>
+              <a:pPr/>
+              <a:t>5</a:t>
+            </a:fld>
+            <a:endParaRPr lang="en-US" dirty="0"/>
+          </a:p>
+        </p:txBody>
+      </p:sp>
+      <p:sp>
+        <p:nvSpPr>
+          <p:cNvPr id="12" name="TextBox 11">
+            <a:extLst>
+              <a:ext uri="{FF2B5EF4-FFF2-40B4-BE49-F238E27FC236}">
+                <a16:creationId xmlns:a16="http://schemas.microsoft.com/office/drawing/2014/main" id="{354777FB-4979-AA4E-87C8-CDC6D3A72829}"/>
+              </a:ext>
+            </a:extLst>
+          </p:cNvPr>
+          <p:cNvSpPr txBox="1"/>
+          <p:nvPr/>
+        </p:nvSpPr>
+        <p:spPr>
+          <a:xfrm>
+            <a:off x="61189" y="3023943"/>
+            <a:ext cx="1541552" cy="923330"/>
+          </a:xfrm>
+          <a:prstGeom prst="rect">
+            <a:avLst/>
+          </a:prstGeom>
+          <a:noFill/>
+        </p:spPr>
+        <p:txBody>
+          <a:bodyPr wrap="square" rtlCol="0">
+            <a:spAutoFit/>
+          </a:bodyPr>
+          <a:lstStyle/>
+          <a:p>
+            <a:r>
+              <a:rPr lang="en-US" b="1" dirty="0"/>
+              <a:t>Background on </a:t>
+            </a:r>
+            <a:r>
+              <a:rPr lang="en-US" b="1" dirty="0" err="1"/>
+              <a:t>xy</a:t>
+            </a:r>
+            <a:r>
+              <a:rPr lang="en-US" b="1" dirty="0"/>
+              <a:t> plane</a:t>
+            </a:r>
+          </a:p>
+          <a:p>
+            <a:r>
+              <a:rPr lang="en-US" b="1" dirty="0"/>
+              <a:t>(1 of 7 slices)</a:t>
+            </a:r>
+          </a:p>
+        </p:txBody>
+      </p:sp>
+      <p:sp>
+        <p:nvSpPr>
+          <p:cNvPr id="14" name="TextBox 13">
+            <a:extLst>
+              <a:ext uri="{FF2B5EF4-FFF2-40B4-BE49-F238E27FC236}">
+                <a16:creationId xmlns:a16="http://schemas.microsoft.com/office/drawing/2014/main" id="{E4D3BDFB-A4A0-F540-BE0C-AEC3538ADBEB}"/>
+              </a:ext>
+            </a:extLst>
+          </p:cNvPr>
+          <p:cNvSpPr txBox="1"/>
+          <p:nvPr/>
+        </p:nvSpPr>
+        <p:spPr>
+          <a:xfrm>
+            <a:off x="105504" y="1399038"/>
+            <a:ext cx="1452922" cy="923330"/>
+          </a:xfrm>
+          <a:prstGeom prst="rect">
+            <a:avLst/>
+          </a:prstGeom>
+          <a:noFill/>
+        </p:spPr>
+        <p:txBody>
+          <a:bodyPr wrap="square" rtlCol="0">
+            <a:spAutoFit/>
+          </a:bodyPr>
+          <a:lstStyle/>
+          <a:p>
+            <a:r>
+              <a:rPr lang="en-US" b="1" dirty="0"/>
+              <a:t>Foreground on </a:t>
+            </a:r>
+            <a:r>
+              <a:rPr lang="en-US" b="1" dirty="0" err="1"/>
+              <a:t>xy</a:t>
+            </a:r>
+            <a:r>
+              <a:rPr lang="en-US" b="1" dirty="0"/>
+              <a:t> plane</a:t>
+            </a:r>
+          </a:p>
+          <a:p>
+            <a:r>
+              <a:rPr lang="en-US" b="1" dirty="0"/>
+              <a:t>(1 of 7 slices)</a:t>
+            </a:r>
+          </a:p>
+        </p:txBody>
+      </p:sp>
+      <p:pic>
+        <p:nvPicPr>
+          <p:cNvPr id="18" name="Picture 17">
+            <a:extLst>
+              <a:ext uri="{FF2B5EF4-FFF2-40B4-BE49-F238E27FC236}">
+                <a16:creationId xmlns:a16="http://schemas.microsoft.com/office/drawing/2014/main" id="{BEBFB50D-CFFC-3A48-99E3-73F64520ABD8}"/>
+              </a:ext>
+            </a:extLst>
+          </p:cNvPr>
+          <p:cNvPicPr>
+            <a:picLocks noChangeAspect="1"/>
+          </p:cNvPicPr>
+          <p:nvPr/>
+        </p:nvPicPr>
+        <p:blipFill>
+          <a:blip r:embed="rId3"/>
+          <a:stretch>
+            <a:fillRect/>
+          </a:stretch>
+        </p:blipFill>
+        <p:spPr>
+          <a:xfrm>
+            <a:off x="1602741" y="2769866"/>
+            <a:ext cx="6672047" cy="1706357"/>
+          </a:xfrm>
+          <a:prstGeom prst="rect">
+            <a:avLst/>
+          </a:prstGeom>
+        </p:spPr>
+      </p:pic>
+      <p:pic>
+        <p:nvPicPr>
+          <p:cNvPr id="20" name="Picture 19">
+            <a:extLst>
+              <a:ext uri="{FF2B5EF4-FFF2-40B4-BE49-F238E27FC236}">
+                <a16:creationId xmlns:a16="http://schemas.microsoft.com/office/drawing/2014/main" id="{45EBDD35-2933-2A45-A3C6-40163355A34B}"/>
+              </a:ext>
+            </a:extLst>
+          </p:cNvPr>
+          <p:cNvPicPr>
+            <a:picLocks noChangeAspect="1"/>
+          </p:cNvPicPr>
+          <p:nvPr/>
+        </p:nvPicPr>
+        <p:blipFill>
+          <a:blip r:embed="rId4"/>
+          <a:stretch>
+            <a:fillRect/>
+          </a:stretch>
+        </p:blipFill>
+        <p:spPr>
+          <a:xfrm>
+            <a:off x="1602741" y="1118254"/>
+            <a:ext cx="6599721" cy="1665765"/>
+          </a:xfrm>
+          <a:prstGeom prst="rect">
+            <a:avLst/>
+          </a:prstGeom>
+        </p:spPr>
+      </p:pic>
+      <p:pic>
+        <p:nvPicPr>
+          <p:cNvPr id="21" name="Picture 20">
+            <a:extLst>
+              <a:ext uri="{FF2B5EF4-FFF2-40B4-BE49-F238E27FC236}">
+                <a16:creationId xmlns:a16="http://schemas.microsoft.com/office/drawing/2014/main" id="{2D70933C-CB34-8448-81C5-8C5F1DCBACC1}"/>
+              </a:ext>
+            </a:extLst>
+          </p:cNvPr>
+          <p:cNvPicPr>
+            <a:picLocks noChangeAspect="1"/>
+          </p:cNvPicPr>
+          <p:nvPr/>
+        </p:nvPicPr>
+        <p:blipFill>
+          <a:blip r:embed="rId5"/>
+          <a:stretch>
+            <a:fillRect/>
+          </a:stretch>
+        </p:blipFill>
+        <p:spPr>
+          <a:xfrm>
+            <a:off x="1441767" y="4462857"/>
+            <a:ext cx="3444931" cy="1703058"/>
+          </a:xfrm>
+          <a:prstGeom prst="rect">
+            <a:avLst/>
+          </a:prstGeom>
+        </p:spPr>
+      </p:pic>
+      <p:pic>
+        <p:nvPicPr>
+          <p:cNvPr id="22" name="Picture 21">
+            <a:extLst>
+              <a:ext uri="{FF2B5EF4-FFF2-40B4-BE49-F238E27FC236}">
+                <a16:creationId xmlns:a16="http://schemas.microsoft.com/office/drawing/2014/main" id="{711F83DE-7BD3-DA40-BA2B-3C9AF397B779}"/>
+              </a:ext>
+            </a:extLst>
+          </p:cNvPr>
+          <p:cNvPicPr>
+            <a:picLocks noChangeAspect="1"/>
+          </p:cNvPicPr>
+          <p:nvPr/>
+        </p:nvPicPr>
+        <p:blipFill>
+          <a:blip r:embed="rId6"/>
+          <a:stretch>
+            <a:fillRect/>
+          </a:stretch>
+        </p:blipFill>
+        <p:spPr>
+          <a:xfrm>
+            <a:off x="5176292" y="5184639"/>
+            <a:ext cx="3825984" cy="945668"/>
+          </a:xfrm>
+          <a:prstGeom prst="rect">
+            <a:avLst/>
+          </a:prstGeom>
+        </p:spPr>
+      </p:pic>
+      <p:sp>
+        <p:nvSpPr>
+          <p:cNvPr id="23" name="TextBox 22">
+            <a:extLst>
+              <a:ext uri="{FF2B5EF4-FFF2-40B4-BE49-F238E27FC236}">
+                <a16:creationId xmlns:a16="http://schemas.microsoft.com/office/drawing/2014/main" id="{6BF6BB73-66F7-6742-8F19-94D7854651A7}"/>
+              </a:ext>
+            </a:extLst>
+          </p:cNvPr>
+          <p:cNvSpPr txBox="1"/>
+          <p:nvPr/>
+        </p:nvSpPr>
+        <p:spPr>
+          <a:xfrm>
+            <a:off x="5011050" y="4787348"/>
+            <a:ext cx="3991226" cy="646331"/>
+          </a:xfrm>
+          <a:prstGeom prst="rect">
+            <a:avLst/>
+          </a:prstGeom>
+          <a:noFill/>
+        </p:spPr>
+        <p:txBody>
+          <a:bodyPr wrap="square" rtlCol="0">
+            <a:spAutoFit/>
+          </a:bodyPr>
+          <a:lstStyle/>
+          <a:p>
+            <a:r>
+              <a:rPr lang="en-US" b="1" dirty="0"/>
+              <a:t>Feature Vector of Preprocessed Data:</a:t>
+            </a:r>
+          </a:p>
+          <a:p>
+            <a:endParaRPr lang="en-US" b="1" dirty="0"/>
+          </a:p>
+        </p:txBody>
+      </p:sp>
+    </p:spTree>
+    <p:extLst>
+      <p:ext uri="{BB962C8B-B14F-4D97-AF65-F5344CB8AC3E}">
+        <p14:creationId xmlns:p14="http://schemas.microsoft.com/office/powerpoint/2010/main" val="3152021894"/>
+      </p:ext>
+    </p:extLst>
+  </p:cSld>
+  <p:clrMapOvr>
+    <a:masterClrMapping/>
+  </p:clrMapOvr>
+</p:sld>
+</file>
+
+<file path=ppt/slides/slide6.xml><?xml version="1.0" encoding="utf-8"?>
+<p:sld xmlns:a="http://schemas.openxmlformats.org/drawingml/2006/main" xmlns:r="http://schemas.openxmlformats.org/officeDocument/2006/relationships" xmlns:p="http://schemas.openxmlformats.org/presentationml/2006/main">
+  <p:cSld>
+    <p:spTree>
+      <p:nvGrpSpPr>
+        <p:cNvPr id="1" name=""/>
+        <p:cNvGrpSpPr/>
+        <p:nvPr/>
+      </p:nvGrpSpPr>
+      <p:grpSpPr>
+        <a:xfrm>
+          <a:off x="0" y="0"/>
+          <a:ext cx="0" cy="0"/>
+          <a:chOff x="0" y="0"/>
+          <a:chExt cx="0" cy="0"/>
+        </a:xfrm>
+      </p:grpSpPr>
+      <p:sp>
+        <p:nvSpPr>
+          <p:cNvPr id="2" name="Title 1"/>
+          <p:cNvSpPr>
+            <a:spLocks noGrp="1"/>
+          </p:cNvSpPr>
+          <p:nvPr>
+            <p:ph type="title"/>
+          </p:nvPr>
+        </p:nvSpPr>
+        <p:spPr/>
+        <p:txBody>
+          <a:bodyPr>
+            <a:normAutofit fontScale="90000"/>
+          </a:bodyPr>
+          <a:lstStyle/>
+          <a:p>
+            <a:r>
+              <a:rPr lang="en-US" dirty="0"/>
+              <a:t>Random Forest</a:t>
+            </a:r>
+          </a:p>
+        </p:txBody>
+      </p:sp>
+      <p:sp>
+        <p:nvSpPr>
+          <p:cNvPr id="3" name="Content Placeholder 2"/>
+          <p:cNvSpPr>
+            <a:spLocks noGrp="1"/>
+          </p:cNvSpPr>
+          <p:nvPr>
+            <p:ph idx="1"/>
+          </p:nvPr>
+        </p:nvSpPr>
+        <p:spPr>
+          <a:xfrm rot="10800000" flipV="1">
+            <a:off x="91464" y="2859540"/>
+            <a:ext cx="8129587" cy="577111"/>
+          </a:xfrm>
+        </p:spPr>
+        <p:txBody>
+          <a:bodyPr>
+            <a:normAutofit/>
+          </a:bodyPr>
+          <a:lstStyle/>
+          <a:p>
+            <a:pPr marL="0" indent="0">
+              <a:buNone/>
+            </a:pPr>
+            <a:r>
+              <a:rPr lang="en-US" sz="2400" dirty="0"/>
+              <a:t>Classification Comparison Test:</a:t>
+            </a:r>
+          </a:p>
+          <a:p>
+            <a:pPr marL="0" indent="0">
+              <a:buNone/>
+            </a:pPr>
+            <a:endParaRPr lang="en-US" sz="2400" dirty="0"/>
+          </a:p>
+          <a:p>
+            <a:pPr marL="0" indent="0">
+              <a:buNone/>
+            </a:pPr>
+            <a:endParaRPr lang="en-US" sz="2400" dirty="0"/>
+          </a:p>
+          <a:p>
+            <a:pPr marL="0" indent="0">
+              <a:buNone/>
+            </a:pPr>
+            <a:endParaRPr lang="en-US" sz="2400" dirty="0"/>
+          </a:p>
+          <a:p>
+            <a:pPr marL="0" indent="0">
+              <a:buNone/>
+            </a:pPr>
+            <a:endParaRPr lang="en-US" sz="2400" dirty="0"/>
+          </a:p>
+          <a:p>
+            <a:pPr marL="0" indent="0">
+              <a:buNone/>
+            </a:pPr>
+            <a:endParaRPr lang="en-US" sz="2400" dirty="0"/>
+          </a:p>
+        </p:txBody>
+      </p:sp>
+      <p:sp>
+        <p:nvSpPr>
+          <p:cNvPr id="4" name="Date Placeholder 3"/>
+          <p:cNvSpPr>
+            <a:spLocks noGrp="1"/>
+          </p:cNvSpPr>
+          <p:nvPr>
+            <p:ph type="dt" sz="half" idx="10"/>
+          </p:nvPr>
+        </p:nvSpPr>
+        <p:spPr/>
+        <p:txBody>
+          <a:bodyPr/>
+          <a:lstStyle/>
+          <a:p>
+            <a:r>
+              <a:rPr lang="en-US" dirty="0"/>
+              <a:t>April 24, 2018</a:t>
+            </a:r>
+          </a:p>
+        </p:txBody>
+      </p:sp>
+      <p:sp>
+        <p:nvSpPr>
+          <p:cNvPr id="5" name="Footer Placeholder 4"/>
+          <p:cNvSpPr>
+            <a:spLocks noGrp="1"/>
+          </p:cNvSpPr>
+          <p:nvPr>
+            <p:ph type="ftr" sz="quarter" idx="11"/>
+          </p:nvPr>
+        </p:nvSpPr>
+        <p:spPr/>
+        <p:txBody>
+          <a:bodyPr/>
+          <a:lstStyle/>
+          <a:p>
+            <a:r>
+              <a:rPr lang="en-US" dirty="0"/>
+              <a:t>Classifying High-Resolution Brain Scans</a:t>
+            </a:r>
+          </a:p>
+        </p:txBody>
+      </p:sp>
+      <p:sp>
+        <p:nvSpPr>
+          <p:cNvPr id="6" name="Slide Number Placeholder 5"/>
+          <p:cNvSpPr>
+            <a:spLocks noGrp="1"/>
+          </p:cNvSpPr>
+          <p:nvPr>
+            <p:ph type="sldNum" sz="quarter" idx="12"/>
+          </p:nvPr>
+        </p:nvSpPr>
+        <p:spPr/>
+        <p:txBody>
+          <a:bodyPr/>
+          <a:lstStyle/>
+          <a:p>
+            <a:fld id="{A85782A5-310D-064D-97B2-7CD9DCF5F4D7}" type="slidenum">
+              <a:rPr lang="en-US" smtClean="0"/>
+              <a:t>6</a:t>
+            </a:fld>
+            <a:endParaRPr lang="en-US"/>
+          </a:p>
+        </p:txBody>
+      </p:sp>
+      <p:pic>
+        <p:nvPicPr>
+          <p:cNvPr id="8" name="Picture 7">
+            <a:extLst>
+              <a:ext uri="{FF2B5EF4-FFF2-40B4-BE49-F238E27FC236}">
+                <a16:creationId xmlns:a16="http://schemas.microsoft.com/office/drawing/2014/main" id="{674ECF57-1EAE-774C-9888-FB2302668121}"/>
+              </a:ext>
+            </a:extLst>
+          </p:cNvPr>
+          <p:cNvPicPr>
+            <a:picLocks noChangeAspect="1"/>
+          </p:cNvPicPr>
+          <p:nvPr/>
+        </p:nvPicPr>
+        <p:blipFill>
+          <a:blip r:embed="rId3"/>
+          <a:stretch>
+            <a:fillRect/>
+          </a:stretch>
+        </p:blipFill>
+        <p:spPr>
+          <a:xfrm>
+            <a:off x="91464" y="3399534"/>
+            <a:ext cx="2166215" cy="2726629"/>
+          </a:xfrm>
+          <a:prstGeom prst="rect">
+            <a:avLst/>
+          </a:prstGeom>
+        </p:spPr>
+      </p:pic>
+      <p:pic>
+        <p:nvPicPr>
+          <p:cNvPr id="11" name="Picture 10">
+            <a:extLst>
+              <a:ext uri="{FF2B5EF4-FFF2-40B4-BE49-F238E27FC236}">
+                <a16:creationId xmlns:a16="http://schemas.microsoft.com/office/drawing/2014/main" id="{391D13F8-F481-054E-A18D-4305573026DE}"/>
+              </a:ext>
+            </a:extLst>
+          </p:cNvPr>
+          <p:cNvPicPr>
+            <a:picLocks noChangeAspect="1"/>
+          </p:cNvPicPr>
+          <p:nvPr/>
+        </p:nvPicPr>
+        <p:blipFill>
+          <a:blip r:embed="rId4"/>
+          <a:stretch>
+            <a:fillRect/>
+          </a:stretch>
+        </p:blipFill>
+        <p:spPr>
+          <a:xfrm>
+            <a:off x="4515982" y="3365989"/>
+            <a:ext cx="2245928" cy="2793715"/>
+          </a:xfrm>
+          <a:prstGeom prst="rect">
+            <a:avLst/>
+          </a:prstGeom>
+        </p:spPr>
+      </p:pic>
+      <p:pic>
+        <p:nvPicPr>
+          <p:cNvPr id="14" name="Picture 13">
+            <a:extLst>
+              <a:ext uri="{FF2B5EF4-FFF2-40B4-BE49-F238E27FC236}">
+                <a16:creationId xmlns:a16="http://schemas.microsoft.com/office/drawing/2014/main" id="{ACE4368D-9446-0B4F-A0B0-47D747F9E682}"/>
+              </a:ext>
+            </a:extLst>
+          </p:cNvPr>
+          <p:cNvPicPr>
+            <a:picLocks noChangeAspect="1"/>
+          </p:cNvPicPr>
+          <p:nvPr/>
+        </p:nvPicPr>
+        <p:blipFill>
+          <a:blip r:embed="rId5"/>
+          <a:stretch>
+            <a:fillRect/>
+          </a:stretch>
+        </p:blipFill>
+        <p:spPr>
+          <a:xfrm>
+            <a:off x="2334679" y="3365988"/>
+            <a:ext cx="2234973" cy="2793715"/>
+          </a:xfrm>
+          <a:prstGeom prst="rect">
+            <a:avLst/>
+          </a:prstGeom>
+        </p:spPr>
+      </p:pic>
+      <p:pic>
+        <p:nvPicPr>
+          <p:cNvPr id="16" name="Picture 15">
+            <a:extLst>
+              <a:ext uri="{FF2B5EF4-FFF2-40B4-BE49-F238E27FC236}">
+                <a16:creationId xmlns:a16="http://schemas.microsoft.com/office/drawing/2014/main" id="{6AFE1970-D0E6-E54C-9D08-45D6C657102B}"/>
+              </a:ext>
+            </a:extLst>
+          </p:cNvPr>
+          <p:cNvPicPr>
+            <a:picLocks noChangeAspect="1"/>
+          </p:cNvPicPr>
+          <p:nvPr/>
+        </p:nvPicPr>
+        <p:blipFill>
+          <a:blip r:embed="rId6"/>
+          <a:stretch>
+            <a:fillRect/>
+          </a:stretch>
+        </p:blipFill>
+        <p:spPr>
+          <a:xfrm>
+            <a:off x="6750955" y="3352375"/>
+            <a:ext cx="2259023" cy="2807329"/>
+          </a:xfrm>
+          <a:prstGeom prst="rect">
+            <a:avLst/>
+          </a:prstGeom>
+        </p:spPr>
+      </p:pic>
+    </p:spTree>
+    <p:extLst>
+      <p:ext uri="{BB962C8B-B14F-4D97-AF65-F5344CB8AC3E}">
+        <p14:creationId xmlns:p14="http://schemas.microsoft.com/office/powerpoint/2010/main" val="1456638104"/>
+      </p:ext>
+    </p:extLst>
+  </p:cSld>
+  <p:clrMapOvr>
+    <a:masterClrMapping/>
+  </p:clrMapOvr>
+</p:sld>
+</file>
+
+<file path=ppt/slides/slide7.xml><?xml version="1.0" encoding="utf-8"?>
+<p:sld xmlns:a="http://schemas.openxmlformats.org/drawingml/2006/main" xmlns:r="http://schemas.openxmlformats.org/officeDocument/2006/relationships" xmlns:p="http://schemas.openxmlformats.org/presentationml/2006/main">
+  <p:cSld>
+    <p:spTree>
+      <p:nvGrpSpPr>
+        <p:cNvPr id="1" name=""/>
+        <p:cNvGrpSpPr/>
+        <p:nvPr/>
+      </p:nvGrpSpPr>
+      <p:grpSpPr>
+        <a:xfrm>
+          <a:off x="0" y="0"/>
+          <a:ext cx="0" cy="0"/>
+          <a:chOff x="0" y="0"/>
+          <a:chExt cx="0" cy="0"/>
+        </a:xfrm>
+      </p:grpSpPr>
+      <p:sp>
+        <p:nvSpPr>
+          <p:cNvPr id="2" name="Title 1">
+            <a:extLst>
+              <a:ext uri="{FF2B5EF4-FFF2-40B4-BE49-F238E27FC236}">
+                <a16:creationId xmlns:a16="http://schemas.microsoft.com/office/drawing/2014/main" id="{B71D9872-CE0B-7C4F-AE1F-471D79FB2122}"/>
+              </a:ext>
+            </a:extLst>
+          </p:cNvPr>
+          <p:cNvSpPr>
+            <a:spLocks noGrp="1"/>
+          </p:cNvSpPr>
+          <p:nvPr>
+            <p:ph type="title"/>
+          </p:nvPr>
+        </p:nvSpPr>
+        <p:spPr>
+          <a:xfrm>
+            <a:off x="634792" y="2313432"/>
+            <a:ext cx="8229600" cy="1344167"/>
+          </a:xfrm>
+        </p:spPr>
+        <p:txBody>
+          <a:bodyPr>
+            <a:normAutofit/>
+          </a:bodyPr>
+          <a:lstStyle/>
+          <a:p>
+            <a:r>
+              <a:rPr lang="en-US" dirty="0"/>
+              <a:t>Model &amp; Results</a:t>
+            </a:r>
+          </a:p>
+        </p:txBody>
+      </p:sp>
+      <p:sp>
+        <p:nvSpPr>
+          <p:cNvPr id="3" name="Date Placeholder 2">
+            <a:extLst>
+              <a:ext uri="{FF2B5EF4-FFF2-40B4-BE49-F238E27FC236}">
+                <a16:creationId xmlns:a16="http://schemas.microsoft.com/office/drawing/2014/main" id="{CD148C30-E7AE-384B-8149-C970B06234A7}"/>
+              </a:ext>
+            </a:extLst>
+          </p:cNvPr>
+          <p:cNvSpPr>
+            <a:spLocks noGrp="1"/>
+          </p:cNvSpPr>
+          <p:nvPr>
+            <p:ph type="dt" sz="half" idx="10"/>
+          </p:nvPr>
+        </p:nvSpPr>
+        <p:spPr/>
+        <p:txBody>
+          <a:bodyPr/>
+          <a:lstStyle/>
+          <a:p>
+            <a:fld id="{582F525F-F280-904A-8B95-120BA1BA5DAA}" type="datetime4">
+              <a:rPr lang="en-US" smtClean="0"/>
+              <a:t>April 24, 2018</a:t>
+            </a:fld>
+            <a:endParaRPr lang="en-US" dirty="0"/>
+          </a:p>
+        </p:txBody>
+      </p:sp>
+      <p:sp>
+        <p:nvSpPr>
+          <p:cNvPr id="4" name="Footer Placeholder 3">
+            <a:extLst>
+              <a:ext uri="{FF2B5EF4-FFF2-40B4-BE49-F238E27FC236}">
+                <a16:creationId xmlns:a16="http://schemas.microsoft.com/office/drawing/2014/main" id="{F778F496-B983-7440-AE28-05D9A7EC6156}"/>
+              </a:ext>
+            </a:extLst>
+          </p:cNvPr>
+          <p:cNvSpPr>
+            <a:spLocks noGrp="1"/>
+          </p:cNvSpPr>
+          <p:nvPr>
+            <p:ph type="ftr" sz="quarter" idx="11"/>
+          </p:nvPr>
+        </p:nvSpPr>
+        <p:spPr/>
+        <p:txBody>
+          <a:bodyPr/>
+          <a:lstStyle/>
+          <a:p>
+            <a:r>
+              <a:rPr lang="en-US"/>
+              <a:t>Classifying High-Resolution Brain Scans</a:t>
+            </a:r>
+            <a:endParaRPr lang="en-US" dirty="0"/>
+          </a:p>
+        </p:txBody>
+      </p:sp>
+      <p:sp>
+        <p:nvSpPr>
+          <p:cNvPr id="5" name="Slide Number Placeholder 4">
+            <a:extLst>
+              <a:ext uri="{FF2B5EF4-FFF2-40B4-BE49-F238E27FC236}">
+                <a16:creationId xmlns:a16="http://schemas.microsoft.com/office/drawing/2014/main" id="{7352E32E-D968-0A4C-876C-5B38829E1E5B}"/>
+              </a:ext>
+            </a:extLst>
+          </p:cNvPr>
+          <p:cNvSpPr>
+            <a:spLocks noGrp="1"/>
+          </p:cNvSpPr>
+          <p:nvPr>
+            <p:ph type="sldNum" sz="quarter" idx="12"/>
+          </p:nvPr>
+        </p:nvSpPr>
+        <p:spPr/>
+        <p:txBody>
+          <a:bodyPr/>
+          <a:lstStyle/>
+          <a:p>
+            <a:fld id="{A85782A5-310D-064D-97B2-7CD9DCF5F4D7}" type="slidenum">
+              <a:rPr lang="en-US" smtClean="0"/>
+              <a:pPr/>
+              <a:t>7</a:t>
+            </a:fld>
+            <a:endParaRPr lang="en-US" dirty="0"/>
+          </a:p>
+        </p:txBody>
+      </p:sp>
+    </p:spTree>
+    <p:extLst>
+      <p:ext uri="{BB962C8B-B14F-4D97-AF65-F5344CB8AC3E}">
+        <p14:creationId xmlns:p14="http://schemas.microsoft.com/office/powerpoint/2010/main" val="1884191572"/>
+      </p:ext>
+    </p:extLst>
+  </p:cSld>
+  <p:clrMapOvr>
+    <a:masterClrMapping/>
+  </p:clrMapOvr>
+</p:sld>
+</file>
+
+<file path=ppt/slides/slide8.xml><?xml version="1.0" encoding="utf-8"?>
+<p:sld xmlns:a="http://schemas.openxmlformats.org/drawingml/2006/main" xmlns:r="http://schemas.openxmlformats.org/officeDocument/2006/relationships" xmlns:p="http://schemas.openxmlformats.org/presentationml/2006/main">
+  <p:cSld>
+    <p:spTree>
+      <p:nvGrpSpPr>
+        <p:cNvPr id="1" name=""/>
+        <p:cNvGrpSpPr/>
+        <p:nvPr/>
+      </p:nvGrpSpPr>
+      <p:grpSpPr>
+        <a:xfrm>
+          <a:off x="0" y="0"/>
+          <a:ext cx="0" cy="0"/>
+          <a:chOff x="0" y="0"/>
+          <a:chExt cx="0" cy="0"/>
+        </a:xfrm>
+      </p:grpSpPr>
+      <p:sp>
+        <p:nvSpPr>
+          <p:cNvPr id="2" name="Title 1"/>
+          <p:cNvSpPr>
+            <a:spLocks noGrp="1"/>
+          </p:cNvSpPr>
+          <p:nvPr>
+            <p:ph type="title"/>
+          </p:nvPr>
+        </p:nvSpPr>
+        <p:spPr/>
+        <p:txBody>
+          <a:bodyPr>
+            <a:normAutofit fontScale="90000"/>
+          </a:bodyPr>
+          <a:lstStyle/>
+          <a:p>
+            <a:r>
+              <a:rPr lang="en-US" dirty="0"/>
+              <a:t>Parameter Tuning</a:t>
+            </a:r>
+          </a:p>
+        </p:txBody>
+      </p:sp>
+      <p:sp>
+        <p:nvSpPr>
+          <p:cNvPr id="3" name="Content Placeholder 2"/>
+          <p:cNvSpPr>
+            <a:spLocks noGrp="1"/>
+          </p:cNvSpPr>
+          <p:nvPr>
+            <p:ph idx="1"/>
+          </p:nvPr>
+        </p:nvSpPr>
+        <p:spPr/>
+        <p:txBody>
+          <a:bodyPr>
+            <a:normAutofit fontScale="92500"/>
+          </a:bodyPr>
+          <a:lstStyle/>
+          <a:p>
+            <a:r>
+              <a:rPr lang="en-US" b="1" dirty="0" err="1"/>
+              <a:t>ParamGridBuilder</a:t>
+            </a:r>
+            <a:r>
+              <a:rPr lang="en-US" b="1" dirty="0"/>
+              <a:t>() </a:t>
+            </a:r>
+            <a:r>
+              <a:rPr lang="en-US" dirty="0"/>
+              <a:t>– constructs a grid of parameters to search over</a:t>
+            </a:r>
+          </a:p>
+          <a:p>
+            <a:r>
+              <a:rPr lang="en-US" b="1" dirty="0"/>
+              <a:t>*</a:t>
+            </a:r>
+            <a:r>
+              <a:rPr lang="en-US" b="1" dirty="0" err="1"/>
+              <a:t>numTrees</a:t>
+            </a:r>
+            <a:r>
+              <a:rPr lang="en-US" b="1" dirty="0"/>
+              <a:t> </a:t>
+            </a:r>
+            <a:r>
+              <a:rPr lang="en-US" dirty="0"/>
+              <a:t>– increasing lead to better accuracy and less compute time</a:t>
+            </a:r>
+          </a:p>
+          <a:p>
+            <a:r>
+              <a:rPr lang="en-US" b="1" dirty="0"/>
+              <a:t>*</a:t>
+            </a:r>
+            <a:r>
+              <a:rPr lang="en-US" b="1" dirty="0" err="1"/>
+              <a:t>maxDepth</a:t>
+            </a:r>
+            <a:r>
+              <a:rPr lang="en-US" dirty="0"/>
+              <a:t> - higher values lead to overfitting and increased run time of the model</a:t>
+            </a:r>
+            <a:endParaRPr lang="en-US" b="1" dirty="0"/>
+          </a:p>
+          <a:p>
+            <a:r>
+              <a:rPr lang="en-US" b="1" dirty="0" err="1"/>
+              <a:t>maxBins</a:t>
+            </a:r>
+            <a:r>
+              <a:rPr lang="en-US" dirty="0"/>
+              <a:t> - maximum number of bins used for splitting features</a:t>
+            </a:r>
+            <a:endParaRPr lang="en-US" b="1" dirty="0"/>
+          </a:p>
+          <a:p>
+            <a:r>
+              <a:rPr lang="en-US" b="1" dirty="0"/>
+              <a:t>*impurity</a:t>
+            </a:r>
+            <a:r>
+              <a:rPr lang="en-US" dirty="0"/>
+              <a:t> – criterion (</a:t>
+            </a:r>
+            <a:r>
+              <a:rPr lang="en-US" dirty="0" err="1"/>
+              <a:t>gini</a:t>
+            </a:r>
+            <a:r>
+              <a:rPr lang="en-US" dirty="0"/>
+              <a:t>)</a:t>
+            </a:r>
+          </a:p>
+        </p:txBody>
+      </p:sp>
+      <p:sp>
+        <p:nvSpPr>
+          <p:cNvPr id="4" name="Date Placeholder 3"/>
+          <p:cNvSpPr>
+            <a:spLocks noGrp="1"/>
+          </p:cNvSpPr>
+          <p:nvPr>
+            <p:ph type="dt" sz="half" idx="10"/>
+          </p:nvPr>
+        </p:nvSpPr>
+        <p:spPr/>
+        <p:txBody>
+          <a:bodyPr/>
+          <a:lstStyle/>
+          <a:p>
+            <a:r>
+              <a:rPr lang="en-US" dirty="0"/>
+              <a:t>April 24, 2018</a:t>
+            </a:r>
+          </a:p>
+        </p:txBody>
+      </p:sp>
+      <p:sp>
+        <p:nvSpPr>
+          <p:cNvPr id="5" name="Footer Placeholder 4"/>
+          <p:cNvSpPr>
+            <a:spLocks noGrp="1"/>
+          </p:cNvSpPr>
+          <p:nvPr>
+            <p:ph type="ftr" sz="quarter" idx="11"/>
+          </p:nvPr>
+        </p:nvSpPr>
+        <p:spPr/>
+        <p:txBody>
+          <a:bodyPr/>
+          <a:lstStyle/>
+          <a:p>
+            <a:r>
+              <a:rPr lang="en-US" dirty="0"/>
+              <a:t>Classifying High-Resolution Brain Scans</a:t>
+            </a:r>
+          </a:p>
+        </p:txBody>
+      </p:sp>
+      <p:sp>
+        <p:nvSpPr>
+          <p:cNvPr id="6" name="Slide Number Placeholder 5"/>
+          <p:cNvSpPr>
+            <a:spLocks noGrp="1"/>
+          </p:cNvSpPr>
+          <p:nvPr>
+            <p:ph type="sldNum" sz="quarter" idx="12"/>
+          </p:nvPr>
+        </p:nvSpPr>
+        <p:spPr/>
+        <p:txBody>
+          <a:bodyPr/>
+          <a:lstStyle/>
+          <a:p>
+            <a:fld id="{A85782A5-310D-064D-97B2-7CD9DCF5F4D7}" type="slidenum">
+              <a:rPr lang="en-US" smtClean="0"/>
+              <a:t>8</a:t>
+            </a:fld>
+            <a:endParaRPr lang="en-US"/>
+          </a:p>
+        </p:txBody>
+      </p:sp>
+    </p:spTree>
+    <p:extLst>
+      <p:ext uri="{BB962C8B-B14F-4D97-AF65-F5344CB8AC3E}">
+        <p14:creationId xmlns:p14="http://schemas.microsoft.com/office/powerpoint/2010/main" val="4063819120"/>
+      </p:ext>
+    </p:extLst>
+  </p:cSld>
+  <p:clrMapOvr>
+    <a:masterClrMapping/>
+  </p:clrMapOvr>
+</p:sld>
+</file>
+
+<file path=ppt/slides/slide9.xml><?xml version="1.0" encoding="utf-8"?>
+<p:sld xmlns:a="http://schemas.openxmlformats.org/drawingml/2006/main" xmlns:r="http://schemas.openxmlformats.org/officeDocument/2006/relationships" xmlns:p="http://schemas.openxmlformats.org/presentationml/2006/main">
+  <p:cSld>
+    <p:spTree>
+      <p:nvGrpSpPr>
+        <p:cNvPr id="1" name=""/>
+        <p:cNvGrpSpPr/>
+        <p:nvPr/>
+      </p:nvGrpSpPr>
+      <p:grpSpPr>
+        <a:xfrm>
+          <a:off x="0" y="0"/>
+          <a:ext cx="0" cy="0"/>
+          <a:chOff x="0" y="0"/>
+          <a:chExt cx="0" cy="0"/>
+        </a:xfrm>
+      </p:grpSpPr>
+      <p:sp>
+        <p:nvSpPr>
+          <p:cNvPr id="2" name="Title 1"/>
+          <p:cNvSpPr>
+            <a:spLocks noGrp="1"/>
+          </p:cNvSpPr>
+          <p:nvPr>
+            <p:ph type="title"/>
+          </p:nvPr>
+        </p:nvSpPr>
+        <p:spPr/>
+        <p:txBody>
+          <a:bodyPr>
+            <a:normAutofit fontScale="90000"/>
+          </a:bodyPr>
+          <a:lstStyle/>
+          <a:p>
+            <a:r>
+              <a:rPr lang="en-US" dirty="0"/>
+              <a:t>Splitting the Dataset</a:t>
+            </a:r>
+          </a:p>
+        </p:txBody>
+      </p:sp>
+      <p:sp>
+        <p:nvSpPr>
+          <p:cNvPr id="3" name="Content Placeholder 2"/>
+          <p:cNvSpPr>
+            <a:spLocks noGrp="1"/>
+          </p:cNvSpPr>
+          <p:nvPr>
+            <p:ph idx="1"/>
+          </p:nvPr>
+        </p:nvSpPr>
+        <p:spPr/>
+        <p:txBody>
+          <a:bodyPr>
+            <a:normAutofit/>
+          </a:bodyPr>
+          <a:lstStyle/>
+          <a:p>
+            <a:r>
+              <a:rPr lang="en-US" dirty="0"/>
+              <a:t>Training &amp; Test data (image 1,2,3,4,6)</a:t>
+            </a:r>
+          </a:p>
+          <a:p>
+            <a:r>
+              <a:rPr lang="en-US" dirty="0"/>
+              <a:t>Validation data (image 5)</a:t>
+            </a:r>
+          </a:p>
+        </p:txBody>
+      </p:sp>
+      <p:sp>
+        <p:nvSpPr>
+          <p:cNvPr id="4" name="Date Placeholder 3"/>
+          <p:cNvSpPr>
+            <a:spLocks noGrp="1"/>
+          </p:cNvSpPr>
+          <p:nvPr>
+            <p:ph type="dt" sz="half" idx="10"/>
+          </p:nvPr>
+        </p:nvSpPr>
+        <p:spPr/>
+        <p:txBody>
+          <a:bodyPr/>
+          <a:lstStyle/>
+          <a:p>
+            <a:r>
+              <a:rPr lang="en-US" dirty="0"/>
+              <a:t>April 24, 2018</a:t>
+            </a:r>
+          </a:p>
+        </p:txBody>
+      </p:sp>
+      <p:sp>
+        <p:nvSpPr>
+          <p:cNvPr id="5" name="Footer Placeholder 4"/>
+          <p:cNvSpPr>
+            <a:spLocks noGrp="1"/>
+          </p:cNvSpPr>
+          <p:nvPr>
+            <p:ph type="ftr" sz="quarter" idx="11"/>
+          </p:nvPr>
+        </p:nvSpPr>
+        <p:spPr/>
+        <p:txBody>
+          <a:bodyPr/>
+          <a:lstStyle/>
+          <a:p>
+            <a:r>
+              <a:rPr lang="en-US" dirty="0"/>
+              <a:t>Classifying High-Resolution Brain Scans</a:t>
+            </a:r>
+          </a:p>
+        </p:txBody>
+      </p:sp>
+      <p:sp>
+        <p:nvSpPr>
+          <p:cNvPr id="6" name="Slide Number Placeholder 5"/>
+          <p:cNvSpPr>
+            <a:spLocks noGrp="1"/>
+          </p:cNvSpPr>
+          <p:nvPr>
+            <p:ph type="sldNum" sz="quarter" idx="12"/>
+          </p:nvPr>
+        </p:nvSpPr>
+        <p:spPr/>
+        <p:txBody>
+          <a:bodyPr/>
+          <a:lstStyle/>
+          <a:p>
+            <a:fld id="{A85782A5-310D-064D-97B2-7CD9DCF5F4D7}" type="slidenum">
+              <a:rPr lang="en-US" smtClean="0"/>
+              <a:t>9</a:t>
+            </a:fld>
+            <a:endParaRPr lang="en-US"/>
+          </a:p>
+        </p:txBody>
+      </p:sp>
+    </p:spTree>
+    <p:extLst>
+      <p:ext uri="{BB962C8B-B14F-4D97-AF65-F5344CB8AC3E}">
+        <p14:creationId xmlns:p14="http://schemas.microsoft.com/office/powerpoint/2010/main" val="404897761"/>
       </p:ext>
     </p:extLst>
   </p:cSld>

--- a/presentation/DutileOtentiPhangSweeney.pptx
+++ b/presentation/DutileOtentiPhangSweeney.pptx
@@ -4820,10 +4820,9 @@
           <a:lstStyle/>
           <a:p>
             <a:r>
-              <a:rPr lang="en-US"/>
-              <a:t>April 24, 2018</a:t>
-            </a:r>
-            <a:endParaRPr lang="en-US" dirty="0"/>
+              <a:rPr lang="en-US" dirty="0"/>
+              <a:t>April 26, 2018</a:t>
+            </a:r>
           </a:p>
         </p:txBody>
       </p:sp>
@@ -6351,7 +6350,7 @@
           <a:p>
             <a:r>
               <a:rPr lang="en-US" dirty="0"/>
-              <a:t>April 24, 2018</a:t>
+              <a:t>April 26, 2018</a:t>
             </a:r>
           </a:p>
         </p:txBody>
@@ -6829,7 +6828,7 @@
           <a:p>
             <a:r>
               <a:rPr lang="en-US" dirty="0"/>
-              <a:t>April 24, 2018</a:t>
+              <a:t>April 26, 2018</a:t>
             </a:r>
           </a:p>
         </p:txBody>
@@ -6992,16 +6991,9 @@
           <a:lstStyle/>
           <a:p>
             <a:r>
-              <a:rPr lang="en-US"/>
-              <a:t>April 26</a:t>
-            </a:r>
-          </a:p>
-          <a:p>
-            <a:r>
-              <a:rPr lang="en-US"/>
-              <a:t>, 2018</a:t>
-            </a:r>
-            <a:endParaRPr lang="en-US" dirty="0"/>
+              <a:rPr lang="en-US" dirty="0"/>
+              <a:t>April 26, 2018</a:t>
+            </a:r>
           </a:p>
         </p:txBody>
       </p:sp>
@@ -7192,7 +7184,7 @@
           <a:p>
             <a:r>
               <a:rPr lang="en-US" dirty="0"/>
-              <a:t>April 24, 2018</a:t>
+              <a:t>April 26, 2018</a:t>
             </a:r>
           </a:p>
         </p:txBody>
@@ -7378,16 +7370,9 @@
           <a:lstStyle/>
           <a:p>
             <a:r>
-              <a:rPr lang="en-US"/>
-              <a:t>April 26</a:t>
-            </a:r>
-          </a:p>
-          <a:p>
-            <a:r>
-              <a:rPr lang="en-US"/>
-              <a:t>, 2018</a:t>
-            </a:r>
-            <a:endParaRPr lang="en-US" dirty="0"/>
+              <a:rPr lang="en-US" dirty="0"/>
+              <a:t>April 26, 2018</a:t>
+            </a:r>
           </a:p>
         </p:txBody>
       </p:sp>
@@ -7616,16 +7601,9 @@
           <a:lstStyle/>
           <a:p>
             <a:r>
-              <a:rPr lang="en-US"/>
-              <a:t>April 26</a:t>
-            </a:r>
-          </a:p>
-          <a:p>
-            <a:r>
-              <a:rPr lang="en-US"/>
-              <a:t>, 2018</a:t>
-            </a:r>
-            <a:endParaRPr lang="en-US" dirty="0"/>
+              <a:rPr lang="en-US" dirty="0"/>
+              <a:t>April 26, 2018</a:t>
+            </a:r>
           </a:p>
         </p:txBody>
       </p:sp>
@@ -7774,12 +7752,8 @@
           <a:lstStyle/>
           <a:p>
             <a:r>
-              <a:rPr lang="en-US" dirty="0" err="1"/>
-              <a:t>Aprill</a:t>
-            </a:r>
-            <a:r>
-              <a:rPr lang="en-US" dirty="0"/>
-              <a:t> 26, 2018</a:t>
+              <a:rPr lang="en-US" dirty="0"/>
+              <a:t>April 26, 2018</a:t>
             </a:r>
           </a:p>
         </p:txBody>
@@ -7924,11 +7898,10 @@
           <a:bodyPr/>
           <a:lstStyle/>
           <a:p>
-            <a:fld id="{582F525F-F280-904A-8B95-120BA1BA5DAA}" type="datetime4">
-              <a:rPr lang="en-US" smtClean="0"/>
-              <a:t>April 24, 2018</a:t>
-            </a:fld>
-            <a:endParaRPr lang="en-US" dirty="0"/>
+            <a:r>
+              <a:rPr lang="en-US" dirty="0"/>
+              <a:t>April 26, 2018</a:t>
+            </a:r>
           </a:p>
         </p:txBody>
       </p:sp>
@@ -8223,7 +8196,7 @@
         </p:nvSpPr>
         <p:spPr>
           <a:xfrm>
-            <a:off x="5011050" y="4787348"/>
+            <a:off x="5011050" y="4834814"/>
             <a:ext cx="3991226" cy="646331"/>
           </a:xfrm>
           <a:prstGeom prst="rect">
@@ -8380,7 +8353,7 @@
           <a:p>
             <a:r>
               <a:rPr lang="en-US" dirty="0"/>
-              <a:t>April 24, 2018</a:t>
+              <a:t>April 26, 2018</a:t>
             </a:r>
           </a:p>
         </p:txBody>
@@ -8636,11 +8609,10 @@
           <a:bodyPr/>
           <a:lstStyle/>
           <a:p>
-            <a:fld id="{582F525F-F280-904A-8B95-120BA1BA5DAA}" type="datetime4">
-              <a:rPr lang="en-US" smtClean="0"/>
-              <a:t>April 24, 2018</a:t>
-            </a:fld>
-            <a:endParaRPr lang="en-US" dirty="0"/>
+            <a:r>
+              <a:rPr lang="en-US" dirty="0"/>
+              <a:t>April 26, 2018</a:t>
+            </a:r>
           </a:p>
         </p:txBody>
       </p:sp>
@@ -8868,7 +8840,7 @@
           <a:p>
             <a:r>
               <a:rPr lang="en-US" dirty="0"/>
-              <a:t>April 24, 2018</a:t>
+              <a:t>April 26, 2018</a:t>
             </a:r>
           </a:p>
         </p:txBody>
@@ -9019,7 +8991,7 @@
           <a:p>
             <a:r>
               <a:rPr lang="en-US" dirty="0"/>
-              <a:t>April 24, 2018</a:t>
+              <a:t>April 26, 2018</a:t>
             </a:r>
           </a:p>
         </p:txBody>

--- a/presentation/DutileOtentiPhangSweeney.pptx
+++ b/presentation/DutileOtentiPhangSweeney.pptx
@@ -5,10 +5,10 @@
     <p:sldMasterId id="2147483648" r:id="rId1"/>
   </p:sldMasterIdLst>
   <p:notesMasterIdLst>
-    <p:notesMasterId r:id="rId16"/>
+    <p:notesMasterId r:id="rId18"/>
   </p:notesMasterIdLst>
   <p:handoutMasterIdLst>
-    <p:handoutMasterId r:id="rId17"/>
+    <p:handoutMasterId r:id="rId19"/>
   </p:handoutMasterIdLst>
   <p:sldIdLst>
     <p:sldId id="256" r:id="rId2"/>
@@ -16,15 +16,17 @@
     <p:sldId id="283" r:id="rId4"/>
     <p:sldId id="273" r:id="rId5"/>
     <p:sldId id="274" r:id="rId6"/>
-    <p:sldId id="279" r:id="rId7"/>
+    <p:sldId id="285" r:id="rId7"/>
     <p:sldId id="275" r:id="rId8"/>
-    <p:sldId id="271" r:id="rId9"/>
-    <p:sldId id="276" r:id="rId10"/>
-    <p:sldId id="280" r:id="rId11"/>
-    <p:sldId id="281" r:id="rId12"/>
-    <p:sldId id="262" r:id="rId13"/>
-    <p:sldId id="284" r:id="rId14"/>
-    <p:sldId id="261" r:id="rId15"/>
+    <p:sldId id="279" r:id="rId9"/>
+    <p:sldId id="271" r:id="rId10"/>
+    <p:sldId id="276" r:id="rId11"/>
+    <p:sldId id="280" r:id="rId12"/>
+    <p:sldId id="281" r:id="rId13"/>
+    <p:sldId id="286" r:id="rId14"/>
+    <p:sldId id="262" r:id="rId15"/>
+    <p:sldId id="284" r:id="rId16"/>
+    <p:sldId id="261" r:id="rId17"/>
   </p:sldIdLst>
   <p:sldSz cx="9144000" cy="6858000" type="screen4x3"/>
   <p:notesSz cx="6858000" cy="9144000"/>
@@ -795,19 +797,13 @@
           <a:bodyPr/>
           <a:lstStyle/>
           <a:p>
-            <a:r>
-              <a:rPr lang="en-US" dirty="0"/>
-              <a:t>EMILY</a:t>
-            </a:r>
-          </a:p>
-          <a:p>
             <a:pPr marL="171450" indent="-171450">
               <a:buFont typeface="Arial" panose="020B0604020202020204" pitchFamily="34" charset="0"/>
               <a:buChar char="•"/>
             </a:pPr>
             <a:r>
               <a:rPr lang="en-US" dirty="0"/>
-              <a:t>First, preprocessing was 1 job per image. It is a map only job.</a:t>
+              <a:t>ASHA</a:t>
             </a:r>
           </a:p>
           <a:p>
@@ -817,7 +813,7 @@
             </a:pPr>
             <a:r>
               <a:rPr lang="en-US" dirty="0"/>
-              <a:t>Pre-processing transformations 6GB image on 65MB image</a:t>
+              <a:t>No form of randomization</a:t>
             </a:r>
           </a:p>
           <a:p>
@@ -827,7 +823,15 @@
             </a:pPr>
             <a:r>
               <a:rPr lang="en-US" dirty="0"/>
-              <a:t>The training image are fed to the random forest model to train</a:t>
+              <a:t>Didn’t use cross validation from </a:t>
+            </a:r>
+            <a:r>
+              <a:rPr lang="en-US" dirty="0" err="1"/>
+              <a:t>scala</a:t>
+            </a:r>
+            <a:r>
+              <a:rPr lang="en-US" dirty="0"/>
+              <a:t> spark, we implemented ourselves</a:t>
             </a:r>
           </a:p>
           <a:p>
@@ -837,15 +841,15 @@
             </a:pPr>
             <a:r>
               <a:rPr lang="en-US" dirty="0"/>
-              <a:t>We persist the image, which is a job that shuffles the data depending on the the parameters (shuffling correlated with </a:t>
+              <a:t>Use 1,2,3,4 and 6 </a:t>
             </a:r>
             <a:r>
               <a:rPr lang="en-US" dirty="0" err="1"/>
-              <a:t>params</a:t>
-            </a:r>
-            <a:r>
-              <a:rPr lang="en-US" dirty="0"/>
-              <a:t> – it depends more on the depth &amp; number of trees)</a:t>
+              <a:t>bc</a:t>
+            </a:r>
+            <a:r>
+              <a:rPr lang="en-US" dirty="0"/>
+              <a:t> we didn’t want data from test inside train (used 4 image for train, 1 for test). This way NO test sample was used during training.</a:t>
             </a:r>
           </a:p>
           <a:p>
@@ -855,7 +859,7 @@
             </a:pPr>
             <a:r>
               <a:rPr lang="en-US" dirty="0"/>
-              <a:t>Classification job that has a persisted model and it receives only the image that we want to classify</a:t>
+              <a:t>Split dataset into train and test sets</a:t>
             </a:r>
           </a:p>
           <a:p>
@@ -865,7 +869,47 @@
             </a:pPr>
             <a:r>
               <a:rPr lang="en-US" dirty="0"/>
-              <a:t>because our feature vector is small we didn’t see much scaling on this one (firing up more than 4 workers isn’t necessary)</a:t>
+              <a:t>Train the model</a:t>
+            </a:r>
+          </a:p>
+          <a:p>
+            <a:pPr marL="171450" indent="-171450">
+              <a:buFont typeface="Arial" panose="020B0604020202020204" pitchFamily="34" charset="0"/>
+              <a:buChar char="•"/>
+            </a:pPr>
+            <a:r>
+              <a:rPr lang="en-US" dirty="0"/>
+              <a:t>Predict with both training and testing</a:t>
+            </a:r>
+          </a:p>
+          <a:p>
+            <a:pPr marL="171450" indent="-171450">
+              <a:buFont typeface="Arial" panose="020B0604020202020204" pitchFamily="34" charset="0"/>
+              <a:buChar char="•"/>
+            </a:pPr>
+            <a:r>
+              <a:rPr lang="en-US" dirty="0"/>
+              <a:t>Measure error in the predictions (in both sets)</a:t>
+            </a:r>
+          </a:p>
+          <a:p>
+            <a:pPr marL="171450" indent="-171450">
+              <a:buFont typeface="Arial" panose="020B0604020202020204" pitchFamily="34" charset="0"/>
+              <a:buChar char="•"/>
+            </a:pPr>
+            <a:r>
+              <a:rPr lang="en-US" dirty="0"/>
+              <a:t>Compare the error of the two data sets</a:t>
+            </a:r>
+          </a:p>
+          <a:p>
+            <a:pPr marL="171450" indent="-171450">
+              <a:buFont typeface="Arial" panose="020B0604020202020204" pitchFamily="34" charset="0"/>
+              <a:buChar char="•"/>
+            </a:pPr>
+            <a:r>
+              <a:rPr lang="en-US" dirty="0"/>
+              <a:t>Trained on diff images and tested</a:t>
             </a:r>
           </a:p>
         </p:txBody>
@@ -896,7 +940,7 @@
     </p:spTree>
     <p:extLst>
       <p:ext uri="{BB962C8B-B14F-4D97-AF65-F5344CB8AC3E}">
-        <p14:creationId xmlns:p14="http://schemas.microsoft.com/office/powerpoint/2010/main" val="3737493002"/>
+        <p14:creationId xmlns:p14="http://schemas.microsoft.com/office/powerpoint/2010/main" val="3104478743"/>
       </p:ext>
     </p:extLst>
   </p:cSld>
@@ -956,40 +1000,13 @@
             </a:r>
           </a:p>
           <a:p>
-            <a:endParaRPr lang="en-US" dirty="0"/>
-          </a:p>
-          <a:p>
-            <a:r>
-              <a:rPr lang="en-US" dirty="0"/>
-              <a:t>Highlight best model</a:t>
-            </a:r>
-          </a:p>
-          <a:p>
-            <a:r>
-              <a:rPr lang="en-US" dirty="0"/>
-              <a:t>* Right table shows scaling of training</a:t>
-            </a:r>
-          </a:p>
-          <a:p>
-            <a:r>
-              <a:rPr lang="en-US" dirty="0"/>
-              <a:t>What was scaling of processing – parallel</a:t>
-            </a:r>
-          </a:p>
-          <a:p>
-            <a:r>
-              <a:rPr lang="en-US" dirty="0"/>
-              <a:t>Classification – not that parallel (small feature vectors, fit into 65MB for 1 image, then make splits on this thing). If we split beyond 4 parts, the time it takes to fire up other machines it is expensive. </a:t>
-            </a:r>
-          </a:p>
-          <a:p>
             <a:pPr marL="171450" indent="-171450">
               <a:buFont typeface="Arial" panose="020B0604020202020204" pitchFamily="34" charset="0"/>
               <a:buChar char="•"/>
             </a:pPr>
             <a:r>
               <a:rPr lang="en-US" dirty="0"/>
-              <a:t>After 4 workers, which is 16 splits, no real scaling </a:t>
+              <a:t>First, preprocessing was 1 job per image. It is a map only job.</a:t>
             </a:r>
           </a:p>
           <a:p>
@@ -997,43 +1014,19 @@
               <a:buFont typeface="Arial" panose="020B0604020202020204" pitchFamily="34" charset="0"/>
               <a:buChar char="•"/>
             </a:pPr>
-            <a:endParaRPr lang="en-US" dirty="0"/>
+            <a:r>
+              <a:rPr lang="en-US" dirty="0"/>
+              <a:t>Pre-processing transformations 6GB image on 65MB image</a:t>
+            </a:r>
           </a:p>
           <a:p>
             <a:pPr marL="171450" indent="-171450">
               <a:buFont typeface="Arial" panose="020B0604020202020204" pitchFamily="34" charset="0"/>
               <a:buChar char="•"/>
             </a:pPr>
-            <a:endParaRPr lang="en-US" dirty="0"/>
-          </a:p>
-          <a:p>
-            <a:r>
-              <a:rPr lang="en-US" dirty="0"/>
-              <a:t>IMAGE 2 = validation, train on the rest of the data.</a:t>
-            </a:r>
-          </a:p>
-          <a:p>
-            <a:r>
-              <a:rPr lang="en-US" dirty="0"/>
-              <a:t>Base accuracy = total number of samples / negatives</a:t>
-            </a:r>
-          </a:p>
-          <a:p>
-            <a:r>
-              <a:rPr lang="en-US" dirty="0"/>
-              <a:t>Best = TN + TP / total</a:t>
-            </a:r>
-          </a:p>
-          <a:p>
-            <a:r>
-              <a:rPr lang="en-US" dirty="0"/>
-              <a:t>Don’t have as good sensitivity for foreground. Getting a better sensitivity for foreground we lose on background.</a:t>
-            </a:r>
-          </a:p>
-          <a:p>
-            <a:r>
-              <a:rPr lang="en-US" dirty="0"/>
-              <a:t>Similar to classifying patients with cancer, by selecting accuracy metric – true negatives is important. Have the smallest false positive rate.</a:t>
+            <a:r>
+              <a:rPr lang="en-US" dirty="0"/>
+              <a:t>The training image are fed to the random forest model to train</a:t>
             </a:r>
           </a:p>
           <a:p>
@@ -1041,7 +1034,38 @@
               <a:buFont typeface="Arial" panose="020B0604020202020204" pitchFamily="34" charset="0"/>
               <a:buChar char="•"/>
             </a:pPr>
-            <a:endParaRPr lang="en-US" dirty="0"/>
+            <a:r>
+              <a:rPr lang="en-US" dirty="0"/>
+              <a:t>We persist the image, which is a job that shuffles the data depending on the the parameters (shuffling correlated with </a:t>
+            </a:r>
+            <a:r>
+              <a:rPr lang="en-US" dirty="0" err="1"/>
+              <a:t>params</a:t>
+            </a:r>
+            <a:r>
+              <a:rPr lang="en-US" dirty="0"/>
+              <a:t> – it depends more on the depth &amp; number of trees)</a:t>
+            </a:r>
+          </a:p>
+          <a:p>
+            <a:pPr marL="171450" indent="-171450">
+              <a:buFont typeface="Arial" panose="020B0604020202020204" pitchFamily="34" charset="0"/>
+              <a:buChar char="•"/>
+            </a:pPr>
+            <a:r>
+              <a:rPr lang="en-US" dirty="0"/>
+              <a:t>Classification job that has a persisted model and it receives only the image that we want to classify</a:t>
+            </a:r>
+          </a:p>
+          <a:p>
+            <a:pPr marL="171450" indent="-171450">
+              <a:buFont typeface="Arial" panose="020B0604020202020204" pitchFamily="34" charset="0"/>
+              <a:buChar char="•"/>
+            </a:pPr>
+            <a:r>
+              <a:rPr lang="en-US" dirty="0"/>
+              <a:t>because our feature vector is small we didn’t see much scaling on this one (firing up more than 4 workers isn’t necessary)</a:t>
+            </a:r>
           </a:p>
         </p:txBody>
       </p:sp>
@@ -1071,7 +1095,7 @@
     </p:spTree>
     <p:extLst>
       <p:ext uri="{BB962C8B-B14F-4D97-AF65-F5344CB8AC3E}">
-        <p14:creationId xmlns:p14="http://schemas.microsoft.com/office/powerpoint/2010/main" val="663596552"/>
+        <p14:creationId xmlns:p14="http://schemas.microsoft.com/office/powerpoint/2010/main" val="3737493002"/>
       </p:ext>
     </p:extLst>
   </p:cSld>
@@ -1127,8 +1151,96 @@
           <a:p>
             <a:r>
               <a:rPr lang="en-US" dirty="0"/>
-              <a:t>NATE</a:t>
-            </a:r>
+              <a:t>EMILY</a:t>
+            </a:r>
+          </a:p>
+          <a:p>
+            <a:endParaRPr lang="en-US" dirty="0"/>
+          </a:p>
+          <a:p>
+            <a:r>
+              <a:rPr lang="en-US" dirty="0"/>
+              <a:t>Highlight best model</a:t>
+            </a:r>
+          </a:p>
+          <a:p>
+            <a:r>
+              <a:rPr lang="en-US" dirty="0"/>
+              <a:t>* Right table shows scaling of training</a:t>
+            </a:r>
+          </a:p>
+          <a:p>
+            <a:r>
+              <a:rPr lang="en-US" dirty="0"/>
+              <a:t>What was scaling of processing – parallel</a:t>
+            </a:r>
+          </a:p>
+          <a:p>
+            <a:r>
+              <a:rPr lang="en-US" dirty="0"/>
+              <a:t>Classification – not that parallel (small feature vectors, fit into 65MB for 1 image, then make splits on this thing). If we split beyond 4 parts, the time it takes to fire up other machines it is expensive. </a:t>
+            </a:r>
+          </a:p>
+          <a:p>
+            <a:pPr marL="171450" indent="-171450">
+              <a:buFont typeface="Arial" panose="020B0604020202020204" pitchFamily="34" charset="0"/>
+              <a:buChar char="•"/>
+            </a:pPr>
+            <a:r>
+              <a:rPr lang="en-US" dirty="0"/>
+              <a:t>After 4 workers, which is 16 splits, no real scaling </a:t>
+            </a:r>
+          </a:p>
+          <a:p>
+            <a:pPr marL="171450" indent="-171450">
+              <a:buFont typeface="Arial" panose="020B0604020202020204" pitchFamily="34" charset="0"/>
+              <a:buChar char="•"/>
+            </a:pPr>
+            <a:endParaRPr lang="en-US" dirty="0"/>
+          </a:p>
+          <a:p>
+            <a:pPr marL="171450" indent="-171450">
+              <a:buFont typeface="Arial" panose="020B0604020202020204" pitchFamily="34" charset="0"/>
+              <a:buChar char="•"/>
+            </a:pPr>
+            <a:endParaRPr lang="en-US" dirty="0"/>
+          </a:p>
+          <a:p>
+            <a:r>
+              <a:rPr lang="en-US" dirty="0"/>
+              <a:t>IMAGE 2 = validation, train on the rest of the data.</a:t>
+            </a:r>
+          </a:p>
+          <a:p>
+            <a:r>
+              <a:rPr lang="en-US" dirty="0"/>
+              <a:t>Base accuracy = total number of samples / negatives</a:t>
+            </a:r>
+          </a:p>
+          <a:p>
+            <a:r>
+              <a:rPr lang="en-US" dirty="0"/>
+              <a:t>Best = TN + TP / total</a:t>
+            </a:r>
+          </a:p>
+          <a:p>
+            <a:r>
+              <a:rPr lang="en-US" dirty="0"/>
+              <a:t>Don’t have as good sensitivity for foreground. Getting a better sensitivity for foreground we lose on background.</a:t>
+            </a:r>
+          </a:p>
+          <a:p>
+            <a:r>
+              <a:rPr lang="en-US" dirty="0"/>
+              <a:t>Similar to classifying patients with cancer, by selecting accuracy metric – true negatives is important. Have the smallest false positive rate.</a:t>
+            </a:r>
+          </a:p>
+          <a:p>
+            <a:pPr marL="171450" indent="-171450">
+              <a:buFont typeface="Arial" panose="020B0604020202020204" pitchFamily="34" charset="0"/>
+              <a:buChar char="•"/>
+            </a:pPr>
+            <a:endParaRPr lang="en-US" dirty="0"/>
           </a:p>
         </p:txBody>
       </p:sp>
@@ -1158,7 +1270,7 @@
     </p:spTree>
     <p:extLst>
       <p:ext uri="{BB962C8B-B14F-4D97-AF65-F5344CB8AC3E}">
-        <p14:creationId xmlns:p14="http://schemas.microsoft.com/office/powerpoint/2010/main" val="1580661599"/>
+        <p14:creationId xmlns:p14="http://schemas.microsoft.com/office/powerpoint/2010/main" val="663596552"/>
       </p:ext>
     </p:extLst>
   </p:cSld>
@@ -1214,7 +1326,7 @@
           <a:p>
             <a:r>
               <a:rPr lang="en-US" dirty="0"/>
-              <a:t>TRISTAN</a:t>
+              <a:t>NATE</a:t>
             </a:r>
           </a:p>
         </p:txBody>
@@ -1236,7 +1348,94 @@
           <a:p>
             <a:fld id="{1B8B4FD3-9156-3F45-86A6-2A512E7D4DAE}" type="slidenum">
               <a:rPr lang="en-US" smtClean="0"/>
-              <a:t>13</a:t>
+              <a:t>14</a:t>
+            </a:fld>
+            <a:endParaRPr lang="en-US"/>
+          </a:p>
+        </p:txBody>
+      </p:sp>
+    </p:spTree>
+    <p:extLst>
+      <p:ext uri="{BB962C8B-B14F-4D97-AF65-F5344CB8AC3E}">
+        <p14:creationId xmlns:p14="http://schemas.microsoft.com/office/powerpoint/2010/main" val="1580661599"/>
+      </p:ext>
+    </p:extLst>
+  </p:cSld>
+  <p:clrMapOvr>
+    <a:masterClrMapping/>
+  </p:clrMapOvr>
+</p:notes>
+</file>
+
+<file path=ppt/notesSlides/notesSlide14.xml><?xml version="1.0" encoding="utf-8"?>
+<p:notes xmlns:a="http://schemas.openxmlformats.org/drawingml/2006/main" xmlns:r="http://schemas.openxmlformats.org/officeDocument/2006/relationships" xmlns:p="http://schemas.openxmlformats.org/presentationml/2006/main">
+  <p:cSld>
+    <p:spTree>
+      <p:nvGrpSpPr>
+        <p:cNvPr id="1" name=""/>
+        <p:cNvGrpSpPr/>
+        <p:nvPr/>
+      </p:nvGrpSpPr>
+      <p:grpSpPr>
+        <a:xfrm>
+          <a:off x="0" y="0"/>
+          <a:ext cx="0" cy="0"/>
+          <a:chOff x="0" y="0"/>
+          <a:chExt cx="0" cy="0"/>
+        </a:xfrm>
+      </p:grpSpPr>
+      <p:sp>
+        <p:nvSpPr>
+          <p:cNvPr id="2" name="Slide Image Placeholder 1"/>
+          <p:cNvSpPr>
+            <a:spLocks noGrp="1" noRot="1" noChangeAspect="1"/>
+          </p:cNvSpPr>
+          <p:nvPr>
+            <p:ph type="sldImg"/>
+          </p:nvPr>
+        </p:nvSpPr>
+        <p:spPr/>
+      </p:sp>
+      <p:sp>
+        <p:nvSpPr>
+          <p:cNvPr id="3" name="Notes Placeholder 2"/>
+          <p:cNvSpPr>
+            <a:spLocks noGrp="1"/>
+          </p:cNvSpPr>
+          <p:nvPr>
+            <p:ph type="body" idx="1"/>
+          </p:nvPr>
+        </p:nvSpPr>
+        <p:spPr/>
+        <p:txBody>
+          <a:bodyPr/>
+          <a:lstStyle/>
+          <a:p>
+            <a:r>
+              <a:rPr lang="en-US" dirty="0"/>
+              <a:t>TRISTAN</a:t>
+            </a:r>
+          </a:p>
+        </p:txBody>
+      </p:sp>
+      <p:sp>
+        <p:nvSpPr>
+          <p:cNvPr id="4" name="Slide Number Placeholder 3"/>
+          <p:cNvSpPr>
+            <a:spLocks noGrp="1"/>
+          </p:cNvSpPr>
+          <p:nvPr>
+            <p:ph type="sldNum" sz="quarter" idx="10"/>
+          </p:nvPr>
+        </p:nvSpPr>
+        <p:spPr/>
+        <p:txBody>
+          <a:bodyPr/>
+          <a:lstStyle/>
+          <a:p>
+            <a:fld id="{1B8B4FD3-9156-3F45-86A6-2A512E7D4DAE}" type="slidenum">
+              <a:rPr lang="en-US" smtClean="0"/>
+              <a:t>15</a:t>
             </a:fld>
             <a:endParaRPr lang="en-US"/>
           </a:p>
@@ -1708,115 +1907,6 @@
               </a:rPr>
               <a:t>Features selected (small feature vector): center pixel, overall # of pixels &gt; threshold, FFT</a:t>
             </a:r>
-          </a:p>
-          <a:p>
-            <a:pPr marL="171450" indent="-171450">
-              <a:buFont typeface="Arial" panose="020B0604020202020204" pitchFamily="34" charset="0"/>
-              <a:buChar char="•"/>
-            </a:pPr>
-            <a:r>
-              <a:rPr lang="en-US" sz="1200" b="0" i="0" kern="1200" dirty="0">
-                <a:solidFill>
-                  <a:schemeClr val="tx1"/>
-                </a:solidFill>
-                <a:effectLst/>
-                <a:latin typeface="+mn-lt"/>
-                <a:ea typeface="+mn-ea"/>
-                <a:cs typeface="+mn-cs"/>
-              </a:rPr>
-              <a:t>We looked at the distribution of the data to identify class imbalance - a term used to describe when a target class within a data set is outnumbered by another target class (or classes). This can create misleading accuracy metrics, known as an accuracy paradox</a:t>
-            </a:r>
-          </a:p>
-          <a:p>
-            <a:pPr marL="171450" indent="-171450">
-              <a:buFont typeface="Arial" panose="020B0604020202020204" pitchFamily="34" charset="0"/>
-              <a:buChar char="•"/>
-            </a:pPr>
-            <a:r>
-              <a:rPr lang="en-US" sz="1200" b="0" i="0" kern="1200" dirty="0">
-                <a:solidFill>
-                  <a:schemeClr val="tx1"/>
-                </a:solidFill>
-                <a:effectLst/>
-                <a:latin typeface="+mn-lt"/>
-                <a:ea typeface="+mn-ea"/>
-                <a:cs typeface="+mn-cs"/>
-              </a:rPr>
-              <a:t>CENTER VALUE FOR FOREGROUND WAS MUCH LARGER</a:t>
-            </a:r>
-          </a:p>
-          <a:p>
-            <a:pPr marL="171450" indent="-171450">
-              <a:buFont typeface="Arial" panose="020B0604020202020204" pitchFamily="34" charset="0"/>
-              <a:buChar char="•"/>
-            </a:pPr>
-            <a:r>
-              <a:rPr lang="en-US" sz="1200" b="0" i="0" kern="1200" dirty="0">
-                <a:solidFill>
-                  <a:schemeClr val="tx1"/>
-                </a:solidFill>
-                <a:effectLst/>
-                <a:latin typeface="+mn-lt"/>
-                <a:ea typeface="+mn-ea"/>
-                <a:cs typeface="+mn-cs"/>
-              </a:rPr>
-              <a:t>Decision tree and RF splits the samples on the features</a:t>
-            </a:r>
-          </a:p>
-          <a:p>
-            <a:pPr marL="171450" indent="-171450">
-              <a:buFont typeface="Arial" panose="020B0604020202020204" pitchFamily="34" charset="0"/>
-              <a:buChar char="•"/>
-            </a:pPr>
-            <a:r>
-              <a:rPr lang="en-US" sz="1200" b="0" i="0" kern="1200" dirty="0">
-                <a:solidFill>
-                  <a:schemeClr val="tx1"/>
-                </a:solidFill>
-                <a:effectLst/>
-                <a:latin typeface="+mn-lt"/>
-                <a:ea typeface="+mn-ea"/>
-                <a:cs typeface="+mn-cs"/>
-              </a:rPr>
-              <a:t>Foreground image has a higher value than background</a:t>
-            </a:r>
-          </a:p>
-          <a:p>
-            <a:pPr marL="171450" marR="0" lvl="0" indent="-171450" algn="l" defTabSz="457200" rtl="0" eaLnBrk="1" fontAlgn="auto" latinLnBrk="0" hangingPunct="1">
-              <a:lnSpc>
-                <a:spcPct val="100000"/>
-              </a:lnSpc>
-              <a:spcBef>
-                <a:spcPts val="0"/>
-              </a:spcBef>
-              <a:spcAft>
-                <a:spcPts val="0"/>
-              </a:spcAft>
-              <a:buClrTx/>
-              <a:buSzTx/>
-              <a:buFont typeface="Arial" panose="020B0604020202020204" pitchFamily="34" charset="0"/>
-              <a:buChar char="•"/>
-              <a:tabLst/>
-              <a:defRPr/>
-            </a:pPr>
-            <a:r>
-              <a:rPr lang="en-US" sz="1200" b="0" i="0" kern="1200" dirty="0">
-                <a:solidFill>
-                  <a:schemeClr val="tx1"/>
-                </a:solidFill>
-                <a:effectLst/>
-                <a:latin typeface="+mn-lt"/>
-                <a:ea typeface="+mn-ea"/>
-                <a:cs typeface="+mn-cs"/>
-              </a:rPr>
-              <a:t>FEATURE VECTOR = Bottom image = feature vector image with preprocessed data</a:t>
-            </a:r>
-          </a:p>
-          <a:p>
-            <a:pPr marL="171450" indent="-171450">
-              <a:buFont typeface="Arial" panose="020B0604020202020204" pitchFamily="34" charset="0"/>
-              <a:buChar char="•"/>
-            </a:pPr>
             <a:endParaRPr lang="en-US" dirty="0"/>
           </a:p>
           <a:p>
@@ -1930,7 +2020,7 @@
                 <a:ea typeface="+mn-ea"/>
                 <a:cs typeface="+mn-cs"/>
               </a:rPr>
-              <a:t>TRISTAN</a:t>
+              <a:t>CENTER VALUE FOR FOREGROUND WAS MUCH LARGER</a:t>
             </a:r>
           </a:p>
           <a:p>
@@ -1948,7 +2038,7 @@
                 <a:ea typeface="+mn-ea"/>
                 <a:cs typeface="+mn-cs"/>
               </a:rPr>
-              <a:t>Ran a subset of samples, Using cross validation, we can create multiple training and test sets and average the scores to give us a less biased metric.</a:t>
+              <a:t>Decision tree and RF splits the samples on the features</a:t>
             </a:r>
           </a:p>
           <a:p>
@@ -1966,61 +2056,7 @@
                 <a:ea typeface="+mn-ea"/>
                 <a:cs typeface="+mn-cs"/>
               </a:rPr>
-              <a:t>Decision trees, RF, AdaBoost ensembles doing best</a:t>
-            </a:r>
-          </a:p>
-          <a:p>
-            <a:pPr marL="171450" indent="-171450">
-              <a:buFont typeface="Arial" panose="020B0604020202020204" pitchFamily="34" charset="0"/>
-              <a:buChar char="•"/>
-            </a:pPr>
-            <a:r>
-              <a:rPr lang="en-US" sz="1200" b="0" i="0" kern="1200" dirty="0">
-                <a:solidFill>
-                  <a:schemeClr val="tx1"/>
-                </a:solidFill>
-                <a:effectLst/>
-                <a:latin typeface="+mn-lt"/>
-                <a:ea typeface="+mn-ea"/>
-                <a:cs typeface="+mn-cs"/>
-              </a:rPr>
-              <a:t>RF scaled the best with framework</a:t>
-            </a:r>
-          </a:p>
-          <a:p>
-            <a:pPr marL="171450" indent="-171450">
-              <a:buFont typeface="Arial" panose="020B0604020202020204" pitchFamily="34" charset="0"/>
-              <a:buChar char="•"/>
-            </a:pPr>
-            <a:r>
-              <a:rPr lang="en-US" sz="1200" b="0" i="0" kern="1200" dirty="0">
-                <a:solidFill>
-                  <a:schemeClr val="tx1"/>
-                </a:solidFill>
-                <a:effectLst/>
-                <a:latin typeface="+mn-lt"/>
-                <a:ea typeface="+mn-ea"/>
-                <a:cs typeface="+mn-cs"/>
-              </a:rPr>
-              <a:t>Image shows subset of samples as background or foreground</a:t>
-            </a:r>
-          </a:p>
-          <a:p>
-            <a:pPr marL="171450" indent="-171450">
-              <a:buFont typeface="Arial" panose="020B0604020202020204" pitchFamily="34" charset="0"/>
-              <a:buChar char="•"/>
-            </a:pPr>
-            <a:r>
-              <a:rPr lang="en-US" sz="1200" b="0" i="0" kern="1200" dirty="0">
-                <a:solidFill>
-                  <a:schemeClr val="tx1"/>
-                </a:solidFill>
-                <a:effectLst/>
-                <a:latin typeface="+mn-lt"/>
-                <a:ea typeface="+mn-ea"/>
-                <a:cs typeface="+mn-cs"/>
-              </a:rPr>
-              <a:t>Red = background, blue = foreground</a:t>
+              <a:t>Foreground image has a higher value than background</a:t>
             </a:r>
           </a:p>
         </p:txBody>
@@ -2051,7 +2087,7 @@
     </p:spTree>
     <p:extLst>
       <p:ext uri="{BB962C8B-B14F-4D97-AF65-F5344CB8AC3E}">
-        <p14:creationId xmlns:p14="http://schemas.microsoft.com/office/powerpoint/2010/main" val="2973449022"/>
+        <p14:creationId xmlns:p14="http://schemas.microsoft.com/office/powerpoint/2010/main" val="2775825680"/>
       </p:ext>
     </p:extLst>
   </p:cSld>
@@ -2194,8 +2230,16 @@
               <a:buChar char="•"/>
             </a:pPr>
             <a:r>
-              <a:rPr lang="en-US" dirty="0"/>
-              <a:t>ASHA</a:t>
+              <a:rPr lang="en-US" sz="1200" b="0" i="0" kern="1200" dirty="0">
+                <a:solidFill>
+                  <a:schemeClr val="tx1"/>
+                </a:solidFill>
+                <a:effectLst/>
+                <a:latin typeface="+mn-lt"/>
+                <a:ea typeface="+mn-ea"/>
+                <a:cs typeface="+mn-cs"/>
+              </a:rPr>
+              <a:t>TRISTAN</a:t>
             </a:r>
           </a:p>
           <a:p>
@@ -2204,14 +2248,17 @@
               <a:buChar char="•"/>
             </a:pPr>
             <a:r>
-              <a:rPr lang="en-US" dirty="0"/>
-              <a:t>Use following parameters – got from </a:t>
-            </a:r>
-            <a:r>
-              <a:rPr lang="en-US" dirty="0" err="1"/>
-              <a:t>paramgridbuilder</a:t>
-            </a:r>
-            <a:endParaRPr lang="en-US" dirty="0"/>
+              <a:rPr lang="en-US" sz="1200" b="0" i="0" kern="1200" dirty="0">
+                <a:solidFill>
+                  <a:schemeClr val="tx1"/>
+                </a:solidFill>
+                <a:effectLst/>
+                <a:latin typeface="+mn-lt"/>
+                <a:ea typeface="+mn-ea"/>
+                <a:cs typeface="+mn-cs"/>
+              </a:rPr>
+              <a:t>Ran a subset of samples, Using cross validation, we can create multiple training and test sets and average the scores to give us a less biased metric.</a:t>
+            </a:r>
           </a:p>
           <a:p>
             <a:pPr marL="171450" indent="-171450">
@@ -2219,8 +2266,70 @@
               <a:buChar char="•"/>
             </a:pPr>
             <a:r>
-              <a:rPr lang="en-US" dirty="0"/>
-              <a:t>Gini used since it doesn't require to compute logarithmic functions (which is calculated in entropy), which are computationally intensive.</a:t>
+              <a:rPr lang="en-US" sz="1200" b="0" i="0" kern="1200" dirty="0">
+                <a:solidFill>
+                  <a:schemeClr val="tx1"/>
+                </a:solidFill>
+                <a:effectLst/>
+                <a:latin typeface="+mn-lt"/>
+                <a:ea typeface="+mn-ea"/>
+                <a:cs typeface="+mn-cs"/>
+              </a:rPr>
+              <a:t>Decision trees, RF, AdaBoost ensembles doing best</a:t>
+            </a:r>
+          </a:p>
+          <a:p>
+            <a:pPr marL="171450" indent="-171450">
+              <a:buFont typeface="Arial" panose="020B0604020202020204" pitchFamily="34" charset="0"/>
+              <a:buChar char="•"/>
+            </a:pPr>
+            <a:r>
+              <a:rPr lang="en-US" sz="1200" b="0" i="0" kern="1200" dirty="0">
+                <a:solidFill>
+                  <a:schemeClr val="tx1"/>
+                </a:solidFill>
+                <a:effectLst/>
+                <a:latin typeface="+mn-lt"/>
+                <a:ea typeface="+mn-ea"/>
+                <a:cs typeface="+mn-cs"/>
+              </a:rPr>
+              <a:t>RF scaled the best with framework</a:t>
+            </a:r>
+          </a:p>
+          <a:p>
+            <a:pPr marL="171450" indent="-171450">
+              <a:buFont typeface="Arial" panose="020B0604020202020204" pitchFamily="34" charset="0"/>
+              <a:buChar char="•"/>
+            </a:pPr>
+            <a:r>
+              <a:rPr lang="en-US" sz="1200" b="0" i="0" kern="1200" dirty="0">
+                <a:solidFill>
+                  <a:schemeClr val="tx1"/>
+                </a:solidFill>
+                <a:effectLst/>
+                <a:latin typeface="+mn-lt"/>
+                <a:ea typeface="+mn-ea"/>
+                <a:cs typeface="+mn-cs"/>
+              </a:rPr>
+              <a:t>Image shows subset of samples as background or foreground</a:t>
+            </a:r>
+          </a:p>
+          <a:p>
+            <a:pPr marL="171450" indent="-171450">
+              <a:buFont typeface="Arial" panose="020B0604020202020204" pitchFamily="34" charset="0"/>
+              <a:buChar char="•"/>
+            </a:pPr>
+            <a:r>
+              <a:rPr lang="en-US" sz="1200" b="0" i="0" kern="1200" dirty="0">
+                <a:solidFill>
+                  <a:schemeClr val="tx1"/>
+                </a:solidFill>
+                <a:effectLst/>
+                <a:latin typeface="+mn-lt"/>
+                <a:ea typeface="+mn-ea"/>
+                <a:cs typeface="+mn-cs"/>
+              </a:rPr>
+              <a:t>Red = background, blue = foreground</a:t>
             </a:r>
           </a:p>
         </p:txBody>
@@ -2251,7 +2360,7 @@
     </p:spTree>
     <p:extLst>
       <p:ext uri="{BB962C8B-B14F-4D97-AF65-F5344CB8AC3E}">
-        <p14:creationId xmlns:p14="http://schemas.microsoft.com/office/powerpoint/2010/main" val="698586686"/>
+        <p14:creationId xmlns:p14="http://schemas.microsoft.com/office/powerpoint/2010/main" val="2973449022"/>
       </p:ext>
     </p:extLst>
   </p:cSld>
@@ -2321,8 +2430,13 @@
             </a:pPr>
             <a:r>
               <a:rPr lang="en-US" dirty="0"/>
-              <a:t>No form of randomization</a:t>
-            </a:r>
+              <a:t>Use following parameters – got from </a:t>
+            </a:r>
+            <a:r>
+              <a:rPr lang="en-US" dirty="0" err="1"/>
+              <a:t>paramgridbuilder</a:t>
+            </a:r>
+            <a:endParaRPr lang="en-US" dirty="0"/>
           </a:p>
           <a:p>
             <a:pPr marL="171450" indent="-171450">
@@ -2331,93 +2445,7 @@
             </a:pPr>
             <a:r>
               <a:rPr lang="en-US" dirty="0"/>
-              <a:t>Didn’t use cross validation from </a:t>
-            </a:r>
-            <a:r>
-              <a:rPr lang="en-US" dirty="0" err="1"/>
-              <a:t>scala</a:t>
-            </a:r>
-            <a:r>
-              <a:rPr lang="en-US" dirty="0"/>
-              <a:t> spark, we implemented ourselves</a:t>
-            </a:r>
-          </a:p>
-          <a:p>
-            <a:pPr marL="171450" indent="-171450">
-              <a:buFont typeface="Arial" panose="020B0604020202020204" pitchFamily="34" charset="0"/>
-              <a:buChar char="•"/>
-            </a:pPr>
-            <a:r>
-              <a:rPr lang="en-US" dirty="0"/>
-              <a:t>Use 1,2,3,4 and 6 </a:t>
-            </a:r>
-            <a:r>
-              <a:rPr lang="en-US" dirty="0" err="1"/>
-              <a:t>bc</a:t>
-            </a:r>
-            <a:r>
-              <a:rPr lang="en-US" dirty="0"/>
-              <a:t> we didn’t want data from test inside train (used 4 image for train, 1 for test). This way NO test sample was used during training.</a:t>
-            </a:r>
-          </a:p>
-          <a:p>
-            <a:pPr marL="171450" indent="-171450">
-              <a:buFont typeface="Arial" panose="020B0604020202020204" pitchFamily="34" charset="0"/>
-              <a:buChar char="•"/>
-            </a:pPr>
-            <a:r>
-              <a:rPr lang="en-US" dirty="0"/>
-              <a:t>Split dataset into train and test sets</a:t>
-            </a:r>
-          </a:p>
-          <a:p>
-            <a:pPr marL="171450" indent="-171450">
-              <a:buFont typeface="Arial" panose="020B0604020202020204" pitchFamily="34" charset="0"/>
-              <a:buChar char="•"/>
-            </a:pPr>
-            <a:r>
-              <a:rPr lang="en-US" dirty="0"/>
-              <a:t>Train the model</a:t>
-            </a:r>
-          </a:p>
-          <a:p>
-            <a:pPr marL="171450" indent="-171450">
-              <a:buFont typeface="Arial" panose="020B0604020202020204" pitchFamily="34" charset="0"/>
-              <a:buChar char="•"/>
-            </a:pPr>
-            <a:r>
-              <a:rPr lang="en-US" dirty="0"/>
-              <a:t>Predict with both training and testing</a:t>
-            </a:r>
-          </a:p>
-          <a:p>
-            <a:pPr marL="171450" indent="-171450">
-              <a:buFont typeface="Arial" panose="020B0604020202020204" pitchFamily="34" charset="0"/>
-              <a:buChar char="•"/>
-            </a:pPr>
-            <a:r>
-              <a:rPr lang="en-US" dirty="0"/>
-              <a:t>Measure error in the predictions (in both sets)</a:t>
-            </a:r>
-          </a:p>
-          <a:p>
-            <a:pPr marL="171450" indent="-171450">
-              <a:buFont typeface="Arial" panose="020B0604020202020204" pitchFamily="34" charset="0"/>
-              <a:buChar char="•"/>
-            </a:pPr>
-            <a:r>
-              <a:rPr lang="en-US" dirty="0"/>
-              <a:t>Compare the error of the two data sets</a:t>
-            </a:r>
-          </a:p>
-          <a:p>
-            <a:pPr marL="171450" indent="-171450">
-              <a:buFont typeface="Arial" panose="020B0604020202020204" pitchFamily="34" charset="0"/>
-              <a:buChar char="•"/>
-            </a:pPr>
-            <a:r>
-              <a:rPr lang="en-US" dirty="0"/>
-              <a:t>Trained on diff images and tested</a:t>
+              <a:t>Gini used since it doesn't require to compute logarithmic functions (which is calculated in entropy), which are computationally intensive.</a:t>
             </a:r>
           </a:p>
         </p:txBody>
@@ -2448,7 +2476,7 @@
     </p:spTree>
     <p:extLst>
       <p:ext uri="{BB962C8B-B14F-4D97-AF65-F5344CB8AC3E}">
-        <p14:creationId xmlns:p14="http://schemas.microsoft.com/office/powerpoint/2010/main" val="3104478743"/>
+        <p14:creationId xmlns:p14="http://schemas.microsoft.com/office/powerpoint/2010/main" val="698586686"/>
       </p:ext>
     </p:extLst>
   </p:cSld>
@@ -4760,6 +4788,162 @@
       </p:grpSpPr>
       <p:sp>
         <p:nvSpPr>
+          <p:cNvPr id="2" name="Title 1"/>
+          <p:cNvSpPr>
+            <a:spLocks noGrp="1"/>
+          </p:cNvSpPr>
+          <p:nvPr>
+            <p:ph type="title"/>
+          </p:nvPr>
+        </p:nvSpPr>
+        <p:spPr/>
+        <p:txBody>
+          <a:bodyPr>
+            <a:normAutofit fontScale="90000"/>
+          </a:bodyPr>
+          <a:lstStyle/>
+          <a:p>
+            <a:r>
+              <a:rPr lang="en-US" dirty="0"/>
+              <a:t>Splitting the Dataset</a:t>
+            </a:r>
+          </a:p>
+        </p:txBody>
+      </p:sp>
+      <p:sp>
+        <p:nvSpPr>
+          <p:cNvPr id="3" name="Content Placeholder 2"/>
+          <p:cNvSpPr>
+            <a:spLocks noGrp="1"/>
+          </p:cNvSpPr>
+          <p:nvPr>
+            <p:ph idx="1"/>
+          </p:nvPr>
+        </p:nvSpPr>
+        <p:spPr>
+          <a:xfrm>
+            <a:off x="457200" y="1475874"/>
+            <a:ext cx="8229600" cy="4650289"/>
+          </a:xfrm>
+        </p:spPr>
+        <p:txBody>
+          <a:bodyPr>
+            <a:normAutofit/>
+          </a:bodyPr>
+          <a:lstStyle/>
+          <a:p>
+            <a:r>
+              <a:rPr lang="en-US" dirty="0"/>
+              <a:t>Training &amp; Test data (image 1,2,3,4,6)</a:t>
+            </a:r>
+          </a:p>
+          <a:p>
+            <a:r>
+              <a:rPr lang="en-US" dirty="0"/>
+              <a:t>Validation data (image 5)</a:t>
+            </a:r>
+          </a:p>
+        </p:txBody>
+      </p:sp>
+      <p:sp>
+        <p:nvSpPr>
+          <p:cNvPr id="4" name="Date Placeholder 3"/>
+          <p:cNvSpPr>
+            <a:spLocks noGrp="1"/>
+          </p:cNvSpPr>
+          <p:nvPr>
+            <p:ph type="dt" sz="half" idx="10"/>
+          </p:nvPr>
+        </p:nvSpPr>
+        <p:spPr/>
+        <p:txBody>
+          <a:bodyPr/>
+          <a:lstStyle/>
+          <a:p>
+            <a:r>
+              <a:rPr lang="en-US" dirty="0"/>
+              <a:t>April 26, 2018</a:t>
+            </a:r>
+          </a:p>
+        </p:txBody>
+      </p:sp>
+      <p:sp>
+        <p:nvSpPr>
+          <p:cNvPr id="5" name="Footer Placeholder 4"/>
+          <p:cNvSpPr>
+            <a:spLocks noGrp="1"/>
+          </p:cNvSpPr>
+          <p:nvPr>
+            <p:ph type="ftr" sz="quarter" idx="11"/>
+          </p:nvPr>
+        </p:nvSpPr>
+        <p:spPr/>
+        <p:txBody>
+          <a:bodyPr/>
+          <a:lstStyle/>
+          <a:p>
+            <a:r>
+              <a:rPr lang="en-US" dirty="0"/>
+              <a:t>Classifying High-Resolution Brain Scans</a:t>
+            </a:r>
+          </a:p>
+        </p:txBody>
+      </p:sp>
+      <p:sp>
+        <p:nvSpPr>
+          <p:cNvPr id="6" name="Slide Number Placeholder 5"/>
+          <p:cNvSpPr>
+            <a:spLocks noGrp="1"/>
+          </p:cNvSpPr>
+          <p:nvPr>
+            <p:ph type="sldNum" sz="quarter" idx="12"/>
+          </p:nvPr>
+        </p:nvSpPr>
+        <p:spPr/>
+        <p:txBody>
+          <a:bodyPr/>
+          <a:lstStyle/>
+          <a:p>
+            <a:fld id="{A85782A5-310D-064D-97B2-7CD9DCF5F4D7}" type="slidenum">
+              <a:rPr lang="en-US" smtClean="0"/>
+              <a:t>10</a:t>
+            </a:fld>
+            <a:endParaRPr lang="en-US"/>
+          </a:p>
+        </p:txBody>
+      </p:sp>
+    </p:spTree>
+    <p:extLst>
+      <p:ext uri="{BB962C8B-B14F-4D97-AF65-F5344CB8AC3E}">
+        <p14:creationId xmlns:p14="http://schemas.microsoft.com/office/powerpoint/2010/main" val="404897761"/>
+      </p:ext>
+    </p:extLst>
+  </p:cSld>
+  <p:clrMapOvr>
+    <a:masterClrMapping/>
+  </p:clrMapOvr>
+</p:sld>
+</file>
+
+<file path=ppt/slides/slide11.xml><?xml version="1.0" encoding="utf-8"?>
+<p:sld xmlns:a="http://schemas.openxmlformats.org/drawingml/2006/main" xmlns:r="http://schemas.openxmlformats.org/officeDocument/2006/relationships" xmlns:p="http://schemas.openxmlformats.org/presentationml/2006/main">
+  <p:cSld>
+    <p:spTree>
+      <p:nvGrpSpPr>
+        <p:cNvPr id="1" name=""/>
+        <p:cNvGrpSpPr/>
+        <p:nvPr/>
+      </p:nvGrpSpPr>
+      <p:grpSpPr>
+        <a:xfrm>
+          <a:off x="0" y="0"/>
+          <a:ext cx="0" cy="0"/>
+          <a:chOff x="0" y="0"/>
+          <a:chExt cx="0" cy="0"/>
+        </a:xfrm>
+      </p:grpSpPr>
+      <p:sp>
+        <p:nvSpPr>
           <p:cNvPr id="2" name="Title 1">
             <a:extLst>
               <a:ext uri="{FF2B5EF4-FFF2-40B4-BE49-F238E27FC236}">
@@ -4788,7 +4972,7 @@
           <a:p>
             <a:r>
               <a:rPr lang="en-US" dirty="0"/>
-              <a:t>Application Pipeline</a:t>
+              <a:t>Spark Application Pipeline</a:t>
             </a:r>
           </a:p>
         </p:txBody>
@@ -4811,7 +4995,7 @@
         </p:nvSpPr>
         <p:spPr>
           <a:xfrm>
-            <a:off x="457199" y="6629040"/>
+            <a:off x="457199" y="6677166"/>
             <a:ext cx="2291085" cy="228959"/>
           </a:xfrm>
         </p:spPr>
@@ -4844,7 +5028,7 @@
         </p:nvSpPr>
         <p:spPr>
           <a:xfrm>
-            <a:off x="812385" y="6273754"/>
+            <a:off x="812385" y="6321880"/>
             <a:ext cx="7874415" cy="303487"/>
           </a:xfrm>
         </p:spPr>
@@ -4878,7 +5062,7 @@
         </p:nvSpPr>
         <p:spPr>
           <a:xfrm>
-            <a:off x="7594784" y="6630561"/>
+            <a:off x="7594784" y="6678687"/>
             <a:ext cx="1092016" cy="226932"/>
           </a:xfrm>
         </p:spPr>
@@ -4888,7 +5072,7 @@
           <a:p>
             <a:fld id="{A85782A5-310D-064D-97B2-7CD9DCF5F4D7}" type="slidenum">
               <a:rPr lang="en-US" smtClean="0"/>
-              <a:t>10</a:t>
+              <a:t>11</a:t>
             </a:fld>
             <a:endParaRPr lang="en-US"/>
           </a:p>
@@ -4908,7 +5092,7 @@
         </p:nvSpPr>
         <p:spPr>
           <a:xfrm>
-            <a:off x="4678854" y="2927663"/>
+            <a:off x="4678854" y="2975789"/>
             <a:ext cx="2727433" cy="1603745"/>
           </a:xfrm>
           <a:prstGeom prst="rect">
@@ -4968,7 +5152,7 @@
         </p:nvSpPr>
         <p:spPr>
           <a:xfrm>
-            <a:off x="1737713" y="1605450"/>
+            <a:off x="1737713" y="1653576"/>
             <a:ext cx="5668574" cy="746795"/>
           </a:xfrm>
           <a:prstGeom prst="rect">
@@ -5028,7 +5212,7 @@
         </p:nvSpPr>
         <p:spPr>
           <a:xfrm>
-            <a:off x="1696826" y="5053191"/>
+            <a:off x="1696826" y="5101317"/>
             <a:ext cx="2908875" cy="746795"/>
           </a:xfrm>
           <a:prstGeom prst="rect">
@@ -5088,7 +5272,7 @@
         </p:nvSpPr>
         <p:spPr>
           <a:xfrm rot="16200000" flipH="1">
-            <a:off x="5547453" y="4245650"/>
+            <a:off x="5547453" y="4293776"/>
             <a:ext cx="1265096" cy="1845097"/>
           </a:xfrm>
           <a:prstGeom prst="bentUpArrow">
@@ -5138,7 +5322,7 @@
         </p:nvSpPr>
         <p:spPr>
           <a:xfrm>
-            <a:off x="6698512" y="2352245"/>
+            <a:off x="6698512" y="2400371"/>
             <a:ext cx="255181" cy="575418"/>
           </a:xfrm>
           <a:prstGeom prst="downArrow">
@@ -5188,7 +5372,7 @@
         </p:nvSpPr>
         <p:spPr>
           <a:xfrm>
-            <a:off x="5990737" y="2357261"/>
+            <a:off x="5990737" y="2405387"/>
             <a:ext cx="255181" cy="575418"/>
           </a:xfrm>
           <a:prstGeom prst="downArrow">
@@ -5238,7 +5422,7 @@
         </p:nvSpPr>
         <p:spPr>
           <a:xfrm>
-            <a:off x="5257452" y="2357261"/>
+            <a:off x="5257452" y="2405387"/>
             <a:ext cx="255181" cy="575418"/>
           </a:xfrm>
           <a:prstGeom prst="downArrow">
@@ -5288,7 +5472,7 @@
         </p:nvSpPr>
         <p:spPr>
           <a:xfrm>
-            <a:off x="6698512" y="1269976"/>
+            <a:off x="6698512" y="1318102"/>
             <a:ext cx="255181" cy="324808"/>
           </a:xfrm>
           <a:prstGeom prst="downArrow">
@@ -5338,7 +5522,7 @@
         </p:nvSpPr>
         <p:spPr>
           <a:xfrm>
-            <a:off x="5990737" y="1274992"/>
+            <a:off x="5990737" y="1323118"/>
             <a:ext cx="255181" cy="324808"/>
           </a:xfrm>
           <a:prstGeom prst="downArrow">
@@ -5388,7 +5572,7 @@
         </p:nvSpPr>
         <p:spPr>
           <a:xfrm>
-            <a:off x="5257452" y="1274992"/>
+            <a:off x="5257452" y="1323118"/>
             <a:ext cx="255181" cy="324808"/>
           </a:xfrm>
           <a:prstGeom prst="downArrow">
@@ -5438,7 +5622,7 @@
         </p:nvCxnSpPr>
         <p:spPr>
           <a:xfrm>
-            <a:off x="4678854" y="1269976"/>
+            <a:off x="4678854" y="1318102"/>
             <a:ext cx="0" cy="1082269"/>
           </a:xfrm>
           <a:prstGeom prst="line">
@@ -5480,7 +5664,7 @@
         </p:nvSpPr>
         <p:spPr>
           <a:xfrm>
-            <a:off x="1715651" y="1232822"/>
+            <a:off x="1715651" y="1280948"/>
             <a:ext cx="255181" cy="324808"/>
           </a:xfrm>
           <a:prstGeom prst="downArrow">
@@ -5530,7 +5714,7 @@
         </p:nvSpPr>
         <p:spPr>
           <a:xfrm>
-            <a:off x="1133349" y="878648"/>
+            <a:off x="979021" y="992366"/>
             <a:ext cx="938783" cy="369332"/>
           </a:xfrm>
           <a:prstGeom prst="rect">
@@ -5571,7 +5755,7 @@
         </p:nvSpPr>
         <p:spPr>
           <a:xfrm>
-            <a:off x="2153968" y="1677165"/>
+            <a:off x="2153968" y="1725291"/>
             <a:ext cx="1472519" cy="646331"/>
           </a:xfrm>
           <a:prstGeom prst="rect">
@@ -5613,7 +5797,7 @@
         </p:nvSpPr>
         <p:spPr>
           <a:xfrm>
-            <a:off x="4818405" y="3508097"/>
+            <a:off x="4818405" y="3556223"/>
             <a:ext cx="2531719" cy="369332"/>
           </a:xfrm>
           <a:prstGeom prst="rect">
@@ -5648,7 +5832,7 @@
         </p:nvSpPr>
         <p:spPr>
           <a:xfrm>
-            <a:off x="5293311" y="1809978"/>
+            <a:off x="5293311" y="1858104"/>
             <a:ext cx="1833194" cy="369332"/>
           </a:xfrm>
           <a:prstGeom prst="rect">
@@ -5683,7 +5867,7 @@
         </p:nvSpPr>
         <p:spPr>
           <a:xfrm>
-            <a:off x="2029802" y="5125031"/>
+            <a:off x="2029802" y="5173157"/>
             <a:ext cx="2242922" cy="646331"/>
           </a:xfrm>
           <a:prstGeom prst="rect">
@@ -5726,7 +5910,7 @@
         </p:nvSpPr>
         <p:spPr>
           <a:xfrm>
-            <a:off x="3369991" y="5853306"/>
+            <a:off x="3369991" y="5901432"/>
             <a:ext cx="255181" cy="324808"/>
           </a:xfrm>
           <a:prstGeom prst="downArrow">
@@ -5776,7 +5960,7 @@
         </p:nvSpPr>
         <p:spPr>
           <a:xfrm>
-            <a:off x="3601892" y="5936427"/>
+            <a:off x="3601892" y="5984553"/>
             <a:ext cx="868956" cy="369332"/>
           </a:xfrm>
           <a:prstGeom prst="rect">
@@ -5815,7 +5999,7 @@
         </p:nvSpPr>
         <p:spPr>
           <a:xfrm>
-            <a:off x="2748284" y="2431784"/>
+            <a:off x="2748284" y="2479910"/>
             <a:ext cx="255181" cy="2610126"/>
           </a:xfrm>
           <a:prstGeom prst="downArrow">
@@ -5865,7 +6049,7 @@
         </p:nvSpPr>
         <p:spPr>
           <a:xfrm flipH="1" flipV="1">
-            <a:off x="2182425" y="4051907"/>
+            <a:off x="2182425" y="4100033"/>
             <a:ext cx="634309" cy="997999"/>
           </a:xfrm>
           <a:prstGeom prst="bentUpArrow">
@@ -5915,7 +6099,7 @@
         </p:nvSpPr>
         <p:spPr>
           <a:xfrm rot="10800000" flipH="1">
-            <a:off x="2935014" y="4051906"/>
+            <a:off x="2935014" y="4100032"/>
             <a:ext cx="634309" cy="988207"/>
           </a:xfrm>
           <a:prstGeom prst="bentUpArrow">
@@ -5965,7 +6149,7 @@
         </p:nvSpPr>
         <p:spPr>
           <a:xfrm>
-            <a:off x="6968932" y="1156579"/>
+            <a:off x="6968932" y="1204705"/>
             <a:ext cx="1717868" cy="369332"/>
           </a:xfrm>
           <a:prstGeom prst="rect">
@@ -6006,7 +6190,7 @@
         </p:nvSpPr>
         <p:spPr>
           <a:xfrm>
-            <a:off x="3569323" y="4570321"/>
+            <a:off x="3569323" y="4618447"/>
             <a:ext cx="1624932" cy="369332"/>
           </a:xfrm>
           <a:prstGeom prst="rect">
@@ -6045,7 +6229,7 @@
         </p:nvSpPr>
         <p:spPr>
           <a:xfrm>
-            <a:off x="7073108" y="4553319"/>
+            <a:off x="7073108" y="4601445"/>
             <a:ext cx="805029" cy="369332"/>
           </a:xfrm>
           <a:prstGeom prst="rect">
@@ -6084,7 +6268,7 @@
         </p:nvSpPr>
         <p:spPr>
           <a:xfrm>
-            <a:off x="2236835" y="1063314"/>
+            <a:off x="2236835" y="1111440"/>
             <a:ext cx="2507097" cy="523220"/>
           </a:xfrm>
           <a:prstGeom prst="rect">
@@ -6133,7 +6317,7 @@
         </p:nvSpPr>
         <p:spPr>
           <a:xfrm>
-            <a:off x="6985334" y="2409523"/>
+            <a:off x="6985334" y="2457649"/>
             <a:ext cx="1988016" cy="369332"/>
           </a:xfrm>
           <a:prstGeom prst="rect">
@@ -6174,7 +6358,7 @@
         </p:nvSpPr>
         <p:spPr>
           <a:xfrm>
-            <a:off x="7565035" y="2739137"/>
+            <a:off x="7565035" y="2787263"/>
             <a:ext cx="1121765" cy="1200329"/>
           </a:xfrm>
           <a:prstGeom prst="rect">
@@ -6214,7 +6398,7 @@
         </p:nvSpPr>
         <p:spPr>
           <a:xfrm>
-            <a:off x="126767" y="4922651"/>
+            <a:off x="126767" y="4970777"/>
             <a:ext cx="1489800" cy="923330"/>
           </a:xfrm>
           <a:prstGeom prst="rect">
@@ -6254,7 +6438,7 @@
         </p:nvSpPr>
         <p:spPr>
           <a:xfrm>
-            <a:off x="129146" y="1152109"/>
+            <a:off x="114201" y="1390918"/>
             <a:ext cx="1558435" cy="954107"/>
           </a:xfrm>
           <a:prstGeom prst="rect">
@@ -6292,7 +6476,7 @@
 </p:sld>
 </file>
 
-<file path=ppt/slides/slide11.xml><?xml version="1.0" encoding="utf-8"?>
+<file path=ppt/slides/slide12.xml><?xml version="1.0" encoding="utf-8"?>
 <p:sld xmlns:a="http://schemas.openxmlformats.org/drawingml/2006/main" xmlns:r="http://schemas.openxmlformats.org/officeDocument/2006/relationships" xmlns:p="http://schemas.openxmlformats.org/presentationml/2006/main">
   <p:cSld>
     <p:spTree>
@@ -6394,7 +6578,7 @@
           <a:p>
             <a:fld id="{A85782A5-310D-064D-97B2-7CD9DCF5F4D7}" type="slidenum">
               <a:rPr lang="en-US" smtClean="0"/>
-              <a:t>11</a:t>
+              <a:t>12</a:t>
             </a:fld>
             <a:endParaRPr lang="en-US"/>
           </a:p>
@@ -6414,7 +6598,7 @@
         </p:nvSpPr>
         <p:spPr>
           <a:xfrm>
-            <a:off x="0" y="1799772"/>
+            <a:off x="176463" y="2105338"/>
             <a:ext cx="1145542" cy="646331"/>
           </a:xfrm>
           <a:prstGeom prst="rect">
@@ -6449,7 +6633,7 @@
         </p:nvSpPr>
         <p:spPr>
           <a:xfrm>
-            <a:off x="23722" y="2924078"/>
+            <a:off x="200185" y="3229644"/>
             <a:ext cx="1244600" cy="369332"/>
           </a:xfrm>
           <a:prstGeom prst="rect">
@@ -6484,7 +6668,7 @@
         </p:nvSpPr>
         <p:spPr>
           <a:xfrm>
-            <a:off x="23722" y="3929252"/>
+            <a:off x="200185" y="4234818"/>
             <a:ext cx="1244600" cy="369332"/>
           </a:xfrm>
           <a:prstGeom prst="rect">
@@ -6519,8 +6703,8 @@
         </p:nvSpPr>
         <p:spPr>
           <a:xfrm>
-            <a:off x="1120900" y="5332370"/>
-            <a:ext cx="3724609" cy="646331"/>
+            <a:off x="5169586" y="3447769"/>
+            <a:ext cx="3443872" cy="646331"/>
           </a:xfrm>
           <a:prstGeom prst="rect">
             <a:avLst/>
@@ -6562,7 +6746,7 @@
         </p:blipFill>
         <p:spPr>
           <a:xfrm>
-            <a:off x="812385" y="1356309"/>
+            <a:off x="988848" y="1661875"/>
             <a:ext cx="3776758" cy="3915779"/>
           </a:xfrm>
           <a:prstGeom prst="rect">
@@ -6592,7 +6776,7 @@
         </p:blipFill>
         <p:spPr>
           <a:xfrm>
-            <a:off x="5391436" y="1356309"/>
+            <a:off x="4953446" y="2222670"/>
             <a:ext cx="3733354" cy="1089794"/>
           </a:xfrm>
           <a:prstGeom prst="rect">
@@ -6613,8 +6797,8 @@
           <p:nvPr/>
         </p:nvSpPr>
         <p:spPr>
-          <a:xfrm>
-            <a:off x="143872" y="4708540"/>
+          <a:xfrm rot="10800000">
+            <a:off x="4765606" y="4982068"/>
             <a:ext cx="668513" cy="589447"/>
           </a:xfrm>
           <a:prstGeom prst="rightArrow">
@@ -6657,36 +6841,6 @@
           </a:p>
         </p:txBody>
       </p:sp>
-      <p:pic>
-        <p:nvPicPr>
-          <p:cNvPr id="15" name="Picture 14">
-            <a:extLst>
-              <a:ext uri="{FF2B5EF4-FFF2-40B4-BE49-F238E27FC236}">
-                <a16:creationId xmlns:a16="http://schemas.microsoft.com/office/drawing/2014/main" id="{3F2843F9-DF95-854B-8582-3D82FB14EA42}"/>
-              </a:ext>
-            </a:extLst>
-          </p:cNvPr>
-          <p:cNvPicPr>
-            <a:picLocks noChangeAspect="1"/>
-          </p:cNvPicPr>
-          <p:nvPr/>
-        </p:nvPicPr>
-        <p:blipFill>
-          <a:blip r:embed="rId5"/>
-          <a:stretch>
-            <a:fillRect/>
-          </a:stretch>
-        </p:blipFill>
-        <p:spPr>
-          <a:xfrm>
-            <a:off x="4749592" y="2446103"/>
-            <a:ext cx="4630808" cy="3722610"/>
-          </a:xfrm>
-          <a:prstGeom prst="rect">
-            <a:avLst/>
-          </a:prstGeom>
-        </p:spPr>
-      </p:pic>
       <p:sp>
         <p:nvSpPr>
           <p:cNvPr id="3" name="TextBox 2">
@@ -6701,7 +6855,7 @@
         </p:nvSpPr>
         <p:spPr>
           <a:xfrm>
-            <a:off x="5377806" y="1101965"/>
+            <a:off x="4939816" y="1968326"/>
             <a:ext cx="2594941" cy="369332"/>
           </a:xfrm>
           <a:prstGeom prst="rect">
@@ -6736,7 +6890,7 @@
         </p:nvSpPr>
         <p:spPr>
           <a:xfrm>
-            <a:off x="824537" y="1098030"/>
+            <a:off x="1001000" y="1403596"/>
             <a:ext cx="2280624" cy="369332"/>
           </a:xfrm>
           <a:prstGeom prst="rect">
@@ -6757,131 +6911,45 @@
           </a:p>
         </p:txBody>
       </p:sp>
+      <p:sp>
+        <p:nvSpPr>
+          <p:cNvPr id="7" name="TextBox 6">
+            <a:extLst>
+              <a:ext uri="{FF2B5EF4-FFF2-40B4-BE49-F238E27FC236}">
+                <a16:creationId xmlns:a16="http://schemas.microsoft.com/office/drawing/2014/main" id="{FFC0C99F-D78B-4742-A35E-05E6C9ADCF66}"/>
+              </a:ext>
+            </a:extLst>
+          </p:cNvPr>
+          <p:cNvSpPr txBox="1"/>
+          <p:nvPr/>
+        </p:nvSpPr>
+        <p:spPr>
+          <a:xfrm>
+            <a:off x="5603492" y="5092126"/>
+            <a:ext cx="1698542" cy="369332"/>
+          </a:xfrm>
+          <a:prstGeom prst="rect">
+            <a:avLst/>
+          </a:prstGeom>
+          <a:noFill/>
+        </p:spPr>
+        <p:txBody>
+          <a:bodyPr wrap="none" rtlCol="0">
+            <a:spAutoFit/>
+          </a:bodyPr>
+          <a:lstStyle/>
+          <a:p>
+            <a:r>
+              <a:rPr lang="en-US" b="1" dirty="0"/>
+              <a:t>the best model!</a:t>
+            </a:r>
+          </a:p>
+        </p:txBody>
+      </p:sp>
     </p:spTree>
     <p:extLst>
       <p:ext uri="{BB962C8B-B14F-4D97-AF65-F5344CB8AC3E}">
         <p14:creationId xmlns:p14="http://schemas.microsoft.com/office/powerpoint/2010/main" val="4066051979"/>
-      </p:ext>
-    </p:extLst>
-  </p:cSld>
-  <p:clrMapOvr>
-    <a:masterClrMapping/>
-  </p:clrMapOvr>
-</p:sld>
-</file>
-
-<file path=ppt/slides/slide12.xml><?xml version="1.0" encoding="utf-8"?>
-<p:sld xmlns:a="http://schemas.openxmlformats.org/drawingml/2006/main" xmlns:r="http://schemas.openxmlformats.org/officeDocument/2006/relationships" xmlns:p="http://schemas.openxmlformats.org/presentationml/2006/main">
-  <p:cSld>
-    <p:spTree>
-      <p:nvGrpSpPr>
-        <p:cNvPr id="1" name=""/>
-        <p:cNvGrpSpPr/>
-        <p:nvPr/>
-      </p:nvGrpSpPr>
-      <p:grpSpPr>
-        <a:xfrm>
-          <a:off x="0" y="0"/>
-          <a:ext cx="0" cy="0"/>
-          <a:chOff x="0" y="0"/>
-          <a:chExt cx="0" cy="0"/>
-        </a:xfrm>
-      </p:grpSpPr>
-      <p:sp>
-        <p:nvSpPr>
-          <p:cNvPr id="2" name="Title 1"/>
-          <p:cNvSpPr>
-            <a:spLocks noGrp="1"/>
-          </p:cNvSpPr>
-          <p:nvPr>
-            <p:ph type="title"/>
-          </p:nvPr>
-        </p:nvSpPr>
-        <p:spPr/>
-        <p:txBody>
-          <a:bodyPr>
-            <a:normAutofit fontScale="90000"/>
-          </a:bodyPr>
-          <a:lstStyle/>
-          <a:p>
-            <a:r>
-              <a:rPr lang="en-US" dirty="0"/>
-              <a:t>Single Machine Results</a:t>
-            </a:r>
-          </a:p>
-        </p:txBody>
-      </p:sp>
-      <p:sp>
-        <p:nvSpPr>
-          <p:cNvPr id="4" name="Date Placeholder 3"/>
-          <p:cNvSpPr>
-            <a:spLocks noGrp="1"/>
-          </p:cNvSpPr>
-          <p:nvPr>
-            <p:ph type="dt" sz="half" idx="10"/>
-          </p:nvPr>
-        </p:nvSpPr>
-        <p:spPr/>
-        <p:txBody>
-          <a:bodyPr/>
-          <a:lstStyle/>
-          <a:p>
-            <a:r>
-              <a:rPr lang="en-US" dirty="0"/>
-              <a:t>April 26, 2018</a:t>
-            </a:r>
-          </a:p>
-        </p:txBody>
-      </p:sp>
-      <p:sp>
-        <p:nvSpPr>
-          <p:cNvPr id="5" name="Footer Placeholder 4"/>
-          <p:cNvSpPr>
-            <a:spLocks noGrp="1"/>
-          </p:cNvSpPr>
-          <p:nvPr>
-            <p:ph type="ftr" sz="quarter" idx="11"/>
-          </p:nvPr>
-        </p:nvSpPr>
-        <p:spPr/>
-        <p:txBody>
-          <a:bodyPr/>
-          <a:lstStyle/>
-          <a:p>
-            <a:r>
-              <a:rPr lang="en-US" dirty="0"/>
-              <a:t>Classifying High-Resolution Brain Scans</a:t>
-            </a:r>
-          </a:p>
-        </p:txBody>
-      </p:sp>
-      <p:sp>
-        <p:nvSpPr>
-          <p:cNvPr id="6" name="Slide Number Placeholder 5"/>
-          <p:cNvSpPr>
-            <a:spLocks noGrp="1"/>
-          </p:cNvSpPr>
-          <p:nvPr>
-            <p:ph type="sldNum" sz="quarter" idx="12"/>
-          </p:nvPr>
-        </p:nvSpPr>
-        <p:spPr/>
-        <p:txBody>
-          <a:bodyPr/>
-          <a:lstStyle/>
-          <a:p>
-            <a:fld id="{A85782A5-310D-064D-97B2-7CD9DCF5F4D7}" type="slidenum">
-              <a:rPr lang="en-US" smtClean="0"/>
-              <a:t>12</a:t>
-            </a:fld>
-            <a:endParaRPr lang="en-US"/>
-          </a:p>
-        </p:txBody>
-      </p:sp>
-    </p:spTree>
-    <p:extLst>
-      <p:ext uri="{BB962C8B-B14F-4D97-AF65-F5344CB8AC3E}">
-        <p14:creationId xmlns:p14="http://schemas.microsoft.com/office/powerpoint/2010/main" val="1500565145"/>
       </p:ext>
     </p:extLst>
   </p:cSld>
@@ -6913,7 +6981,7 @@
           <p:cNvPr id="2" name="Title 1">
             <a:extLst>
               <a:ext uri="{FF2B5EF4-FFF2-40B4-BE49-F238E27FC236}">
-                <a16:creationId xmlns:a16="http://schemas.microsoft.com/office/drawing/2014/main" id="{75017719-AC84-EC48-8634-0D585D1D6469}"/>
+                <a16:creationId xmlns:a16="http://schemas.microsoft.com/office/drawing/2014/main" id="{50CAC2F5-668A-894A-AEEF-31EDD50C71E4}"/>
               </a:ext>
             </a:extLst>
           </p:cNvPr>
@@ -6933,17 +7001,17 @@
           <a:p>
             <a:r>
               <a:rPr lang="en-US" dirty="0"/>
-              <a:t>Conclusion</a:t>
-            </a:r>
-          </a:p>
-        </p:txBody>
-      </p:sp>
-      <p:sp>
-        <p:nvSpPr>
-          <p:cNvPr id="3" name="Content Placeholder 2">
+              <a:t>Parallel Results – Cont.</a:t>
+            </a:r>
+          </a:p>
+        </p:txBody>
+      </p:sp>
+      <p:sp>
+        <p:nvSpPr>
+          <p:cNvPr id="4" name="Date Placeholder 3">
             <a:extLst>
               <a:ext uri="{FF2B5EF4-FFF2-40B4-BE49-F238E27FC236}">
-                <a16:creationId xmlns:a16="http://schemas.microsoft.com/office/drawing/2014/main" id="{69054E7C-2BCC-C442-BFD4-78BA3E0B6A16}"/>
+                <a16:creationId xmlns:a16="http://schemas.microsoft.com/office/drawing/2014/main" id="{0651DD29-D135-4145-A22A-BD6FB555F898}"/>
               </a:ext>
             </a:extLst>
           </p:cNvPr>
@@ -6951,7 +7019,7 @@
             <a:spLocks noGrp="1"/>
           </p:cNvSpPr>
           <p:nvPr>
-            <p:ph idx="1"/>
+            <p:ph type="dt" sz="half" idx="10"/>
           </p:nvPr>
         </p:nvSpPr>
         <p:spPr/>
@@ -6960,21 +7028,25 @@
           <a:lstStyle/>
           <a:p>
             <a:r>
-              <a:rPr lang="en-US" dirty="0"/>
-              <a:t>99.57% - Spark</a:t>
-            </a:r>
-          </a:p>
-          <a:p>
+              <a:rPr lang="en-US"/>
+              <a:t>April 26</a:t>
+            </a:r>
+          </a:p>
+          <a:p>
+            <a:r>
+              <a:rPr lang="en-US"/>
+              <a:t>, 2018</a:t>
+            </a:r>
             <a:endParaRPr lang="en-US" dirty="0"/>
           </a:p>
         </p:txBody>
       </p:sp>
       <p:sp>
         <p:nvSpPr>
-          <p:cNvPr id="4" name="Date Placeholder 3">
+          <p:cNvPr id="5" name="Footer Placeholder 4">
             <a:extLst>
               <a:ext uri="{FF2B5EF4-FFF2-40B4-BE49-F238E27FC236}">
-                <a16:creationId xmlns:a16="http://schemas.microsoft.com/office/drawing/2014/main" id="{1FFA86AD-7603-E34C-BF3E-F7DB8B2D8E43}"/>
+                <a16:creationId xmlns:a16="http://schemas.microsoft.com/office/drawing/2014/main" id="{50FF0C31-28C6-4F4A-AB5A-7088D4002862}"/>
               </a:ext>
             </a:extLst>
           </p:cNvPr>
@@ -6982,34 +7054,6 @@
             <a:spLocks noGrp="1"/>
           </p:cNvSpPr>
           <p:nvPr>
-            <p:ph type="dt" sz="half" idx="10"/>
-          </p:nvPr>
-        </p:nvSpPr>
-        <p:spPr/>
-        <p:txBody>
-          <a:bodyPr/>
-          <a:lstStyle/>
-          <a:p>
-            <a:r>
-              <a:rPr lang="en-US" dirty="0"/>
-              <a:t>April 26, 2018</a:t>
-            </a:r>
-          </a:p>
-        </p:txBody>
-      </p:sp>
-      <p:sp>
-        <p:nvSpPr>
-          <p:cNvPr id="5" name="Footer Placeholder 4">
-            <a:extLst>
-              <a:ext uri="{FF2B5EF4-FFF2-40B4-BE49-F238E27FC236}">
-                <a16:creationId xmlns:a16="http://schemas.microsoft.com/office/drawing/2014/main" id="{DCE103E8-3126-CC4D-871F-ECE83166BC19}"/>
-              </a:ext>
-            </a:extLst>
-          </p:cNvPr>
-          <p:cNvSpPr>
-            <a:spLocks noGrp="1"/>
-          </p:cNvSpPr>
-          <p:nvPr>
             <p:ph type="ftr" sz="quarter" idx="11"/>
           </p:nvPr>
         </p:nvSpPr>
@@ -7031,7 +7075,7 @@
           <p:cNvPr id="6" name="Slide Number Placeholder 5">
             <a:extLst>
               <a:ext uri="{FF2B5EF4-FFF2-40B4-BE49-F238E27FC236}">
-                <a16:creationId xmlns:a16="http://schemas.microsoft.com/office/drawing/2014/main" id="{5592808E-2182-C545-A0D1-306E3886A578}"/>
+                <a16:creationId xmlns:a16="http://schemas.microsoft.com/office/drawing/2014/main" id="{850E6C4C-E188-1B4A-B451-5182D786837D}"/>
               </a:ext>
             </a:extLst>
           </p:cNvPr>
@@ -7055,10 +7099,40 @@
           </a:p>
         </p:txBody>
       </p:sp>
+      <p:pic>
+        <p:nvPicPr>
+          <p:cNvPr id="7" name="Picture 6">
+            <a:extLst>
+              <a:ext uri="{FF2B5EF4-FFF2-40B4-BE49-F238E27FC236}">
+                <a16:creationId xmlns:a16="http://schemas.microsoft.com/office/drawing/2014/main" id="{E21E6372-DE03-0240-A3BE-F7F4674ABC4D}"/>
+              </a:ext>
+            </a:extLst>
+          </p:cNvPr>
+          <p:cNvPicPr>
+            <a:picLocks noChangeAspect="1"/>
+          </p:cNvPicPr>
+          <p:nvPr/>
+        </p:nvPicPr>
+        <p:blipFill>
+          <a:blip r:embed="rId2"/>
+          <a:stretch>
+            <a:fillRect/>
+          </a:stretch>
+        </p:blipFill>
+        <p:spPr>
+          <a:xfrm>
+            <a:off x="1542741" y="1140480"/>
+            <a:ext cx="6058517" cy="4870315"/>
+          </a:xfrm>
+          <a:prstGeom prst="rect">
+            <a:avLst/>
+          </a:prstGeom>
+        </p:spPr>
+      </p:pic>
     </p:spTree>
     <p:extLst>
       <p:ext uri="{BB962C8B-B14F-4D97-AF65-F5344CB8AC3E}">
-        <p14:creationId xmlns:p14="http://schemas.microsoft.com/office/powerpoint/2010/main" val="4239048240"/>
+        <p14:creationId xmlns:p14="http://schemas.microsoft.com/office/powerpoint/2010/main" val="4003271640"/>
       </p:ext>
     </p:extLst>
   </p:cSld>
@@ -7087,6 +7161,304 @@
       </p:grpSpPr>
       <p:sp>
         <p:nvSpPr>
+          <p:cNvPr id="2" name="Title 1"/>
+          <p:cNvSpPr>
+            <a:spLocks noGrp="1"/>
+          </p:cNvSpPr>
+          <p:nvPr>
+            <p:ph type="title"/>
+          </p:nvPr>
+        </p:nvSpPr>
+        <p:spPr/>
+        <p:txBody>
+          <a:bodyPr>
+            <a:normAutofit fontScale="90000"/>
+          </a:bodyPr>
+          <a:lstStyle/>
+          <a:p>
+            <a:r>
+              <a:rPr lang="en-US" dirty="0"/>
+              <a:t>Single Machine Results</a:t>
+            </a:r>
+          </a:p>
+        </p:txBody>
+      </p:sp>
+      <p:sp>
+        <p:nvSpPr>
+          <p:cNvPr id="4" name="Date Placeholder 3"/>
+          <p:cNvSpPr>
+            <a:spLocks noGrp="1"/>
+          </p:cNvSpPr>
+          <p:nvPr>
+            <p:ph type="dt" sz="half" idx="10"/>
+          </p:nvPr>
+        </p:nvSpPr>
+        <p:spPr/>
+        <p:txBody>
+          <a:bodyPr/>
+          <a:lstStyle/>
+          <a:p>
+            <a:r>
+              <a:rPr lang="en-US" dirty="0"/>
+              <a:t>April 26, 2018</a:t>
+            </a:r>
+          </a:p>
+        </p:txBody>
+      </p:sp>
+      <p:sp>
+        <p:nvSpPr>
+          <p:cNvPr id="5" name="Footer Placeholder 4"/>
+          <p:cNvSpPr>
+            <a:spLocks noGrp="1"/>
+          </p:cNvSpPr>
+          <p:nvPr>
+            <p:ph type="ftr" sz="quarter" idx="11"/>
+          </p:nvPr>
+        </p:nvSpPr>
+        <p:spPr/>
+        <p:txBody>
+          <a:bodyPr/>
+          <a:lstStyle/>
+          <a:p>
+            <a:r>
+              <a:rPr lang="en-US" dirty="0"/>
+              <a:t>Classifying High-Resolution Brain Scans</a:t>
+            </a:r>
+          </a:p>
+        </p:txBody>
+      </p:sp>
+      <p:sp>
+        <p:nvSpPr>
+          <p:cNvPr id="6" name="Slide Number Placeholder 5"/>
+          <p:cNvSpPr>
+            <a:spLocks noGrp="1"/>
+          </p:cNvSpPr>
+          <p:nvPr>
+            <p:ph type="sldNum" sz="quarter" idx="12"/>
+          </p:nvPr>
+        </p:nvSpPr>
+        <p:spPr/>
+        <p:txBody>
+          <a:bodyPr/>
+          <a:lstStyle/>
+          <a:p>
+            <a:fld id="{A85782A5-310D-064D-97B2-7CD9DCF5F4D7}" type="slidenum">
+              <a:rPr lang="en-US" smtClean="0"/>
+              <a:t>14</a:t>
+            </a:fld>
+            <a:endParaRPr lang="en-US"/>
+          </a:p>
+        </p:txBody>
+      </p:sp>
+    </p:spTree>
+    <p:extLst>
+      <p:ext uri="{BB962C8B-B14F-4D97-AF65-F5344CB8AC3E}">
+        <p14:creationId xmlns:p14="http://schemas.microsoft.com/office/powerpoint/2010/main" val="1500565145"/>
+      </p:ext>
+    </p:extLst>
+  </p:cSld>
+  <p:clrMapOvr>
+    <a:masterClrMapping/>
+  </p:clrMapOvr>
+</p:sld>
+</file>
+
+<file path=ppt/slides/slide15.xml><?xml version="1.0" encoding="utf-8"?>
+<p:sld xmlns:a="http://schemas.openxmlformats.org/drawingml/2006/main" xmlns:r="http://schemas.openxmlformats.org/officeDocument/2006/relationships" xmlns:p="http://schemas.openxmlformats.org/presentationml/2006/main">
+  <p:cSld>
+    <p:spTree>
+      <p:nvGrpSpPr>
+        <p:cNvPr id="1" name=""/>
+        <p:cNvGrpSpPr/>
+        <p:nvPr/>
+      </p:nvGrpSpPr>
+      <p:grpSpPr>
+        <a:xfrm>
+          <a:off x="0" y="0"/>
+          <a:ext cx="0" cy="0"/>
+          <a:chOff x="0" y="0"/>
+          <a:chExt cx="0" cy="0"/>
+        </a:xfrm>
+      </p:grpSpPr>
+      <p:sp>
+        <p:nvSpPr>
+          <p:cNvPr id="2" name="Title 1">
+            <a:extLst>
+              <a:ext uri="{FF2B5EF4-FFF2-40B4-BE49-F238E27FC236}">
+                <a16:creationId xmlns:a16="http://schemas.microsoft.com/office/drawing/2014/main" id="{75017719-AC84-EC48-8634-0D585D1D6469}"/>
+              </a:ext>
+            </a:extLst>
+          </p:cNvPr>
+          <p:cNvSpPr>
+            <a:spLocks noGrp="1"/>
+          </p:cNvSpPr>
+          <p:nvPr>
+            <p:ph type="title"/>
+          </p:nvPr>
+        </p:nvSpPr>
+        <p:spPr/>
+        <p:txBody>
+          <a:bodyPr>
+            <a:normAutofit fontScale="90000"/>
+          </a:bodyPr>
+          <a:lstStyle/>
+          <a:p>
+            <a:r>
+              <a:rPr lang="en-US" dirty="0"/>
+              <a:t>Conclusion</a:t>
+            </a:r>
+          </a:p>
+        </p:txBody>
+      </p:sp>
+      <p:sp>
+        <p:nvSpPr>
+          <p:cNvPr id="3" name="Content Placeholder 2">
+            <a:extLst>
+              <a:ext uri="{FF2B5EF4-FFF2-40B4-BE49-F238E27FC236}">
+                <a16:creationId xmlns:a16="http://schemas.microsoft.com/office/drawing/2014/main" id="{69054E7C-2BCC-C442-BFD4-78BA3E0B6A16}"/>
+              </a:ext>
+            </a:extLst>
+          </p:cNvPr>
+          <p:cNvSpPr>
+            <a:spLocks noGrp="1"/>
+          </p:cNvSpPr>
+          <p:nvPr>
+            <p:ph idx="1"/>
+          </p:nvPr>
+        </p:nvSpPr>
+        <p:spPr/>
+        <p:txBody>
+          <a:bodyPr/>
+          <a:lstStyle/>
+          <a:p>
+            <a:r>
+              <a:rPr lang="en-US" dirty="0"/>
+              <a:t>99.57% - Spark</a:t>
+            </a:r>
+          </a:p>
+          <a:p>
+            <a:endParaRPr lang="en-US" dirty="0"/>
+          </a:p>
+        </p:txBody>
+      </p:sp>
+      <p:sp>
+        <p:nvSpPr>
+          <p:cNvPr id="4" name="Date Placeholder 3">
+            <a:extLst>
+              <a:ext uri="{FF2B5EF4-FFF2-40B4-BE49-F238E27FC236}">
+                <a16:creationId xmlns:a16="http://schemas.microsoft.com/office/drawing/2014/main" id="{1FFA86AD-7603-E34C-BF3E-F7DB8B2D8E43}"/>
+              </a:ext>
+            </a:extLst>
+          </p:cNvPr>
+          <p:cNvSpPr>
+            <a:spLocks noGrp="1"/>
+          </p:cNvSpPr>
+          <p:nvPr>
+            <p:ph type="dt" sz="half" idx="10"/>
+          </p:nvPr>
+        </p:nvSpPr>
+        <p:spPr/>
+        <p:txBody>
+          <a:bodyPr/>
+          <a:lstStyle/>
+          <a:p>
+            <a:r>
+              <a:rPr lang="en-US" dirty="0"/>
+              <a:t>April 26, 2018</a:t>
+            </a:r>
+          </a:p>
+        </p:txBody>
+      </p:sp>
+      <p:sp>
+        <p:nvSpPr>
+          <p:cNvPr id="5" name="Footer Placeholder 4">
+            <a:extLst>
+              <a:ext uri="{FF2B5EF4-FFF2-40B4-BE49-F238E27FC236}">
+                <a16:creationId xmlns:a16="http://schemas.microsoft.com/office/drawing/2014/main" id="{DCE103E8-3126-CC4D-871F-ECE83166BC19}"/>
+              </a:ext>
+            </a:extLst>
+          </p:cNvPr>
+          <p:cNvSpPr>
+            <a:spLocks noGrp="1"/>
+          </p:cNvSpPr>
+          <p:nvPr>
+            <p:ph type="ftr" sz="quarter" idx="11"/>
+          </p:nvPr>
+        </p:nvSpPr>
+        <p:spPr/>
+        <p:txBody>
+          <a:bodyPr/>
+          <a:lstStyle/>
+          <a:p>
+            <a:r>
+              <a:rPr lang="en-US"/>
+              <a:t>Classifying High-Resolution Brain Scans</a:t>
+            </a:r>
+            <a:endParaRPr lang="en-US" dirty="0"/>
+          </a:p>
+        </p:txBody>
+      </p:sp>
+      <p:sp>
+        <p:nvSpPr>
+          <p:cNvPr id="6" name="Slide Number Placeholder 5">
+            <a:extLst>
+              <a:ext uri="{FF2B5EF4-FFF2-40B4-BE49-F238E27FC236}">
+                <a16:creationId xmlns:a16="http://schemas.microsoft.com/office/drawing/2014/main" id="{5592808E-2182-C545-A0D1-306E3886A578}"/>
+              </a:ext>
+            </a:extLst>
+          </p:cNvPr>
+          <p:cNvSpPr>
+            <a:spLocks noGrp="1"/>
+          </p:cNvSpPr>
+          <p:nvPr>
+            <p:ph type="sldNum" sz="quarter" idx="12"/>
+          </p:nvPr>
+        </p:nvSpPr>
+        <p:spPr/>
+        <p:txBody>
+          <a:bodyPr/>
+          <a:lstStyle/>
+          <a:p>
+            <a:fld id="{A85782A5-310D-064D-97B2-7CD9DCF5F4D7}" type="slidenum">
+              <a:rPr lang="en-US" smtClean="0"/>
+              <a:t>15</a:t>
+            </a:fld>
+            <a:endParaRPr lang="en-US"/>
+          </a:p>
+        </p:txBody>
+      </p:sp>
+    </p:spTree>
+    <p:extLst>
+      <p:ext uri="{BB962C8B-B14F-4D97-AF65-F5344CB8AC3E}">
+        <p14:creationId xmlns:p14="http://schemas.microsoft.com/office/powerpoint/2010/main" val="4239048240"/>
+      </p:ext>
+    </p:extLst>
+  </p:cSld>
+  <p:clrMapOvr>
+    <a:masterClrMapping/>
+  </p:clrMapOvr>
+</p:sld>
+</file>
+
+<file path=ppt/slides/slide16.xml><?xml version="1.0" encoding="utf-8"?>
+<p:sld xmlns:a="http://schemas.openxmlformats.org/drawingml/2006/main" xmlns:r="http://schemas.openxmlformats.org/officeDocument/2006/relationships" xmlns:p="http://schemas.openxmlformats.org/presentationml/2006/main">
+  <p:cSld>
+    <p:spTree>
+      <p:nvGrpSpPr>
+        <p:cNvPr id="1" name=""/>
+        <p:cNvGrpSpPr/>
+        <p:nvPr/>
+      </p:nvGrpSpPr>
+      <p:grpSpPr>
+        <a:xfrm>
+          <a:off x="0" y="0"/>
+          <a:ext cx="0" cy="0"/>
+          <a:chOff x="0" y="0"/>
+          <a:chExt cx="0" cy="0"/>
+        </a:xfrm>
+      </p:grpSpPr>
+      <p:sp>
+        <p:nvSpPr>
           <p:cNvPr id="10" name="Title 9"/>
           <p:cNvSpPr>
             <a:spLocks noGrp="1"/>
@@ -7228,7 +7600,7 @@
           <a:p>
             <a:fld id="{A85782A5-310D-064D-97B2-7CD9DCF5F4D7}" type="slidenum">
               <a:rPr lang="en-US" smtClean="0"/>
-              <a:t>14</a:t>
+              <a:t>16</a:t>
             </a:fld>
             <a:endParaRPr lang="en-US"/>
           </a:p>
@@ -7319,19 +7691,27 @@
           <a:p>
             <a:r>
               <a:rPr lang="en-US" sz="2200" dirty="0"/>
-              <a:t>6 csv files, roughly 6.5GB (image 5 is predicted)</a:t>
-            </a:r>
-          </a:p>
-          <a:p>
+              <a:t>6 csv files, roughly 6.5GB (image 5 is for prediction)</a:t>
+            </a:r>
+          </a:p>
+          <a:p>
+            <a:r>
+              <a:rPr lang="en-US" sz="2200" b="1" dirty="0"/>
+              <a:t>Rows</a:t>
+            </a:r>
             <a:r>
               <a:rPr lang="en-US" sz="2200" dirty="0"/>
-              <a:t>Rows: input vector of 21x21x7 brightness values (intensity) from a 3D image</a:t>
-            </a:r>
-          </a:p>
-          <a:p>
+              <a:t>: input vector of 21x21x7 brightness values (intensity) from a 3D image</a:t>
+            </a:r>
+          </a:p>
+          <a:p>
+            <a:r>
+              <a:rPr lang="en-US" sz="2200" b="1" dirty="0"/>
+              <a:t>Label</a:t>
+            </a:r>
             <a:r>
               <a:rPr lang="en-US" sz="2200" dirty="0"/>
-              <a:t>Label (the last value): Center pixel’s foreground vs background</a:t>
+              <a:t>: Center pixel’s foreground (1) vs background (0)</a:t>
             </a:r>
           </a:p>
           <a:p>
@@ -7575,6 +7955,20 @@
           <a:bodyPr/>
           <a:lstStyle/>
           <a:p>
+            <a:r>
+              <a:rPr lang="en-US" dirty="0"/>
+              <a:t>Apache Spark is a fast and general engine for large-scale data processing</a:t>
+            </a:r>
+          </a:p>
+          <a:p>
+            <a:r>
+              <a:rPr lang="en-US" dirty="0"/>
+              <a:t>Parallel approach to Machine Learning - </a:t>
+            </a:r>
+            <a:r>
+              <a:rPr lang="en-US" dirty="0" err="1"/>
+              <a:t>MLLib</a:t>
+            </a:r>
             <a:endParaRPr lang="en-US" dirty="0"/>
           </a:p>
         </p:txBody>
@@ -7978,8 +8372,8 @@
         </p:nvSpPr>
         <p:spPr>
           <a:xfrm>
-            <a:off x="61189" y="3023943"/>
-            <a:ext cx="1541552" cy="923330"/>
+            <a:off x="457199" y="3784232"/>
+            <a:ext cx="6667857" cy="369332"/>
           </a:xfrm>
           <a:prstGeom prst="rect">
             <a:avLst/>
@@ -8002,13 +8396,7 @@
             </a:r>
             <a:r>
               <a:rPr lang="en-US" b="1" dirty="0"/>
-              <a:t> plane</a:t>
-            </a:r>
-          </a:p>
-          <a:p>
-            <a:r>
-              <a:rPr lang="en-US" b="1" dirty="0"/>
-              <a:t>(1 of 7 slices)</a:t>
+              <a:t> plane (1 of 7 slices)</a:t>
             </a:r>
           </a:p>
         </p:txBody>
@@ -8027,8 +8415,8 @@
         </p:nvSpPr>
         <p:spPr>
           <a:xfrm>
-            <a:off x="105504" y="1399038"/>
-            <a:ext cx="1452922" cy="923330"/>
+            <a:off x="451324" y="1314638"/>
+            <a:ext cx="6178065" cy="369332"/>
           </a:xfrm>
           <a:prstGeom prst="rect">
             <a:avLst/>
@@ -8051,13 +8439,7 @@
             </a:r>
             <a:r>
               <a:rPr lang="en-US" b="1" dirty="0"/>
-              <a:t> plane</a:t>
-            </a:r>
-          </a:p>
-          <a:p>
-            <a:r>
-              <a:rPr lang="en-US" b="1" dirty="0"/>
-              <a:t>(1 of 7 slices)</a:t>
+              <a:t> plane (1 of 7 slices)</a:t>
             </a:r>
           </a:p>
         </p:txBody>
@@ -8084,8 +8466,8 @@
         </p:blipFill>
         <p:spPr>
           <a:xfrm>
-            <a:off x="1602741" y="2769866"/>
-            <a:ext cx="6672047" cy="1706357"/>
+            <a:off x="451324" y="4139933"/>
+            <a:ext cx="8229601" cy="1982287"/>
           </a:xfrm>
           <a:prstGeom prst="rect">
             <a:avLst/>
@@ -8114,112 +8496,14 @@
         </p:blipFill>
         <p:spPr>
           <a:xfrm>
-            <a:off x="1602741" y="1118254"/>
-            <a:ext cx="6599721" cy="1665765"/>
+            <a:off x="457199" y="1686401"/>
+            <a:ext cx="8272388" cy="1945192"/>
           </a:xfrm>
           <a:prstGeom prst="rect">
             <a:avLst/>
           </a:prstGeom>
         </p:spPr>
       </p:pic>
-      <p:pic>
-        <p:nvPicPr>
-          <p:cNvPr id="21" name="Picture 20">
-            <a:extLst>
-              <a:ext uri="{FF2B5EF4-FFF2-40B4-BE49-F238E27FC236}">
-                <a16:creationId xmlns:a16="http://schemas.microsoft.com/office/drawing/2014/main" id="{2D70933C-CB34-8448-81C5-8C5F1DCBACC1}"/>
-              </a:ext>
-            </a:extLst>
-          </p:cNvPr>
-          <p:cNvPicPr>
-            <a:picLocks noChangeAspect="1"/>
-          </p:cNvPicPr>
-          <p:nvPr/>
-        </p:nvPicPr>
-        <p:blipFill>
-          <a:blip r:embed="rId5"/>
-          <a:stretch>
-            <a:fillRect/>
-          </a:stretch>
-        </p:blipFill>
-        <p:spPr>
-          <a:xfrm>
-            <a:off x="1441767" y="4462857"/>
-            <a:ext cx="3444931" cy="1703058"/>
-          </a:xfrm>
-          <a:prstGeom prst="rect">
-            <a:avLst/>
-          </a:prstGeom>
-        </p:spPr>
-      </p:pic>
-      <p:pic>
-        <p:nvPicPr>
-          <p:cNvPr id="22" name="Picture 21">
-            <a:extLst>
-              <a:ext uri="{FF2B5EF4-FFF2-40B4-BE49-F238E27FC236}">
-                <a16:creationId xmlns:a16="http://schemas.microsoft.com/office/drawing/2014/main" id="{711F83DE-7BD3-DA40-BA2B-3C9AF397B779}"/>
-              </a:ext>
-            </a:extLst>
-          </p:cNvPr>
-          <p:cNvPicPr>
-            <a:picLocks noChangeAspect="1"/>
-          </p:cNvPicPr>
-          <p:nvPr/>
-        </p:nvPicPr>
-        <p:blipFill>
-          <a:blip r:embed="rId6"/>
-          <a:stretch>
-            <a:fillRect/>
-          </a:stretch>
-        </p:blipFill>
-        <p:spPr>
-          <a:xfrm>
-            <a:off x="5176292" y="5184639"/>
-            <a:ext cx="3825984" cy="945668"/>
-          </a:xfrm>
-          <a:prstGeom prst="rect">
-            <a:avLst/>
-          </a:prstGeom>
-        </p:spPr>
-      </p:pic>
-      <p:sp>
-        <p:nvSpPr>
-          <p:cNvPr id="23" name="TextBox 22">
-            <a:extLst>
-              <a:ext uri="{FF2B5EF4-FFF2-40B4-BE49-F238E27FC236}">
-                <a16:creationId xmlns:a16="http://schemas.microsoft.com/office/drawing/2014/main" id="{6BF6BB73-66F7-6742-8F19-94D7854651A7}"/>
-              </a:ext>
-            </a:extLst>
-          </p:cNvPr>
-          <p:cNvSpPr txBox="1"/>
-          <p:nvPr/>
-        </p:nvSpPr>
-        <p:spPr>
-          <a:xfrm>
-            <a:off x="5011050" y="4834814"/>
-            <a:ext cx="3991226" cy="646331"/>
-          </a:xfrm>
-          <a:prstGeom prst="rect">
-            <a:avLst/>
-          </a:prstGeom>
-          <a:noFill/>
-        </p:spPr>
-        <p:txBody>
-          <a:bodyPr wrap="square" rtlCol="0">
-            <a:spAutoFit/>
-          </a:bodyPr>
-          <a:lstStyle/>
-          <a:p>
-            <a:r>
-              <a:rPr lang="en-US" b="1" dirty="0"/>
-              <a:t>Feature Vector of Preprocessed Data:</a:t>
-            </a:r>
-          </a:p>
-          <a:p>
-            <a:endParaRPr lang="en-US" b="1" dirty="0"/>
-          </a:p>
-        </p:txBody>
-      </p:sp>
     </p:spTree>
     <p:extLst>
       <p:ext uri="{BB962C8B-B14F-4D97-AF65-F5344CB8AC3E}">
@@ -8252,6 +8536,404 @@
       </p:grpSpPr>
       <p:sp>
         <p:nvSpPr>
+          <p:cNvPr id="2" name="Title 1">
+            <a:extLst>
+              <a:ext uri="{FF2B5EF4-FFF2-40B4-BE49-F238E27FC236}">
+                <a16:creationId xmlns:a16="http://schemas.microsoft.com/office/drawing/2014/main" id="{E51A6640-EAEC-C14E-B69E-1320A4674EBC}"/>
+              </a:ext>
+            </a:extLst>
+          </p:cNvPr>
+          <p:cNvSpPr>
+            <a:spLocks noGrp="1"/>
+          </p:cNvSpPr>
+          <p:nvPr>
+            <p:ph type="title"/>
+          </p:nvPr>
+        </p:nvSpPr>
+        <p:spPr/>
+        <p:txBody>
+          <a:bodyPr>
+            <a:normAutofit fontScale="90000"/>
+          </a:bodyPr>
+          <a:lstStyle/>
+          <a:p>
+            <a:r>
+              <a:rPr lang="en-US" dirty="0"/>
+              <a:t>Feature Extraction</a:t>
+            </a:r>
+          </a:p>
+        </p:txBody>
+      </p:sp>
+      <p:sp>
+        <p:nvSpPr>
+          <p:cNvPr id="3" name="Date Placeholder 2">
+            <a:extLst>
+              <a:ext uri="{FF2B5EF4-FFF2-40B4-BE49-F238E27FC236}">
+                <a16:creationId xmlns:a16="http://schemas.microsoft.com/office/drawing/2014/main" id="{52D7EC0D-1644-AB46-9830-5E5A4EBEC582}"/>
+              </a:ext>
+            </a:extLst>
+          </p:cNvPr>
+          <p:cNvSpPr>
+            <a:spLocks noGrp="1"/>
+          </p:cNvSpPr>
+          <p:nvPr>
+            <p:ph type="dt" sz="half" idx="10"/>
+          </p:nvPr>
+        </p:nvSpPr>
+        <p:spPr/>
+        <p:txBody>
+          <a:bodyPr/>
+          <a:lstStyle/>
+          <a:p>
+            <a:r>
+              <a:rPr lang="en-US"/>
+              <a:t>April 26, 2018</a:t>
+            </a:r>
+            <a:endParaRPr lang="en-US" dirty="0"/>
+          </a:p>
+        </p:txBody>
+      </p:sp>
+      <p:sp>
+        <p:nvSpPr>
+          <p:cNvPr id="4" name="Footer Placeholder 3">
+            <a:extLst>
+              <a:ext uri="{FF2B5EF4-FFF2-40B4-BE49-F238E27FC236}">
+                <a16:creationId xmlns:a16="http://schemas.microsoft.com/office/drawing/2014/main" id="{9DB7DCD0-FB85-C94E-B9F2-631BC514C7E7}"/>
+              </a:ext>
+            </a:extLst>
+          </p:cNvPr>
+          <p:cNvSpPr>
+            <a:spLocks noGrp="1"/>
+          </p:cNvSpPr>
+          <p:nvPr>
+            <p:ph type="ftr" sz="quarter" idx="11"/>
+          </p:nvPr>
+        </p:nvSpPr>
+        <p:spPr/>
+        <p:txBody>
+          <a:bodyPr/>
+          <a:lstStyle/>
+          <a:p>
+            <a:r>
+              <a:rPr lang="en-US"/>
+              <a:t>Classifying High-Resolution Brain Scans</a:t>
+            </a:r>
+            <a:endParaRPr lang="en-US" dirty="0"/>
+          </a:p>
+        </p:txBody>
+      </p:sp>
+      <p:sp>
+        <p:nvSpPr>
+          <p:cNvPr id="5" name="Slide Number Placeholder 4">
+            <a:extLst>
+              <a:ext uri="{FF2B5EF4-FFF2-40B4-BE49-F238E27FC236}">
+                <a16:creationId xmlns:a16="http://schemas.microsoft.com/office/drawing/2014/main" id="{C6B713C6-D2A0-444B-B49C-763CB4381C50}"/>
+              </a:ext>
+            </a:extLst>
+          </p:cNvPr>
+          <p:cNvSpPr>
+            <a:spLocks noGrp="1"/>
+          </p:cNvSpPr>
+          <p:nvPr>
+            <p:ph type="sldNum" sz="quarter" idx="12"/>
+          </p:nvPr>
+        </p:nvSpPr>
+        <p:spPr/>
+        <p:txBody>
+          <a:bodyPr/>
+          <a:lstStyle/>
+          <a:p>
+            <a:fld id="{A85782A5-310D-064D-97B2-7CD9DCF5F4D7}" type="slidenum">
+              <a:rPr lang="en-US" smtClean="0"/>
+              <a:pPr/>
+              <a:t>6</a:t>
+            </a:fld>
+            <a:endParaRPr lang="en-US" dirty="0"/>
+          </a:p>
+        </p:txBody>
+      </p:sp>
+      <p:pic>
+        <p:nvPicPr>
+          <p:cNvPr id="6" name="Picture 5">
+            <a:extLst>
+              <a:ext uri="{FF2B5EF4-FFF2-40B4-BE49-F238E27FC236}">
+                <a16:creationId xmlns:a16="http://schemas.microsoft.com/office/drawing/2014/main" id="{CA58B650-751F-1F4A-9F43-96B9BB4763EC}"/>
+              </a:ext>
+            </a:extLst>
+          </p:cNvPr>
+          <p:cNvPicPr>
+            <a:picLocks noChangeAspect="1"/>
+          </p:cNvPicPr>
+          <p:nvPr/>
+        </p:nvPicPr>
+        <p:blipFill>
+          <a:blip r:embed="rId3"/>
+          <a:stretch>
+            <a:fillRect/>
+          </a:stretch>
+        </p:blipFill>
+        <p:spPr>
+          <a:xfrm>
+            <a:off x="2748284" y="5009726"/>
+            <a:ext cx="3825984" cy="945668"/>
+          </a:xfrm>
+          <a:prstGeom prst="rect">
+            <a:avLst/>
+          </a:prstGeom>
+        </p:spPr>
+      </p:pic>
+      <p:sp>
+        <p:nvSpPr>
+          <p:cNvPr id="7" name="TextBox 6">
+            <a:extLst>
+              <a:ext uri="{FF2B5EF4-FFF2-40B4-BE49-F238E27FC236}">
+                <a16:creationId xmlns:a16="http://schemas.microsoft.com/office/drawing/2014/main" id="{F675031C-3C7A-FB47-B2CA-EF110A2AD0E7}"/>
+              </a:ext>
+            </a:extLst>
+          </p:cNvPr>
+          <p:cNvSpPr txBox="1"/>
+          <p:nvPr/>
+        </p:nvSpPr>
+        <p:spPr>
+          <a:xfrm>
+            <a:off x="2583042" y="4659901"/>
+            <a:ext cx="3991226" cy="646331"/>
+          </a:xfrm>
+          <a:prstGeom prst="rect">
+            <a:avLst/>
+          </a:prstGeom>
+          <a:noFill/>
+        </p:spPr>
+        <p:txBody>
+          <a:bodyPr wrap="square" rtlCol="0">
+            <a:spAutoFit/>
+          </a:bodyPr>
+          <a:lstStyle/>
+          <a:p>
+            <a:r>
+              <a:rPr lang="en-US" b="1" dirty="0"/>
+              <a:t>Feature Vector of Preprocessed Data:</a:t>
+            </a:r>
+          </a:p>
+          <a:p>
+            <a:endParaRPr lang="en-US" b="1" dirty="0"/>
+          </a:p>
+        </p:txBody>
+      </p:sp>
+      <p:pic>
+        <p:nvPicPr>
+          <p:cNvPr id="8" name="Picture 7">
+            <a:extLst>
+              <a:ext uri="{FF2B5EF4-FFF2-40B4-BE49-F238E27FC236}">
+                <a16:creationId xmlns:a16="http://schemas.microsoft.com/office/drawing/2014/main" id="{614A54B4-E9B7-1642-9F12-17ADF325D5FC}"/>
+              </a:ext>
+            </a:extLst>
+          </p:cNvPr>
+          <p:cNvPicPr>
+            <a:picLocks noChangeAspect="1"/>
+          </p:cNvPicPr>
+          <p:nvPr/>
+        </p:nvPicPr>
+        <p:blipFill>
+          <a:blip r:embed="rId4"/>
+          <a:stretch>
+            <a:fillRect/>
+          </a:stretch>
+        </p:blipFill>
+        <p:spPr>
+          <a:xfrm>
+            <a:off x="1673080" y="1587040"/>
+            <a:ext cx="5571782" cy="2754501"/>
+          </a:xfrm>
+          <a:prstGeom prst="rect">
+            <a:avLst/>
+          </a:prstGeom>
+        </p:spPr>
+      </p:pic>
+    </p:spTree>
+    <p:extLst>
+      <p:ext uri="{BB962C8B-B14F-4D97-AF65-F5344CB8AC3E}">
+        <p14:creationId xmlns:p14="http://schemas.microsoft.com/office/powerpoint/2010/main" val="1806456493"/>
+      </p:ext>
+    </p:extLst>
+  </p:cSld>
+  <p:clrMapOvr>
+    <a:masterClrMapping/>
+  </p:clrMapOvr>
+</p:sld>
+</file>
+
+<file path=ppt/slides/slide7.xml><?xml version="1.0" encoding="utf-8"?>
+<p:sld xmlns:a="http://schemas.openxmlformats.org/drawingml/2006/main" xmlns:r="http://schemas.openxmlformats.org/officeDocument/2006/relationships" xmlns:p="http://schemas.openxmlformats.org/presentationml/2006/main">
+  <p:cSld>
+    <p:spTree>
+      <p:nvGrpSpPr>
+        <p:cNvPr id="1" name=""/>
+        <p:cNvGrpSpPr/>
+        <p:nvPr/>
+      </p:nvGrpSpPr>
+      <p:grpSpPr>
+        <a:xfrm>
+          <a:off x="0" y="0"/>
+          <a:ext cx="0" cy="0"/>
+          <a:chOff x="0" y="0"/>
+          <a:chExt cx="0" cy="0"/>
+        </a:xfrm>
+      </p:grpSpPr>
+      <p:sp>
+        <p:nvSpPr>
+          <p:cNvPr id="2" name="Title 1">
+            <a:extLst>
+              <a:ext uri="{FF2B5EF4-FFF2-40B4-BE49-F238E27FC236}">
+                <a16:creationId xmlns:a16="http://schemas.microsoft.com/office/drawing/2014/main" id="{B71D9872-CE0B-7C4F-AE1F-471D79FB2122}"/>
+              </a:ext>
+            </a:extLst>
+          </p:cNvPr>
+          <p:cNvSpPr>
+            <a:spLocks noGrp="1"/>
+          </p:cNvSpPr>
+          <p:nvPr>
+            <p:ph type="title"/>
+          </p:nvPr>
+        </p:nvSpPr>
+        <p:spPr>
+          <a:xfrm>
+            <a:off x="634792" y="2313432"/>
+            <a:ext cx="8229600" cy="1344167"/>
+          </a:xfrm>
+        </p:spPr>
+        <p:txBody>
+          <a:bodyPr>
+            <a:normAutofit/>
+          </a:bodyPr>
+          <a:lstStyle/>
+          <a:p>
+            <a:r>
+              <a:rPr lang="en-US" dirty="0"/>
+              <a:t>Model &amp; Results</a:t>
+            </a:r>
+          </a:p>
+        </p:txBody>
+      </p:sp>
+      <p:sp>
+        <p:nvSpPr>
+          <p:cNvPr id="3" name="Date Placeholder 2">
+            <a:extLst>
+              <a:ext uri="{FF2B5EF4-FFF2-40B4-BE49-F238E27FC236}">
+                <a16:creationId xmlns:a16="http://schemas.microsoft.com/office/drawing/2014/main" id="{CD148C30-E7AE-384B-8149-C970B06234A7}"/>
+              </a:ext>
+            </a:extLst>
+          </p:cNvPr>
+          <p:cNvSpPr>
+            <a:spLocks noGrp="1"/>
+          </p:cNvSpPr>
+          <p:nvPr>
+            <p:ph type="dt" sz="half" idx="10"/>
+          </p:nvPr>
+        </p:nvSpPr>
+        <p:spPr/>
+        <p:txBody>
+          <a:bodyPr/>
+          <a:lstStyle/>
+          <a:p>
+            <a:r>
+              <a:rPr lang="en-US" dirty="0"/>
+              <a:t>April 26, 2018</a:t>
+            </a:r>
+          </a:p>
+        </p:txBody>
+      </p:sp>
+      <p:sp>
+        <p:nvSpPr>
+          <p:cNvPr id="4" name="Footer Placeholder 3">
+            <a:extLst>
+              <a:ext uri="{FF2B5EF4-FFF2-40B4-BE49-F238E27FC236}">
+                <a16:creationId xmlns:a16="http://schemas.microsoft.com/office/drawing/2014/main" id="{F778F496-B983-7440-AE28-05D9A7EC6156}"/>
+              </a:ext>
+            </a:extLst>
+          </p:cNvPr>
+          <p:cNvSpPr>
+            <a:spLocks noGrp="1"/>
+          </p:cNvSpPr>
+          <p:nvPr>
+            <p:ph type="ftr" sz="quarter" idx="11"/>
+          </p:nvPr>
+        </p:nvSpPr>
+        <p:spPr/>
+        <p:txBody>
+          <a:bodyPr/>
+          <a:lstStyle/>
+          <a:p>
+            <a:r>
+              <a:rPr lang="en-US"/>
+              <a:t>Classifying High-Resolution Brain Scans</a:t>
+            </a:r>
+            <a:endParaRPr lang="en-US" dirty="0"/>
+          </a:p>
+        </p:txBody>
+      </p:sp>
+      <p:sp>
+        <p:nvSpPr>
+          <p:cNvPr id="5" name="Slide Number Placeholder 4">
+            <a:extLst>
+              <a:ext uri="{FF2B5EF4-FFF2-40B4-BE49-F238E27FC236}">
+                <a16:creationId xmlns:a16="http://schemas.microsoft.com/office/drawing/2014/main" id="{7352E32E-D968-0A4C-876C-5B38829E1E5B}"/>
+              </a:ext>
+            </a:extLst>
+          </p:cNvPr>
+          <p:cNvSpPr>
+            <a:spLocks noGrp="1"/>
+          </p:cNvSpPr>
+          <p:nvPr>
+            <p:ph type="sldNum" sz="quarter" idx="12"/>
+          </p:nvPr>
+        </p:nvSpPr>
+        <p:spPr/>
+        <p:txBody>
+          <a:bodyPr/>
+          <a:lstStyle/>
+          <a:p>
+            <a:fld id="{A85782A5-310D-064D-97B2-7CD9DCF5F4D7}" type="slidenum">
+              <a:rPr lang="en-US" smtClean="0"/>
+              <a:pPr/>
+              <a:t>7</a:t>
+            </a:fld>
+            <a:endParaRPr lang="en-US" dirty="0"/>
+          </a:p>
+        </p:txBody>
+      </p:sp>
+    </p:spTree>
+    <p:extLst>
+      <p:ext uri="{BB962C8B-B14F-4D97-AF65-F5344CB8AC3E}">
+        <p14:creationId xmlns:p14="http://schemas.microsoft.com/office/powerpoint/2010/main" val="1884191572"/>
+      </p:ext>
+    </p:extLst>
+  </p:cSld>
+  <p:clrMapOvr>
+    <a:masterClrMapping/>
+  </p:clrMapOvr>
+</p:sld>
+</file>
+
+<file path=ppt/slides/slide8.xml><?xml version="1.0" encoding="utf-8"?>
+<p:sld xmlns:a="http://schemas.openxmlformats.org/drawingml/2006/main" xmlns:r="http://schemas.openxmlformats.org/officeDocument/2006/relationships" xmlns:p="http://schemas.openxmlformats.org/presentationml/2006/main">
+  <p:cSld>
+    <p:spTree>
+      <p:nvGrpSpPr>
+        <p:cNvPr id="1" name=""/>
+        <p:cNvGrpSpPr/>
+        <p:nvPr/>
+      </p:nvGrpSpPr>
+      <p:grpSpPr>
+        <a:xfrm>
+          <a:off x="0" y="0"/>
+          <a:ext cx="0" cy="0"/>
+          <a:chOff x="0" y="0"/>
+          <a:chExt cx="0" cy="0"/>
+        </a:xfrm>
+      </p:grpSpPr>
+      <p:sp>
+        <p:nvSpPr>
           <p:cNvPr id="2" name="Title 1"/>
           <p:cNvSpPr>
             <a:spLocks noGrp="1"/>
@@ -8397,7 +9079,7 @@
           <a:p>
             <a:fld id="{A85782A5-310D-064D-97B2-7CD9DCF5F4D7}" type="slidenum">
               <a:rPr lang="en-US" smtClean="0"/>
-              <a:t>6</a:t>
+              <a:t>8</a:t>
             </a:fld>
             <a:endParaRPr lang="en-US"/>
           </a:p>
@@ -8523,377 +9205,49 @@
           </a:prstGeom>
         </p:spPr>
       </p:pic>
+      <p:sp>
+        <p:nvSpPr>
+          <p:cNvPr id="9" name="TextBox 8">
+            <a:extLst>
+              <a:ext uri="{FF2B5EF4-FFF2-40B4-BE49-F238E27FC236}">
+                <a16:creationId xmlns:a16="http://schemas.microsoft.com/office/drawing/2014/main" id="{B2FC238B-67AD-D14D-A4E1-524589D23FC4}"/>
+              </a:ext>
+            </a:extLst>
+          </p:cNvPr>
+          <p:cNvSpPr txBox="1"/>
+          <p:nvPr/>
+        </p:nvSpPr>
+        <p:spPr>
+          <a:xfrm>
+            <a:off x="457199" y="1909011"/>
+            <a:ext cx="2833148" cy="369332"/>
+          </a:xfrm>
+          <a:prstGeom prst="rect">
+            <a:avLst/>
+          </a:prstGeom>
+          <a:noFill/>
+        </p:spPr>
+        <p:txBody>
+          <a:bodyPr wrap="none" rtlCol="0">
+            <a:spAutoFit/>
+          </a:bodyPr>
+          <a:lstStyle/>
+          <a:p>
+            <a:pPr marL="285750" indent="-285750">
+              <a:buFont typeface="Arial" panose="020B0604020202020204" pitchFamily="34" charset="0"/>
+              <a:buChar char="•"/>
+            </a:pPr>
+            <a:r>
+              <a:rPr lang="en-US" dirty="0"/>
+              <a:t>Available in Spark ML API</a:t>
+            </a:r>
+          </a:p>
+        </p:txBody>
+      </p:sp>
     </p:spTree>
     <p:extLst>
       <p:ext uri="{BB962C8B-B14F-4D97-AF65-F5344CB8AC3E}">
         <p14:creationId xmlns:p14="http://schemas.microsoft.com/office/powerpoint/2010/main" val="1456638104"/>
-      </p:ext>
-    </p:extLst>
-  </p:cSld>
-  <p:clrMapOvr>
-    <a:masterClrMapping/>
-  </p:clrMapOvr>
-</p:sld>
-</file>
-
-<file path=ppt/slides/slide7.xml><?xml version="1.0" encoding="utf-8"?>
-<p:sld xmlns:a="http://schemas.openxmlformats.org/drawingml/2006/main" xmlns:r="http://schemas.openxmlformats.org/officeDocument/2006/relationships" xmlns:p="http://schemas.openxmlformats.org/presentationml/2006/main">
-  <p:cSld>
-    <p:spTree>
-      <p:nvGrpSpPr>
-        <p:cNvPr id="1" name=""/>
-        <p:cNvGrpSpPr/>
-        <p:nvPr/>
-      </p:nvGrpSpPr>
-      <p:grpSpPr>
-        <a:xfrm>
-          <a:off x="0" y="0"/>
-          <a:ext cx="0" cy="0"/>
-          <a:chOff x="0" y="0"/>
-          <a:chExt cx="0" cy="0"/>
-        </a:xfrm>
-      </p:grpSpPr>
-      <p:sp>
-        <p:nvSpPr>
-          <p:cNvPr id="2" name="Title 1">
-            <a:extLst>
-              <a:ext uri="{FF2B5EF4-FFF2-40B4-BE49-F238E27FC236}">
-                <a16:creationId xmlns:a16="http://schemas.microsoft.com/office/drawing/2014/main" id="{B71D9872-CE0B-7C4F-AE1F-471D79FB2122}"/>
-              </a:ext>
-            </a:extLst>
-          </p:cNvPr>
-          <p:cNvSpPr>
-            <a:spLocks noGrp="1"/>
-          </p:cNvSpPr>
-          <p:nvPr>
-            <p:ph type="title"/>
-          </p:nvPr>
-        </p:nvSpPr>
-        <p:spPr>
-          <a:xfrm>
-            <a:off x="634792" y="2313432"/>
-            <a:ext cx="8229600" cy="1344167"/>
-          </a:xfrm>
-        </p:spPr>
-        <p:txBody>
-          <a:bodyPr>
-            <a:normAutofit/>
-          </a:bodyPr>
-          <a:lstStyle/>
-          <a:p>
-            <a:r>
-              <a:rPr lang="en-US" dirty="0"/>
-              <a:t>Model &amp; Results</a:t>
-            </a:r>
-          </a:p>
-        </p:txBody>
-      </p:sp>
-      <p:sp>
-        <p:nvSpPr>
-          <p:cNvPr id="3" name="Date Placeholder 2">
-            <a:extLst>
-              <a:ext uri="{FF2B5EF4-FFF2-40B4-BE49-F238E27FC236}">
-                <a16:creationId xmlns:a16="http://schemas.microsoft.com/office/drawing/2014/main" id="{CD148C30-E7AE-384B-8149-C970B06234A7}"/>
-              </a:ext>
-            </a:extLst>
-          </p:cNvPr>
-          <p:cNvSpPr>
-            <a:spLocks noGrp="1"/>
-          </p:cNvSpPr>
-          <p:nvPr>
-            <p:ph type="dt" sz="half" idx="10"/>
-          </p:nvPr>
-        </p:nvSpPr>
-        <p:spPr/>
-        <p:txBody>
-          <a:bodyPr/>
-          <a:lstStyle/>
-          <a:p>
-            <a:r>
-              <a:rPr lang="en-US" dirty="0"/>
-              <a:t>April 26, 2018</a:t>
-            </a:r>
-          </a:p>
-        </p:txBody>
-      </p:sp>
-      <p:sp>
-        <p:nvSpPr>
-          <p:cNvPr id="4" name="Footer Placeholder 3">
-            <a:extLst>
-              <a:ext uri="{FF2B5EF4-FFF2-40B4-BE49-F238E27FC236}">
-                <a16:creationId xmlns:a16="http://schemas.microsoft.com/office/drawing/2014/main" id="{F778F496-B983-7440-AE28-05D9A7EC6156}"/>
-              </a:ext>
-            </a:extLst>
-          </p:cNvPr>
-          <p:cNvSpPr>
-            <a:spLocks noGrp="1"/>
-          </p:cNvSpPr>
-          <p:nvPr>
-            <p:ph type="ftr" sz="quarter" idx="11"/>
-          </p:nvPr>
-        </p:nvSpPr>
-        <p:spPr/>
-        <p:txBody>
-          <a:bodyPr/>
-          <a:lstStyle/>
-          <a:p>
-            <a:r>
-              <a:rPr lang="en-US"/>
-              <a:t>Classifying High-Resolution Brain Scans</a:t>
-            </a:r>
-            <a:endParaRPr lang="en-US" dirty="0"/>
-          </a:p>
-        </p:txBody>
-      </p:sp>
-      <p:sp>
-        <p:nvSpPr>
-          <p:cNvPr id="5" name="Slide Number Placeholder 4">
-            <a:extLst>
-              <a:ext uri="{FF2B5EF4-FFF2-40B4-BE49-F238E27FC236}">
-                <a16:creationId xmlns:a16="http://schemas.microsoft.com/office/drawing/2014/main" id="{7352E32E-D968-0A4C-876C-5B38829E1E5B}"/>
-              </a:ext>
-            </a:extLst>
-          </p:cNvPr>
-          <p:cNvSpPr>
-            <a:spLocks noGrp="1"/>
-          </p:cNvSpPr>
-          <p:nvPr>
-            <p:ph type="sldNum" sz="quarter" idx="12"/>
-          </p:nvPr>
-        </p:nvSpPr>
-        <p:spPr/>
-        <p:txBody>
-          <a:bodyPr/>
-          <a:lstStyle/>
-          <a:p>
-            <a:fld id="{A85782A5-310D-064D-97B2-7CD9DCF5F4D7}" type="slidenum">
-              <a:rPr lang="en-US" smtClean="0"/>
-              <a:pPr/>
-              <a:t>7</a:t>
-            </a:fld>
-            <a:endParaRPr lang="en-US" dirty="0"/>
-          </a:p>
-        </p:txBody>
-      </p:sp>
-    </p:spTree>
-    <p:extLst>
-      <p:ext uri="{BB962C8B-B14F-4D97-AF65-F5344CB8AC3E}">
-        <p14:creationId xmlns:p14="http://schemas.microsoft.com/office/powerpoint/2010/main" val="1884191572"/>
-      </p:ext>
-    </p:extLst>
-  </p:cSld>
-  <p:clrMapOvr>
-    <a:masterClrMapping/>
-  </p:clrMapOvr>
-</p:sld>
-</file>
-
-<file path=ppt/slides/slide8.xml><?xml version="1.0" encoding="utf-8"?>
-<p:sld xmlns:a="http://schemas.openxmlformats.org/drawingml/2006/main" xmlns:r="http://schemas.openxmlformats.org/officeDocument/2006/relationships" xmlns:p="http://schemas.openxmlformats.org/presentationml/2006/main">
-  <p:cSld>
-    <p:spTree>
-      <p:nvGrpSpPr>
-        <p:cNvPr id="1" name=""/>
-        <p:cNvGrpSpPr/>
-        <p:nvPr/>
-      </p:nvGrpSpPr>
-      <p:grpSpPr>
-        <a:xfrm>
-          <a:off x="0" y="0"/>
-          <a:ext cx="0" cy="0"/>
-          <a:chOff x="0" y="0"/>
-          <a:chExt cx="0" cy="0"/>
-        </a:xfrm>
-      </p:grpSpPr>
-      <p:sp>
-        <p:nvSpPr>
-          <p:cNvPr id="2" name="Title 1"/>
-          <p:cNvSpPr>
-            <a:spLocks noGrp="1"/>
-          </p:cNvSpPr>
-          <p:nvPr>
-            <p:ph type="title"/>
-          </p:nvPr>
-        </p:nvSpPr>
-        <p:spPr/>
-        <p:txBody>
-          <a:bodyPr>
-            <a:normAutofit fontScale="90000"/>
-          </a:bodyPr>
-          <a:lstStyle/>
-          <a:p>
-            <a:r>
-              <a:rPr lang="en-US" dirty="0"/>
-              <a:t>Parameter Tuning</a:t>
-            </a:r>
-          </a:p>
-        </p:txBody>
-      </p:sp>
-      <p:sp>
-        <p:nvSpPr>
-          <p:cNvPr id="3" name="Content Placeholder 2"/>
-          <p:cNvSpPr>
-            <a:spLocks noGrp="1"/>
-          </p:cNvSpPr>
-          <p:nvPr>
-            <p:ph idx="1"/>
-          </p:nvPr>
-        </p:nvSpPr>
-        <p:spPr/>
-        <p:txBody>
-          <a:bodyPr>
-            <a:normAutofit fontScale="92500"/>
-          </a:bodyPr>
-          <a:lstStyle/>
-          <a:p>
-            <a:r>
-              <a:rPr lang="en-US" b="1" dirty="0" err="1"/>
-              <a:t>ParamGridBuilder</a:t>
-            </a:r>
-            <a:r>
-              <a:rPr lang="en-US" b="1" dirty="0"/>
-              <a:t>() </a:t>
-            </a:r>
-            <a:r>
-              <a:rPr lang="en-US" dirty="0"/>
-              <a:t>– constructs a grid of parameters to search over</a:t>
-            </a:r>
-          </a:p>
-          <a:p>
-            <a:r>
-              <a:rPr lang="en-US" b="1" dirty="0"/>
-              <a:t>*</a:t>
-            </a:r>
-            <a:r>
-              <a:rPr lang="en-US" b="1" dirty="0" err="1"/>
-              <a:t>numTrees</a:t>
-            </a:r>
-            <a:r>
-              <a:rPr lang="en-US" b="1" dirty="0"/>
-              <a:t> </a:t>
-            </a:r>
-            <a:r>
-              <a:rPr lang="en-US" dirty="0"/>
-              <a:t>– increasing lead to better accuracy and less compute time</a:t>
-            </a:r>
-          </a:p>
-          <a:p>
-            <a:r>
-              <a:rPr lang="en-US" b="1" dirty="0"/>
-              <a:t>*</a:t>
-            </a:r>
-            <a:r>
-              <a:rPr lang="en-US" b="1" dirty="0" err="1"/>
-              <a:t>maxDepth</a:t>
-            </a:r>
-            <a:r>
-              <a:rPr lang="en-US" dirty="0"/>
-              <a:t> - higher values lead to overfitting and increased run time of the model</a:t>
-            </a:r>
-            <a:endParaRPr lang="en-US" b="1" dirty="0"/>
-          </a:p>
-          <a:p>
-            <a:r>
-              <a:rPr lang="en-US" b="1" dirty="0" err="1"/>
-              <a:t>maxBins</a:t>
-            </a:r>
-            <a:r>
-              <a:rPr lang="en-US" dirty="0"/>
-              <a:t> - maximum number of bins used for splitting features</a:t>
-            </a:r>
-            <a:endParaRPr lang="en-US" b="1" dirty="0"/>
-          </a:p>
-          <a:p>
-            <a:r>
-              <a:rPr lang="en-US" b="1" dirty="0"/>
-              <a:t>*impurity</a:t>
-            </a:r>
-            <a:r>
-              <a:rPr lang="en-US" dirty="0"/>
-              <a:t> – criterion (</a:t>
-            </a:r>
-            <a:r>
-              <a:rPr lang="en-US" dirty="0" err="1"/>
-              <a:t>gini</a:t>
-            </a:r>
-            <a:r>
-              <a:rPr lang="en-US" dirty="0"/>
-              <a:t>)</a:t>
-            </a:r>
-          </a:p>
-        </p:txBody>
-      </p:sp>
-      <p:sp>
-        <p:nvSpPr>
-          <p:cNvPr id="4" name="Date Placeholder 3"/>
-          <p:cNvSpPr>
-            <a:spLocks noGrp="1"/>
-          </p:cNvSpPr>
-          <p:nvPr>
-            <p:ph type="dt" sz="half" idx="10"/>
-          </p:nvPr>
-        </p:nvSpPr>
-        <p:spPr/>
-        <p:txBody>
-          <a:bodyPr/>
-          <a:lstStyle/>
-          <a:p>
-            <a:r>
-              <a:rPr lang="en-US" dirty="0"/>
-              <a:t>April 26, 2018</a:t>
-            </a:r>
-          </a:p>
-        </p:txBody>
-      </p:sp>
-      <p:sp>
-        <p:nvSpPr>
-          <p:cNvPr id="5" name="Footer Placeholder 4"/>
-          <p:cNvSpPr>
-            <a:spLocks noGrp="1"/>
-          </p:cNvSpPr>
-          <p:nvPr>
-            <p:ph type="ftr" sz="quarter" idx="11"/>
-          </p:nvPr>
-        </p:nvSpPr>
-        <p:spPr/>
-        <p:txBody>
-          <a:bodyPr/>
-          <a:lstStyle/>
-          <a:p>
-            <a:r>
-              <a:rPr lang="en-US" dirty="0"/>
-              <a:t>Classifying High-Resolution Brain Scans</a:t>
-            </a:r>
-          </a:p>
-        </p:txBody>
-      </p:sp>
-      <p:sp>
-        <p:nvSpPr>
-          <p:cNvPr id="6" name="Slide Number Placeholder 5"/>
-          <p:cNvSpPr>
-            <a:spLocks noGrp="1"/>
-          </p:cNvSpPr>
-          <p:nvPr>
-            <p:ph type="sldNum" sz="quarter" idx="12"/>
-          </p:nvPr>
-        </p:nvSpPr>
-        <p:spPr/>
-        <p:txBody>
-          <a:bodyPr/>
-          <a:lstStyle/>
-          <a:p>
-            <a:fld id="{A85782A5-310D-064D-97B2-7CD9DCF5F4D7}" type="slidenum">
-              <a:rPr lang="en-US" smtClean="0"/>
-              <a:t>8</a:t>
-            </a:fld>
-            <a:endParaRPr lang="en-US"/>
-          </a:p>
-        </p:txBody>
-      </p:sp>
-    </p:spTree>
-    <p:extLst>
-      <p:ext uri="{BB962C8B-B14F-4D97-AF65-F5344CB8AC3E}">
-        <p14:creationId xmlns:p14="http://schemas.microsoft.com/office/powerpoint/2010/main" val="4063819120"/>
       </p:ext>
     </p:extLst>
   </p:cSld>
@@ -8939,7 +9293,7 @@
           <a:p>
             <a:r>
               <a:rPr lang="en-US" dirty="0"/>
-              <a:t>Splitting the Dataset</a:t>
+              <a:t>Parameter Tuning</a:t>
             </a:r>
           </a:p>
         </p:txBody>
@@ -8957,19 +9311,83 @@
         <p:spPr/>
         <p:txBody>
           <a:bodyPr>
-            <a:normAutofit/>
+            <a:normAutofit fontScale="92500"/>
           </a:bodyPr>
           <a:lstStyle/>
           <a:p>
             <a:r>
-              <a:rPr lang="en-US" dirty="0"/>
-              <a:t>Training &amp; Test data (image 1,2,3,4,6)</a:t>
-            </a:r>
-          </a:p>
-          <a:p>
-            <a:r>
-              <a:rPr lang="en-US" dirty="0"/>
-              <a:t>Validation data (image 5)</a:t>
+              <a:rPr lang="en-US" b="1" dirty="0" err="1"/>
+              <a:t>ParamGridBuilder</a:t>
+            </a:r>
+            <a:r>
+              <a:rPr lang="en-US" b="1" dirty="0"/>
+              <a:t>() </a:t>
+            </a:r>
+            <a:r>
+              <a:rPr lang="en-US" dirty="0"/>
+              <a:t>– constructs a grid of parameters to search over</a:t>
+            </a:r>
+          </a:p>
+          <a:p>
+            <a:r>
+              <a:rPr lang="en-US" b="1" dirty="0"/>
+              <a:t>*</a:t>
+            </a:r>
+            <a:r>
+              <a:rPr lang="en-US" b="1" dirty="0" err="1"/>
+              <a:t>numTrees</a:t>
+            </a:r>
+            <a:r>
+              <a:rPr lang="en-US" b="1" dirty="0"/>
+              <a:t> </a:t>
+            </a:r>
+            <a:r>
+              <a:rPr lang="en-US" dirty="0"/>
+              <a:t>– increasing lead to better accuracy and less compute time</a:t>
+            </a:r>
+          </a:p>
+          <a:p>
+            <a:r>
+              <a:rPr lang="en-US" b="1" dirty="0"/>
+              <a:t>*</a:t>
+            </a:r>
+            <a:r>
+              <a:rPr lang="en-US" b="1" dirty="0" err="1"/>
+              <a:t>maxDepth</a:t>
+            </a:r>
+            <a:r>
+              <a:rPr lang="en-US" dirty="0"/>
+              <a:t> - higher values lead to overfitting and increased run time of the model</a:t>
+            </a:r>
+            <a:endParaRPr lang="en-US" b="1" dirty="0"/>
+          </a:p>
+          <a:p>
+            <a:r>
+              <a:rPr lang="en-US" b="1" dirty="0" err="1"/>
+              <a:t>maxBins</a:t>
+            </a:r>
+            <a:r>
+              <a:rPr lang="en-US" dirty="0"/>
+              <a:t> - maximum number of bins used for splitting features</a:t>
+            </a:r>
+            <a:endParaRPr lang="en-US" b="1" dirty="0"/>
+          </a:p>
+          <a:p>
+            <a:r>
+              <a:rPr lang="en-US" b="1" dirty="0"/>
+              <a:t>*impurity</a:t>
+            </a:r>
+            <a:r>
+              <a:rPr lang="en-US" dirty="0"/>
+              <a:t> – criterion (</a:t>
+            </a:r>
+            <a:r>
+              <a:rPr lang="en-US" dirty="0" err="1"/>
+              <a:t>gini</a:t>
+            </a:r>
+            <a:r>
+              <a:rPr lang="en-US" dirty="0"/>
+              <a:t>)</a:t>
             </a:r>
           </a:p>
         </p:txBody>
@@ -9044,7 +9462,7 @@
     </p:spTree>
     <p:extLst>
       <p:ext uri="{BB962C8B-B14F-4D97-AF65-F5344CB8AC3E}">
-        <p14:creationId xmlns:p14="http://schemas.microsoft.com/office/powerpoint/2010/main" val="404897761"/>
+        <p14:creationId xmlns:p14="http://schemas.microsoft.com/office/powerpoint/2010/main" val="4063819120"/>
       </p:ext>
     </p:extLst>
   </p:cSld>

--- a/presentation/DutileOtentiPhangSweeney.pptx
+++ b/presentation/DutileOtentiPhangSweeney.pptx
@@ -229,7 +229,7 @@
           <a:p>
             <a:fld id="{69F838D6-D208-E54F-80E5-7DC509039C32}" type="datetimeFigureOut">
               <a:rPr lang="en-US" smtClean="0"/>
-              <a:t>4/24/18</a:t>
+              <a:t>4/25/18</a:t>
             </a:fld>
             <a:endParaRPr lang="en-US"/>
           </a:p>
@@ -395,7 +395,7 @@
           <a:p>
             <a:fld id="{C4DE9AAC-E34A-E34F-8216-9BD67DCDB2D8}" type="datetimeFigureOut">
               <a:rPr lang="en-US" smtClean="0"/>
-              <a:t>4/24/18</a:t>
+              <a:t>4/25/18</a:t>
             </a:fld>
             <a:endParaRPr lang="en-US"/>
           </a:p>
@@ -3269,7 +3269,7 @@
           <a:p>
             <a:fld id="{B7154F30-3877-734E-854C-19E66CA08E5E}" type="datetime4">
               <a:rPr lang="en-US" smtClean="0"/>
-              <a:t>April 24, 2018</a:t>
+              <a:t>April 25, 2018</a:t>
             </a:fld>
             <a:endParaRPr lang="en-US" dirty="0"/>
           </a:p>
@@ -3568,7 +3568,7 @@
           <a:p>
             <a:fld id="{AB387ED7-E26B-424C-9711-F96B35D63E91}" type="datetime4">
               <a:rPr lang="en-US" smtClean="0"/>
-              <a:t>April 24, 2018</a:t>
+              <a:t>April 25, 2018</a:t>
             </a:fld>
             <a:endParaRPr lang="en-US"/>
           </a:p>
@@ -7250,6 +7250,90 @@
           </a:p>
         </p:txBody>
       </p:sp>
+      <p:sp>
+        <p:nvSpPr>
+          <p:cNvPr id="3" name="TextBox 2">
+            <a:extLst>
+              <a:ext uri="{FF2B5EF4-FFF2-40B4-BE49-F238E27FC236}">
+                <a16:creationId xmlns:a16="http://schemas.microsoft.com/office/drawing/2014/main" id="{D8034E38-E07F-D44B-BA91-3EBA7455070C}"/>
+              </a:ext>
+            </a:extLst>
+          </p:cNvPr>
+          <p:cNvSpPr txBox="1"/>
+          <p:nvPr/>
+        </p:nvSpPr>
+        <p:spPr>
+          <a:xfrm>
+            <a:off x="1257300" y="2038350"/>
+            <a:ext cx="6172200" cy="1754326"/>
+          </a:xfrm>
+          <a:prstGeom prst="rect">
+            <a:avLst/>
+          </a:prstGeom>
+          <a:noFill/>
+        </p:spPr>
+        <p:txBody>
+          <a:bodyPr wrap="square" rtlCol="0">
+            <a:spAutoFit/>
+          </a:bodyPr>
+          <a:lstStyle/>
+          <a:p>
+            <a:pPr marL="285750" indent="-285750">
+              <a:buFontTx/>
+              <a:buChar char="-"/>
+            </a:pPr>
+            <a:r>
+              <a:rPr lang="en-US" dirty="0"/>
+              <a:t>Loading entire dataset kills the </a:t>
+            </a:r>
+            <a:r>
+              <a:rPr lang="en-US" dirty="0" err="1"/>
+              <a:t>jupyter</a:t>
+            </a:r>
+            <a:r>
+              <a:rPr lang="en-US" dirty="0"/>
+              <a:t> kernel</a:t>
+            </a:r>
+          </a:p>
+          <a:p>
+            <a:pPr marL="285750" indent="-285750">
+              <a:buFontTx/>
+              <a:buChar char="-"/>
+            </a:pPr>
+            <a:r>
+              <a:rPr lang="en-US" dirty="0"/>
+              <a:t>Preprocessed dataset: training RF takes ~9.22 mins</a:t>
+            </a:r>
+          </a:p>
+          <a:p>
+            <a:pPr marL="285750" indent="-285750">
+              <a:buFontTx/>
+              <a:buChar char="-"/>
+            </a:pPr>
+            <a:r>
+              <a:rPr lang="en-US" dirty="0"/>
+              <a:t>Gini classifier: slower – processed data</a:t>
+            </a:r>
+          </a:p>
+          <a:p>
+            <a:pPr marL="285750" indent="-285750">
+              <a:buFontTx/>
+              <a:buChar char="-"/>
+            </a:pPr>
+            <a:r>
+              <a:rPr lang="en-US" dirty="0"/>
+              <a:t>Entropy: faster (thousand % more accurate) – preprocessed data</a:t>
+            </a:r>
+          </a:p>
+          <a:p>
+            <a:pPr marL="285750" indent="-285750">
+              <a:buFontTx/>
+              <a:buChar char="-"/>
+            </a:pPr>
+            <a:endParaRPr lang="en-US" dirty="0"/>
+          </a:p>
+        </p:txBody>
+      </p:sp>
     </p:spTree>
     <p:extLst>
       <p:ext uri="{BB962C8B-B14F-4D97-AF65-F5344CB8AC3E}">
@@ -7335,6 +7419,15 @@
               <a:rPr lang="en-US" dirty="0"/>
               <a:t>99.57% - Spark</a:t>
             </a:r>
+          </a:p>
+          <a:p>
+            <a:r>
+              <a:rPr lang="en-US" dirty="0"/>
+              <a:t>99.56% - Single Machine RF</a:t>
+            </a:r>
+          </a:p>
+          <a:p>
+            <a:endParaRPr lang="en-US" dirty="0"/>
           </a:p>
           <a:p>
             <a:endParaRPr lang="en-US" dirty="0"/>
@@ -7963,12 +8056,15 @@
           <a:p>
             <a:r>
               <a:rPr lang="en-US" dirty="0"/>
-              <a:t>Parallel approach to Machine Learning - </a:t>
+              <a:t>Parallel approach to Machine Learning – </a:t>
             </a:r>
             <a:r>
               <a:rPr lang="en-US" dirty="0" err="1"/>
               <a:t>MLLib</a:t>
             </a:r>
+            <a:endParaRPr lang="en-US" dirty="0"/>
+          </a:p>
+          <a:p>
             <a:endParaRPr lang="en-US" dirty="0"/>
           </a:p>
         </p:txBody>

--- a/presentation/DutileOtentiPhangSweeney.pptx
+++ b/presentation/DutileOtentiPhangSweeney.pptx
@@ -8045,12 +8045,35 @@
         </p:nvSpPr>
         <p:spPr/>
         <p:txBody>
-          <a:bodyPr/>
+          <a:bodyPr>
+            <a:normAutofit fontScale="92500" lnSpcReduction="10000"/>
+          </a:bodyPr>
           <a:lstStyle/>
           <a:p>
             <a:r>
               <a:rPr lang="en-US" dirty="0"/>
               <a:t>Apache Spark is a fast and general engine for large-scale data processing</a:t>
+            </a:r>
+          </a:p>
+          <a:p>
+            <a:pPr lvl="1"/>
+            <a:r>
+              <a:rPr lang="en-US" dirty="0"/>
+              <a:t>Scalable, fault tolerant, &amp; distributed framework for data science</a:t>
+            </a:r>
+          </a:p>
+          <a:p>
+            <a:pPr lvl="1"/>
+            <a:r>
+              <a:rPr lang="en-US" dirty="0"/>
+              <a:t>Resilient datasets</a:t>
+            </a:r>
+          </a:p>
+          <a:p>
+            <a:pPr lvl="2"/>
+            <a:r>
+              <a:rPr lang="en-US" dirty="0"/>
+              <a:t>No work lost when machines fail</a:t>
             </a:r>
           </a:p>
           <a:p>
@@ -8062,10 +8085,31 @@
               <a:rPr lang="en-US" dirty="0" err="1"/>
               <a:t>MLLib</a:t>
             </a:r>
-            <a:endParaRPr lang="en-US" dirty="0"/>
-          </a:p>
-          <a:p>
-            <a:endParaRPr lang="en-US" dirty="0"/>
+            <a:r>
+              <a:rPr lang="en-US" dirty="0"/>
+              <a:t> runs on Spark</a:t>
+            </a:r>
+          </a:p>
+          <a:p>
+            <a:pPr lvl="1"/>
+            <a:r>
+              <a:rPr lang="en-US" dirty="0"/>
+              <a:t>Packaged ML algorithms</a:t>
+            </a:r>
+          </a:p>
+          <a:p>
+            <a:pPr lvl="1"/>
+            <a:r>
+              <a:rPr lang="en-US" dirty="0"/>
+              <a:t>Limited to easy to parallelize algorithms</a:t>
+            </a:r>
+          </a:p>
+          <a:p>
+            <a:pPr lvl="2"/>
+            <a:r>
+              <a:rPr lang="en-US" dirty="0"/>
+              <a:t>Ensembles are trivially parallel!</a:t>
+            </a:r>
           </a:p>
         </p:txBody>
       </p:sp>

--- a/presentation/DutileOtentiPhangSweeney.pptx
+++ b/presentation/DutileOtentiPhangSweeney.pptx
@@ -9108,7 +9108,7 @@
         </p:nvSpPr>
         <p:spPr>
           <a:xfrm rot="10800000" flipV="1">
-            <a:off x="91464" y="2859540"/>
+            <a:off x="152294" y="3477581"/>
             <a:ext cx="8129587" cy="577111"/>
           </a:xfrm>
         </p:spPr>
@@ -9247,8 +9247,8 @@
         </p:blipFill>
         <p:spPr>
           <a:xfrm>
-            <a:off x="91464" y="3399534"/>
-            <a:ext cx="2166215" cy="2726629"/>
+            <a:off x="254582" y="3912874"/>
+            <a:ext cx="1790260" cy="2253413"/>
           </a:xfrm>
           <a:prstGeom prst="rect">
             <a:avLst/>
@@ -9277,8 +9277,8 @@
         </p:blipFill>
         <p:spPr>
           <a:xfrm>
-            <a:off x="4515982" y="3365989"/>
-            <a:ext cx="2245928" cy="2793715"/>
+            <a:off x="4686018" y="3885151"/>
+            <a:ext cx="1856139" cy="2308855"/>
           </a:xfrm>
           <a:prstGeom prst="rect">
             <a:avLst/>
@@ -9307,8 +9307,8 @@
         </p:blipFill>
         <p:spPr>
           <a:xfrm>
-            <a:off x="2334679" y="3365988"/>
-            <a:ext cx="2234973" cy="2793715"/>
+            <a:off x="2503764" y="3885150"/>
+            <a:ext cx="1847085" cy="2308855"/>
           </a:xfrm>
           <a:prstGeom prst="rect">
             <a:avLst/>
@@ -9337,8 +9337,8 @@
         </p:blipFill>
         <p:spPr>
           <a:xfrm>
-            <a:off x="6750955" y="3352375"/>
-            <a:ext cx="2259023" cy="2807329"/>
+            <a:off x="6922127" y="3872718"/>
+            <a:ext cx="1866961" cy="2320106"/>
           </a:xfrm>
           <a:prstGeom prst="rect">
             <a:avLst/>
@@ -9347,10 +9347,10 @@
       </p:pic>
       <p:sp>
         <p:nvSpPr>
-          <p:cNvPr id="9" name="TextBox 8">
+          <p:cNvPr id="7" name="TextBox 6">
             <a:extLst>
               <a:ext uri="{FF2B5EF4-FFF2-40B4-BE49-F238E27FC236}">
-                <a16:creationId xmlns:a16="http://schemas.microsoft.com/office/drawing/2014/main" id="{B2FC238B-67AD-D14D-A4E1-524589D23FC4}"/>
+                <a16:creationId xmlns:a16="http://schemas.microsoft.com/office/drawing/2014/main" id="{76879B33-90AA-0C4F-BED7-36B61A06A3DA}"/>
               </a:ext>
             </a:extLst>
           </p:cNvPr>
@@ -9359,8 +9359,8 @@
         </p:nvSpPr>
         <p:spPr>
           <a:xfrm>
-            <a:off x="457199" y="1909011"/>
-            <a:ext cx="2833148" cy="369332"/>
+            <a:off x="152294" y="1230812"/>
+            <a:ext cx="8857683" cy="2246769"/>
           </a:xfrm>
           <a:prstGeom prst="rect">
             <a:avLst/>
@@ -9368,7 +9368,7 @@
           <a:noFill/>
         </p:spPr>
         <p:txBody>
-          <a:bodyPr wrap="none" rtlCol="0">
+          <a:bodyPr wrap="square" rtlCol="0">
             <a:spAutoFit/>
           </a:bodyPr>
           <a:lstStyle/>
@@ -9378,8 +9378,68 @@
               <a:buChar char="•"/>
             </a:pPr>
             <a:r>
-              <a:rPr lang="en-US" dirty="0"/>
-              <a:t>Available in Spark ML API</a:t>
+              <a:rPr lang="en-US" sz="2000" dirty="0"/>
+              <a:t>Decision trees are efficient</a:t>
+            </a:r>
+          </a:p>
+          <a:p>
+            <a:pPr marL="742950" lvl="1" indent="-285750">
+              <a:buFont typeface="Arial" panose="020B0604020202020204" pitchFamily="34" charset="0"/>
+              <a:buChar char="•"/>
+            </a:pPr>
+            <a:r>
+              <a:rPr lang="en-US" sz="2000" dirty="0"/>
+              <a:t>Intuitive/rule based (unlike NNs)</a:t>
+            </a:r>
+          </a:p>
+          <a:p>
+            <a:pPr marL="285750" indent="-285750">
+              <a:buFont typeface="Arial" panose="020B0604020202020204" pitchFamily="34" charset="0"/>
+              <a:buChar char="•"/>
+            </a:pPr>
+            <a:r>
+              <a:rPr lang="en-US" sz="2000" dirty="0"/>
+              <a:t>Decision trees can be biased by noise</a:t>
+            </a:r>
+          </a:p>
+          <a:p>
+            <a:pPr marL="742950" lvl="1" indent="-285750">
+              <a:buFont typeface="Arial" panose="020B0604020202020204" pitchFamily="34" charset="0"/>
+              <a:buChar char="•"/>
+            </a:pPr>
+            <a:r>
+              <a:rPr lang="en-US" sz="2000" dirty="0"/>
+              <a:t>Make suboptimal rules, lead to errors</a:t>
+            </a:r>
+          </a:p>
+          <a:p>
+            <a:pPr marL="285750" indent="-285750">
+              <a:buFont typeface="Arial" panose="020B0604020202020204" pitchFamily="34" charset="0"/>
+              <a:buChar char="•"/>
+            </a:pPr>
+            <a:r>
+              <a:rPr lang="en-US" sz="2000" dirty="0"/>
+              <a:t>Ensemble of DTs voting minimizes error</a:t>
+            </a:r>
+          </a:p>
+          <a:p>
+            <a:pPr marL="742950" lvl="1" indent="-285750">
+              <a:buFont typeface="Arial" panose="020B0604020202020204" pitchFamily="34" charset="0"/>
+              <a:buChar char="•"/>
+            </a:pPr>
+            <a:r>
+              <a:rPr lang="en-US" sz="2000" dirty="0"/>
+              <a:t>Each DT gets a subset of the data</a:t>
+            </a:r>
+          </a:p>
+          <a:p>
+            <a:pPr marL="742950" lvl="1" indent="-285750">
+              <a:buFont typeface="Arial" panose="020B0604020202020204" pitchFamily="34" charset="0"/>
+              <a:buChar char="•"/>
+            </a:pPr>
+            <a:r>
+              <a:rPr lang="en-US" sz="2000" dirty="0"/>
+              <a:t>Biases tend to average out to nil</a:t>
             </a:r>
           </a:p>
         </p:txBody>

--- a/presentation/DutileOtentiPhangSweeney.pptx
+++ b/presentation/DutileOtentiPhangSweeney.pptx
@@ -21,12 +21,12 @@
     <p:sldId id="279" r:id="rId9"/>
     <p:sldId id="271" r:id="rId10"/>
     <p:sldId id="276" r:id="rId11"/>
-    <p:sldId id="280" r:id="rId12"/>
-    <p:sldId id="281" r:id="rId13"/>
-    <p:sldId id="286" r:id="rId14"/>
-    <p:sldId id="262" r:id="rId15"/>
-    <p:sldId id="284" r:id="rId16"/>
-    <p:sldId id="261" r:id="rId17"/>
+    <p:sldId id="281" r:id="rId12"/>
+    <p:sldId id="286" r:id="rId13"/>
+    <p:sldId id="262" r:id="rId14"/>
+    <p:sldId id="280" r:id="rId15"/>
+    <p:sldId id="261" r:id="rId16"/>
+    <p:sldId id="284" r:id="rId17"/>
   </p:sldIdLst>
   <p:sldSz cx="9144000" cy="6858000" type="screen4x3"/>
   <p:notesSz cx="6858000" cy="9144000"/>
@@ -1000,13 +1000,40 @@
             </a:r>
           </a:p>
           <a:p>
+            <a:endParaRPr lang="en-US" dirty="0"/>
+          </a:p>
+          <a:p>
+            <a:r>
+              <a:rPr lang="en-US" dirty="0"/>
+              <a:t>Highlight best model</a:t>
+            </a:r>
+          </a:p>
+          <a:p>
+            <a:r>
+              <a:rPr lang="en-US" dirty="0"/>
+              <a:t>* Right table shows scaling of training</a:t>
+            </a:r>
+          </a:p>
+          <a:p>
+            <a:r>
+              <a:rPr lang="en-US" dirty="0"/>
+              <a:t>What was scaling of processing – parallel</a:t>
+            </a:r>
+          </a:p>
+          <a:p>
+            <a:r>
+              <a:rPr lang="en-US" dirty="0"/>
+              <a:t>Classification – not that parallel (small feature vectors, fit into 65MB for 1 image, then make splits on this thing). If we split beyond 4 parts, the time it takes to fire up other machines it is expensive. </a:t>
+            </a:r>
+          </a:p>
+          <a:p>
             <a:pPr marL="171450" indent="-171450">
               <a:buFont typeface="Arial" panose="020B0604020202020204" pitchFamily="34" charset="0"/>
               <a:buChar char="•"/>
             </a:pPr>
             <a:r>
               <a:rPr lang="en-US" dirty="0"/>
-              <a:t>First, preprocessing was 1 job per image. It is a map only job.</a:t>
+              <a:t>After 4 workers, which is 16 splits, no real scaling </a:t>
             </a:r>
           </a:p>
           <a:p>
@@ -1014,19 +1041,43 @@
               <a:buFont typeface="Arial" panose="020B0604020202020204" pitchFamily="34" charset="0"/>
               <a:buChar char="•"/>
             </a:pPr>
-            <a:r>
-              <a:rPr lang="en-US" dirty="0"/>
-              <a:t>Pre-processing transformations 6GB image on 65MB image</a:t>
-            </a:r>
+            <a:endParaRPr lang="en-US" dirty="0"/>
           </a:p>
           <a:p>
             <a:pPr marL="171450" indent="-171450">
               <a:buFont typeface="Arial" panose="020B0604020202020204" pitchFamily="34" charset="0"/>
               <a:buChar char="•"/>
             </a:pPr>
-            <a:r>
-              <a:rPr lang="en-US" dirty="0"/>
-              <a:t>The training image are fed to the random forest model to train</a:t>
+            <a:endParaRPr lang="en-US" dirty="0"/>
+          </a:p>
+          <a:p>
+            <a:r>
+              <a:rPr lang="en-US" dirty="0"/>
+              <a:t>IMAGE 2 = validation, train on the rest of the data.</a:t>
+            </a:r>
+          </a:p>
+          <a:p>
+            <a:r>
+              <a:rPr lang="en-US" dirty="0"/>
+              <a:t>Base accuracy = total number of samples / negatives</a:t>
+            </a:r>
+          </a:p>
+          <a:p>
+            <a:r>
+              <a:rPr lang="en-US" dirty="0"/>
+              <a:t>Best = TN + TP / total</a:t>
+            </a:r>
+          </a:p>
+          <a:p>
+            <a:r>
+              <a:rPr lang="en-US" dirty="0"/>
+              <a:t>Don’t have as good sensitivity for foreground. Getting a better sensitivity for foreground we lose on background.</a:t>
+            </a:r>
+          </a:p>
+          <a:p>
+            <a:r>
+              <a:rPr lang="en-US" dirty="0"/>
+              <a:t>Similar to classifying patients with cancer, by selecting accuracy metric – true negatives is important. Have the smallest false positive rate.</a:t>
             </a:r>
           </a:p>
           <a:p>
@@ -1034,38 +1085,7 @@
               <a:buFont typeface="Arial" panose="020B0604020202020204" pitchFamily="34" charset="0"/>
               <a:buChar char="•"/>
             </a:pPr>
-            <a:r>
-              <a:rPr lang="en-US" dirty="0"/>
-              <a:t>We persist the image, which is a job that shuffles the data depending on the the parameters (shuffling correlated with </a:t>
-            </a:r>
-            <a:r>
-              <a:rPr lang="en-US" dirty="0" err="1"/>
-              <a:t>params</a:t>
-            </a:r>
-            <a:r>
-              <a:rPr lang="en-US" dirty="0"/>
-              <a:t> – it depends more on the depth &amp; number of trees)</a:t>
-            </a:r>
-          </a:p>
-          <a:p>
-            <a:pPr marL="171450" indent="-171450">
-              <a:buFont typeface="Arial" panose="020B0604020202020204" pitchFamily="34" charset="0"/>
-              <a:buChar char="•"/>
-            </a:pPr>
-            <a:r>
-              <a:rPr lang="en-US" dirty="0"/>
-              <a:t>Classification job that has a persisted model and it receives only the image that we want to classify</a:t>
-            </a:r>
-          </a:p>
-          <a:p>
-            <a:pPr marL="171450" indent="-171450">
-              <a:buFont typeface="Arial" panose="020B0604020202020204" pitchFamily="34" charset="0"/>
-              <a:buChar char="•"/>
-            </a:pPr>
-            <a:r>
-              <a:rPr lang="en-US" dirty="0"/>
-              <a:t>because our feature vector is small we didn’t see much scaling on this one (firing up more than 4 workers isn’t necessary)</a:t>
-            </a:r>
+            <a:endParaRPr lang="en-US" dirty="0"/>
           </a:p>
         </p:txBody>
       </p:sp>
@@ -1095,7 +1115,7 @@
     </p:spTree>
     <p:extLst>
       <p:ext uri="{BB962C8B-B14F-4D97-AF65-F5344CB8AC3E}">
-        <p14:creationId xmlns:p14="http://schemas.microsoft.com/office/powerpoint/2010/main" val="3737493002"/>
+        <p14:creationId xmlns:p14="http://schemas.microsoft.com/office/powerpoint/2010/main" val="663596552"/>
       </p:ext>
     </p:extLst>
   </p:cSld>
@@ -1151,96 +1171,8 @@
           <a:p>
             <a:r>
               <a:rPr lang="en-US" dirty="0"/>
-              <a:t>EMILY</a:t>
-            </a:r>
-          </a:p>
-          <a:p>
-            <a:endParaRPr lang="en-US" dirty="0"/>
-          </a:p>
-          <a:p>
-            <a:r>
-              <a:rPr lang="en-US" dirty="0"/>
-              <a:t>Highlight best model</a:t>
-            </a:r>
-          </a:p>
-          <a:p>
-            <a:r>
-              <a:rPr lang="en-US" dirty="0"/>
-              <a:t>* Right table shows scaling of training</a:t>
-            </a:r>
-          </a:p>
-          <a:p>
-            <a:r>
-              <a:rPr lang="en-US" dirty="0"/>
-              <a:t>What was scaling of processing – parallel</a:t>
-            </a:r>
-          </a:p>
-          <a:p>
-            <a:r>
-              <a:rPr lang="en-US" dirty="0"/>
-              <a:t>Classification – not that parallel (small feature vectors, fit into 65MB for 1 image, then make splits on this thing). If we split beyond 4 parts, the time it takes to fire up other machines it is expensive. </a:t>
-            </a:r>
-          </a:p>
-          <a:p>
-            <a:pPr marL="171450" indent="-171450">
-              <a:buFont typeface="Arial" panose="020B0604020202020204" pitchFamily="34" charset="0"/>
-              <a:buChar char="•"/>
-            </a:pPr>
-            <a:r>
-              <a:rPr lang="en-US" dirty="0"/>
-              <a:t>After 4 workers, which is 16 splits, no real scaling </a:t>
-            </a:r>
-          </a:p>
-          <a:p>
-            <a:pPr marL="171450" indent="-171450">
-              <a:buFont typeface="Arial" panose="020B0604020202020204" pitchFamily="34" charset="0"/>
-              <a:buChar char="•"/>
-            </a:pPr>
-            <a:endParaRPr lang="en-US" dirty="0"/>
-          </a:p>
-          <a:p>
-            <a:pPr marL="171450" indent="-171450">
-              <a:buFont typeface="Arial" panose="020B0604020202020204" pitchFamily="34" charset="0"/>
-              <a:buChar char="•"/>
-            </a:pPr>
-            <a:endParaRPr lang="en-US" dirty="0"/>
-          </a:p>
-          <a:p>
-            <a:r>
-              <a:rPr lang="en-US" dirty="0"/>
-              <a:t>IMAGE 2 = validation, train on the rest of the data.</a:t>
-            </a:r>
-          </a:p>
-          <a:p>
-            <a:r>
-              <a:rPr lang="en-US" dirty="0"/>
-              <a:t>Base accuracy = total number of samples / negatives</a:t>
-            </a:r>
-          </a:p>
-          <a:p>
-            <a:r>
-              <a:rPr lang="en-US" dirty="0"/>
-              <a:t>Best = TN + TP / total</a:t>
-            </a:r>
-          </a:p>
-          <a:p>
-            <a:r>
-              <a:rPr lang="en-US" dirty="0"/>
-              <a:t>Don’t have as good sensitivity for foreground. Getting a better sensitivity for foreground we lose on background.</a:t>
-            </a:r>
-          </a:p>
-          <a:p>
-            <a:r>
-              <a:rPr lang="en-US" dirty="0"/>
-              <a:t>Similar to classifying patients with cancer, by selecting accuracy metric – true negatives is important. Have the smallest false positive rate.</a:t>
-            </a:r>
-          </a:p>
-          <a:p>
-            <a:pPr marL="171450" indent="-171450">
-              <a:buFont typeface="Arial" panose="020B0604020202020204" pitchFamily="34" charset="0"/>
-              <a:buChar char="•"/>
-            </a:pPr>
-            <a:endParaRPr lang="en-US" dirty="0"/>
+              <a:t>NATE</a:t>
+            </a:r>
           </a:p>
         </p:txBody>
       </p:sp>
@@ -1261,7 +1193,7 @@
           <a:p>
             <a:fld id="{1B8B4FD3-9156-3F45-86A6-2A512E7D4DAE}" type="slidenum">
               <a:rPr lang="en-US" smtClean="0"/>
-              <a:t>12</a:t>
+              <a:t>13</a:t>
             </a:fld>
             <a:endParaRPr lang="en-US"/>
           </a:p>
@@ -1270,7 +1202,7 @@
     </p:spTree>
     <p:extLst>
       <p:ext uri="{BB962C8B-B14F-4D97-AF65-F5344CB8AC3E}">
-        <p14:creationId xmlns:p14="http://schemas.microsoft.com/office/powerpoint/2010/main" val="663596552"/>
+        <p14:creationId xmlns:p14="http://schemas.microsoft.com/office/powerpoint/2010/main" val="1580661599"/>
       </p:ext>
     </p:extLst>
   </p:cSld>
@@ -1326,7 +1258,75 @@
           <a:p>
             <a:r>
               <a:rPr lang="en-US" dirty="0"/>
-              <a:t>NATE</a:t>
+              <a:t>EMILY</a:t>
+            </a:r>
+          </a:p>
+          <a:p>
+            <a:pPr marL="171450" indent="-171450">
+              <a:buFont typeface="Arial" panose="020B0604020202020204" pitchFamily="34" charset="0"/>
+              <a:buChar char="•"/>
+            </a:pPr>
+            <a:r>
+              <a:rPr lang="en-US" dirty="0"/>
+              <a:t>First, preprocessing was 1 job per image. It is a map only job.</a:t>
+            </a:r>
+          </a:p>
+          <a:p>
+            <a:pPr marL="171450" indent="-171450">
+              <a:buFont typeface="Arial" panose="020B0604020202020204" pitchFamily="34" charset="0"/>
+              <a:buChar char="•"/>
+            </a:pPr>
+            <a:r>
+              <a:rPr lang="en-US" dirty="0"/>
+              <a:t>Pre-processing transformations 6GB image on 65MB image</a:t>
+            </a:r>
+          </a:p>
+          <a:p>
+            <a:pPr marL="171450" indent="-171450">
+              <a:buFont typeface="Arial" panose="020B0604020202020204" pitchFamily="34" charset="0"/>
+              <a:buChar char="•"/>
+            </a:pPr>
+            <a:r>
+              <a:rPr lang="en-US" dirty="0"/>
+              <a:t>The training image are fed to the random forest model to train</a:t>
+            </a:r>
+          </a:p>
+          <a:p>
+            <a:pPr marL="171450" indent="-171450">
+              <a:buFont typeface="Arial" panose="020B0604020202020204" pitchFamily="34" charset="0"/>
+              <a:buChar char="•"/>
+            </a:pPr>
+            <a:r>
+              <a:rPr lang="en-US" dirty="0"/>
+              <a:t>We persist the image, which is a job that shuffles the data depending on the the parameters (shuffling correlated with </a:t>
+            </a:r>
+            <a:r>
+              <a:rPr lang="en-US" dirty="0" err="1"/>
+              <a:t>params</a:t>
+            </a:r>
+            <a:r>
+              <a:rPr lang="en-US" dirty="0"/>
+              <a:t> – it depends more on the depth &amp; number of trees)</a:t>
+            </a:r>
+          </a:p>
+          <a:p>
+            <a:pPr marL="171450" indent="-171450">
+              <a:buFont typeface="Arial" panose="020B0604020202020204" pitchFamily="34" charset="0"/>
+              <a:buChar char="•"/>
+            </a:pPr>
+            <a:r>
+              <a:rPr lang="en-US" dirty="0"/>
+              <a:t>Classification job that has a persisted model and it receives only the image that we want to classify</a:t>
+            </a:r>
+          </a:p>
+          <a:p>
+            <a:pPr marL="171450" indent="-171450">
+              <a:buFont typeface="Arial" panose="020B0604020202020204" pitchFamily="34" charset="0"/>
+              <a:buChar char="•"/>
+            </a:pPr>
+            <a:r>
+              <a:rPr lang="en-US" dirty="0"/>
+              <a:t>because our feature vector is small we didn’t see much scaling on this one (firing up more than 4 workers isn’t necessary)</a:t>
             </a:r>
           </a:p>
         </p:txBody>
@@ -1357,7 +1357,7 @@
     </p:spTree>
     <p:extLst>
       <p:ext uri="{BB962C8B-B14F-4D97-AF65-F5344CB8AC3E}">
-        <p14:creationId xmlns:p14="http://schemas.microsoft.com/office/powerpoint/2010/main" val="1580661599"/>
+        <p14:creationId xmlns:p14="http://schemas.microsoft.com/office/powerpoint/2010/main" val="3737493002"/>
       </p:ext>
     </p:extLst>
   </p:cSld>
@@ -1435,7 +1435,7 @@
           <a:p>
             <a:fld id="{1B8B4FD3-9156-3F45-86A6-2A512E7D4DAE}" type="slidenum">
               <a:rPr lang="en-US" smtClean="0"/>
-              <a:t>15</a:t>
+              <a:t>16</a:t>
             </a:fld>
             <a:endParaRPr lang="en-US"/>
           </a:p>
@@ -4944,13 +4944,7 @@
       </p:grpSpPr>
       <p:sp>
         <p:nvSpPr>
-          <p:cNvPr id="2" name="Title 1">
-            <a:extLst>
-              <a:ext uri="{FF2B5EF4-FFF2-40B4-BE49-F238E27FC236}">
-                <a16:creationId xmlns:a16="http://schemas.microsoft.com/office/drawing/2014/main" id="{FC9BDE76-2B9E-7342-8283-8561F5D3272D}"/>
-              </a:ext>
-            </a:extLst>
-          </p:cNvPr>
+          <p:cNvPr id="2" name="Title 1"/>
           <p:cNvSpPr>
             <a:spLocks noGrp="1"/>
           </p:cNvSpPr>
@@ -4958,12 +4952,7 @@
             <p:ph type="title"/>
           </p:nvPr>
         </p:nvSpPr>
-        <p:spPr>
-          <a:xfrm>
-            <a:off x="457200" y="488444"/>
-            <a:ext cx="8229600" cy="600237"/>
-          </a:xfrm>
-        </p:spPr>
+        <p:spPr/>
         <p:txBody>
           <a:bodyPr>
             <a:normAutofit fontScale="90000"/>
@@ -4972,20 +4961,14 @@
           <a:p>
             <a:r>
               <a:rPr lang="en-US" dirty="0"/>
-              <a:t>Spark Application Pipeline</a:t>
-            </a:r>
-          </a:p>
-        </p:txBody>
-      </p:sp>
-      <p:sp>
-        <p:nvSpPr>
-          <p:cNvPr id="4" name="Date Placeholder 3">
-            <a:extLst>
-              <a:ext uri="{FF2B5EF4-FFF2-40B4-BE49-F238E27FC236}">
-                <a16:creationId xmlns:a16="http://schemas.microsoft.com/office/drawing/2014/main" id="{3976126B-1429-FB4B-8920-BD73479DB573}"/>
-              </a:ext>
-            </a:extLst>
-          </p:cNvPr>
+              <a:t>Parallel Processing Results</a:t>
+            </a:r>
+          </a:p>
+        </p:txBody>
+      </p:sp>
+      <p:sp>
+        <p:nvSpPr>
+          <p:cNvPr id="4" name="Date Placeholder 3"/>
           <p:cNvSpPr>
             <a:spLocks noGrp="1"/>
           </p:cNvSpPr>
@@ -4993,12 +4976,7 @@
             <p:ph type="dt" sz="half" idx="10"/>
           </p:nvPr>
         </p:nvSpPr>
-        <p:spPr>
-          <a:xfrm>
-            <a:off x="457199" y="6677166"/>
-            <a:ext cx="2291085" cy="228959"/>
-          </a:xfrm>
-        </p:spPr>
+        <p:spPr/>
         <p:txBody>
           <a:bodyPr/>
           <a:lstStyle/>
@@ -5012,13 +4990,7 @@
       </p:sp>
       <p:sp>
         <p:nvSpPr>
-          <p:cNvPr id="5" name="Footer Placeholder 4">
-            <a:extLst>
-              <a:ext uri="{FF2B5EF4-FFF2-40B4-BE49-F238E27FC236}">
-                <a16:creationId xmlns:a16="http://schemas.microsoft.com/office/drawing/2014/main" id="{7BC6A223-0CF2-4B4B-98AA-CD9F1C768703}"/>
-              </a:ext>
-            </a:extLst>
-          </p:cNvPr>
+          <p:cNvPr id="5" name="Footer Placeholder 4"/>
           <p:cNvSpPr>
             <a:spLocks noGrp="1"/>
           </p:cNvSpPr>
@@ -5026,33 +4998,21 @@
             <p:ph type="ftr" sz="quarter" idx="11"/>
           </p:nvPr>
         </p:nvSpPr>
-        <p:spPr>
-          <a:xfrm>
-            <a:off x="812385" y="6321880"/>
-            <a:ext cx="7874415" cy="303487"/>
-          </a:xfrm>
-        </p:spPr>
+        <p:spPr/>
         <p:txBody>
           <a:bodyPr/>
           <a:lstStyle/>
           <a:p>
             <a:r>
-              <a:rPr lang="en-US"/>
+              <a:rPr lang="en-US" dirty="0"/>
               <a:t>Classifying High-Resolution Brain Scans</a:t>
             </a:r>
-            <a:endParaRPr lang="en-US" dirty="0"/>
-          </a:p>
-        </p:txBody>
-      </p:sp>
-      <p:sp>
-        <p:nvSpPr>
-          <p:cNvPr id="6" name="Slide Number Placeholder 5">
-            <a:extLst>
-              <a:ext uri="{FF2B5EF4-FFF2-40B4-BE49-F238E27FC236}">
-                <a16:creationId xmlns:a16="http://schemas.microsoft.com/office/drawing/2014/main" id="{AFE1D4A4-A343-3143-9C4B-24CAC4CAF8F9}"/>
-              </a:ext>
-            </a:extLst>
-          </p:cNvPr>
+          </a:p>
+        </p:txBody>
+      </p:sp>
+      <p:sp>
+        <p:nvSpPr>
+          <p:cNvPr id="6" name="Slide Number Placeholder 5"/>
           <p:cNvSpPr>
             <a:spLocks noGrp="1"/>
           </p:cNvSpPr>
@@ -5060,12 +5020,7 @@
             <p:ph type="sldNum" sz="quarter" idx="12"/>
           </p:nvPr>
         </p:nvSpPr>
-        <p:spPr>
-          <a:xfrm>
-            <a:off x="7594784" y="6678687"/>
-            <a:ext cx="1092016" cy="226932"/>
-          </a:xfrm>
-        </p:spPr>
+        <p:spPr/>
         <p:txBody>
           <a:bodyPr/>
           <a:lstStyle/>
@@ -5073,1512 +5028,6 @@
             <a:fld id="{A85782A5-310D-064D-97B2-7CD9DCF5F4D7}" type="slidenum">
               <a:rPr lang="en-US" smtClean="0"/>
               <a:t>11</a:t>
-            </a:fld>
-            <a:endParaRPr lang="en-US"/>
-          </a:p>
-        </p:txBody>
-      </p:sp>
-      <p:sp>
-        <p:nvSpPr>
-          <p:cNvPr id="7" name="Rectangle 6">
-            <a:extLst>
-              <a:ext uri="{FF2B5EF4-FFF2-40B4-BE49-F238E27FC236}">
-                <a16:creationId xmlns:a16="http://schemas.microsoft.com/office/drawing/2014/main" id="{357F83A6-9A36-7841-9520-2ECAFC877F4B}"/>
-              </a:ext>
-            </a:extLst>
-          </p:cNvPr>
-          <p:cNvSpPr/>
-          <p:nvPr/>
-        </p:nvSpPr>
-        <p:spPr>
-          <a:xfrm>
-            <a:off x="4678854" y="2975789"/>
-            <a:ext cx="2727433" cy="1603745"/>
-          </a:xfrm>
-          <a:prstGeom prst="rect">
-            <a:avLst/>
-          </a:prstGeom>
-          <a:solidFill>
-            <a:schemeClr val="tx2">
-              <a:lumMod val="20000"/>
-              <a:lumOff val="80000"/>
-            </a:schemeClr>
-          </a:solidFill>
-          <a:ln w="88900">
-            <a:solidFill>
-              <a:srgbClr val="2D2D2D"/>
-            </a:solidFill>
-          </a:ln>
-          <a:effectLst>
-            <a:outerShdw dist="23000" sx="1000" sy="1000" rotWithShape="0">
-              <a:srgbClr val="000000"/>
-            </a:outerShdw>
-          </a:effectLst>
-        </p:spPr>
-        <p:style>
-          <a:lnRef idx="1">
-            <a:schemeClr val="accent1"/>
-          </a:lnRef>
-          <a:fillRef idx="3">
-            <a:schemeClr val="accent1"/>
-          </a:fillRef>
-          <a:effectRef idx="2">
-            <a:schemeClr val="accent1"/>
-          </a:effectRef>
-          <a:fontRef idx="minor">
-            <a:schemeClr val="lt1"/>
-          </a:fontRef>
-        </p:style>
-        <p:txBody>
-          <a:bodyPr rtlCol="0" anchor="ctr"/>
-          <a:lstStyle/>
-          <a:p>
-            <a:pPr algn="ctr"/>
-            <a:endParaRPr lang="en-US"/>
-          </a:p>
-        </p:txBody>
-      </p:sp>
-      <p:sp>
-        <p:nvSpPr>
-          <p:cNvPr id="8" name="Rectangle 7">
-            <a:extLst>
-              <a:ext uri="{FF2B5EF4-FFF2-40B4-BE49-F238E27FC236}">
-                <a16:creationId xmlns:a16="http://schemas.microsoft.com/office/drawing/2014/main" id="{645FFFBF-8D70-B241-8154-4C249F7E3B79}"/>
-              </a:ext>
-            </a:extLst>
-          </p:cNvPr>
-          <p:cNvSpPr/>
-          <p:nvPr/>
-        </p:nvSpPr>
-        <p:spPr>
-          <a:xfrm>
-            <a:off x="1737713" y="1653576"/>
-            <a:ext cx="5668574" cy="746795"/>
-          </a:xfrm>
-          <a:prstGeom prst="rect">
-            <a:avLst/>
-          </a:prstGeom>
-          <a:solidFill>
-            <a:schemeClr val="tx2">
-              <a:lumMod val="20000"/>
-              <a:lumOff val="80000"/>
-            </a:schemeClr>
-          </a:solidFill>
-          <a:ln w="88900">
-            <a:solidFill>
-              <a:srgbClr val="2D2D2D"/>
-            </a:solidFill>
-          </a:ln>
-          <a:effectLst>
-            <a:outerShdw dist="23000" sx="1000" sy="1000" rotWithShape="0">
-              <a:srgbClr val="000000"/>
-            </a:outerShdw>
-          </a:effectLst>
-        </p:spPr>
-        <p:style>
-          <a:lnRef idx="1">
-            <a:schemeClr val="accent1"/>
-          </a:lnRef>
-          <a:fillRef idx="3">
-            <a:schemeClr val="accent1"/>
-          </a:fillRef>
-          <a:effectRef idx="2">
-            <a:schemeClr val="accent1"/>
-          </a:effectRef>
-          <a:fontRef idx="minor">
-            <a:schemeClr val="lt1"/>
-          </a:fontRef>
-        </p:style>
-        <p:txBody>
-          <a:bodyPr rtlCol="0" anchor="ctr"/>
-          <a:lstStyle/>
-          <a:p>
-            <a:pPr algn="ctr"/>
-            <a:endParaRPr lang="en-US"/>
-          </a:p>
-        </p:txBody>
-      </p:sp>
-      <p:sp>
-        <p:nvSpPr>
-          <p:cNvPr id="9" name="Rectangle 8">
-            <a:extLst>
-              <a:ext uri="{FF2B5EF4-FFF2-40B4-BE49-F238E27FC236}">
-                <a16:creationId xmlns:a16="http://schemas.microsoft.com/office/drawing/2014/main" id="{44EFED14-8535-3545-ABBD-6CF2E5DF31C2}"/>
-              </a:ext>
-            </a:extLst>
-          </p:cNvPr>
-          <p:cNvSpPr/>
-          <p:nvPr/>
-        </p:nvSpPr>
-        <p:spPr>
-          <a:xfrm>
-            <a:off x="1696826" y="5101317"/>
-            <a:ext cx="2908875" cy="746795"/>
-          </a:xfrm>
-          <a:prstGeom prst="rect">
-            <a:avLst/>
-          </a:prstGeom>
-          <a:solidFill>
-            <a:schemeClr val="tx2">
-              <a:lumMod val="20000"/>
-              <a:lumOff val="80000"/>
-            </a:schemeClr>
-          </a:solidFill>
-          <a:ln w="88900">
-            <a:solidFill>
-              <a:srgbClr val="2D2D2D"/>
-            </a:solidFill>
-          </a:ln>
-          <a:effectLst>
-            <a:outerShdw dist="23000" sx="1000" sy="1000" rotWithShape="0">
-              <a:srgbClr val="000000"/>
-            </a:outerShdw>
-          </a:effectLst>
-        </p:spPr>
-        <p:style>
-          <a:lnRef idx="1">
-            <a:schemeClr val="accent1"/>
-          </a:lnRef>
-          <a:fillRef idx="3">
-            <a:schemeClr val="accent1"/>
-          </a:fillRef>
-          <a:effectRef idx="2">
-            <a:schemeClr val="accent1"/>
-          </a:effectRef>
-          <a:fontRef idx="minor">
-            <a:schemeClr val="lt1"/>
-          </a:fontRef>
-        </p:style>
-        <p:txBody>
-          <a:bodyPr rtlCol="0" anchor="ctr"/>
-          <a:lstStyle/>
-          <a:p>
-            <a:pPr algn="ctr"/>
-            <a:endParaRPr lang="en-US"/>
-          </a:p>
-        </p:txBody>
-      </p:sp>
-      <p:sp>
-        <p:nvSpPr>
-          <p:cNvPr id="18" name="Bent-Up Arrow 17">
-            <a:extLst>
-              <a:ext uri="{FF2B5EF4-FFF2-40B4-BE49-F238E27FC236}">
-                <a16:creationId xmlns:a16="http://schemas.microsoft.com/office/drawing/2014/main" id="{CC290ACF-89E5-6345-B867-F04AA22D0B66}"/>
-              </a:ext>
-            </a:extLst>
-          </p:cNvPr>
-          <p:cNvSpPr/>
-          <p:nvPr/>
-        </p:nvSpPr>
-        <p:spPr>
-          <a:xfrm rot="16200000" flipH="1">
-            <a:off x="5547453" y="4293776"/>
-            <a:ext cx="1265096" cy="1845097"/>
-          </a:xfrm>
-          <a:prstGeom prst="bentUpArrow">
-            <a:avLst/>
-          </a:prstGeom>
-          <a:solidFill>
-            <a:schemeClr val="tx1"/>
-          </a:solidFill>
-          <a:ln>
-            <a:noFill/>
-          </a:ln>
-        </p:spPr>
-        <p:style>
-          <a:lnRef idx="1">
-            <a:schemeClr val="accent1"/>
-          </a:lnRef>
-          <a:fillRef idx="3">
-            <a:schemeClr val="accent1"/>
-          </a:fillRef>
-          <a:effectRef idx="2">
-            <a:schemeClr val="accent1"/>
-          </a:effectRef>
-          <a:fontRef idx="minor">
-            <a:schemeClr val="lt1"/>
-          </a:fontRef>
-        </p:style>
-        <p:txBody>
-          <a:bodyPr rtlCol="0" anchor="ctr"/>
-          <a:lstStyle/>
-          <a:p>
-            <a:pPr algn="ctr"/>
-            <a:endParaRPr lang="en-US"/>
-          </a:p>
-        </p:txBody>
-      </p:sp>
-      <p:sp>
-        <p:nvSpPr>
-          <p:cNvPr id="19" name="Down Arrow 18">
-            <a:extLst>
-              <a:ext uri="{FF2B5EF4-FFF2-40B4-BE49-F238E27FC236}">
-                <a16:creationId xmlns:a16="http://schemas.microsoft.com/office/drawing/2014/main" id="{10DEBAFA-BB88-5443-9E2E-0733194663DB}"/>
-              </a:ext>
-            </a:extLst>
-          </p:cNvPr>
-          <p:cNvSpPr/>
-          <p:nvPr/>
-        </p:nvSpPr>
-        <p:spPr>
-          <a:xfrm>
-            <a:off x="6698512" y="2400371"/>
-            <a:ext cx="255181" cy="575418"/>
-          </a:xfrm>
-          <a:prstGeom prst="downArrow">
-            <a:avLst/>
-          </a:prstGeom>
-          <a:solidFill>
-            <a:schemeClr val="tx1"/>
-          </a:solidFill>
-          <a:ln>
-            <a:noFill/>
-          </a:ln>
-        </p:spPr>
-        <p:style>
-          <a:lnRef idx="1">
-            <a:schemeClr val="accent1"/>
-          </a:lnRef>
-          <a:fillRef idx="3">
-            <a:schemeClr val="accent1"/>
-          </a:fillRef>
-          <a:effectRef idx="2">
-            <a:schemeClr val="accent1"/>
-          </a:effectRef>
-          <a:fontRef idx="minor">
-            <a:schemeClr val="lt1"/>
-          </a:fontRef>
-        </p:style>
-        <p:txBody>
-          <a:bodyPr rtlCol="0" anchor="ctr"/>
-          <a:lstStyle/>
-          <a:p>
-            <a:pPr algn="ctr"/>
-            <a:endParaRPr lang="en-US"/>
-          </a:p>
-        </p:txBody>
-      </p:sp>
-      <p:sp>
-        <p:nvSpPr>
-          <p:cNvPr id="20" name="Down Arrow 19">
-            <a:extLst>
-              <a:ext uri="{FF2B5EF4-FFF2-40B4-BE49-F238E27FC236}">
-                <a16:creationId xmlns:a16="http://schemas.microsoft.com/office/drawing/2014/main" id="{5B09DE06-9048-6046-87E6-3C37881F1328}"/>
-              </a:ext>
-            </a:extLst>
-          </p:cNvPr>
-          <p:cNvSpPr/>
-          <p:nvPr/>
-        </p:nvSpPr>
-        <p:spPr>
-          <a:xfrm>
-            <a:off x="5990737" y="2405387"/>
-            <a:ext cx="255181" cy="575418"/>
-          </a:xfrm>
-          <a:prstGeom prst="downArrow">
-            <a:avLst/>
-          </a:prstGeom>
-          <a:solidFill>
-            <a:schemeClr val="tx1"/>
-          </a:solidFill>
-          <a:ln>
-            <a:noFill/>
-          </a:ln>
-        </p:spPr>
-        <p:style>
-          <a:lnRef idx="1">
-            <a:schemeClr val="accent1"/>
-          </a:lnRef>
-          <a:fillRef idx="3">
-            <a:schemeClr val="accent1"/>
-          </a:fillRef>
-          <a:effectRef idx="2">
-            <a:schemeClr val="accent1"/>
-          </a:effectRef>
-          <a:fontRef idx="minor">
-            <a:schemeClr val="lt1"/>
-          </a:fontRef>
-        </p:style>
-        <p:txBody>
-          <a:bodyPr rtlCol="0" anchor="ctr"/>
-          <a:lstStyle/>
-          <a:p>
-            <a:pPr algn="ctr"/>
-            <a:endParaRPr lang="en-US"/>
-          </a:p>
-        </p:txBody>
-      </p:sp>
-      <p:sp>
-        <p:nvSpPr>
-          <p:cNvPr id="21" name="Down Arrow 20">
-            <a:extLst>
-              <a:ext uri="{FF2B5EF4-FFF2-40B4-BE49-F238E27FC236}">
-                <a16:creationId xmlns:a16="http://schemas.microsoft.com/office/drawing/2014/main" id="{EAD33DCD-6E16-8E47-9B80-B531CA38F3A7}"/>
-              </a:ext>
-            </a:extLst>
-          </p:cNvPr>
-          <p:cNvSpPr/>
-          <p:nvPr/>
-        </p:nvSpPr>
-        <p:spPr>
-          <a:xfrm>
-            <a:off x="5257452" y="2405387"/>
-            <a:ext cx="255181" cy="575418"/>
-          </a:xfrm>
-          <a:prstGeom prst="downArrow">
-            <a:avLst/>
-          </a:prstGeom>
-          <a:solidFill>
-            <a:schemeClr val="tx1"/>
-          </a:solidFill>
-          <a:ln>
-            <a:noFill/>
-          </a:ln>
-        </p:spPr>
-        <p:style>
-          <a:lnRef idx="1">
-            <a:schemeClr val="accent1"/>
-          </a:lnRef>
-          <a:fillRef idx="3">
-            <a:schemeClr val="accent1"/>
-          </a:fillRef>
-          <a:effectRef idx="2">
-            <a:schemeClr val="accent1"/>
-          </a:effectRef>
-          <a:fontRef idx="minor">
-            <a:schemeClr val="lt1"/>
-          </a:fontRef>
-        </p:style>
-        <p:txBody>
-          <a:bodyPr rtlCol="0" anchor="ctr"/>
-          <a:lstStyle/>
-          <a:p>
-            <a:pPr algn="ctr"/>
-            <a:endParaRPr lang="en-US"/>
-          </a:p>
-        </p:txBody>
-      </p:sp>
-      <p:sp>
-        <p:nvSpPr>
-          <p:cNvPr id="22" name="Down Arrow 21">
-            <a:extLst>
-              <a:ext uri="{FF2B5EF4-FFF2-40B4-BE49-F238E27FC236}">
-                <a16:creationId xmlns:a16="http://schemas.microsoft.com/office/drawing/2014/main" id="{9B2985B7-D3E9-5F4A-9711-C99D8ABBE056}"/>
-              </a:ext>
-            </a:extLst>
-          </p:cNvPr>
-          <p:cNvSpPr/>
-          <p:nvPr/>
-        </p:nvSpPr>
-        <p:spPr>
-          <a:xfrm>
-            <a:off x="6698512" y="1318102"/>
-            <a:ext cx="255181" cy="324808"/>
-          </a:xfrm>
-          <a:prstGeom prst="downArrow">
-            <a:avLst/>
-          </a:prstGeom>
-          <a:solidFill>
-            <a:schemeClr val="tx1"/>
-          </a:solidFill>
-          <a:ln>
-            <a:noFill/>
-          </a:ln>
-        </p:spPr>
-        <p:style>
-          <a:lnRef idx="1">
-            <a:schemeClr val="accent1"/>
-          </a:lnRef>
-          <a:fillRef idx="3">
-            <a:schemeClr val="accent1"/>
-          </a:fillRef>
-          <a:effectRef idx="2">
-            <a:schemeClr val="accent1"/>
-          </a:effectRef>
-          <a:fontRef idx="minor">
-            <a:schemeClr val="lt1"/>
-          </a:fontRef>
-        </p:style>
-        <p:txBody>
-          <a:bodyPr rtlCol="0" anchor="ctr"/>
-          <a:lstStyle/>
-          <a:p>
-            <a:pPr algn="ctr"/>
-            <a:endParaRPr lang="en-US"/>
-          </a:p>
-        </p:txBody>
-      </p:sp>
-      <p:sp>
-        <p:nvSpPr>
-          <p:cNvPr id="23" name="Down Arrow 22">
-            <a:extLst>
-              <a:ext uri="{FF2B5EF4-FFF2-40B4-BE49-F238E27FC236}">
-                <a16:creationId xmlns:a16="http://schemas.microsoft.com/office/drawing/2014/main" id="{D021D45B-3966-A048-B309-1D348A305CE4}"/>
-              </a:ext>
-            </a:extLst>
-          </p:cNvPr>
-          <p:cNvSpPr/>
-          <p:nvPr/>
-        </p:nvSpPr>
-        <p:spPr>
-          <a:xfrm>
-            <a:off x="5990737" y="1323118"/>
-            <a:ext cx="255181" cy="324808"/>
-          </a:xfrm>
-          <a:prstGeom prst="downArrow">
-            <a:avLst/>
-          </a:prstGeom>
-          <a:solidFill>
-            <a:schemeClr val="tx1"/>
-          </a:solidFill>
-          <a:ln>
-            <a:noFill/>
-          </a:ln>
-        </p:spPr>
-        <p:style>
-          <a:lnRef idx="1">
-            <a:schemeClr val="accent1"/>
-          </a:lnRef>
-          <a:fillRef idx="3">
-            <a:schemeClr val="accent1"/>
-          </a:fillRef>
-          <a:effectRef idx="2">
-            <a:schemeClr val="accent1"/>
-          </a:effectRef>
-          <a:fontRef idx="minor">
-            <a:schemeClr val="lt1"/>
-          </a:fontRef>
-        </p:style>
-        <p:txBody>
-          <a:bodyPr rtlCol="0" anchor="ctr"/>
-          <a:lstStyle/>
-          <a:p>
-            <a:pPr algn="ctr"/>
-            <a:endParaRPr lang="en-US"/>
-          </a:p>
-        </p:txBody>
-      </p:sp>
-      <p:sp>
-        <p:nvSpPr>
-          <p:cNvPr id="24" name="Down Arrow 23">
-            <a:extLst>
-              <a:ext uri="{FF2B5EF4-FFF2-40B4-BE49-F238E27FC236}">
-                <a16:creationId xmlns:a16="http://schemas.microsoft.com/office/drawing/2014/main" id="{13E663F6-2979-1A49-8436-3930289EDCD1}"/>
-              </a:ext>
-            </a:extLst>
-          </p:cNvPr>
-          <p:cNvSpPr/>
-          <p:nvPr/>
-        </p:nvSpPr>
-        <p:spPr>
-          <a:xfrm>
-            <a:off x="5257452" y="1323118"/>
-            <a:ext cx="255181" cy="324808"/>
-          </a:xfrm>
-          <a:prstGeom prst="downArrow">
-            <a:avLst/>
-          </a:prstGeom>
-          <a:solidFill>
-            <a:schemeClr val="tx1"/>
-          </a:solidFill>
-          <a:ln>
-            <a:noFill/>
-          </a:ln>
-        </p:spPr>
-        <p:style>
-          <a:lnRef idx="1">
-            <a:schemeClr val="accent1"/>
-          </a:lnRef>
-          <a:fillRef idx="3">
-            <a:schemeClr val="accent1"/>
-          </a:fillRef>
-          <a:effectRef idx="2">
-            <a:schemeClr val="accent1"/>
-          </a:effectRef>
-          <a:fontRef idx="minor">
-            <a:schemeClr val="lt1"/>
-          </a:fontRef>
-        </p:style>
-        <p:txBody>
-          <a:bodyPr rtlCol="0" anchor="ctr"/>
-          <a:lstStyle/>
-          <a:p>
-            <a:pPr algn="ctr"/>
-            <a:endParaRPr lang="en-US"/>
-          </a:p>
-        </p:txBody>
-      </p:sp>
-      <p:cxnSp>
-        <p:nvCxnSpPr>
-          <p:cNvPr id="26" name="Straight Connector 25">
-            <a:extLst>
-              <a:ext uri="{FF2B5EF4-FFF2-40B4-BE49-F238E27FC236}">
-                <a16:creationId xmlns:a16="http://schemas.microsoft.com/office/drawing/2014/main" id="{AC09532D-E179-1647-BAE0-1B4EEA4ABEA2}"/>
-              </a:ext>
-            </a:extLst>
-          </p:cNvPr>
-          <p:cNvCxnSpPr/>
-          <p:nvPr/>
-        </p:nvCxnSpPr>
-        <p:spPr>
-          <a:xfrm>
-            <a:off x="4678854" y="1318102"/>
-            <a:ext cx="0" cy="1082269"/>
-          </a:xfrm>
-          <a:prstGeom prst="line">
-            <a:avLst/>
-          </a:prstGeom>
-          <a:ln>
-            <a:solidFill>
-              <a:srgbClr val="FF0000"/>
-            </a:solidFill>
-            <a:prstDash val="dash"/>
-          </a:ln>
-        </p:spPr>
-        <p:style>
-          <a:lnRef idx="2">
-            <a:schemeClr val="accent1"/>
-          </a:lnRef>
-          <a:fillRef idx="0">
-            <a:schemeClr val="accent1"/>
-          </a:fillRef>
-          <a:effectRef idx="1">
-            <a:schemeClr val="accent1"/>
-          </a:effectRef>
-          <a:fontRef idx="minor">
-            <a:schemeClr val="tx1"/>
-          </a:fontRef>
-        </p:style>
-      </p:cxnSp>
-      <p:sp>
-        <p:nvSpPr>
-          <p:cNvPr id="27" name="Down Arrow 26">
-            <a:extLst>
-              <a:ext uri="{FF2B5EF4-FFF2-40B4-BE49-F238E27FC236}">
-                <a16:creationId xmlns:a16="http://schemas.microsoft.com/office/drawing/2014/main" id="{091FDD70-BD22-A341-97C2-3FB2A68B4B70}"/>
-              </a:ext>
-            </a:extLst>
-          </p:cNvPr>
-          <p:cNvSpPr/>
-          <p:nvPr/>
-        </p:nvSpPr>
-        <p:spPr>
-          <a:xfrm>
-            <a:off x="1715651" y="1280948"/>
-            <a:ext cx="255181" cy="324808"/>
-          </a:xfrm>
-          <a:prstGeom prst="downArrow">
-            <a:avLst/>
-          </a:prstGeom>
-          <a:solidFill>
-            <a:schemeClr val="tx2"/>
-          </a:solidFill>
-          <a:ln>
-            <a:noFill/>
-          </a:ln>
-        </p:spPr>
-        <p:style>
-          <a:lnRef idx="1">
-            <a:schemeClr val="accent1"/>
-          </a:lnRef>
-          <a:fillRef idx="3">
-            <a:schemeClr val="accent1"/>
-          </a:fillRef>
-          <a:effectRef idx="2">
-            <a:schemeClr val="accent1"/>
-          </a:effectRef>
-          <a:fontRef idx="minor">
-            <a:schemeClr val="lt1"/>
-          </a:fontRef>
-        </p:style>
-        <p:txBody>
-          <a:bodyPr rtlCol="0" anchor="ctr"/>
-          <a:lstStyle/>
-          <a:p>
-            <a:pPr algn="ctr"/>
-            <a:endParaRPr lang="en-US"/>
-          </a:p>
-        </p:txBody>
-      </p:sp>
-      <p:sp>
-        <p:nvSpPr>
-          <p:cNvPr id="28" name="TextBox 27">
-            <a:extLst>
-              <a:ext uri="{FF2B5EF4-FFF2-40B4-BE49-F238E27FC236}">
-                <a16:creationId xmlns:a16="http://schemas.microsoft.com/office/drawing/2014/main" id="{878A3661-378C-AE40-A841-4D82487EFC6E}"/>
-              </a:ext>
-            </a:extLst>
-          </p:cNvPr>
-          <p:cNvSpPr txBox="1"/>
-          <p:nvPr/>
-        </p:nvSpPr>
-        <p:spPr>
-          <a:xfrm>
-            <a:off x="979021" y="992366"/>
-            <a:ext cx="938783" cy="369332"/>
-          </a:xfrm>
-          <a:prstGeom prst="rect">
-            <a:avLst/>
-          </a:prstGeom>
-          <a:noFill/>
-        </p:spPr>
-        <p:txBody>
-          <a:bodyPr wrap="none" rtlCol="0">
-            <a:spAutoFit/>
-          </a:bodyPr>
-          <a:lstStyle/>
-          <a:p>
-            <a:r>
-              <a:rPr lang="en-US" b="1" dirty="0">
-                <a:solidFill>
-                  <a:schemeClr val="accent1">
-                    <a:lumMod val="75000"/>
-                  </a:schemeClr>
-                </a:solidFill>
-              </a:rPr>
-              <a:t>Image 5</a:t>
-            </a:r>
-          </a:p>
-        </p:txBody>
-      </p:sp>
-      <p:sp>
-        <p:nvSpPr>
-          <p:cNvPr id="29" name="TextBox 28">
-            <a:extLst>
-              <a:ext uri="{FF2B5EF4-FFF2-40B4-BE49-F238E27FC236}">
-                <a16:creationId xmlns:a16="http://schemas.microsoft.com/office/drawing/2014/main" id="{02CC8BB1-2DDC-7F47-A47A-BF5F00F2DEB8}"/>
-              </a:ext>
-            </a:extLst>
-          </p:cNvPr>
-          <p:cNvSpPr txBox="1"/>
-          <p:nvPr/>
-        </p:nvSpPr>
-        <p:spPr>
-          <a:xfrm>
-            <a:off x="2153968" y="1725291"/>
-            <a:ext cx="1472519" cy="646331"/>
-          </a:xfrm>
-          <a:prstGeom prst="rect">
-            <a:avLst/>
-          </a:prstGeom>
-          <a:noFill/>
-        </p:spPr>
-        <p:txBody>
-          <a:bodyPr wrap="none" rtlCol="0">
-            <a:spAutoFit/>
-          </a:bodyPr>
-          <a:lstStyle/>
-          <a:p>
-            <a:r>
-              <a:rPr lang="en-US" b="1" dirty="0"/>
-              <a:t>PRE-PROCESS</a:t>
-            </a:r>
-          </a:p>
-          <a:p>
-            <a:pPr algn="ctr"/>
-            <a:r>
-              <a:rPr lang="en-US" b="1" dirty="0"/>
-              <a:t>VALIDATION</a:t>
-            </a:r>
-          </a:p>
-        </p:txBody>
-      </p:sp>
-      <p:sp>
-        <p:nvSpPr>
-          <p:cNvPr id="30" name="TextBox 29">
-            <a:extLst>
-              <a:ext uri="{FF2B5EF4-FFF2-40B4-BE49-F238E27FC236}">
-                <a16:creationId xmlns:a16="http://schemas.microsoft.com/office/drawing/2014/main" id="{483780FA-46F2-574B-A449-4148D99C2003}"/>
-              </a:ext>
-            </a:extLst>
-          </p:cNvPr>
-          <p:cNvSpPr txBox="1"/>
-          <p:nvPr/>
-        </p:nvSpPr>
-        <p:spPr>
-          <a:xfrm>
-            <a:off x="4818405" y="3556223"/>
-            <a:ext cx="2531719" cy="369332"/>
-          </a:xfrm>
-          <a:prstGeom prst="rect">
-            <a:avLst/>
-          </a:prstGeom>
-          <a:noFill/>
-        </p:spPr>
-        <p:txBody>
-          <a:bodyPr wrap="none" rtlCol="0">
-            <a:spAutoFit/>
-          </a:bodyPr>
-          <a:lstStyle/>
-          <a:p>
-            <a:r>
-              <a:rPr lang="en-US" b="1" dirty="0"/>
-              <a:t>TRAIN RANDOM FOREST</a:t>
-            </a:r>
-          </a:p>
-        </p:txBody>
-      </p:sp>
-      <p:sp>
-        <p:nvSpPr>
-          <p:cNvPr id="31" name="TextBox 30">
-            <a:extLst>
-              <a:ext uri="{FF2B5EF4-FFF2-40B4-BE49-F238E27FC236}">
-                <a16:creationId xmlns:a16="http://schemas.microsoft.com/office/drawing/2014/main" id="{E064AF9C-B446-7148-AF59-904B0CEEF99B}"/>
-              </a:ext>
-            </a:extLst>
-          </p:cNvPr>
-          <p:cNvSpPr txBox="1"/>
-          <p:nvPr/>
-        </p:nvSpPr>
-        <p:spPr>
-          <a:xfrm>
-            <a:off x="5293311" y="1858104"/>
-            <a:ext cx="1833194" cy="369332"/>
-          </a:xfrm>
-          <a:prstGeom prst="rect">
-            <a:avLst/>
-          </a:prstGeom>
-          <a:noFill/>
-        </p:spPr>
-        <p:txBody>
-          <a:bodyPr wrap="none" rtlCol="0">
-            <a:spAutoFit/>
-          </a:bodyPr>
-          <a:lstStyle/>
-          <a:p>
-            <a:r>
-              <a:rPr lang="en-US" b="1" dirty="0"/>
-              <a:t>PRE-PROCESSING</a:t>
-            </a:r>
-          </a:p>
-        </p:txBody>
-      </p:sp>
-      <p:sp>
-        <p:nvSpPr>
-          <p:cNvPr id="32" name="TextBox 31">
-            <a:extLst>
-              <a:ext uri="{FF2B5EF4-FFF2-40B4-BE49-F238E27FC236}">
-                <a16:creationId xmlns:a16="http://schemas.microsoft.com/office/drawing/2014/main" id="{2DB79C86-7A89-774C-A2DB-F281226AD1F4}"/>
-              </a:ext>
-            </a:extLst>
-          </p:cNvPr>
-          <p:cNvSpPr txBox="1"/>
-          <p:nvPr/>
-        </p:nvSpPr>
-        <p:spPr>
-          <a:xfrm>
-            <a:off x="2029802" y="5173157"/>
-            <a:ext cx="2242922" cy="646331"/>
-          </a:xfrm>
-          <a:prstGeom prst="rect">
-            <a:avLst/>
-          </a:prstGeom>
-          <a:noFill/>
-        </p:spPr>
-        <p:txBody>
-          <a:bodyPr wrap="none" rtlCol="0">
-            <a:spAutoFit/>
-          </a:bodyPr>
-          <a:lstStyle/>
-          <a:p>
-            <a:pPr algn="ctr"/>
-            <a:r>
-              <a:rPr lang="en-US" b="1" dirty="0"/>
-              <a:t>CLASSIFY</a:t>
-            </a:r>
-          </a:p>
-          <a:p>
-            <a:pPr algn="ctr"/>
-            <a:r>
-              <a:rPr lang="en-US" b="1" dirty="0"/>
-              <a:t>on multiple machines</a:t>
-            </a:r>
-          </a:p>
-        </p:txBody>
-      </p:sp>
-      <p:sp>
-        <p:nvSpPr>
-          <p:cNvPr id="33" name="Down Arrow 32">
-            <a:extLst>
-              <a:ext uri="{FF2B5EF4-FFF2-40B4-BE49-F238E27FC236}">
-                <a16:creationId xmlns:a16="http://schemas.microsoft.com/office/drawing/2014/main" id="{384E9504-41CC-934D-87B9-DAD2238B6193}"/>
-              </a:ext>
-            </a:extLst>
-          </p:cNvPr>
-          <p:cNvSpPr/>
-          <p:nvPr/>
-        </p:nvSpPr>
-        <p:spPr>
-          <a:xfrm>
-            <a:off x="3369991" y="5901432"/>
-            <a:ext cx="255181" cy="324808"/>
-          </a:xfrm>
-          <a:prstGeom prst="downArrow">
-            <a:avLst/>
-          </a:prstGeom>
-          <a:solidFill>
-            <a:schemeClr val="tx2"/>
-          </a:solidFill>
-          <a:ln>
-            <a:noFill/>
-          </a:ln>
-        </p:spPr>
-        <p:style>
-          <a:lnRef idx="1">
-            <a:schemeClr val="accent1"/>
-          </a:lnRef>
-          <a:fillRef idx="3">
-            <a:schemeClr val="accent1"/>
-          </a:fillRef>
-          <a:effectRef idx="2">
-            <a:schemeClr val="accent1"/>
-          </a:effectRef>
-          <a:fontRef idx="minor">
-            <a:schemeClr val="lt1"/>
-          </a:fontRef>
-        </p:style>
-        <p:txBody>
-          <a:bodyPr rtlCol="0" anchor="ctr"/>
-          <a:lstStyle/>
-          <a:p>
-            <a:pPr algn="ctr"/>
-            <a:endParaRPr lang="en-US"/>
-          </a:p>
-        </p:txBody>
-      </p:sp>
-      <p:sp>
-        <p:nvSpPr>
-          <p:cNvPr id="34" name="TextBox 33">
-            <a:extLst>
-              <a:ext uri="{FF2B5EF4-FFF2-40B4-BE49-F238E27FC236}">
-                <a16:creationId xmlns:a16="http://schemas.microsoft.com/office/drawing/2014/main" id="{5C170A3E-A1F1-F24C-A1AB-9D152605DDF1}"/>
-              </a:ext>
-            </a:extLst>
-          </p:cNvPr>
-          <p:cNvSpPr txBox="1"/>
-          <p:nvPr/>
-        </p:nvSpPr>
-        <p:spPr>
-          <a:xfrm>
-            <a:off x="3601892" y="5984553"/>
-            <a:ext cx="868956" cy="369332"/>
-          </a:xfrm>
-          <a:prstGeom prst="rect">
-            <a:avLst/>
-          </a:prstGeom>
-          <a:noFill/>
-        </p:spPr>
-        <p:txBody>
-          <a:bodyPr wrap="none" rtlCol="0">
-            <a:spAutoFit/>
-          </a:bodyPr>
-          <a:lstStyle/>
-          <a:p>
-            <a:r>
-              <a:rPr lang="en-US" b="1" dirty="0">
-                <a:solidFill>
-                  <a:srgbClr val="002060"/>
-                </a:solidFill>
-              </a:rPr>
-              <a:t>Results</a:t>
-            </a:r>
-          </a:p>
-        </p:txBody>
-      </p:sp>
-      <p:sp>
-        <p:nvSpPr>
-          <p:cNvPr id="35" name="Down Arrow 34">
-            <a:extLst>
-              <a:ext uri="{FF2B5EF4-FFF2-40B4-BE49-F238E27FC236}">
-                <a16:creationId xmlns:a16="http://schemas.microsoft.com/office/drawing/2014/main" id="{60DFB14D-DF96-5C4F-9C84-7E130842DB8F}"/>
-              </a:ext>
-            </a:extLst>
-          </p:cNvPr>
-          <p:cNvSpPr/>
-          <p:nvPr/>
-        </p:nvSpPr>
-        <p:spPr>
-          <a:xfrm>
-            <a:off x="2748284" y="2479910"/>
-            <a:ext cx="255181" cy="2610126"/>
-          </a:xfrm>
-          <a:prstGeom prst="downArrow">
-            <a:avLst/>
-          </a:prstGeom>
-          <a:solidFill>
-            <a:schemeClr val="tx2"/>
-          </a:solidFill>
-          <a:ln>
-            <a:noFill/>
-          </a:ln>
-        </p:spPr>
-        <p:style>
-          <a:lnRef idx="1">
-            <a:schemeClr val="accent1"/>
-          </a:lnRef>
-          <a:fillRef idx="3">
-            <a:schemeClr val="accent1"/>
-          </a:fillRef>
-          <a:effectRef idx="2">
-            <a:schemeClr val="accent1"/>
-          </a:effectRef>
-          <a:fontRef idx="minor">
-            <a:schemeClr val="lt1"/>
-          </a:fontRef>
-        </p:style>
-        <p:txBody>
-          <a:bodyPr rtlCol="0" anchor="ctr"/>
-          <a:lstStyle/>
-          <a:p>
-            <a:pPr algn="ctr"/>
-            <a:endParaRPr lang="en-US"/>
-          </a:p>
-        </p:txBody>
-      </p:sp>
-      <p:sp>
-        <p:nvSpPr>
-          <p:cNvPr id="36" name="Bent-Up Arrow 35">
-            <a:extLst>
-              <a:ext uri="{FF2B5EF4-FFF2-40B4-BE49-F238E27FC236}">
-                <a16:creationId xmlns:a16="http://schemas.microsoft.com/office/drawing/2014/main" id="{4FDAFB0D-8F51-5646-B5F9-A50E82C81FB9}"/>
-              </a:ext>
-            </a:extLst>
-          </p:cNvPr>
-          <p:cNvSpPr/>
-          <p:nvPr/>
-        </p:nvSpPr>
-        <p:spPr>
-          <a:xfrm flipH="1" flipV="1">
-            <a:off x="2182425" y="4100033"/>
-            <a:ext cx="634309" cy="997999"/>
-          </a:xfrm>
-          <a:prstGeom prst="bentUpArrow">
-            <a:avLst/>
-          </a:prstGeom>
-          <a:solidFill>
-            <a:schemeClr val="tx2"/>
-          </a:solidFill>
-          <a:ln>
-            <a:noFill/>
-          </a:ln>
-        </p:spPr>
-        <p:style>
-          <a:lnRef idx="1">
-            <a:schemeClr val="accent1"/>
-          </a:lnRef>
-          <a:fillRef idx="3">
-            <a:schemeClr val="accent1"/>
-          </a:fillRef>
-          <a:effectRef idx="2">
-            <a:schemeClr val="accent1"/>
-          </a:effectRef>
-          <a:fontRef idx="minor">
-            <a:schemeClr val="lt1"/>
-          </a:fontRef>
-        </p:style>
-        <p:txBody>
-          <a:bodyPr rtlCol="0" anchor="ctr"/>
-          <a:lstStyle/>
-          <a:p>
-            <a:pPr algn="ctr"/>
-            <a:endParaRPr lang="en-US"/>
-          </a:p>
-        </p:txBody>
-      </p:sp>
-      <p:sp>
-        <p:nvSpPr>
-          <p:cNvPr id="37" name="Bent-Up Arrow 36">
-            <a:extLst>
-              <a:ext uri="{FF2B5EF4-FFF2-40B4-BE49-F238E27FC236}">
-                <a16:creationId xmlns:a16="http://schemas.microsoft.com/office/drawing/2014/main" id="{4F4190F3-19E5-8740-8A71-39FFF4252BCA}"/>
-              </a:ext>
-            </a:extLst>
-          </p:cNvPr>
-          <p:cNvSpPr/>
-          <p:nvPr/>
-        </p:nvSpPr>
-        <p:spPr>
-          <a:xfrm rot="10800000" flipH="1">
-            <a:off x="2935014" y="4100032"/>
-            <a:ext cx="634309" cy="988207"/>
-          </a:xfrm>
-          <a:prstGeom prst="bentUpArrow">
-            <a:avLst/>
-          </a:prstGeom>
-          <a:solidFill>
-            <a:schemeClr val="tx2"/>
-          </a:solidFill>
-          <a:ln>
-            <a:noFill/>
-          </a:ln>
-        </p:spPr>
-        <p:style>
-          <a:lnRef idx="1">
-            <a:schemeClr val="accent1"/>
-          </a:lnRef>
-          <a:fillRef idx="3">
-            <a:schemeClr val="accent1"/>
-          </a:fillRef>
-          <a:effectRef idx="2">
-            <a:schemeClr val="accent1"/>
-          </a:effectRef>
-          <a:fontRef idx="minor">
-            <a:schemeClr val="lt1"/>
-          </a:fontRef>
-        </p:style>
-        <p:txBody>
-          <a:bodyPr rtlCol="0" anchor="ctr"/>
-          <a:lstStyle/>
-          <a:p>
-            <a:pPr algn="ctr"/>
-            <a:endParaRPr lang="en-US"/>
-          </a:p>
-        </p:txBody>
-      </p:sp>
-      <p:sp>
-        <p:nvSpPr>
-          <p:cNvPr id="38" name="TextBox 37">
-            <a:extLst>
-              <a:ext uri="{FF2B5EF4-FFF2-40B4-BE49-F238E27FC236}">
-                <a16:creationId xmlns:a16="http://schemas.microsoft.com/office/drawing/2014/main" id="{52AB0CB8-9247-D64B-9473-4C2629997C23}"/>
-              </a:ext>
-            </a:extLst>
-          </p:cNvPr>
-          <p:cNvSpPr txBox="1"/>
-          <p:nvPr/>
-        </p:nvSpPr>
-        <p:spPr>
-          <a:xfrm>
-            <a:off x="6968932" y="1204705"/>
-            <a:ext cx="1717868" cy="369332"/>
-          </a:xfrm>
-          <a:prstGeom prst="rect">
-            <a:avLst/>
-          </a:prstGeom>
-          <a:noFill/>
-        </p:spPr>
-        <p:txBody>
-          <a:bodyPr wrap="square" rtlCol="0">
-            <a:spAutoFit/>
-          </a:bodyPr>
-          <a:lstStyle/>
-          <a:p>
-            <a:r>
-              <a:rPr lang="en-US" b="1" dirty="0">
-                <a:solidFill>
-                  <a:schemeClr val="accent1">
-                    <a:lumMod val="75000"/>
-                  </a:schemeClr>
-                </a:solidFill>
-              </a:rPr>
-              <a:t>6 GB/image.csv</a:t>
-            </a:r>
-          </a:p>
-        </p:txBody>
-      </p:sp>
-      <p:sp>
-        <p:nvSpPr>
-          <p:cNvPr id="39" name="TextBox 38">
-            <a:extLst>
-              <a:ext uri="{FF2B5EF4-FFF2-40B4-BE49-F238E27FC236}">
-                <a16:creationId xmlns:a16="http://schemas.microsoft.com/office/drawing/2014/main" id="{0FDB65BE-E8FD-0544-8267-46D3A4325604}"/>
-              </a:ext>
-            </a:extLst>
-          </p:cNvPr>
-          <p:cNvSpPr txBox="1"/>
-          <p:nvPr/>
-        </p:nvSpPr>
-        <p:spPr>
-          <a:xfrm>
-            <a:off x="3569323" y="4618447"/>
-            <a:ext cx="1624932" cy="369332"/>
-          </a:xfrm>
-          <a:prstGeom prst="rect">
-            <a:avLst/>
-          </a:prstGeom>
-          <a:noFill/>
-        </p:spPr>
-        <p:txBody>
-          <a:bodyPr wrap="none" rtlCol="0">
-            <a:spAutoFit/>
-          </a:bodyPr>
-          <a:lstStyle/>
-          <a:p>
-            <a:r>
-              <a:rPr lang="en-US" b="1" dirty="0">
-                <a:solidFill>
-                  <a:srgbClr val="FF0000"/>
-                </a:solidFill>
-              </a:rPr>
-              <a:t>*New Partition</a:t>
-            </a:r>
-          </a:p>
-        </p:txBody>
-      </p:sp>
-      <p:sp>
-        <p:nvSpPr>
-          <p:cNvPr id="40" name="TextBox 39">
-            <a:extLst>
-              <a:ext uri="{FF2B5EF4-FFF2-40B4-BE49-F238E27FC236}">
-                <a16:creationId xmlns:a16="http://schemas.microsoft.com/office/drawing/2014/main" id="{1C0A682C-6400-9D40-B64A-86E81CF15ADC}"/>
-              </a:ext>
-            </a:extLst>
-          </p:cNvPr>
-          <p:cNvSpPr txBox="1"/>
-          <p:nvPr/>
-        </p:nvSpPr>
-        <p:spPr>
-          <a:xfrm>
-            <a:off x="7073108" y="4601445"/>
-            <a:ext cx="805029" cy="369332"/>
-          </a:xfrm>
-          <a:prstGeom prst="rect">
-            <a:avLst/>
-          </a:prstGeom>
-          <a:noFill/>
-        </p:spPr>
-        <p:txBody>
-          <a:bodyPr wrap="none" rtlCol="0">
-            <a:spAutoFit/>
-          </a:bodyPr>
-          <a:lstStyle/>
-          <a:p>
-            <a:r>
-              <a:rPr lang="en-US" b="1" dirty="0">
-                <a:solidFill>
-                  <a:srgbClr val="FF0000"/>
-                </a:solidFill>
-              </a:rPr>
-              <a:t>Model</a:t>
-            </a:r>
-          </a:p>
-        </p:txBody>
-      </p:sp>
-      <p:sp>
-        <p:nvSpPr>
-          <p:cNvPr id="41" name="TextBox 40">
-            <a:extLst>
-              <a:ext uri="{FF2B5EF4-FFF2-40B4-BE49-F238E27FC236}">
-                <a16:creationId xmlns:a16="http://schemas.microsoft.com/office/drawing/2014/main" id="{38E4FEE5-1045-7042-8CD5-61F695610BCB}"/>
-              </a:ext>
-            </a:extLst>
-          </p:cNvPr>
-          <p:cNvSpPr txBox="1"/>
-          <p:nvPr/>
-        </p:nvSpPr>
-        <p:spPr>
-          <a:xfrm>
-            <a:off x="2236835" y="1111440"/>
-            <a:ext cx="2507097" cy="523220"/>
-          </a:xfrm>
-          <a:prstGeom prst="rect">
-            <a:avLst/>
-          </a:prstGeom>
-          <a:noFill/>
-        </p:spPr>
-        <p:txBody>
-          <a:bodyPr wrap="none" rtlCol="0">
-            <a:spAutoFit/>
-          </a:bodyPr>
-          <a:lstStyle/>
-          <a:p>
-            <a:r>
-              <a:rPr lang="en-US" sz="1400" b="1" dirty="0">
-                <a:solidFill>
-                  <a:srgbClr val="FF0000"/>
-                </a:solidFill>
-              </a:rPr>
-              <a:t>Split data in several Partitions</a:t>
-            </a:r>
-          </a:p>
-          <a:p>
-            <a:r>
-              <a:rPr lang="en-US" sz="1400" b="1" dirty="0">
-                <a:solidFill>
-                  <a:srgbClr val="FF0000"/>
-                </a:solidFill>
-              </a:rPr>
-              <a:t>(1 job per image, map only job)</a:t>
-            </a:r>
-          </a:p>
-        </p:txBody>
-      </p:sp>
-      <p:sp>
-        <p:nvSpPr>
-          <p:cNvPr id="42" name="TextBox 41">
-            <a:extLst>
-              <a:ext uri="{FF2B5EF4-FFF2-40B4-BE49-F238E27FC236}">
-                <a16:creationId xmlns:a16="http://schemas.microsoft.com/office/drawing/2014/main" id="{B264EDF6-59E0-984E-82E9-E9ACA2EF3C43}"/>
-              </a:ext>
-            </a:extLst>
-          </p:cNvPr>
-          <p:cNvSpPr txBox="1"/>
-          <p:nvPr/>
-        </p:nvSpPr>
-        <p:spPr>
-          <a:xfrm>
-            <a:off x="6985334" y="2457649"/>
-            <a:ext cx="1988016" cy="369332"/>
-          </a:xfrm>
-          <a:prstGeom prst="rect">
-            <a:avLst/>
-          </a:prstGeom>
-          <a:noFill/>
-        </p:spPr>
-        <p:txBody>
-          <a:bodyPr wrap="square" rtlCol="0">
-            <a:spAutoFit/>
-          </a:bodyPr>
-          <a:lstStyle/>
-          <a:p>
-            <a:r>
-              <a:rPr lang="en-US" b="1" dirty="0">
-                <a:solidFill>
-                  <a:schemeClr val="accent1">
-                    <a:lumMod val="75000"/>
-                  </a:schemeClr>
-                </a:solidFill>
-              </a:rPr>
-              <a:t>~65 MB / image</a:t>
-            </a:r>
-          </a:p>
-        </p:txBody>
-      </p:sp>
-      <p:sp>
-        <p:nvSpPr>
-          <p:cNvPr id="43" name="TextBox 42">
-            <a:extLst>
-              <a:ext uri="{FF2B5EF4-FFF2-40B4-BE49-F238E27FC236}">
-                <a16:creationId xmlns:a16="http://schemas.microsoft.com/office/drawing/2014/main" id="{4FD608A2-D3CA-DE46-99E8-BB98914B7420}"/>
-              </a:ext>
-            </a:extLst>
-          </p:cNvPr>
-          <p:cNvSpPr txBox="1"/>
-          <p:nvPr/>
-        </p:nvSpPr>
-        <p:spPr>
-          <a:xfrm>
-            <a:off x="7565035" y="2787263"/>
-            <a:ext cx="1121765" cy="1200329"/>
-          </a:xfrm>
-          <a:prstGeom prst="rect">
-            <a:avLst/>
-          </a:prstGeom>
-          <a:noFill/>
-        </p:spPr>
-        <p:txBody>
-          <a:bodyPr wrap="square" rtlCol="0">
-            <a:spAutoFit/>
-          </a:bodyPr>
-          <a:lstStyle/>
-          <a:p>
-            <a:pPr algn="ctr"/>
-            <a:r>
-              <a:rPr lang="en-US" b="1" dirty="0">
-                <a:solidFill>
-                  <a:srgbClr val="FF0000"/>
-                </a:solidFill>
-              </a:rPr>
-              <a:t>Persist data during training</a:t>
-            </a:r>
-          </a:p>
-        </p:txBody>
-      </p:sp>
-      <p:sp>
-        <p:nvSpPr>
-          <p:cNvPr id="44" name="TextBox 43">
-            <a:extLst>
-              <a:ext uri="{FF2B5EF4-FFF2-40B4-BE49-F238E27FC236}">
-                <a16:creationId xmlns:a16="http://schemas.microsoft.com/office/drawing/2014/main" id="{C5213DD4-A7B8-C848-88F9-5FCFAC5E8ED6}"/>
-              </a:ext>
-            </a:extLst>
-          </p:cNvPr>
-          <p:cNvSpPr txBox="1"/>
-          <p:nvPr/>
-        </p:nvSpPr>
-        <p:spPr>
-          <a:xfrm>
-            <a:off x="126767" y="4970777"/>
-            <a:ext cx="1489800" cy="923330"/>
-          </a:xfrm>
-          <a:prstGeom prst="rect">
-            <a:avLst/>
-          </a:prstGeom>
-          <a:noFill/>
-        </p:spPr>
-        <p:txBody>
-          <a:bodyPr wrap="square" rtlCol="0">
-            <a:spAutoFit/>
-          </a:bodyPr>
-          <a:lstStyle/>
-          <a:p>
-            <a:pPr algn="ctr"/>
-            <a:r>
-              <a:rPr lang="en-US" b="1" dirty="0">
-                <a:solidFill>
-                  <a:srgbClr val="FF0000"/>
-                </a:solidFill>
-              </a:rPr>
-              <a:t>Persist model during classification</a:t>
-            </a:r>
-          </a:p>
-        </p:txBody>
-      </p:sp>
-      <p:sp>
-        <p:nvSpPr>
-          <p:cNvPr id="45" name="TextBox 44">
-            <a:extLst>
-              <a:ext uri="{FF2B5EF4-FFF2-40B4-BE49-F238E27FC236}">
-                <a16:creationId xmlns:a16="http://schemas.microsoft.com/office/drawing/2014/main" id="{CB8120C0-38D8-5E47-8D33-56F0019869BE}"/>
-              </a:ext>
-            </a:extLst>
-          </p:cNvPr>
-          <p:cNvSpPr txBox="1"/>
-          <p:nvPr/>
-        </p:nvSpPr>
-        <p:spPr>
-          <a:xfrm>
-            <a:off x="114201" y="1390918"/>
-            <a:ext cx="1558435" cy="954107"/>
-          </a:xfrm>
-          <a:prstGeom prst="rect">
-            <a:avLst/>
-          </a:prstGeom>
-          <a:noFill/>
-        </p:spPr>
-        <p:txBody>
-          <a:bodyPr wrap="square" rtlCol="0">
-            <a:spAutoFit/>
-          </a:bodyPr>
-          <a:lstStyle/>
-          <a:p>
-            <a:r>
-              <a:rPr lang="en-US" sz="1400" b="1" dirty="0">
-                <a:solidFill>
-                  <a:srgbClr val="FF0000"/>
-                </a:solidFill>
-              </a:rPr>
-              <a:t>*Each image took ~25 minutes to process, dual core machine 1 worker</a:t>
-            </a:r>
-          </a:p>
-        </p:txBody>
-      </p:sp>
-    </p:spTree>
-    <p:extLst>
-      <p:ext uri="{BB962C8B-B14F-4D97-AF65-F5344CB8AC3E}">
-        <p14:creationId xmlns:p14="http://schemas.microsoft.com/office/powerpoint/2010/main" val="3653623932"/>
-      </p:ext>
-    </p:extLst>
-  </p:cSld>
-  <p:clrMapOvr>
-    <a:masterClrMapping/>
-  </p:clrMapOvr>
-</p:sld>
-</file>
-
-<file path=ppt/slides/slide12.xml><?xml version="1.0" encoding="utf-8"?>
-<p:sld xmlns:a="http://schemas.openxmlformats.org/drawingml/2006/main" xmlns:r="http://schemas.openxmlformats.org/officeDocument/2006/relationships" xmlns:p="http://schemas.openxmlformats.org/presentationml/2006/main">
-  <p:cSld>
-    <p:spTree>
-      <p:nvGrpSpPr>
-        <p:cNvPr id="1" name=""/>
-        <p:cNvGrpSpPr/>
-        <p:nvPr/>
-      </p:nvGrpSpPr>
-      <p:grpSpPr>
-        <a:xfrm>
-          <a:off x="0" y="0"/>
-          <a:ext cx="0" cy="0"/>
-          <a:chOff x="0" y="0"/>
-          <a:chExt cx="0" cy="0"/>
-        </a:xfrm>
-      </p:grpSpPr>
-      <p:sp>
-        <p:nvSpPr>
-          <p:cNvPr id="2" name="Title 1"/>
-          <p:cNvSpPr>
-            <a:spLocks noGrp="1"/>
-          </p:cNvSpPr>
-          <p:nvPr>
-            <p:ph type="title"/>
-          </p:nvPr>
-        </p:nvSpPr>
-        <p:spPr/>
-        <p:txBody>
-          <a:bodyPr>
-            <a:normAutofit fontScale="90000"/>
-          </a:bodyPr>
-          <a:lstStyle/>
-          <a:p>
-            <a:r>
-              <a:rPr lang="en-US" dirty="0"/>
-              <a:t>Parallel Processing Results</a:t>
-            </a:r>
-          </a:p>
-        </p:txBody>
-      </p:sp>
-      <p:sp>
-        <p:nvSpPr>
-          <p:cNvPr id="4" name="Date Placeholder 3"/>
-          <p:cNvSpPr>
-            <a:spLocks noGrp="1"/>
-          </p:cNvSpPr>
-          <p:nvPr>
-            <p:ph type="dt" sz="half" idx="10"/>
-          </p:nvPr>
-        </p:nvSpPr>
-        <p:spPr/>
-        <p:txBody>
-          <a:bodyPr/>
-          <a:lstStyle/>
-          <a:p>
-            <a:r>
-              <a:rPr lang="en-US" dirty="0"/>
-              <a:t>April 26, 2018</a:t>
-            </a:r>
-          </a:p>
-        </p:txBody>
-      </p:sp>
-      <p:sp>
-        <p:nvSpPr>
-          <p:cNvPr id="5" name="Footer Placeholder 4"/>
-          <p:cNvSpPr>
-            <a:spLocks noGrp="1"/>
-          </p:cNvSpPr>
-          <p:nvPr>
-            <p:ph type="ftr" sz="quarter" idx="11"/>
-          </p:nvPr>
-        </p:nvSpPr>
-        <p:spPr/>
-        <p:txBody>
-          <a:bodyPr/>
-          <a:lstStyle/>
-          <a:p>
-            <a:r>
-              <a:rPr lang="en-US" dirty="0"/>
-              <a:t>Classifying High-Resolution Brain Scans</a:t>
-            </a:r>
-          </a:p>
-        </p:txBody>
-      </p:sp>
-      <p:sp>
-        <p:nvSpPr>
-          <p:cNvPr id="6" name="Slide Number Placeholder 5"/>
-          <p:cNvSpPr>
-            <a:spLocks noGrp="1"/>
-          </p:cNvSpPr>
-          <p:nvPr>
-            <p:ph type="sldNum" sz="quarter" idx="12"/>
-          </p:nvPr>
-        </p:nvSpPr>
-        <p:spPr/>
-        <p:txBody>
-          <a:bodyPr/>
-          <a:lstStyle/>
-          <a:p>
-            <a:fld id="{A85782A5-310D-064D-97B2-7CD9DCF5F4D7}" type="slidenum">
-              <a:rPr lang="en-US" smtClean="0"/>
-              <a:t>12</a:t>
             </a:fld>
             <a:endParaRPr lang="en-US"/>
           </a:p>
@@ -6959,7 +5408,7 @@
 </p:sld>
 </file>
 
-<file path=ppt/slides/slide13.xml><?xml version="1.0" encoding="utf-8"?>
+<file path=ppt/slides/slide12.xml><?xml version="1.0" encoding="utf-8"?>
 <p:sld xmlns:a="http://schemas.openxmlformats.org/drawingml/2006/main" xmlns:r="http://schemas.openxmlformats.org/officeDocument/2006/relationships" xmlns:p="http://schemas.openxmlformats.org/presentationml/2006/main">
   <p:cSld>
     <p:spTree>
@@ -7093,7 +5542,7 @@
           <a:p>
             <a:fld id="{A85782A5-310D-064D-97B2-7CD9DCF5F4D7}" type="slidenum">
               <a:rPr lang="en-US" smtClean="0"/>
-              <a:t>13</a:t>
+              <a:t>12</a:t>
             </a:fld>
             <a:endParaRPr lang="en-US"/>
           </a:p>
@@ -7142,6 +5591,211 @@
 </p:sld>
 </file>
 
+<file path=ppt/slides/slide13.xml><?xml version="1.0" encoding="utf-8"?>
+<p:sld xmlns:a="http://schemas.openxmlformats.org/drawingml/2006/main" xmlns:r="http://schemas.openxmlformats.org/officeDocument/2006/relationships" xmlns:p="http://schemas.openxmlformats.org/presentationml/2006/main">
+  <p:cSld>
+    <p:spTree>
+      <p:nvGrpSpPr>
+        <p:cNvPr id="1" name=""/>
+        <p:cNvGrpSpPr/>
+        <p:nvPr/>
+      </p:nvGrpSpPr>
+      <p:grpSpPr>
+        <a:xfrm>
+          <a:off x="0" y="0"/>
+          <a:ext cx="0" cy="0"/>
+          <a:chOff x="0" y="0"/>
+          <a:chExt cx="0" cy="0"/>
+        </a:xfrm>
+      </p:grpSpPr>
+      <p:sp>
+        <p:nvSpPr>
+          <p:cNvPr id="2" name="Title 1"/>
+          <p:cNvSpPr>
+            <a:spLocks noGrp="1"/>
+          </p:cNvSpPr>
+          <p:nvPr>
+            <p:ph type="title"/>
+          </p:nvPr>
+        </p:nvSpPr>
+        <p:spPr/>
+        <p:txBody>
+          <a:bodyPr>
+            <a:normAutofit fontScale="90000"/>
+          </a:bodyPr>
+          <a:lstStyle/>
+          <a:p>
+            <a:r>
+              <a:rPr lang="en-US" dirty="0"/>
+              <a:t>Single Machine Results</a:t>
+            </a:r>
+          </a:p>
+        </p:txBody>
+      </p:sp>
+      <p:sp>
+        <p:nvSpPr>
+          <p:cNvPr id="4" name="Date Placeholder 3"/>
+          <p:cNvSpPr>
+            <a:spLocks noGrp="1"/>
+          </p:cNvSpPr>
+          <p:nvPr>
+            <p:ph type="dt" sz="half" idx="10"/>
+          </p:nvPr>
+        </p:nvSpPr>
+        <p:spPr/>
+        <p:txBody>
+          <a:bodyPr/>
+          <a:lstStyle/>
+          <a:p>
+            <a:r>
+              <a:rPr lang="en-US" dirty="0"/>
+              <a:t>April 26, 2018</a:t>
+            </a:r>
+          </a:p>
+        </p:txBody>
+      </p:sp>
+      <p:sp>
+        <p:nvSpPr>
+          <p:cNvPr id="5" name="Footer Placeholder 4"/>
+          <p:cNvSpPr>
+            <a:spLocks noGrp="1"/>
+          </p:cNvSpPr>
+          <p:nvPr>
+            <p:ph type="ftr" sz="quarter" idx="11"/>
+          </p:nvPr>
+        </p:nvSpPr>
+        <p:spPr/>
+        <p:txBody>
+          <a:bodyPr/>
+          <a:lstStyle/>
+          <a:p>
+            <a:r>
+              <a:rPr lang="en-US" dirty="0"/>
+              <a:t>Classifying High-Resolution Brain Scans</a:t>
+            </a:r>
+          </a:p>
+        </p:txBody>
+      </p:sp>
+      <p:sp>
+        <p:nvSpPr>
+          <p:cNvPr id="6" name="Slide Number Placeholder 5"/>
+          <p:cNvSpPr>
+            <a:spLocks noGrp="1"/>
+          </p:cNvSpPr>
+          <p:nvPr>
+            <p:ph type="sldNum" sz="quarter" idx="12"/>
+          </p:nvPr>
+        </p:nvSpPr>
+        <p:spPr/>
+        <p:txBody>
+          <a:bodyPr/>
+          <a:lstStyle/>
+          <a:p>
+            <a:fld id="{A85782A5-310D-064D-97B2-7CD9DCF5F4D7}" type="slidenum">
+              <a:rPr lang="en-US" smtClean="0"/>
+              <a:t>13</a:t>
+            </a:fld>
+            <a:endParaRPr lang="en-US"/>
+          </a:p>
+        </p:txBody>
+      </p:sp>
+      <p:sp>
+        <p:nvSpPr>
+          <p:cNvPr id="3" name="TextBox 2">
+            <a:extLst>
+              <a:ext uri="{FF2B5EF4-FFF2-40B4-BE49-F238E27FC236}">
+                <a16:creationId xmlns:a16="http://schemas.microsoft.com/office/drawing/2014/main" id="{D8034E38-E07F-D44B-BA91-3EBA7455070C}"/>
+              </a:ext>
+            </a:extLst>
+          </p:cNvPr>
+          <p:cNvSpPr txBox="1"/>
+          <p:nvPr/>
+        </p:nvSpPr>
+        <p:spPr>
+          <a:xfrm>
+            <a:off x="457199" y="1335024"/>
+            <a:ext cx="8229601" cy="3539430"/>
+          </a:xfrm>
+          <a:prstGeom prst="rect">
+            <a:avLst/>
+          </a:prstGeom>
+          <a:noFill/>
+        </p:spPr>
+        <p:txBody>
+          <a:bodyPr wrap="square" rtlCol="0">
+            <a:spAutoFit/>
+          </a:bodyPr>
+          <a:lstStyle/>
+          <a:p>
+            <a:pPr marL="285750" indent="-285750">
+              <a:buFontTx/>
+              <a:buChar char="-"/>
+            </a:pPr>
+            <a:r>
+              <a:rPr lang="en-US" sz="3200" dirty="0"/>
+              <a:t>Loading entire dataset kills the </a:t>
+            </a:r>
+            <a:r>
+              <a:rPr lang="en-US" sz="3200" dirty="0" err="1"/>
+              <a:t>jupyter</a:t>
+            </a:r>
+            <a:r>
+              <a:rPr lang="en-US" sz="3200" dirty="0"/>
+              <a:t> kernel</a:t>
+            </a:r>
+          </a:p>
+          <a:p>
+            <a:pPr marL="285750" indent="-285750">
+              <a:buFontTx/>
+              <a:buChar char="-"/>
+            </a:pPr>
+            <a:r>
+              <a:rPr lang="en-US" sz="3200" dirty="0"/>
+              <a:t>Preprocessed dataset: training RF takes ~9.22 mins</a:t>
+            </a:r>
+          </a:p>
+          <a:p>
+            <a:pPr marL="285750" indent="-285750">
+              <a:buFontTx/>
+              <a:buChar char="-"/>
+            </a:pPr>
+            <a:r>
+              <a:rPr lang="en-US" sz="3200" dirty="0"/>
+              <a:t>Gini classifier: slower – processed data</a:t>
+            </a:r>
+          </a:p>
+          <a:p>
+            <a:pPr marL="285750" indent="-285750">
+              <a:buFontTx/>
+              <a:buChar char="-"/>
+            </a:pPr>
+            <a:r>
+              <a:rPr lang="en-US" sz="3200" dirty="0"/>
+              <a:t>Entropy: faster (thousand % more accurate) – preprocessed data</a:t>
+            </a:r>
+          </a:p>
+          <a:p>
+            <a:pPr marL="285750" indent="-285750">
+              <a:buFontTx/>
+              <a:buChar char="-"/>
+            </a:pPr>
+            <a:endParaRPr lang="en-US" sz="3200" dirty="0"/>
+          </a:p>
+        </p:txBody>
+      </p:sp>
+    </p:spTree>
+    <p:extLst>
+      <p:ext uri="{BB962C8B-B14F-4D97-AF65-F5344CB8AC3E}">
+        <p14:creationId xmlns:p14="http://schemas.microsoft.com/office/powerpoint/2010/main" val="1500565145"/>
+      </p:ext>
+    </p:extLst>
+  </p:cSld>
+  <p:clrMapOvr>
+    <a:masterClrMapping/>
+  </p:clrMapOvr>
+</p:sld>
+</file>
+
 <file path=ppt/slides/slide14.xml><?xml version="1.0" encoding="utf-8"?>
 <p:sld xmlns:a="http://schemas.openxmlformats.org/drawingml/2006/main" xmlns:r="http://schemas.openxmlformats.org/officeDocument/2006/relationships" xmlns:p="http://schemas.openxmlformats.org/presentationml/2006/main">
   <p:cSld>
@@ -7161,7 +5815,13 @@
       </p:grpSpPr>
       <p:sp>
         <p:nvSpPr>
-          <p:cNvPr id="2" name="Title 1"/>
+          <p:cNvPr id="2" name="Title 1">
+            <a:extLst>
+              <a:ext uri="{FF2B5EF4-FFF2-40B4-BE49-F238E27FC236}">
+                <a16:creationId xmlns:a16="http://schemas.microsoft.com/office/drawing/2014/main" id="{FC9BDE76-2B9E-7342-8283-8561F5D3272D}"/>
+              </a:ext>
+            </a:extLst>
+          </p:cNvPr>
           <p:cNvSpPr>
             <a:spLocks noGrp="1"/>
           </p:cNvSpPr>
@@ -7169,7 +5829,12 @@
             <p:ph type="title"/>
           </p:nvPr>
         </p:nvSpPr>
-        <p:spPr/>
+        <p:spPr>
+          <a:xfrm>
+            <a:off x="457200" y="488444"/>
+            <a:ext cx="8229600" cy="600237"/>
+          </a:xfrm>
+        </p:spPr>
         <p:txBody>
           <a:bodyPr>
             <a:normAutofit fontScale="90000"/>
@@ -7178,14 +5843,20 @@
           <a:p>
             <a:r>
               <a:rPr lang="en-US" dirty="0"/>
-              <a:t>Single Machine Results</a:t>
-            </a:r>
-          </a:p>
-        </p:txBody>
-      </p:sp>
-      <p:sp>
-        <p:nvSpPr>
-          <p:cNvPr id="4" name="Date Placeholder 3"/>
+              <a:t>Spark Application Pipeline</a:t>
+            </a:r>
+          </a:p>
+        </p:txBody>
+      </p:sp>
+      <p:sp>
+        <p:nvSpPr>
+          <p:cNvPr id="4" name="Date Placeholder 3">
+            <a:extLst>
+              <a:ext uri="{FF2B5EF4-FFF2-40B4-BE49-F238E27FC236}">
+                <a16:creationId xmlns:a16="http://schemas.microsoft.com/office/drawing/2014/main" id="{3976126B-1429-FB4B-8920-BD73479DB573}"/>
+              </a:ext>
+            </a:extLst>
+          </p:cNvPr>
           <p:cNvSpPr>
             <a:spLocks noGrp="1"/>
           </p:cNvSpPr>
@@ -7193,7 +5864,12 @@
             <p:ph type="dt" sz="half" idx="10"/>
           </p:nvPr>
         </p:nvSpPr>
-        <p:spPr/>
+        <p:spPr>
+          <a:xfrm>
+            <a:off x="457199" y="6677166"/>
+            <a:ext cx="2291085" cy="228959"/>
+          </a:xfrm>
+        </p:spPr>
         <p:txBody>
           <a:bodyPr/>
           <a:lstStyle/>
@@ -7207,7 +5883,13 @@
       </p:sp>
       <p:sp>
         <p:nvSpPr>
-          <p:cNvPr id="5" name="Footer Placeholder 4"/>
+          <p:cNvPr id="5" name="Footer Placeholder 4">
+            <a:extLst>
+              <a:ext uri="{FF2B5EF4-FFF2-40B4-BE49-F238E27FC236}">
+                <a16:creationId xmlns:a16="http://schemas.microsoft.com/office/drawing/2014/main" id="{7BC6A223-0CF2-4B4B-98AA-CD9F1C768703}"/>
+              </a:ext>
+            </a:extLst>
+          </p:cNvPr>
           <p:cNvSpPr>
             <a:spLocks noGrp="1"/>
           </p:cNvSpPr>
@@ -7215,21 +5897,33 @@
             <p:ph type="ftr" sz="quarter" idx="11"/>
           </p:nvPr>
         </p:nvSpPr>
-        <p:spPr/>
+        <p:spPr>
+          <a:xfrm>
+            <a:off x="812385" y="6321880"/>
+            <a:ext cx="7874415" cy="303487"/>
+          </a:xfrm>
+        </p:spPr>
         <p:txBody>
           <a:bodyPr/>
           <a:lstStyle/>
           <a:p>
             <a:r>
-              <a:rPr lang="en-US" dirty="0"/>
+              <a:rPr lang="en-US"/>
               <a:t>Classifying High-Resolution Brain Scans</a:t>
             </a:r>
-          </a:p>
-        </p:txBody>
-      </p:sp>
-      <p:sp>
-        <p:nvSpPr>
-          <p:cNvPr id="6" name="Slide Number Placeholder 5"/>
+            <a:endParaRPr lang="en-US" dirty="0"/>
+          </a:p>
+        </p:txBody>
+      </p:sp>
+      <p:sp>
+        <p:nvSpPr>
+          <p:cNvPr id="6" name="Slide Number Placeholder 5">
+            <a:extLst>
+              <a:ext uri="{FF2B5EF4-FFF2-40B4-BE49-F238E27FC236}">
+                <a16:creationId xmlns:a16="http://schemas.microsoft.com/office/drawing/2014/main" id="{AFE1D4A4-A343-3143-9C4B-24CAC4CAF8F9}"/>
+              </a:ext>
+            </a:extLst>
+          </p:cNvPr>
           <p:cNvSpPr>
             <a:spLocks noGrp="1"/>
           </p:cNvSpPr>
@@ -7237,7 +5931,12 @@
             <p:ph type="sldNum" sz="quarter" idx="12"/>
           </p:nvPr>
         </p:nvSpPr>
-        <p:spPr/>
+        <p:spPr>
+          <a:xfrm>
+            <a:off x="7594784" y="6678687"/>
+            <a:ext cx="1092016" cy="226932"/>
+          </a:xfrm>
+        </p:spPr>
         <p:txBody>
           <a:bodyPr/>
           <a:lstStyle/>
@@ -7252,10 +5951,632 @@
       </p:sp>
       <p:sp>
         <p:nvSpPr>
-          <p:cNvPr id="3" name="TextBox 2">
+          <p:cNvPr id="7" name="Rectangle 6">
             <a:extLst>
               <a:ext uri="{FF2B5EF4-FFF2-40B4-BE49-F238E27FC236}">
-                <a16:creationId xmlns:a16="http://schemas.microsoft.com/office/drawing/2014/main" id="{D8034E38-E07F-D44B-BA91-3EBA7455070C}"/>
+                <a16:creationId xmlns:a16="http://schemas.microsoft.com/office/drawing/2014/main" id="{357F83A6-9A36-7841-9520-2ECAFC877F4B}"/>
+              </a:ext>
+            </a:extLst>
+          </p:cNvPr>
+          <p:cNvSpPr/>
+          <p:nvPr/>
+        </p:nvSpPr>
+        <p:spPr>
+          <a:xfrm>
+            <a:off x="4678854" y="2975789"/>
+            <a:ext cx="2727433" cy="1603745"/>
+          </a:xfrm>
+          <a:prstGeom prst="rect">
+            <a:avLst/>
+          </a:prstGeom>
+          <a:solidFill>
+            <a:schemeClr val="tx2">
+              <a:lumMod val="20000"/>
+              <a:lumOff val="80000"/>
+            </a:schemeClr>
+          </a:solidFill>
+          <a:ln w="88900">
+            <a:solidFill>
+              <a:srgbClr val="2D2D2D"/>
+            </a:solidFill>
+          </a:ln>
+          <a:effectLst>
+            <a:outerShdw dist="23000" sx="1000" sy="1000" rotWithShape="0">
+              <a:srgbClr val="000000"/>
+            </a:outerShdw>
+          </a:effectLst>
+        </p:spPr>
+        <p:style>
+          <a:lnRef idx="1">
+            <a:schemeClr val="accent1"/>
+          </a:lnRef>
+          <a:fillRef idx="3">
+            <a:schemeClr val="accent1"/>
+          </a:fillRef>
+          <a:effectRef idx="2">
+            <a:schemeClr val="accent1"/>
+          </a:effectRef>
+          <a:fontRef idx="minor">
+            <a:schemeClr val="lt1"/>
+          </a:fontRef>
+        </p:style>
+        <p:txBody>
+          <a:bodyPr rtlCol="0" anchor="ctr"/>
+          <a:lstStyle/>
+          <a:p>
+            <a:pPr algn="ctr"/>
+            <a:endParaRPr lang="en-US"/>
+          </a:p>
+        </p:txBody>
+      </p:sp>
+      <p:sp>
+        <p:nvSpPr>
+          <p:cNvPr id="8" name="Rectangle 7">
+            <a:extLst>
+              <a:ext uri="{FF2B5EF4-FFF2-40B4-BE49-F238E27FC236}">
+                <a16:creationId xmlns:a16="http://schemas.microsoft.com/office/drawing/2014/main" id="{645FFFBF-8D70-B241-8154-4C249F7E3B79}"/>
+              </a:ext>
+            </a:extLst>
+          </p:cNvPr>
+          <p:cNvSpPr/>
+          <p:nvPr/>
+        </p:nvSpPr>
+        <p:spPr>
+          <a:xfrm>
+            <a:off x="1737713" y="1653576"/>
+            <a:ext cx="5668574" cy="746795"/>
+          </a:xfrm>
+          <a:prstGeom prst="rect">
+            <a:avLst/>
+          </a:prstGeom>
+          <a:solidFill>
+            <a:schemeClr val="tx2">
+              <a:lumMod val="20000"/>
+              <a:lumOff val="80000"/>
+            </a:schemeClr>
+          </a:solidFill>
+          <a:ln w="88900">
+            <a:solidFill>
+              <a:srgbClr val="2D2D2D"/>
+            </a:solidFill>
+          </a:ln>
+          <a:effectLst>
+            <a:outerShdw dist="23000" sx="1000" sy="1000" rotWithShape="0">
+              <a:srgbClr val="000000"/>
+            </a:outerShdw>
+          </a:effectLst>
+        </p:spPr>
+        <p:style>
+          <a:lnRef idx="1">
+            <a:schemeClr val="accent1"/>
+          </a:lnRef>
+          <a:fillRef idx="3">
+            <a:schemeClr val="accent1"/>
+          </a:fillRef>
+          <a:effectRef idx="2">
+            <a:schemeClr val="accent1"/>
+          </a:effectRef>
+          <a:fontRef idx="minor">
+            <a:schemeClr val="lt1"/>
+          </a:fontRef>
+        </p:style>
+        <p:txBody>
+          <a:bodyPr rtlCol="0" anchor="ctr"/>
+          <a:lstStyle/>
+          <a:p>
+            <a:pPr algn="ctr"/>
+            <a:endParaRPr lang="en-US"/>
+          </a:p>
+        </p:txBody>
+      </p:sp>
+      <p:sp>
+        <p:nvSpPr>
+          <p:cNvPr id="9" name="Rectangle 8">
+            <a:extLst>
+              <a:ext uri="{FF2B5EF4-FFF2-40B4-BE49-F238E27FC236}">
+                <a16:creationId xmlns:a16="http://schemas.microsoft.com/office/drawing/2014/main" id="{44EFED14-8535-3545-ABBD-6CF2E5DF31C2}"/>
+              </a:ext>
+            </a:extLst>
+          </p:cNvPr>
+          <p:cNvSpPr/>
+          <p:nvPr/>
+        </p:nvSpPr>
+        <p:spPr>
+          <a:xfrm>
+            <a:off x="1696826" y="5101317"/>
+            <a:ext cx="2908875" cy="746795"/>
+          </a:xfrm>
+          <a:prstGeom prst="rect">
+            <a:avLst/>
+          </a:prstGeom>
+          <a:solidFill>
+            <a:schemeClr val="tx2">
+              <a:lumMod val="20000"/>
+              <a:lumOff val="80000"/>
+            </a:schemeClr>
+          </a:solidFill>
+          <a:ln w="88900">
+            <a:solidFill>
+              <a:srgbClr val="2D2D2D"/>
+            </a:solidFill>
+          </a:ln>
+          <a:effectLst>
+            <a:outerShdw dist="23000" sx="1000" sy="1000" rotWithShape="0">
+              <a:srgbClr val="000000"/>
+            </a:outerShdw>
+          </a:effectLst>
+        </p:spPr>
+        <p:style>
+          <a:lnRef idx="1">
+            <a:schemeClr val="accent1"/>
+          </a:lnRef>
+          <a:fillRef idx="3">
+            <a:schemeClr val="accent1"/>
+          </a:fillRef>
+          <a:effectRef idx="2">
+            <a:schemeClr val="accent1"/>
+          </a:effectRef>
+          <a:fontRef idx="minor">
+            <a:schemeClr val="lt1"/>
+          </a:fontRef>
+        </p:style>
+        <p:txBody>
+          <a:bodyPr rtlCol="0" anchor="ctr"/>
+          <a:lstStyle/>
+          <a:p>
+            <a:pPr algn="ctr"/>
+            <a:endParaRPr lang="en-US"/>
+          </a:p>
+        </p:txBody>
+      </p:sp>
+      <p:sp>
+        <p:nvSpPr>
+          <p:cNvPr id="18" name="Bent-Up Arrow 17">
+            <a:extLst>
+              <a:ext uri="{FF2B5EF4-FFF2-40B4-BE49-F238E27FC236}">
+                <a16:creationId xmlns:a16="http://schemas.microsoft.com/office/drawing/2014/main" id="{CC290ACF-89E5-6345-B867-F04AA22D0B66}"/>
+              </a:ext>
+            </a:extLst>
+          </p:cNvPr>
+          <p:cNvSpPr/>
+          <p:nvPr/>
+        </p:nvSpPr>
+        <p:spPr>
+          <a:xfrm rot="16200000" flipH="1">
+            <a:off x="5547453" y="4293776"/>
+            <a:ext cx="1265096" cy="1845097"/>
+          </a:xfrm>
+          <a:prstGeom prst="bentUpArrow">
+            <a:avLst/>
+          </a:prstGeom>
+          <a:solidFill>
+            <a:schemeClr val="tx1"/>
+          </a:solidFill>
+          <a:ln>
+            <a:noFill/>
+          </a:ln>
+        </p:spPr>
+        <p:style>
+          <a:lnRef idx="1">
+            <a:schemeClr val="accent1"/>
+          </a:lnRef>
+          <a:fillRef idx="3">
+            <a:schemeClr val="accent1"/>
+          </a:fillRef>
+          <a:effectRef idx="2">
+            <a:schemeClr val="accent1"/>
+          </a:effectRef>
+          <a:fontRef idx="minor">
+            <a:schemeClr val="lt1"/>
+          </a:fontRef>
+        </p:style>
+        <p:txBody>
+          <a:bodyPr rtlCol="0" anchor="ctr"/>
+          <a:lstStyle/>
+          <a:p>
+            <a:pPr algn="ctr"/>
+            <a:endParaRPr lang="en-US"/>
+          </a:p>
+        </p:txBody>
+      </p:sp>
+      <p:sp>
+        <p:nvSpPr>
+          <p:cNvPr id="19" name="Down Arrow 18">
+            <a:extLst>
+              <a:ext uri="{FF2B5EF4-FFF2-40B4-BE49-F238E27FC236}">
+                <a16:creationId xmlns:a16="http://schemas.microsoft.com/office/drawing/2014/main" id="{10DEBAFA-BB88-5443-9E2E-0733194663DB}"/>
+              </a:ext>
+            </a:extLst>
+          </p:cNvPr>
+          <p:cNvSpPr/>
+          <p:nvPr/>
+        </p:nvSpPr>
+        <p:spPr>
+          <a:xfrm>
+            <a:off x="6698512" y="2400371"/>
+            <a:ext cx="255181" cy="575418"/>
+          </a:xfrm>
+          <a:prstGeom prst="downArrow">
+            <a:avLst/>
+          </a:prstGeom>
+          <a:solidFill>
+            <a:schemeClr val="tx1"/>
+          </a:solidFill>
+          <a:ln>
+            <a:noFill/>
+          </a:ln>
+        </p:spPr>
+        <p:style>
+          <a:lnRef idx="1">
+            <a:schemeClr val="accent1"/>
+          </a:lnRef>
+          <a:fillRef idx="3">
+            <a:schemeClr val="accent1"/>
+          </a:fillRef>
+          <a:effectRef idx="2">
+            <a:schemeClr val="accent1"/>
+          </a:effectRef>
+          <a:fontRef idx="minor">
+            <a:schemeClr val="lt1"/>
+          </a:fontRef>
+        </p:style>
+        <p:txBody>
+          <a:bodyPr rtlCol="0" anchor="ctr"/>
+          <a:lstStyle/>
+          <a:p>
+            <a:pPr algn="ctr"/>
+            <a:endParaRPr lang="en-US"/>
+          </a:p>
+        </p:txBody>
+      </p:sp>
+      <p:sp>
+        <p:nvSpPr>
+          <p:cNvPr id="20" name="Down Arrow 19">
+            <a:extLst>
+              <a:ext uri="{FF2B5EF4-FFF2-40B4-BE49-F238E27FC236}">
+                <a16:creationId xmlns:a16="http://schemas.microsoft.com/office/drawing/2014/main" id="{5B09DE06-9048-6046-87E6-3C37881F1328}"/>
+              </a:ext>
+            </a:extLst>
+          </p:cNvPr>
+          <p:cNvSpPr/>
+          <p:nvPr/>
+        </p:nvSpPr>
+        <p:spPr>
+          <a:xfrm>
+            <a:off x="5990737" y="2405387"/>
+            <a:ext cx="255181" cy="575418"/>
+          </a:xfrm>
+          <a:prstGeom prst="downArrow">
+            <a:avLst/>
+          </a:prstGeom>
+          <a:solidFill>
+            <a:schemeClr val="tx1"/>
+          </a:solidFill>
+          <a:ln>
+            <a:noFill/>
+          </a:ln>
+        </p:spPr>
+        <p:style>
+          <a:lnRef idx="1">
+            <a:schemeClr val="accent1"/>
+          </a:lnRef>
+          <a:fillRef idx="3">
+            <a:schemeClr val="accent1"/>
+          </a:fillRef>
+          <a:effectRef idx="2">
+            <a:schemeClr val="accent1"/>
+          </a:effectRef>
+          <a:fontRef idx="minor">
+            <a:schemeClr val="lt1"/>
+          </a:fontRef>
+        </p:style>
+        <p:txBody>
+          <a:bodyPr rtlCol="0" anchor="ctr"/>
+          <a:lstStyle/>
+          <a:p>
+            <a:pPr algn="ctr"/>
+            <a:endParaRPr lang="en-US"/>
+          </a:p>
+        </p:txBody>
+      </p:sp>
+      <p:sp>
+        <p:nvSpPr>
+          <p:cNvPr id="21" name="Down Arrow 20">
+            <a:extLst>
+              <a:ext uri="{FF2B5EF4-FFF2-40B4-BE49-F238E27FC236}">
+                <a16:creationId xmlns:a16="http://schemas.microsoft.com/office/drawing/2014/main" id="{EAD33DCD-6E16-8E47-9B80-B531CA38F3A7}"/>
+              </a:ext>
+            </a:extLst>
+          </p:cNvPr>
+          <p:cNvSpPr/>
+          <p:nvPr/>
+        </p:nvSpPr>
+        <p:spPr>
+          <a:xfrm>
+            <a:off x="5257452" y="2405387"/>
+            <a:ext cx="255181" cy="575418"/>
+          </a:xfrm>
+          <a:prstGeom prst="downArrow">
+            <a:avLst/>
+          </a:prstGeom>
+          <a:solidFill>
+            <a:schemeClr val="tx1"/>
+          </a:solidFill>
+          <a:ln>
+            <a:noFill/>
+          </a:ln>
+        </p:spPr>
+        <p:style>
+          <a:lnRef idx="1">
+            <a:schemeClr val="accent1"/>
+          </a:lnRef>
+          <a:fillRef idx="3">
+            <a:schemeClr val="accent1"/>
+          </a:fillRef>
+          <a:effectRef idx="2">
+            <a:schemeClr val="accent1"/>
+          </a:effectRef>
+          <a:fontRef idx="minor">
+            <a:schemeClr val="lt1"/>
+          </a:fontRef>
+        </p:style>
+        <p:txBody>
+          <a:bodyPr rtlCol="0" anchor="ctr"/>
+          <a:lstStyle/>
+          <a:p>
+            <a:pPr algn="ctr"/>
+            <a:endParaRPr lang="en-US"/>
+          </a:p>
+        </p:txBody>
+      </p:sp>
+      <p:sp>
+        <p:nvSpPr>
+          <p:cNvPr id="22" name="Down Arrow 21">
+            <a:extLst>
+              <a:ext uri="{FF2B5EF4-FFF2-40B4-BE49-F238E27FC236}">
+                <a16:creationId xmlns:a16="http://schemas.microsoft.com/office/drawing/2014/main" id="{9B2985B7-D3E9-5F4A-9711-C99D8ABBE056}"/>
+              </a:ext>
+            </a:extLst>
+          </p:cNvPr>
+          <p:cNvSpPr/>
+          <p:nvPr/>
+        </p:nvSpPr>
+        <p:spPr>
+          <a:xfrm>
+            <a:off x="6698512" y="1318102"/>
+            <a:ext cx="255181" cy="324808"/>
+          </a:xfrm>
+          <a:prstGeom prst="downArrow">
+            <a:avLst/>
+          </a:prstGeom>
+          <a:solidFill>
+            <a:schemeClr val="tx1"/>
+          </a:solidFill>
+          <a:ln>
+            <a:noFill/>
+          </a:ln>
+        </p:spPr>
+        <p:style>
+          <a:lnRef idx="1">
+            <a:schemeClr val="accent1"/>
+          </a:lnRef>
+          <a:fillRef idx="3">
+            <a:schemeClr val="accent1"/>
+          </a:fillRef>
+          <a:effectRef idx="2">
+            <a:schemeClr val="accent1"/>
+          </a:effectRef>
+          <a:fontRef idx="minor">
+            <a:schemeClr val="lt1"/>
+          </a:fontRef>
+        </p:style>
+        <p:txBody>
+          <a:bodyPr rtlCol="0" anchor="ctr"/>
+          <a:lstStyle/>
+          <a:p>
+            <a:pPr algn="ctr"/>
+            <a:endParaRPr lang="en-US"/>
+          </a:p>
+        </p:txBody>
+      </p:sp>
+      <p:sp>
+        <p:nvSpPr>
+          <p:cNvPr id="23" name="Down Arrow 22">
+            <a:extLst>
+              <a:ext uri="{FF2B5EF4-FFF2-40B4-BE49-F238E27FC236}">
+                <a16:creationId xmlns:a16="http://schemas.microsoft.com/office/drawing/2014/main" id="{D021D45B-3966-A048-B309-1D348A305CE4}"/>
+              </a:ext>
+            </a:extLst>
+          </p:cNvPr>
+          <p:cNvSpPr/>
+          <p:nvPr/>
+        </p:nvSpPr>
+        <p:spPr>
+          <a:xfrm>
+            <a:off x="5990737" y="1323118"/>
+            <a:ext cx="255181" cy="324808"/>
+          </a:xfrm>
+          <a:prstGeom prst="downArrow">
+            <a:avLst/>
+          </a:prstGeom>
+          <a:solidFill>
+            <a:schemeClr val="tx1"/>
+          </a:solidFill>
+          <a:ln>
+            <a:noFill/>
+          </a:ln>
+        </p:spPr>
+        <p:style>
+          <a:lnRef idx="1">
+            <a:schemeClr val="accent1"/>
+          </a:lnRef>
+          <a:fillRef idx="3">
+            <a:schemeClr val="accent1"/>
+          </a:fillRef>
+          <a:effectRef idx="2">
+            <a:schemeClr val="accent1"/>
+          </a:effectRef>
+          <a:fontRef idx="minor">
+            <a:schemeClr val="lt1"/>
+          </a:fontRef>
+        </p:style>
+        <p:txBody>
+          <a:bodyPr rtlCol="0" anchor="ctr"/>
+          <a:lstStyle/>
+          <a:p>
+            <a:pPr algn="ctr"/>
+            <a:endParaRPr lang="en-US"/>
+          </a:p>
+        </p:txBody>
+      </p:sp>
+      <p:sp>
+        <p:nvSpPr>
+          <p:cNvPr id="24" name="Down Arrow 23">
+            <a:extLst>
+              <a:ext uri="{FF2B5EF4-FFF2-40B4-BE49-F238E27FC236}">
+                <a16:creationId xmlns:a16="http://schemas.microsoft.com/office/drawing/2014/main" id="{13E663F6-2979-1A49-8436-3930289EDCD1}"/>
+              </a:ext>
+            </a:extLst>
+          </p:cNvPr>
+          <p:cNvSpPr/>
+          <p:nvPr/>
+        </p:nvSpPr>
+        <p:spPr>
+          <a:xfrm>
+            <a:off x="5257452" y="1323118"/>
+            <a:ext cx="255181" cy="324808"/>
+          </a:xfrm>
+          <a:prstGeom prst="downArrow">
+            <a:avLst/>
+          </a:prstGeom>
+          <a:solidFill>
+            <a:schemeClr val="tx1"/>
+          </a:solidFill>
+          <a:ln>
+            <a:noFill/>
+          </a:ln>
+        </p:spPr>
+        <p:style>
+          <a:lnRef idx="1">
+            <a:schemeClr val="accent1"/>
+          </a:lnRef>
+          <a:fillRef idx="3">
+            <a:schemeClr val="accent1"/>
+          </a:fillRef>
+          <a:effectRef idx="2">
+            <a:schemeClr val="accent1"/>
+          </a:effectRef>
+          <a:fontRef idx="minor">
+            <a:schemeClr val="lt1"/>
+          </a:fontRef>
+        </p:style>
+        <p:txBody>
+          <a:bodyPr rtlCol="0" anchor="ctr"/>
+          <a:lstStyle/>
+          <a:p>
+            <a:pPr algn="ctr"/>
+            <a:endParaRPr lang="en-US"/>
+          </a:p>
+        </p:txBody>
+      </p:sp>
+      <p:cxnSp>
+        <p:nvCxnSpPr>
+          <p:cNvPr id="26" name="Straight Connector 25">
+            <a:extLst>
+              <a:ext uri="{FF2B5EF4-FFF2-40B4-BE49-F238E27FC236}">
+                <a16:creationId xmlns:a16="http://schemas.microsoft.com/office/drawing/2014/main" id="{AC09532D-E179-1647-BAE0-1B4EEA4ABEA2}"/>
+              </a:ext>
+            </a:extLst>
+          </p:cNvPr>
+          <p:cNvCxnSpPr/>
+          <p:nvPr/>
+        </p:nvCxnSpPr>
+        <p:spPr>
+          <a:xfrm>
+            <a:off x="4678854" y="1318102"/>
+            <a:ext cx="0" cy="1082269"/>
+          </a:xfrm>
+          <a:prstGeom prst="line">
+            <a:avLst/>
+          </a:prstGeom>
+          <a:ln>
+            <a:solidFill>
+              <a:srgbClr val="FF0000"/>
+            </a:solidFill>
+            <a:prstDash val="dash"/>
+          </a:ln>
+        </p:spPr>
+        <p:style>
+          <a:lnRef idx="2">
+            <a:schemeClr val="accent1"/>
+          </a:lnRef>
+          <a:fillRef idx="0">
+            <a:schemeClr val="accent1"/>
+          </a:fillRef>
+          <a:effectRef idx="1">
+            <a:schemeClr val="accent1"/>
+          </a:effectRef>
+          <a:fontRef idx="minor">
+            <a:schemeClr val="tx1"/>
+          </a:fontRef>
+        </p:style>
+      </p:cxnSp>
+      <p:sp>
+        <p:nvSpPr>
+          <p:cNvPr id="27" name="Down Arrow 26">
+            <a:extLst>
+              <a:ext uri="{FF2B5EF4-FFF2-40B4-BE49-F238E27FC236}">
+                <a16:creationId xmlns:a16="http://schemas.microsoft.com/office/drawing/2014/main" id="{091FDD70-BD22-A341-97C2-3FB2A68B4B70}"/>
+              </a:ext>
+            </a:extLst>
+          </p:cNvPr>
+          <p:cNvSpPr/>
+          <p:nvPr/>
+        </p:nvSpPr>
+        <p:spPr>
+          <a:xfrm>
+            <a:off x="1715651" y="1280948"/>
+            <a:ext cx="255181" cy="324808"/>
+          </a:xfrm>
+          <a:prstGeom prst="downArrow">
+            <a:avLst/>
+          </a:prstGeom>
+          <a:solidFill>
+            <a:schemeClr val="tx2"/>
+          </a:solidFill>
+          <a:ln>
+            <a:noFill/>
+          </a:ln>
+        </p:spPr>
+        <p:style>
+          <a:lnRef idx="1">
+            <a:schemeClr val="accent1"/>
+          </a:lnRef>
+          <a:fillRef idx="3">
+            <a:schemeClr val="accent1"/>
+          </a:fillRef>
+          <a:effectRef idx="2">
+            <a:schemeClr val="accent1"/>
+          </a:effectRef>
+          <a:fontRef idx="minor">
+            <a:schemeClr val="lt1"/>
+          </a:fontRef>
+        </p:style>
+        <p:txBody>
+          <a:bodyPr rtlCol="0" anchor="ctr"/>
+          <a:lstStyle/>
+          <a:p>
+            <a:pPr algn="ctr"/>
+            <a:endParaRPr lang="en-US"/>
+          </a:p>
+        </p:txBody>
+      </p:sp>
+      <p:sp>
+        <p:nvSpPr>
+          <p:cNvPr id="28" name="TextBox 27">
+            <a:extLst>
+              <a:ext uri="{FF2B5EF4-FFF2-40B4-BE49-F238E27FC236}">
+                <a16:creationId xmlns:a16="http://schemas.microsoft.com/office/drawing/2014/main" id="{878A3661-378C-AE40-A841-4D82487EFC6E}"/>
               </a:ext>
             </a:extLst>
           </p:cNvPr>
@@ -7264,8 +6585,8 @@
         </p:nvSpPr>
         <p:spPr>
           <a:xfrm>
-            <a:off x="1257300" y="2038350"/>
-            <a:ext cx="6172200" cy="1754326"/>
+            <a:off x="979021" y="992366"/>
+            <a:ext cx="938783" cy="369332"/>
           </a:xfrm>
           <a:prstGeom prst="rect">
             <a:avLst/>
@@ -7273,71 +6594,750 @@
           <a:noFill/>
         </p:spPr>
         <p:txBody>
+          <a:bodyPr wrap="none" rtlCol="0">
+            <a:spAutoFit/>
+          </a:bodyPr>
+          <a:lstStyle/>
+          <a:p>
+            <a:r>
+              <a:rPr lang="en-US" b="1" dirty="0">
+                <a:solidFill>
+                  <a:schemeClr val="accent1">
+                    <a:lumMod val="75000"/>
+                  </a:schemeClr>
+                </a:solidFill>
+              </a:rPr>
+              <a:t>Image 5</a:t>
+            </a:r>
+          </a:p>
+        </p:txBody>
+      </p:sp>
+      <p:sp>
+        <p:nvSpPr>
+          <p:cNvPr id="29" name="TextBox 28">
+            <a:extLst>
+              <a:ext uri="{FF2B5EF4-FFF2-40B4-BE49-F238E27FC236}">
+                <a16:creationId xmlns:a16="http://schemas.microsoft.com/office/drawing/2014/main" id="{02CC8BB1-2DDC-7F47-A47A-BF5F00F2DEB8}"/>
+              </a:ext>
+            </a:extLst>
+          </p:cNvPr>
+          <p:cNvSpPr txBox="1"/>
+          <p:nvPr/>
+        </p:nvSpPr>
+        <p:spPr>
+          <a:xfrm>
+            <a:off x="2153968" y="1725291"/>
+            <a:ext cx="1472519" cy="646331"/>
+          </a:xfrm>
+          <a:prstGeom prst="rect">
+            <a:avLst/>
+          </a:prstGeom>
+          <a:noFill/>
+        </p:spPr>
+        <p:txBody>
+          <a:bodyPr wrap="none" rtlCol="0">
+            <a:spAutoFit/>
+          </a:bodyPr>
+          <a:lstStyle/>
+          <a:p>
+            <a:r>
+              <a:rPr lang="en-US" b="1" dirty="0"/>
+              <a:t>PRE-PROCESS</a:t>
+            </a:r>
+          </a:p>
+          <a:p>
+            <a:pPr algn="ctr"/>
+            <a:r>
+              <a:rPr lang="en-US" b="1" dirty="0"/>
+              <a:t>VALIDATION</a:t>
+            </a:r>
+          </a:p>
+        </p:txBody>
+      </p:sp>
+      <p:sp>
+        <p:nvSpPr>
+          <p:cNvPr id="30" name="TextBox 29">
+            <a:extLst>
+              <a:ext uri="{FF2B5EF4-FFF2-40B4-BE49-F238E27FC236}">
+                <a16:creationId xmlns:a16="http://schemas.microsoft.com/office/drawing/2014/main" id="{483780FA-46F2-574B-A449-4148D99C2003}"/>
+              </a:ext>
+            </a:extLst>
+          </p:cNvPr>
+          <p:cNvSpPr txBox="1"/>
+          <p:nvPr/>
+        </p:nvSpPr>
+        <p:spPr>
+          <a:xfrm>
+            <a:off x="4818405" y="3556223"/>
+            <a:ext cx="2531719" cy="369332"/>
+          </a:xfrm>
+          <a:prstGeom prst="rect">
+            <a:avLst/>
+          </a:prstGeom>
+          <a:noFill/>
+        </p:spPr>
+        <p:txBody>
+          <a:bodyPr wrap="none" rtlCol="0">
+            <a:spAutoFit/>
+          </a:bodyPr>
+          <a:lstStyle/>
+          <a:p>
+            <a:r>
+              <a:rPr lang="en-US" b="1" dirty="0"/>
+              <a:t>TRAIN RANDOM FOREST</a:t>
+            </a:r>
+          </a:p>
+        </p:txBody>
+      </p:sp>
+      <p:sp>
+        <p:nvSpPr>
+          <p:cNvPr id="31" name="TextBox 30">
+            <a:extLst>
+              <a:ext uri="{FF2B5EF4-FFF2-40B4-BE49-F238E27FC236}">
+                <a16:creationId xmlns:a16="http://schemas.microsoft.com/office/drawing/2014/main" id="{E064AF9C-B446-7148-AF59-904B0CEEF99B}"/>
+              </a:ext>
+            </a:extLst>
+          </p:cNvPr>
+          <p:cNvSpPr txBox="1"/>
+          <p:nvPr/>
+        </p:nvSpPr>
+        <p:spPr>
+          <a:xfrm>
+            <a:off x="5293311" y="1858104"/>
+            <a:ext cx="1833194" cy="369332"/>
+          </a:xfrm>
+          <a:prstGeom prst="rect">
+            <a:avLst/>
+          </a:prstGeom>
+          <a:noFill/>
+        </p:spPr>
+        <p:txBody>
+          <a:bodyPr wrap="none" rtlCol="0">
+            <a:spAutoFit/>
+          </a:bodyPr>
+          <a:lstStyle/>
+          <a:p>
+            <a:r>
+              <a:rPr lang="en-US" b="1" dirty="0"/>
+              <a:t>PRE-PROCESSING</a:t>
+            </a:r>
+          </a:p>
+        </p:txBody>
+      </p:sp>
+      <p:sp>
+        <p:nvSpPr>
+          <p:cNvPr id="32" name="TextBox 31">
+            <a:extLst>
+              <a:ext uri="{FF2B5EF4-FFF2-40B4-BE49-F238E27FC236}">
+                <a16:creationId xmlns:a16="http://schemas.microsoft.com/office/drawing/2014/main" id="{2DB79C86-7A89-774C-A2DB-F281226AD1F4}"/>
+              </a:ext>
+            </a:extLst>
+          </p:cNvPr>
+          <p:cNvSpPr txBox="1"/>
+          <p:nvPr/>
+        </p:nvSpPr>
+        <p:spPr>
+          <a:xfrm>
+            <a:off x="2029802" y="5173157"/>
+            <a:ext cx="2242922" cy="646331"/>
+          </a:xfrm>
+          <a:prstGeom prst="rect">
+            <a:avLst/>
+          </a:prstGeom>
+          <a:noFill/>
+        </p:spPr>
+        <p:txBody>
+          <a:bodyPr wrap="none" rtlCol="0">
+            <a:spAutoFit/>
+          </a:bodyPr>
+          <a:lstStyle/>
+          <a:p>
+            <a:pPr algn="ctr"/>
+            <a:r>
+              <a:rPr lang="en-US" b="1" dirty="0"/>
+              <a:t>CLASSIFY</a:t>
+            </a:r>
+          </a:p>
+          <a:p>
+            <a:pPr algn="ctr"/>
+            <a:r>
+              <a:rPr lang="en-US" b="1" dirty="0"/>
+              <a:t>on multiple machines</a:t>
+            </a:r>
+          </a:p>
+        </p:txBody>
+      </p:sp>
+      <p:sp>
+        <p:nvSpPr>
+          <p:cNvPr id="33" name="Down Arrow 32">
+            <a:extLst>
+              <a:ext uri="{FF2B5EF4-FFF2-40B4-BE49-F238E27FC236}">
+                <a16:creationId xmlns:a16="http://schemas.microsoft.com/office/drawing/2014/main" id="{384E9504-41CC-934D-87B9-DAD2238B6193}"/>
+              </a:ext>
+            </a:extLst>
+          </p:cNvPr>
+          <p:cNvSpPr/>
+          <p:nvPr/>
+        </p:nvSpPr>
+        <p:spPr>
+          <a:xfrm>
+            <a:off x="3369991" y="5901432"/>
+            <a:ext cx="255181" cy="324808"/>
+          </a:xfrm>
+          <a:prstGeom prst="downArrow">
+            <a:avLst/>
+          </a:prstGeom>
+          <a:solidFill>
+            <a:schemeClr val="tx2"/>
+          </a:solidFill>
+          <a:ln>
+            <a:noFill/>
+          </a:ln>
+        </p:spPr>
+        <p:style>
+          <a:lnRef idx="1">
+            <a:schemeClr val="accent1"/>
+          </a:lnRef>
+          <a:fillRef idx="3">
+            <a:schemeClr val="accent1"/>
+          </a:fillRef>
+          <a:effectRef idx="2">
+            <a:schemeClr val="accent1"/>
+          </a:effectRef>
+          <a:fontRef idx="minor">
+            <a:schemeClr val="lt1"/>
+          </a:fontRef>
+        </p:style>
+        <p:txBody>
+          <a:bodyPr rtlCol="0" anchor="ctr"/>
+          <a:lstStyle/>
+          <a:p>
+            <a:pPr algn="ctr"/>
+            <a:endParaRPr lang="en-US"/>
+          </a:p>
+        </p:txBody>
+      </p:sp>
+      <p:sp>
+        <p:nvSpPr>
+          <p:cNvPr id="34" name="TextBox 33">
+            <a:extLst>
+              <a:ext uri="{FF2B5EF4-FFF2-40B4-BE49-F238E27FC236}">
+                <a16:creationId xmlns:a16="http://schemas.microsoft.com/office/drawing/2014/main" id="{5C170A3E-A1F1-F24C-A1AB-9D152605DDF1}"/>
+              </a:ext>
+            </a:extLst>
+          </p:cNvPr>
+          <p:cNvSpPr txBox="1"/>
+          <p:nvPr/>
+        </p:nvSpPr>
+        <p:spPr>
+          <a:xfrm>
+            <a:off x="3601892" y="5984553"/>
+            <a:ext cx="868956" cy="369332"/>
+          </a:xfrm>
+          <a:prstGeom prst="rect">
+            <a:avLst/>
+          </a:prstGeom>
+          <a:noFill/>
+        </p:spPr>
+        <p:txBody>
+          <a:bodyPr wrap="none" rtlCol="0">
+            <a:spAutoFit/>
+          </a:bodyPr>
+          <a:lstStyle/>
+          <a:p>
+            <a:r>
+              <a:rPr lang="en-US" b="1" dirty="0">
+                <a:solidFill>
+                  <a:srgbClr val="002060"/>
+                </a:solidFill>
+              </a:rPr>
+              <a:t>Results</a:t>
+            </a:r>
+          </a:p>
+        </p:txBody>
+      </p:sp>
+      <p:sp>
+        <p:nvSpPr>
+          <p:cNvPr id="35" name="Down Arrow 34">
+            <a:extLst>
+              <a:ext uri="{FF2B5EF4-FFF2-40B4-BE49-F238E27FC236}">
+                <a16:creationId xmlns:a16="http://schemas.microsoft.com/office/drawing/2014/main" id="{60DFB14D-DF96-5C4F-9C84-7E130842DB8F}"/>
+              </a:ext>
+            </a:extLst>
+          </p:cNvPr>
+          <p:cNvSpPr/>
+          <p:nvPr/>
+        </p:nvSpPr>
+        <p:spPr>
+          <a:xfrm>
+            <a:off x="2748284" y="2479910"/>
+            <a:ext cx="255181" cy="2610126"/>
+          </a:xfrm>
+          <a:prstGeom prst="downArrow">
+            <a:avLst/>
+          </a:prstGeom>
+          <a:solidFill>
+            <a:schemeClr val="tx2"/>
+          </a:solidFill>
+          <a:ln>
+            <a:noFill/>
+          </a:ln>
+        </p:spPr>
+        <p:style>
+          <a:lnRef idx="1">
+            <a:schemeClr val="accent1"/>
+          </a:lnRef>
+          <a:fillRef idx="3">
+            <a:schemeClr val="accent1"/>
+          </a:fillRef>
+          <a:effectRef idx="2">
+            <a:schemeClr val="accent1"/>
+          </a:effectRef>
+          <a:fontRef idx="minor">
+            <a:schemeClr val="lt1"/>
+          </a:fontRef>
+        </p:style>
+        <p:txBody>
+          <a:bodyPr rtlCol="0" anchor="ctr"/>
+          <a:lstStyle/>
+          <a:p>
+            <a:pPr algn="ctr"/>
+            <a:endParaRPr lang="en-US"/>
+          </a:p>
+        </p:txBody>
+      </p:sp>
+      <p:sp>
+        <p:nvSpPr>
+          <p:cNvPr id="36" name="Bent-Up Arrow 35">
+            <a:extLst>
+              <a:ext uri="{FF2B5EF4-FFF2-40B4-BE49-F238E27FC236}">
+                <a16:creationId xmlns:a16="http://schemas.microsoft.com/office/drawing/2014/main" id="{4FDAFB0D-8F51-5646-B5F9-A50E82C81FB9}"/>
+              </a:ext>
+            </a:extLst>
+          </p:cNvPr>
+          <p:cNvSpPr/>
+          <p:nvPr/>
+        </p:nvSpPr>
+        <p:spPr>
+          <a:xfrm flipH="1" flipV="1">
+            <a:off x="2182425" y="4100033"/>
+            <a:ext cx="634309" cy="997999"/>
+          </a:xfrm>
+          <a:prstGeom prst="bentUpArrow">
+            <a:avLst/>
+          </a:prstGeom>
+          <a:solidFill>
+            <a:schemeClr val="tx2"/>
+          </a:solidFill>
+          <a:ln>
+            <a:noFill/>
+          </a:ln>
+        </p:spPr>
+        <p:style>
+          <a:lnRef idx="1">
+            <a:schemeClr val="accent1"/>
+          </a:lnRef>
+          <a:fillRef idx="3">
+            <a:schemeClr val="accent1"/>
+          </a:fillRef>
+          <a:effectRef idx="2">
+            <a:schemeClr val="accent1"/>
+          </a:effectRef>
+          <a:fontRef idx="minor">
+            <a:schemeClr val="lt1"/>
+          </a:fontRef>
+        </p:style>
+        <p:txBody>
+          <a:bodyPr rtlCol="0" anchor="ctr"/>
+          <a:lstStyle/>
+          <a:p>
+            <a:pPr algn="ctr"/>
+            <a:endParaRPr lang="en-US"/>
+          </a:p>
+        </p:txBody>
+      </p:sp>
+      <p:sp>
+        <p:nvSpPr>
+          <p:cNvPr id="37" name="Bent-Up Arrow 36">
+            <a:extLst>
+              <a:ext uri="{FF2B5EF4-FFF2-40B4-BE49-F238E27FC236}">
+                <a16:creationId xmlns:a16="http://schemas.microsoft.com/office/drawing/2014/main" id="{4F4190F3-19E5-8740-8A71-39FFF4252BCA}"/>
+              </a:ext>
+            </a:extLst>
+          </p:cNvPr>
+          <p:cNvSpPr/>
+          <p:nvPr/>
+        </p:nvSpPr>
+        <p:spPr>
+          <a:xfrm rot="10800000" flipH="1">
+            <a:off x="2935014" y="4100032"/>
+            <a:ext cx="634309" cy="988207"/>
+          </a:xfrm>
+          <a:prstGeom prst="bentUpArrow">
+            <a:avLst/>
+          </a:prstGeom>
+          <a:solidFill>
+            <a:schemeClr val="tx2"/>
+          </a:solidFill>
+          <a:ln>
+            <a:noFill/>
+          </a:ln>
+        </p:spPr>
+        <p:style>
+          <a:lnRef idx="1">
+            <a:schemeClr val="accent1"/>
+          </a:lnRef>
+          <a:fillRef idx="3">
+            <a:schemeClr val="accent1"/>
+          </a:fillRef>
+          <a:effectRef idx="2">
+            <a:schemeClr val="accent1"/>
+          </a:effectRef>
+          <a:fontRef idx="minor">
+            <a:schemeClr val="lt1"/>
+          </a:fontRef>
+        </p:style>
+        <p:txBody>
+          <a:bodyPr rtlCol="0" anchor="ctr"/>
+          <a:lstStyle/>
+          <a:p>
+            <a:pPr algn="ctr"/>
+            <a:endParaRPr lang="en-US"/>
+          </a:p>
+        </p:txBody>
+      </p:sp>
+      <p:sp>
+        <p:nvSpPr>
+          <p:cNvPr id="38" name="TextBox 37">
+            <a:extLst>
+              <a:ext uri="{FF2B5EF4-FFF2-40B4-BE49-F238E27FC236}">
+                <a16:creationId xmlns:a16="http://schemas.microsoft.com/office/drawing/2014/main" id="{52AB0CB8-9247-D64B-9473-4C2629997C23}"/>
+              </a:ext>
+            </a:extLst>
+          </p:cNvPr>
+          <p:cNvSpPr txBox="1"/>
+          <p:nvPr/>
+        </p:nvSpPr>
+        <p:spPr>
+          <a:xfrm>
+            <a:off x="6968932" y="1204705"/>
+            <a:ext cx="1717868" cy="369332"/>
+          </a:xfrm>
+          <a:prstGeom prst="rect">
+            <a:avLst/>
+          </a:prstGeom>
+          <a:noFill/>
+        </p:spPr>
+        <p:txBody>
           <a:bodyPr wrap="square" rtlCol="0">
             <a:spAutoFit/>
           </a:bodyPr>
           <a:lstStyle/>
           <a:p>
-            <a:pPr marL="285750" indent="-285750">
-              <a:buFontTx/>
-              <a:buChar char="-"/>
-            </a:pPr>
-            <a:r>
-              <a:rPr lang="en-US" dirty="0"/>
-              <a:t>Loading entire dataset kills the </a:t>
-            </a:r>
-            <a:r>
-              <a:rPr lang="en-US" dirty="0" err="1"/>
-              <a:t>jupyter</a:t>
-            </a:r>
-            <a:r>
-              <a:rPr lang="en-US" dirty="0"/>
-              <a:t> kernel</a:t>
-            </a:r>
-          </a:p>
-          <a:p>
-            <a:pPr marL="285750" indent="-285750">
-              <a:buFontTx/>
-              <a:buChar char="-"/>
-            </a:pPr>
-            <a:r>
-              <a:rPr lang="en-US" dirty="0"/>
-              <a:t>Preprocessed dataset: training RF takes ~9.22 mins</a:t>
-            </a:r>
-          </a:p>
-          <a:p>
-            <a:pPr marL="285750" indent="-285750">
-              <a:buFontTx/>
-              <a:buChar char="-"/>
-            </a:pPr>
-            <a:r>
-              <a:rPr lang="en-US" dirty="0"/>
-              <a:t>Gini classifier: slower – processed data</a:t>
-            </a:r>
-          </a:p>
-          <a:p>
-            <a:pPr marL="285750" indent="-285750">
-              <a:buFontTx/>
-              <a:buChar char="-"/>
-            </a:pPr>
-            <a:r>
-              <a:rPr lang="en-US" dirty="0"/>
-              <a:t>Entropy: faster (thousand % more accurate) – preprocessed data</a:t>
-            </a:r>
-          </a:p>
-          <a:p>
-            <a:pPr marL="285750" indent="-285750">
-              <a:buFontTx/>
-              <a:buChar char="-"/>
-            </a:pPr>
-            <a:endParaRPr lang="en-US" dirty="0"/>
+            <a:r>
+              <a:rPr lang="en-US" b="1" dirty="0">
+                <a:solidFill>
+                  <a:schemeClr val="accent1">
+                    <a:lumMod val="75000"/>
+                  </a:schemeClr>
+                </a:solidFill>
+              </a:rPr>
+              <a:t>6 GB/image.csv</a:t>
+            </a:r>
+          </a:p>
+        </p:txBody>
+      </p:sp>
+      <p:sp>
+        <p:nvSpPr>
+          <p:cNvPr id="39" name="TextBox 38">
+            <a:extLst>
+              <a:ext uri="{FF2B5EF4-FFF2-40B4-BE49-F238E27FC236}">
+                <a16:creationId xmlns:a16="http://schemas.microsoft.com/office/drawing/2014/main" id="{0FDB65BE-E8FD-0544-8267-46D3A4325604}"/>
+              </a:ext>
+            </a:extLst>
+          </p:cNvPr>
+          <p:cNvSpPr txBox="1"/>
+          <p:nvPr/>
+        </p:nvSpPr>
+        <p:spPr>
+          <a:xfrm>
+            <a:off x="3569323" y="4618447"/>
+            <a:ext cx="1624932" cy="369332"/>
+          </a:xfrm>
+          <a:prstGeom prst="rect">
+            <a:avLst/>
+          </a:prstGeom>
+          <a:noFill/>
+        </p:spPr>
+        <p:txBody>
+          <a:bodyPr wrap="none" rtlCol="0">
+            <a:spAutoFit/>
+          </a:bodyPr>
+          <a:lstStyle/>
+          <a:p>
+            <a:r>
+              <a:rPr lang="en-US" b="1" dirty="0">
+                <a:solidFill>
+                  <a:srgbClr val="FF0000"/>
+                </a:solidFill>
+              </a:rPr>
+              <a:t>*New Partition</a:t>
+            </a:r>
+          </a:p>
+        </p:txBody>
+      </p:sp>
+      <p:sp>
+        <p:nvSpPr>
+          <p:cNvPr id="40" name="TextBox 39">
+            <a:extLst>
+              <a:ext uri="{FF2B5EF4-FFF2-40B4-BE49-F238E27FC236}">
+                <a16:creationId xmlns:a16="http://schemas.microsoft.com/office/drawing/2014/main" id="{1C0A682C-6400-9D40-B64A-86E81CF15ADC}"/>
+              </a:ext>
+            </a:extLst>
+          </p:cNvPr>
+          <p:cNvSpPr txBox="1"/>
+          <p:nvPr/>
+        </p:nvSpPr>
+        <p:spPr>
+          <a:xfrm>
+            <a:off x="7073108" y="4601445"/>
+            <a:ext cx="805029" cy="369332"/>
+          </a:xfrm>
+          <a:prstGeom prst="rect">
+            <a:avLst/>
+          </a:prstGeom>
+          <a:noFill/>
+        </p:spPr>
+        <p:txBody>
+          <a:bodyPr wrap="none" rtlCol="0">
+            <a:spAutoFit/>
+          </a:bodyPr>
+          <a:lstStyle/>
+          <a:p>
+            <a:r>
+              <a:rPr lang="en-US" b="1" dirty="0">
+                <a:solidFill>
+                  <a:srgbClr val="FF0000"/>
+                </a:solidFill>
+              </a:rPr>
+              <a:t>Model</a:t>
+            </a:r>
+          </a:p>
+        </p:txBody>
+      </p:sp>
+      <p:sp>
+        <p:nvSpPr>
+          <p:cNvPr id="41" name="TextBox 40">
+            <a:extLst>
+              <a:ext uri="{FF2B5EF4-FFF2-40B4-BE49-F238E27FC236}">
+                <a16:creationId xmlns:a16="http://schemas.microsoft.com/office/drawing/2014/main" id="{38E4FEE5-1045-7042-8CD5-61F695610BCB}"/>
+              </a:ext>
+            </a:extLst>
+          </p:cNvPr>
+          <p:cNvSpPr txBox="1"/>
+          <p:nvPr/>
+        </p:nvSpPr>
+        <p:spPr>
+          <a:xfrm>
+            <a:off x="2236835" y="1111440"/>
+            <a:ext cx="2507097" cy="523220"/>
+          </a:xfrm>
+          <a:prstGeom prst="rect">
+            <a:avLst/>
+          </a:prstGeom>
+          <a:noFill/>
+        </p:spPr>
+        <p:txBody>
+          <a:bodyPr wrap="none" rtlCol="0">
+            <a:spAutoFit/>
+          </a:bodyPr>
+          <a:lstStyle/>
+          <a:p>
+            <a:r>
+              <a:rPr lang="en-US" sz="1400" b="1" dirty="0">
+                <a:solidFill>
+                  <a:srgbClr val="FF0000"/>
+                </a:solidFill>
+              </a:rPr>
+              <a:t>Split data in several Partitions</a:t>
+            </a:r>
+          </a:p>
+          <a:p>
+            <a:r>
+              <a:rPr lang="en-US" sz="1400" b="1" dirty="0">
+                <a:solidFill>
+                  <a:srgbClr val="FF0000"/>
+                </a:solidFill>
+              </a:rPr>
+              <a:t>(1 job per image, map only job)</a:t>
+            </a:r>
+          </a:p>
+        </p:txBody>
+      </p:sp>
+      <p:sp>
+        <p:nvSpPr>
+          <p:cNvPr id="42" name="TextBox 41">
+            <a:extLst>
+              <a:ext uri="{FF2B5EF4-FFF2-40B4-BE49-F238E27FC236}">
+                <a16:creationId xmlns:a16="http://schemas.microsoft.com/office/drawing/2014/main" id="{B264EDF6-59E0-984E-82E9-E9ACA2EF3C43}"/>
+              </a:ext>
+            </a:extLst>
+          </p:cNvPr>
+          <p:cNvSpPr txBox="1"/>
+          <p:nvPr/>
+        </p:nvSpPr>
+        <p:spPr>
+          <a:xfrm>
+            <a:off x="6985334" y="2457649"/>
+            <a:ext cx="1988016" cy="369332"/>
+          </a:xfrm>
+          <a:prstGeom prst="rect">
+            <a:avLst/>
+          </a:prstGeom>
+          <a:noFill/>
+        </p:spPr>
+        <p:txBody>
+          <a:bodyPr wrap="square" rtlCol="0">
+            <a:spAutoFit/>
+          </a:bodyPr>
+          <a:lstStyle/>
+          <a:p>
+            <a:r>
+              <a:rPr lang="en-US" b="1" dirty="0">
+                <a:solidFill>
+                  <a:schemeClr val="accent1">
+                    <a:lumMod val="75000"/>
+                  </a:schemeClr>
+                </a:solidFill>
+              </a:rPr>
+              <a:t>~65 MB / image</a:t>
+            </a:r>
+          </a:p>
+        </p:txBody>
+      </p:sp>
+      <p:sp>
+        <p:nvSpPr>
+          <p:cNvPr id="43" name="TextBox 42">
+            <a:extLst>
+              <a:ext uri="{FF2B5EF4-FFF2-40B4-BE49-F238E27FC236}">
+                <a16:creationId xmlns:a16="http://schemas.microsoft.com/office/drawing/2014/main" id="{4FD608A2-D3CA-DE46-99E8-BB98914B7420}"/>
+              </a:ext>
+            </a:extLst>
+          </p:cNvPr>
+          <p:cNvSpPr txBox="1"/>
+          <p:nvPr/>
+        </p:nvSpPr>
+        <p:spPr>
+          <a:xfrm>
+            <a:off x="7565035" y="2787263"/>
+            <a:ext cx="1121765" cy="1200329"/>
+          </a:xfrm>
+          <a:prstGeom prst="rect">
+            <a:avLst/>
+          </a:prstGeom>
+          <a:noFill/>
+        </p:spPr>
+        <p:txBody>
+          <a:bodyPr wrap="square" rtlCol="0">
+            <a:spAutoFit/>
+          </a:bodyPr>
+          <a:lstStyle/>
+          <a:p>
+            <a:pPr algn="ctr"/>
+            <a:r>
+              <a:rPr lang="en-US" b="1" dirty="0">
+                <a:solidFill>
+                  <a:srgbClr val="FF0000"/>
+                </a:solidFill>
+              </a:rPr>
+              <a:t>Persist data during training</a:t>
+            </a:r>
+          </a:p>
+        </p:txBody>
+      </p:sp>
+      <p:sp>
+        <p:nvSpPr>
+          <p:cNvPr id="44" name="TextBox 43">
+            <a:extLst>
+              <a:ext uri="{FF2B5EF4-FFF2-40B4-BE49-F238E27FC236}">
+                <a16:creationId xmlns:a16="http://schemas.microsoft.com/office/drawing/2014/main" id="{C5213DD4-A7B8-C848-88F9-5FCFAC5E8ED6}"/>
+              </a:ext>
+            </a:extLst>
+          </p:cNvPr>
+          <p:cNvSpPr txBox="1"/>
+          <p:nvPr/>
+        </p:nvSpPr>
+        <p:spPr>
+          <a:xfrm>
+            <a:off x="126767" y="4970777"/>
+            <a:ext cx="1489800" cy="923330"/>
+          </a:xfrm>
+          <a:prstGeom prst="rect">
+            <a:avLst/>
+          </a:prstGeom>
+          <a:noFill/>
+        </p:spPr>
+        <p:txBody>
+          <a:bodyPr wrap="square" rtlCol="0">
+            <a:spAutoFit/>
+          </a:bodyPr>
+          <a:lstStyle/>
+          <a:p>
+            <a:pPr algn="ctr"/>
+            <a:r>
+              <a:rPr lang="en-US" b="1" dirty="0">
+                <a:solidFill>
+                  <a:srgbClr val="FF0000"/>
+                </a:solidFill>
+              </a:rPr>
+              <a:t>Persist model during classification</a:t>
+            </a:r>
+          </a:p>
+        </p:txBody>
+      </p:sp>
+      <p:sp>
+        <p:nvSpPr>
+          <p:cNvPr id="45" name="TextBox 44">
+            <a:extLst>
+              <a:ext uri="{FF2B5EF4-FFF2-40B4-BE49-F238E27FC236}">
+                <a16:creationId xmlns:a16="http://schemas.microsoft.com/office/drawing/2014/main" id="{CB8120C0-38D8-5E47-8D33-56F0019869BE}"/>
+              </a:ext>
+            </a:extLst>
+          </p:cNvPr>
+          <p:cNvSpPr txBox="1"/>
+          <p:nvPr/>
+        </p:nvSpPr>
+        <p:spPr>
+          <a:xfrm>
+            <a:off x="114201" y="1390918"/>
+            <a:ext cx="1558435" cy="954107"/>
+          </a:xfrm>
+          <a:prstGeom prst="rect">
+            <a:avLst/>
+          </a:prstGeom>
+          <a:noFill/>
+        </p:spPr>
+        <p:txBody>
+          <a:bodyPr wrap="square" rtlCol="0">
+            <a:spAutoFit/>
+          </a:bodyPr>
+          <a:lstStyle/>
+          <a:p>
+            <a:r>
+              <a:rPr lang="en-US" sz="1400" b="1" dirty="0">
+                <a:solidFill>
+                  <a:srgbClr val="FF0000"/>
+                </a:solidFill>
+              </a:rPr>
+              <a:t>*Each image took ~25 minutes to process, dual core machine 1 worker</a:t>
+            </a:r>
           </a:p>
         </p:txBody>
       </p:sp>
     </p:spTree>
     <p:extLst>
       <p:ext uri="{BB962C8B-B14F-4D97-AF65-F5344CB8AC3E}">
-        <p14:creationId xmlns:p14="http://schemas.microsoft.com/office/powerpoint/2010/main" val="1500565145"/>
+        <p14:creationId xmlns:p14="http://schemas.microsoft.com/office/powerpoint/2010/main" val="3653623932"/>
       </p:ext>
     </p:extLst>
   </p:cSld>
@@ -7366,13 +7366,7 @@
       </p:grpSpPr>
       <p:sp>
         <p:nvSpPr>
-          <p:cNvPr id="2" name="Title 1">
-            <a:extLst>
-              <a:ext uri="{FF2B5EF4-FFF2-40B4-BE49-F238E27FC236}">
-                <a16:creationId xmlns:a16="http://schemas.microsoft.com/office/drawing/2014/main" id="{75017719-AC84-EC48-8634-0D585D1D6469}"/>
-              </a:ext>
-            </a:extLst>
-          </p:cNvPr>
+          <p:cNvPr id="10" name="Title 9"/>
           <p:cNvSpPr>
             <a:spLocks noGrp="1"/>
           </p:cNvSpPr>
@@ -7389,20 +7383,14 @@
           <a:p>
             <a:r>
               <a:rPr lang="en-US" dirty="0"/>
-              <a:t>Conclusion</a:t>
-            </a:r>
-          </a:p>
-        </p:txBody>
-      </p:sp>
-      <p:sp>
-        <p:nvSpPr>
-          <p:cNvPr id="3" name="Content Placeholder 2">
-            <a:extLst>
-              <a:ext uri="{FF2B5EF4-FFF2-40B4-BE49-F238E27FC236}">
-                <a16:creationId xmlns:a16="http://schemas.microsoft.com/office/drawing/2014/main" id="{69054E7C-2BCC-C442-BFD4-78BA3E0B6A16}"/>
-              </a:ext>
-            </a:extLst>
-          </p:cNvPr>
+              <a:t>The End :)</a:t>
+            </a:r>
+          </a:p>
+        </p:txBody>
+      </p:sp>
+      <p:sp>
+        <p:nvSpPr>
+          <p:cNvPr id="11" name="Content Placeholder 10"/>
           <p:cNvSpPr>
             <a:spLocks noGrp="1"/>
           </p:cNvSpPr>
@@ -7415,34 +7403,52 @@
           <a:bodyPr/>
           <a:lstStyle/>
           <a:p>
-            <a:r>
-              <a:rPr lang="en-US" dirty="0"/>
-              <a:t>99.57% - Spark</a:t>
-            </a:r>
-          </a:p>
-          <a:p>
-            <a:r>
-              <a:rPr lang="en-US" dirty="0"/>
-              <a:t>99.56% - Single Machine RF</a:t>
-            </a:r>
-          </a:p>
-          <a:p>
-            <a:endParaRPr lang="en-US" dirty="0"/>
-          </a:p>
-          <a:p>
-            <a:endParaRPr lang="en-US" dirty="0"/>
-          </a:p>
-        </p:txBody>
-      </p:sp>
-      <p:sp>
-        <p:nvSpPr>
-          <p:cNvPr id="4" name="Date Placeholder 3">
-            <a:extLst>
-              <a:ext uri="{FF2B5EF4-FFF2-40B4-BE49-F238E27FC236}">
-                <a16:creationId xmlns:a16="http://schemas.microsoft.com/office/drawing/2014/main" id="{1FFA86AD-7603-E34C-BF3E-F7DB8B2D8E43}"/>
-              </a:ext>
-            </a:extLst>
-          </p:cNvPr>
+            <a:pPr marL="0" indent="0" algn="ctr">
+              <a:buNone/>
+            </a:pPr>
+            <a:endParaRPr lang="en-US" b="1" dirty="0"/>
+          </a:p>
+          <a:p>
+            <a:pPr marL="0" indent="0" algn="ctr">
+              <a:buNone/>
+            </a:pPr>
+            <a:endParaRPr lang="en-US" b="1" dirty="0"/>
+          </a:p>
+          <a:p>
+            <a:pPr marL="0" indent="0" algn="ctr">
+              <a:buNone/>
+            </a:pPr>
+            <a:r>
+              <a:rPr lang="en-US" b="1" dirty="0"/>
+              <a:t>Thanks!</a:t>
+            </a:r>
+          </a:p>
+          <a:p>
+            <a:pPr marL="0" indent="0" algn="ctr">
+              <a:buNone/>
+            </a:pPr>
+            <a:endParaRPr lang="en-US" b="1" dirty="0"/>
+          </a:p>
+          <a:p>
+            <a:pPr marL="0" indent="0" algn="ctr">
+              <a:buNone/>
+            </a:pPr>
+            <a:endParaRPr lang="en-US" b="1" dirty="0"/>
+          </a:p>
+          <a:p>
+            <a:pPr marL="0" indent="0" algn="ctr">
+              <a:buNone/>
+            </a:pPr>
+            <a:r>
+              <a:rPr lang="en-US" b="1" dirty="0"/>
+              <a:t>Questions?</a:t>
+            </a:r>
+          </a:p>
+        </p:txBody>
+      </p:sp>
+      <p:sp>
+        <p:nvSpPr>
+          <p:cNvPr id="5" name="Date Placeholder 4"/>
           <p:cNvSpPr>
             <a:spLocks noGrp="1"/>
           </p:cNvSpPr>
@@ -7464,13 +7470,7 @@
       </p:sp>
       <p:sp>
         <p:nvSpPr>
-          <p:cNvPr id="5" name="Footer Placeholder 4">
-            <a:extLst>
-              <a:ext uri="{FF2B5EF4-FFF2-40B4-BE49-F238E27FC236}">
-                <a16:creationId xmlns:a16="http://schemas.microsoft.com/office/drawing/2014/main" id="{DCE103E8-3126-CC4D-871F-ECE83166BC19}"/>
-              </a:ext>
-            </a:extLst>
-          </p:cNvPr>
+          <p:cNvPr id="6" name="Footer Placeholder 5"/>
           <p:cNvSpPr>
             <a:spLocks noGrp="1"/>
           </p:cNvSpPr>
@@ -7484,22 +7484,15 @@
           <a:lstStyle/>
           <a:p>
             <a:r>
-              <a:rPr lang="en-US"/>
+              <a:rPr lang="en-US" dirty="0"/>
               <a:t>Classifying High-Resolution Brain Scans</a:t>
             </a:r>
-            <a:endParaRPr lang="en-US" dirty="0"/>
-          </a:p>
-        </p:txBody>
-      </p:sp>
-      <p:sp>
-        <p:nvSpPr>
-          <p:cNvPr id="6" name="Slide Number Placeholder 5">
-            <a:extLst>
-              <a:ext uri="{FF2B5EF4-FFF2-40B4-BE49-F238E27FC236}">
-                <a16:creationId xmlns:a16="http://schemas.microsoft.com/office/drawing/2014/main" id="{5592808E-2182-C545-A0D1-306E3886A578}"/>
-              </a:ext>
-            </a:extLst>
-          </p:cNvPr>
+          </a:p>
+        </p:txBody>
+      </p:sp>
+      <p:sp>
+        <p:nvSpPr>
+          <p:cNvPr id="7" name="Slide Number Placeholder 6"/>
           <p:cNvSpPr>
             <a:spLocks noGrp="1"/>
           </p:cNvSpPr>
@@ -7523,7 +7516,7 @@
     </p:spTree>
     <p:extLst>
       <p:ext uri="{BB962C8B-B14F-4D97-AF65-F5344CB8AC3E}">
-        <p14:creationId xmlns:p14="http://schemas.microsoft.com/office/powerpoint/2010/main" val="4239048240"/>
+        <p14:creationId xmlns:p14="http://schemas.microsoft.com/office/powerpoint/2010/main" val="3560532499"/>
       </p:ext>
     </p:extLst>
   </p:cSld>
@@ -7552,7 +7545,13 @@
       </p:grpSpPr>
       <p:sp>
         <p:nvSpPr>
-          <p:cNvPr id="10" name="Title 9"/>
+          <p:cNvPr id="2" name="Title 1">
+            <a:extLst>
+              <a:ext uri="{FF2B5EF4-FFF2-40B4-BE49-F238E27FC236}">
+                <a16:creationId xmlns:a16="http://schemas.microsoft.com/office/drawing/2014/main" id="{75017719-AC84-EC48-8634-0D585D1D6469}"/>
+              </a:ext>
+            </a:extLst>
+          </p:cNvPr>
           <p:cNvSpPr>
             <a:spLocks noGrp="1"/>
           </p:cNvSpPr>
@@ -7569,14 +7568,20 @@
           <a:p>
             <a:r>
               <a:rPr lang="en-US" dirty="0"/>
-              <a:t>The End :)</a:t>
-            </a:r>
-          </a:p>
-        </p:txBody>
-      </p:sp>
-      <p:sp>
-        <p:nvSpPr>
-          <p:cNvPr id="11" name="Content Placeholder 10"/>
+              <a:t>Conclusion</a:t>
+            </a:r>
+          </a:p>
+        </p:txBody>
+      </p:sp>
+      <p:sp>
+        <p:nvSpPr>
+          <p:cNvPr id="3" name="Content Placeholder 2">
+            <a:extLst>
+              <a:ext uri="{FF2B5EF4-FFF2-40B4-BE49-F238E27FC236}">
+                <a16:creationId xmlns:a16="http://schemas.microsoft.com/office/drawing/2014/main" id="{69054E7C-2BCC-C442-BFD4-78BA3E0B6A16}"/>
+              </a:ext>
+            </a:extLst>
+          </p:cNvPr>
           <p:cNvSpPr>
             <a:spLocks noGrp="1"/>
           </p:cNvSpPr>
@@ -7589,52 +7594,34 @@
           <a:bodyPr/>
           <a:lstStyle/>
           <a:p>
-            <a:pPr marL="0" indent="0" algn="ctr">
-              <a:buNone/>
-            </a:pPr>
-            <a:endParaRPr lang="en-US" b="1" dirty="0"/>
-          </a:p>
-          <a:p>
-            <a:pPr marL="0" indent="0" algn="ctr">
-              <a:buNone/>
-            </a:pPr>
-            <a:endParaRPr lang="en-US" b="1" dirty="0"/>
-          </a:p>
-          <a:p>
-            <a:pPr marL="0" indent="0" algn="ctr">
-              <a:buNone/>
-            </a:pPr>
-            <a:r>
-              <a:rPr lang="en-US" b="1" dirty="0"/>
-              <a:t>Thanks!</a:t>
-            </a:r>
-          </a:p>
-          <a:p>
-            <a:pPr marL="0" indent="0" algn="ctr">
-              <a:buNone/>
-            </a:pPr>
-            <a:endParaRPr lang="en-US" b="1" dirty="0"/>
-          </a:p>
-          <a:p>
-            <a:pPr marL="0" indent="0" algn="ctr">
-              <a:buNone/>
-            </a:pPr>
-            <a:endParaRPr lang="en-US" b="1" dirty="0"/>
-          </a:p>
-          <a:p>
-            <a:pPr marL="0" indent="0" algn="ctr">
-              <a:buNone/>
-            </a:pPr>
-            <a:r>
-              <a:rPr lang="en-US" b="1" dirty="0"/>
-              <a:t>Questions?</a:t>
-            </a:r>
-          </a:p>
-        </p:txBody>
-      </p:sp>
-      <p:sp>
-        <p:nvSpPr>
-          <p:cNvPr id="5" name="Date Placeholder 4"/>
+            <a:r>
+              <a:rPr lang="en-US" dirty="0"/>
+              <a:t>99.57% - Spark</a:t>
+            </a:r>
+          </a:p>
+          <a:p>
+            <a:r>
+              <a:rPr lang="en-US" dirty="0"/>
+              <a:t>99.56% - Single Machine RF</a:t>
+            </a:r>
+          </a:p>
+          <a:p>
+            <a:endParaRPr lang="en-US" dirty="0"/>
+          </a:p>
+          <a:p>
+            <a:endParaRPr lang="en-US" dirty="0"/>
+          </a:p>
+        </p:txBody>
+      </p:sp>
+      <p:sp>
+        <p:nvSpPr>
+          <p:cNvPr id="4" name="Date Placeholder 3">
+            <a:extLst>
+              <a:ext uri="{FF2B5EF4-FFF2-40B4-BE49-F238E27FC236}">
+                <a16:creationId xmlns:a16="http://schemas.microsoft.com/office/drawing/2014/main" id="{1FFA86AD-7603-E34C-BF3E-F7DB8B2D8E43}"/>
+              </a:ext>
+            </a:extLst>
+          </p:cNvPr>
           <p:cNvSpPr>
             <a:spLocks noGrp="1"/>
           </p:cNvSpPr>
@@ -7656,7 +7643,13 @@
       </p:sp>
       <p:sp>
         <p:nvSpPr>
-          <p:cNvPr id="6" name="Footer Placeholder 5"/>
+          <p:cNvPr id="5" name="Footer Placeholder 4">
+            <a:extLst>
+              <a:ext uri="{FF2B5EF4-FFF2-40B4-BE49-F238E27FC236}">
+                <a16:creationId xmlns:a16="http://schemas.microsoft.com/office/drawing/2014/main" id="{DCE103E8-3126-CC4D-871F-ECE83166BC19}"/>
+              </a:ext>
+            </a:extLst>
+          </p:cNvPr>
           <p:cNvSpPr>
             <a:spLocks noGrp="1"/>
           </p:cNvSpPr>
@@ -7670,15 +7663,22 @@
           <a:lstStyle/>
           <a:p>
             <a:r>
-              <a:rPr lang="en-US" dirty="0"/>
+              <a:rPr lang="en-US"/>
               <a:t>Classifying High-Resolution Brain Scans</a:t>
             </a:r>
-          </a:p>
-        </p:txBody>
-      </p:sp>
-      <p:sp>
-        <p:nvSpPr>
-          <p:cNvPr id="7" name="Slide Number Placeholder 6"/>
+            <a:endParaRPr lang="en-US" dirty="0"/>
+          </a:p>
+        </p:txBody>
+      </p:sp>
+      <p:sp>
+        <p:nvSpPr>
+          <p:cNvPr id="6" name="Slide Number Placeholder 5">
+            <a:extLst>
+              <a:ext uri="{FF2B5EF4-FFF2-40B4-BE49-F238E27FC236}">
+                <a16:creationId xmlns:a16="http://schemas.microsoft.com/office/drawing/2014/main" id="{5592808E-2182-C545-A0D1-306E3886A578}"/>
+              </a:ext>
+            </a:extLst>
+          </p:cNvPr>
           <p:cNvSpPr>
             <a:spLocks noGrp="1"/>
           </p:cNvSpPr>
@@ -7702,7 +7702,7 @@
     </p:spTree>
     <p:extLst>
       <p:ext uri="{BB962C8B-B14F-4D97-AF65-F5344CB8AC3E}">
-        <p14:creationId xmlns:p14="http://schemas.microsoft.com/office/powerpoint/2010/main" val="3560532499"/>
+        <p14:creationId xmlns:p14="http://schemas.microsoft.com/office/powerpoint/2010/main" val="4239048240"/>
       </p:ext>
     </p:extLst>
   </p:cSld>
@@ -8046,24 +8046,16 @@
         <p:spPr/>
         <p:txBody>
           <a:bodyPr>
-            <a:normAutofit fontScale="92500" lnSpcReduction="10000"/>
+            <a:normAutofit/>
           </a:bodyPr>
           <a:lstStyle/>
           <a:p>
             <a:r>
               <a:rPr lang="en-US" dirty="0"/>
-              <a:t>Apache Spark is a fast and general engine for large-scale data processing</a:t>
-            </a:r>
-          </a:p>
-          <a:p>
-            <a:pPr lvl="1"/>
-            <a:r>
-              <a:rPr lang="en-US" dirty="0"/>
-              <a:t>Scalable, fault tolerant, &amp; distributed framework for data science</a:t>
-            </a:r>
-          </a:p>
-          <a:p>
-            <a:pPr lvl="1"/>
+              <a:t>Distributed framework for data science</a:t>
+            </a:r>
+          </a:p>
+          <a:p>
             <a:r>
               <a:rPr lang="en-US" dirty="0"/>
               <a:t>Resilient datasets</a:t>
@@ -8077,10 +8069,6 @@
             </a:r>
           </a:p>
           <a:p>
-            <a:r>
-              <a:rPr lang="en-US" dirty="0"/>
-              <a:t>Parallel approach to Machine Learning – </a:t>
-            </a:r>
             <a:r>
               <a:rPr lang="en-US" dirty="0" err="1"/>
               <a:t>MLLib</a:t>
